--- a/Data/sgRNA/Figure1/Figure 1 new version 0227.pptx
+++ b/Data/sgRNA/Figure1/Figure 1 new version 0227.pptx
@@ -3081,6 +3081,150 @@
       <p:grpSpPr/>
       <p:pic>
         <p:nvPicPr>
+          <p:cNvPr id="139" name="Picture 138" descr="000066"/>
+          <p:cNvPicPr>
+            <a:picLocks noChangeAspect="1"/>
+          </p:cNvPicPr>
+          <p:nvPr/>
+        </p:nvPicPr>
+        <p:blipFill>
+          <a:blip r:embed="rId1"/>
+          <a:stretch>
+            <a:fillRect/>
+          </a:stretch>
+        </p:blipFill>
+        <p:spPr>
+          <a:xfrm>
+            <a:off x="225425" y="5790565"/>
+            <a:ext cx="1538605" cy="950595"/>
+          </a:xfrm>
+          <a:prstGeom prst="rect">
+            <a:avLst/>
+          </a:prstGeom>
+        </p:spPr>
+      </p:pic>
+      <p:pic>
+        <p:nvPicPr>
+          <p:cNvPr id="135" name="Picture 134" descr="000065"/>
+          <p:cNvPicPr>
+            <a:picLocks noChangeAspect="1"/>
+          </p:cNvPicPr>
+          <p:nvPr/>
+        </p:nvPicPr>
+        <p:blipFill>
+          <a:blip r:embed="rId2"/>
+          <a:stretch>
+            <a:fillRect/>
+          </a:stretch>
+        </p:blipFill>
+        <p:spPr>
+          <a:xfrm>
+            <a:off x="233045" y="4733925"/>
+            <a:ext cx="1538605" cy="951230"/>
+          </a:xfrm>
+          <a:prstGeom prst="rect">
+            <a:avLst/>
+          </a:prstGeom>
+        </p:spPr>
+      </p:pic>
+      <p:pic>
+        <p:nvPicPr>
+          <p:cNvPr id="134" name="Picture 133" descr="000062"/>
+          <p:cNvPicPr>
+            <a:picLocks noChangeAspect="1"/>
+          </p:cNvPicPr>
+          <p:nvPr/>
+        </p:nvPicPr>
+        <p:blipFill>
+          <a:blip r:embed="rId3"/>
+          <a:stretch>
+            <a:fillRect/>
+          </a:stretch>
+        </p:blipFill>
+        <p:spPr>
+          <a:xfrm>
+            <a:off x="220345" y="3671570"/>
+            <a:ext cx="1543050" cy="954405"/>
+          </a:xfrm>
+          <a:prstGeom prst="rect">
+            <a:avLst/>
+          </a:prstGeom>
+        </p:spPr>
+      </p:pic>
+      <p:pic>
+        <p:nvPicPr>
+          <p:cNvPr id="102" name="Picture 101" descr="000017"/>
+          <p:cNvPicPr>
+            <a:picLocks noChangeAspect="1"/>
+          </p:cNvPicPr>
+          <p:nvPr/>
+        </p:nvPicPr>
+        <p:blipFill>
+          <a:blip r:embed="rId4"/>
+          <a:stretch>
+            <a:fillRect/>
+          </a:stretch>
+        </p:blipFill>
+        <p:spPr>
+          <a:xfrm>
+            <a:off x="6443980" y="2578100"/>
+            <a:ext cx="2982595" cy="1843405"/>
+          </a:xfrm>
+          <a:prstGeom prst="rect">
+            <a:avLst/>
+          </a:prstGeom>
+        </p:spPr>
+      </p:pic>
+      <p:pic>
+        <p:nvPicPr>
+          <p:cNvPr id="109" name="Picture 108" descr="000054"/>
+          <p:cNvPicPr>
+            <a:picLocks noChangeAspect="1"/>
+          </p:cNvPicPr>
+          <p:nvPr/>
+        </p:nvPicPr>
+        <p:blipFill>
+          <a:blip r:embed="rId5"/>
+          <a:stretch>
+            <a:fillRect/>
+          </a:stretch>
+        </p:blipFill>
+        <p:spPr>
+          <a:xfrm>
+            <a:off x="224790" y="2519680"/>
+            <a:ext cx="1538605" cy="1037590"/>
+          </a:xfrm>
+          <a:prstGeom prst="rect">
+            <a:avLst/>
+          </a:prstGeom>
+        </p:spPr>
+      </p:pic>
+      <p:pic>
+        <p:nvPicPr>
+          <p:cNvPr id="68" name="Picture 67" descr="000062"/>
+          <p:cNvPicPr>
+            <a:picLocks noChangeAspect="1"/>
+          </p:cNvPicPr>
+          <p:nvPr/>
+        </p:nvPicPr>
+        <p:blipFill>
+          <a:blip r:embed="rId6"/>
+          <a:stretch>
+            <a:fillRect/>
+          </a:stretch>
+        </p:blipFill>
+        <p:spPr>
+          <a:xfrm>
+            <a:off x="5100320" y="1196340"/>
+            <a:ext cx="1845310" cy="1140460"/>
+          </a:xfrm>
+          <a:prstGeom prst="rect">
+            <a:avLst/>
+          </a:prstGeom>
+        </p:spPr>
+      </p:pic>
+      <p:pic>
+        <p:nvPicPr>
           <p:cNvPr id="4" name="Content Placeholder 3" descr="IMG_C0DA28380E36-1"/>
           <p:cNvPicPr>
             <a:picLocks noChangeAspect="1"/>
@@ -3090,15 +3234,15 @@
           </p:nvPr>
         </p:nvPicPr>
         <p:blipFill>
-          <a:blip r:embed="rId1"/>
+          <a:blip r:embed="rId7"/>
           <a:stretch>
             <a:fillRect/>
           </a:stretch>
         </p:blipFill>
         <p:spPr>
           <a:xfrm rot="5400000">
-            <a:off x="85725" y="-34290"/>
-            <a:ext cx="2222500" cy="2350135"/>
+            <a:off x="56515" y="92075"/>
+            <a:ext cx="1978025" cy="2091690"/>
           </a:xfrm>
           <a:prstGeom prst="rect">
             <a:avLst/>
@@ -3114,14 +3258,14 @@
           <p:nvPr/>
         </p:nvPicPr>
         <p:blipFill>
-          <a:blip r:embed="rId2"/>
+          <a:blip r:embed="rId8"/>
           <a:stretch>
             <a:fillRect/>
           </a:stretch>
         </p:blipFill>
         <p:spPr>
           <a:xfrm>
-            <a:off x="5090160" y="1217930"/>
+            <a:off x="7550150" y="1217930"/>
             <a:ext cx="1810385" cy="1118870"/>
           </a:xfrm>
           <a:prstGeom prst="rect">
@@ -3137,13 +3281,13 @@
         </p:nvCxnSpPr>
         <p:spPr>
           <a:xfrm>
-            <a:off x="2149475" y="1138555"/>
-            <a:ext cx="723265" cy="0"/>
+            <a:off x="1903730" y="1138555"/>
+            <a:ext cx="671830" cy="0"/>
           </a:xfrm>
           <a:prstGeom prst="line">
             <a:avLst/>
           </a:prstGeom>
-          <a:ln w="25400">
+          <a:ln w="12700">
             <a:solidFill>
               <a:schemeClr val="tx1"/>
             </a:solidFill>
@@ -3172,13 +3316,13 @@
         </p:nvCxnSpPr>
         <p:spPr>
           <a:xfrm flipV="1">
-            <a:off x="2861945" y="499110"/>
-            <a:ext cx="0" cy="609600"/>
+            <a:off x="2575560" y="591185"/>
+            <a:ext cx="0" cy="547370"/>
           </a:xfrm>
           <a:prstGeom prst="line">
             <a:avLst/>
           </a:prstGeom>
-          <a:ln w="25400">
+          <a:ln w="12700">
             <a:solidFill>
               <a:schemeClr val="tx1"/>
             </a:solidFill>
@@ -3207,13 +3351,13 @@
         </p:nvCxnSpPr>
         <p:spPr>
           <a:xfrm flipV="1">
-            <a:off x="2861945" y="1108710"/>
-            <a:ext cx="0" cy="609600"/>
+            <a:off x="2575560" y="1093470"/>
+            <a:ext cx="0" cy="619125"/>
           </a:xfrm>
           <a:prstGeom prst="line">
             <a:avLst/>
           </a:prstGeom>
-          <a:ln w="25400">
+          <a:ln w="12700">
             <a:solidFill>
               <a:schemeClr val="tx1"/>
             </a:solidFill>
@@ -3242,18 +3386,19 @@
         </p:nvCxnSpPr>
         <p:spPr>
           <a:xfrm>
-            <a:off x="2861310" y="505460"/>
-            <a:ext cx="3453130" cy="0"/>
+            <a:off x="2560320" y="593090"/>
+            <a:ext cx="3492500" cy="0"/>
           </a:xfrm>
           <a:prstGeom prst="straightConnector1">
             <a:avLst/>
           </a:prstGeom>
-          <a:ln w="25400">
+          <a:ln w="12700">
             <a:solidFill>
               <a:schemeClr val="tx1"/>
             </a:solidFill>
             <a:tailEnd type="arrow"/>
           </a:ln>
+          <a:effectLst/>
         </p:spPr>
         <p:style>
           <a:lnRef idx="2">
@@ -3278,13 +3423,13 @@
         </p:nvCxnSpPr>
         <p:spPr>
           <a:xfrm>
-            <a:off x="2861310" y="1718945"/>
-            <a:ext cx="2223770" cy="0"/>
+            <a:off x="2583180" y="1718945"/>
+            <a:ext cx="2501900" cy="0"/>
           </a:xfrm>
           <a:prstGeom prst="straightConnector1">
             <a:avLst/>
           </a:prstGeom>
-          <a:ln w="25400">
+          <a:ln w="12700">
             <a:solidFill>
               <a:schemeClr val="tx1"/>
             </a:solidFill>
@@ -3306,30 +3451,6 @@
           </a:fontRef>
         </p:style>
       </p:cxnSp>
-      <p:pic>
-        <p:nvPicPr>
-          <p:cNvPr id="19" name="Picture 18" descr="00003e"/>
-          <p:cNvPicPr>
-            <a:picLocks noChangeAspect="1"/>
-          </p:cNvPicPr>
-          <p:nvPr/>
-        </p:nvPicPr>
-        <p:blipFill>
-          <a:blip r:embed="rId2"/>
-          <a:stretch>
-            <a:fillRect/>
-          </a:stretch>
-        </p:blipFill>
-        <p:spPr>
-          <a:xfrm>
-            <a:off x="6325870" y="0"/>
-            <a:ext cx="1810385" cy="1118870"/>
-          </a:xfrm>
-          <a:prstGeom prst="rect">
-            <a:avLst/>
-          </a:prstGeom>
-        </p:spPr>
-      </p:pic>
       <p:sp>
         <p:nvSpPr>
           <p:cNvPr id="20" name="Text Box 19"/>
@@ -3338,7 +3459,7 @@
         </p:nvSpPr>
         <p:spPr>
           <a:xfrm>
-            <a:off x="4954270" y="1005840"/>
+            <a:off x="7342505" y="1217930"/>
             <a:ext cx="362585" cy="272415"/>
           </a:xfrm>
           <a:prstGeom prst="rect">
@@ -3352,14 +3473,14 @@
           </a:bodyPr>
           <a:p>
             <a:r>
-              <a:rPr lang="en-US" sz="1200"/>
+              <a:rPr lang="en-US" sz="1400"/>
               <a:t>t</a:t>
             </a:r>
             <a:r>
-              <a:rPr lang="en-US" sz="1200" baseline="-25000"/>
+              <a:rPr lang="en-US" sz="1400" baseline="-25000"/>
               <a:t>R</a:t>
             </a:r>
-            <a:endParaRPr lang="en-US" sz="1200" baseline="-25000"/>
+            <a:endParaRPr lang="en-US" sz="1400" baseline="-25000"/>
           </a:p>
         </p:txBody>
       </p:sp>
@@ -3371,8 +3492,8 @@
         </p:nvSpPr>
         <p:spPr>
           <a:xfrm>
-            <a:off x="5847715" y="2252345"/>
-            <a:ext cx="478155" cy="272415"/>
+            <a:off x="5756910" y="2252345"/>
+            <a:ext cx="579755" cy="272415"/>
           </a:xfrm>
           <a:prstGeom prst="rect">
             <a:avLst/>
@@ -3384,11 +3505,12 @@
             <a:noAutofit/>
           </a:bodyPr>
           <a:p>
-            <a:r>
-              <a:rPr lang="en-US" sz="1200" baseline="-25000"/>
+            <a:pPr algn="ctr"/>
+            <a:r>
+              <a:rPr lang="en-US" sz="1000"/>
               <a:t>Mass</a:t>
             </a:r>
-            <a:endParaRPr lang="en-US" sz="1200" baseline="-25000"/>
+            <a:endParaRPr lang="en-US" sz="1000"/>
           </a:p>
         </p:txBody>
       </p:sp>
@@ -3400,7 +3522,7 @@
         </p:nvSpPr>
         <p:spPr>
           <a:xfrm>
-            <a:off x="3646805" y="225425"/>
+            <a:off x="3252470" y="304165"/>
             <a:ext cx="2419985" cy="275590"/>
           </a:xfrm>
           <a:prstGeom prst="rect">
@@ -3419,12 +3541,18 @@
                 <a:ea typeface="Calibri" charset="0"/>
                 <a:cs typeface="Arial Regular" panose="020B0604020202090204" charset="0"/>
               </a:rPr>
-              <a:t>① No hydrolysis treatment</a:t>
+              <a:t>① </a:t>
+            </a:r>
+            <a:r>
+              <a:rPr lang="en-US" altLang="en-US" sz="1200">
+                <a:ea typeface="Calibri" charset="0"/>
+                <a:cs typeface="+mn-lt"/>
+              </a:rPr>
+              <a:t>No acid hydrolysis treatment</a:t>
             </a:r>
             <a:endParaRPr lang="en-US" altLang="en-US" sz="1200">
-              <a:latin typeface="Arial Regular" panose="020B0604020202090204" charset="0"/>
               <a:ea typeface="Calibri" charset="0"/>
-              <a:cs typeface="Arial Regular" panose="020B0604020202090204" charset="0"/>
+              <a:cs typeface="+mn-lt"/>
             </a:endParaRPr>
           </a:p>
         </p:txBody>
@@ -3437,7 +3565,7 @@
         </p:nvSpPr>
         <p:spPr>
           <a:xfrm>
-            <a:off x="4431030" y="533400"/>
+            <a:off x="4036695" y="591820"/>
             <a:ext cx="850900" cy="275590"/>
           </a:xfrm>
           <a:prstGeom prst="rect">
@@ -3451,17 +3579,15 @@
           </a:bodyPr>
           <a:p>
             <a:r>
-              <a:rPr lang="en-US" altLang="en-US" sz="1200">
-                <a:latin typeface="Arial Regular" panose="020B0604020202090204" charset="0"/>
+              <a:rPr lang="en-US" altLang="en-US" sz="1200" i="1">
                 <a:ea typeface="Calibri" charset="0"/>
-                <a:cs typeface="Arial Regular" panose="020B0604020202090204" charset="0"/>
+                <a:cs typeface="+mn-lt"/>
               </a:rPr>
               <a:t>LC-MS</a:t>
             </a:r>
-            <a:endParaRPr lang="en-US" altLang="en-US" sz="1200">
-              <a:latin typeface="Arial Regular" panose="020B0604020202090204" charset="0"/>
+            <a:endParaRPr lang="en-US" altLang="en-US" sz="1200" i="1">
               <a:ea typeface="Calibri" charset="0"/>
-              <a:cs typeface="Arial Regular" panose="020B0604020202090204" charset="0"/>
+              <a:cs typeface="+mn-lt"/>
             </a:endParaRPr>
           </a:p>
         </p:txBody>
@@ -3474,8 +3600,8 @@
         </p:nvSpPr>
         <p:spPr>
           <a:xfrm>
-            <a:off x="3053715" y="1443355"/>
-            <a:ext cx="1900555" cy="275590"/>
+            <a:off x="2691130" y="1437005"/>
+            <a:ext cx="2286000" cy="275590"/>
           </a:xfrm>
           <a:prstGeom prst="rect">
             <a:avLst/>
@@ -3487,12 +3613,13 @@
             <a:spAutoFit/>
           </a:bodyPr>
           <a:p>
+            <a:pPr algn="ctr"/>
             <a:r>
               <a:rPr lang="en-US" altLang="en-US" sz="1200">
                 <a:latin typeface="Calibri" charset="0"/>
                 <a:ea typeface="Calibri" charset="0"/>
               </a:rPr>
-              <a:t>② Controlled Hydrolysis</a:t>
+              <a:t>② Controlled acid hydrolysis</a:t>
             </a:r>
             <a:endParaRPr lang="en-US" altLang="en-US" sz="1200">
               <a:latin typeface="Calibri" charset="0"/>
@@ -3509,7 +3636,7 @@
         </p:nvSpPr>
         <p:spPr>
           <a:xfrm>
-            <a:off x="3646805" y="1750060"/>
+            <a:off x="3345180" y="1743075"/>
             <a:ext cx="850900" cy="275590"/>
           </a:xfrm>
           <a:prstGeom prst="rect">
@@ -3523,45 +3650,19 @@
           </a:bodyPr>
           <a:p>
             <a:r>
-              <a:rPr lang="en-US" altLang="en-US" sz="1200">
-                <a:latin typeface="Arial Regular" panose="020B0604020202090204" charset="0"/>
+              <a:rPr lang="en-US" altLang="en-US" sz="1200" i="1">
                 <a:ea typeface="Calibri" charset="0"/>
-                <a:cs typeface="Arial Regular" panose="020B0604020202090204" charset="0"/>
+                <a:cs typeface="+mn-lt"/>
               </a:rPr>
               <a:t>LC-MS</a:t>
             </a:r>
-            <a:endParaRPr lang="en-US" altLang="en-US" sz="1200">
-              <a:latin typeface="Arial Regular" panose="020B0604020202090204" charset="0"/>
+            <a:endParaRPr lang="en-US" altLang="en-US" sz="1200" i="1">
               <a:ea typeface="Calibri" charset="0"/>
-              <a:cs typeface="Arial Regular" panose="020B0604020202090204" charset="0"/>
+              <a:cs typeface="+mn-lt"/>
             </a:endParaRPr>
           </a:p>
         </p:txBody>
       </p:sp>
-      <p:pic>
-        <p:nvPicPr>
-          <p:cNvPr id="26" name="Picture 25" descr="00003e"/>
-          <p:cNvPicPr>
-            <a:picLocks noChangeAspect="1"/>
-          </p:cNvPicPr>
-          <p:nvPr/>
-        </p:nvPicPr>
-        <p:blipFill>
-          <a:blip r:embed="rId2"/>
-          <a:stretch>
-            <a:fillRect/>
-          </a:stretch>
-        </p:blipFill>
-        <p:spPr>
-          <a:xfrm>
-            <a:off x="7331710" y="1145540"/>
-            <a:ext cx="1929130" cy="1192530"/>
-          </a:xfrm>
-          <a:prstGeom prst="rect">
-            <a:avLst/>
-          </a:prstGeom>
-        </p:spPr>
-      </p:pic>
       <p:sp>
         <p:nvSpPr>
           <p:cNvPr id="27" name="Text Box 26"/>
@@ -3570,7 +3671,7 @@
         </p:nvSpPr>
         <p:spPr>
           <a:xfrm>
-            <a:off x="6968490" y="1534795"/>
+            <a:off x="7031990" y="1593215"/>
             <a:ext cx="374015" cy="368300"/>
           </a:xfrm>
           <a:prstGeom prst="rect">
@@ -3583,6 +3684,7 @@
             <a:spAutoFit/>
           </a:bodyPr>
           <a:p>
+            <a:pPr algn="ctr"/>
             <a:r>
               <a:rPr lang="en-US"/>
               <a:t>+</a:t>
@@ -3599,7 +3701,7 @@
         </p:nvSpPr>
         <p:spPr>
           <a:xfrm>
-            <a:off x="8395335" y="183515"/>
+            <a:off x="8257540" y="183515"/>
             <a:ext cx="2127885" cy="645160"/>
           </a:xfrm>
           <a:prstGeom prst="rect">
@@ -3615,14 +3717,12 @@
             <a:pPr algn="ctr"/>
             <a:r>
               <a:rPr lang="en-US" sz="1200" i="1">
-                <a:latin typeface="Arial Italic" panose="020B0604020202090204" charset="0"/>
-                <a:cs typeface="Arial Italic" panose="020B0604020202090204" charset="0"/>
+                <a:cs typeface="+mn-lt"/>
               </a:rPr>
               <a:t>Determine number of RNAs and their sum intensity in the sample respectively</a:t>
             </a:r>
             <a:endParaRPr lang="en-US" sz="1200" i="1">
-              <a:latin typeface="Arial Italic" panose="020B0604020202090204" charset="0"/>
-              <a:cs typeface="Arial Italic" panose="020B0604020202090204" charset="0"/>
+              <a:cs typeface="+mn-lt"/>
             </a:endParaRPr>
           </a:p>
         </p:txBody>
@@ -3635,13 +3735,13 @@
         </p:nvCxnSpPr>
         <p:spPr>
           <a:xfrm>
-            <a:off x="9360535" y="2066290"/>
-            <a:ext cx="708025" cy="0"/>
+            <a:off x="9360535" y="1750060"/>
+            <a:ext cx="932180" cy="0"/>
           </a:xfrm>
           <a:prstGeom prst="line">
             <a:avLst/>
           </a:prstGeom>
-          <a:ln w="25400">
+          <a:ln w="12700">
             <a:solidFill>
               <a:schemeClr val="tx1"/>
             </a:solidFill>
@@ -3670,13 +3770,13 @@
         </p:nvCxnSpPr>
         <p:spPr>
           <a:xfrm flipV="1">
-            <a:off x="10068560" y="2063750"/>
-            <a:ext cx="0" cy="1277620"/>
+            <a:off x="10293350" y="1743075"/>
+            <a:ext cx="0" cy="1724660"/>
           </a:xfrm>
           <a:prstGeom prst="line">
             <a:avLst/>
           </a:prstGeom>
-          <a:ln w="25400">
+          <a:ln w="12700">
             <a:solidFill>
               <a:schemeClr val="tx1"/>
             </a:solidFill>
@@ -3705,7 +3805,7 @@
         </p:nvSpPr>
         <p:spPr>
           <a:xfrm>
-            <a:off x="10059670" y="2425065"/>
+            <a:off x="10186670" y="2409190"/>
             <a:ext cx="2127885" cy="644525"/>
           </a:xfrm>
           <a:prstGeom prst="rect">
@@ -3731,7 +3831,24 @@
                 <a:latin typeface="Arial Regular" panose="020B0604020202090204" charset="0"/>
                 <a:cs typeface="Arial Regular" panose="020B0604020202090204" charset="0"/>
               </a:rPr>
-              <a:t>Start base calling from the mass point with highest sum intensity in the dataset </a:t>
+              <a:t>Start base calling from the mass point with </a:t>
+            </a:r>
+            <a:r>
+              <a:rPr lang="en-US" sz="1200">
+                <a:solidFill>
+                  <a:schemeClr val="tx1"/>
+                </a:solidFill>
+                <a:latin typeface="Arial Regular" panose="020B0604020202090204" charset="0"/>
+                <a:cs typeface="Arial Regular" panose="020B0604020202090204" charset="0"/>
+              </a:rPr>
+              <a:t>highest sum intensity</a:t>
+            </a:r>
+            <a:r>
+              <a:rPr lang="en-US" sz="1200">
+                <a:latin typeface="Arial Regular" panose="020B0604020202090204" charset="0"/>
+                <a:cs typeface="Arial Regular" panose="020B0604020202090204" charset="0"/>
+              </a:rPr>
+              <a:t> in the dataset </a:t>
             </a:r>
             <a:endParaRPr lang="en-US" sz="1200">
               <a:latin typeface="Arial Regular" panose="020B0604020202090204" charset="0"/>
@@ -3740,24 +3857,340 @@
           </a:p>
         </p:txBody>
       </p:sp>
+      <p:cxnSp>
+        <p:nvCxnSpPr>
+          <p:cNvPr id="36" name="Straight Arrow Connector 35"/>
+          <p:cNvCxnSpPr/>
+          <p:nvPr/>
+        </p:nvCxnSpPr>
+        <p:spPr>
+          <a:xfrm flipH="1">
+            <a:off x="9465310" y="3472180"/>
+            <a:ext cx="846455" cy="0"/>
+          </a:xfrm>
+          <a:prstGeom prst="straightConnector1">
+            <a:avLst/>
+          </a:prstGeom>
+          <a:ln w="12700">
+            <a:solidFill>
+              <a:schemeClr val="tx1"/>
+            </a:solidFill>
+            <a:tailEnd type="arrow"/>
+          </a:ln>
+        </p:spPr>
+        <p:style>
+          <a:lnRef idx="2">
+            <a:schemeClr val="accent1"/>
+          </a:lnRef>
+          <a:fillRef idx="0">
+            <a:srgbClr val="FFFFFF"/>
+          </a:fillRef>
+          <a:effectRef idx="0">
+            <a:srgbClr val="FFFFFF"/>
+          </a:effectRef>
+          <a:fontRef idx="minor">
+            <a:schemeClr val="tx1"/>
+          </a:fontRef>
+        </p:style>
+      </p:cxnSp>
+      <p:sp>
+        <p:nvSpPr>
+          <p:cNvPr id="38" name="Text Box 37"/>
+          <p:cNvSpPr txBox="1"/>
+          <p:nvPr/>
+        </p:nvSpPr>
+        <p:spPr>
+          <a:xfrm>
+            <a:off x="2773680" y="2764155"/>
+            <a:ext cx="1993900" cy="275590"/>
+          </a:xfrm>
+          <a:prstGeom prst="rect">
+            <a:avLst/>
+          </a:prstGeom>
+          <a:noFill/>
+        </p:spPr>
+        <p:txBody>
+          <a:bodyPr wrap="square" rtlCol="0">
+            <a:noAutofit/>
+          </a:bodyPr>
+          <a:p>
+            <a:pPr algn="ctr"/>
+            <a:r>
+              <a:rPr lang="en-US" altLang="en-US" sz="1200">
+                <a:latin typeface="Arial Regular" panose="020B0604020202090204" charset="0"/>
+                <a:cs typeface="Arial Regular" panose="020B0604020202090204" charset="0"/>
+              </a:rPr>
+              <a:t> ④ </a:t>
+            </a:r>
+            <a:r>
+              <a:rPr lang="en-US" sz="1200">
+                <a:latin typeface="Arial Regular" panose="020B0604020202090204" charset="0"/>
+                <a:cs typeface="Arial Regular" panose="020B0604020202090204" charset="0"/>
+              </a:rPr>
+              <a:t>Generate RNA ladder</a:t>
+            </a:r>
+            <a:endParaRPr lang="en-US" sz="1200">
+              <a:latin typeface="Arial Regular" panose="020B0604020202090204" charset="0"/>
+              <a:cs typeface="Arial Regular" panose="020B0604020202090204" charset="0"/>
+            </a:endParaRPr>
+          </a:p>
+        </p:txBody>
+      </p:sp>
+      <p:cxnSp>
+        <p:nvCxnSpPr>
+          <p:cNvPr id="46" name="Straight Arrow Connector 45"/>
+          <p:cNvCxnSpPr/>
+          <p:nvPr/>
+        </p:nvCxnSpPr>
+        <p:spPr>
+          <a:xfrm>
+            <a:off x="1771650" y="5664200"/>
+            <a:ext cx="1537335" cy="0"/>
+          </a:xfrm>
+          <a:prstGeom prst="straightConnector1">
+            <a:avLst/>
+          </a:prstGeom>
+          <a:ln w="12700">
+            <a:solidFill>
+              <a:schemeClr val="tx1"/>
+            </a:solidFill>
+            <a:tailEnd type="arrow"/>
+          </a:ln>
+        </p:spPr>
+        <p:style>
+          <a:lnRef idx="2">
+            <a:schemeClr val="accent1"/>
+          </a:lnRef>
+          <a:fillRef idx="0">
+            <a:srgbClr val="FFFFFF"/>
+          </a:fillRef>
+          <a:effectRef idx="0">
+            <a:srgbClr val="FFFFFF"/>
+          </a:effectRef>
+          <a:fontRef idx="minor">
+            <a:schemeClr val="tx1"/>
+          </a:fontRef>
+        </p:style>
+      </p:cxnSp>
+      <p:sp>
+        <p:nvSpPr>
+          <p:cNvPr id="49" name="Text Box 48"/>
+          <p:cNvSpPr txBox="1"/>
+          <p:nvPr/>
+        </p:nvSpPr>
+        <p:spPr>
+          <a:xfrm>
+            <a:off x="1633855" y="5388610"/>
+            <a:ext cx="1717675" cy="275590"/>
+          </a:xfrm>
+          <a:prstGeom prst="rect">
+            <a:avLst/>
+          </a:prstGeom>
+          <a:noFill/>
+        </p:spPr>
+        <p:txBody>
+          <a:bodyPr wrap="square" rtlCol="0">
+            <a:spAutoFit/>
+          </a:bodyPr>
+          <a:p>
+            <a:pPr algn="ctr"/>
+            <a:r>
+              <a:rPr lang="en-US" altLang="en-US" sz="1200">
+                <a:latin typeface="Arial Regular" panose="020B0604020202090204" charset="0"/>
+              </a:rPr>
+              <a:t>⑤ Assemble ladders </a:t>
+            </a:r>
+            <a:endParaRPr lang="en-US" altLang="en-US" sz="1200">
+              <a:latin typeface="Arial Regular" panose="020B0604020202090204" charset="0"/>
+            </a:endParaRPr>
+          </a:p>
+        </p:txBody>
+      </p:sp>
+      <p:cxnSp>
+        <p:nvCxnSpPr>
+          <p:cNvPr id="55" name="Straight Arrow Connector 54"/>
+          <p:cNvCxnSpPr>
+            <a:stCxn id="51" idx="3"/>
+          </p:cNvCxnSpPr>
+          <p:nvPr/>
+        </p:nvCxnSpPr>
+        <p:spPr>
+          <a:xfrm>
+            <a:off x="7512050" y="5637530"/>
+            <a:ext cx="836295" cy="0"/>
+          </a:xfrm>
+          <a:prstGeom prst="straightConnector1">
+            <a:avLst/>
+          </a:prstGeom>
+          <a:ln w="12700">
+            <a:solidFill>
+              <a:schemeClr val="tx1"/>
+            </a:solidFill>
+            <a:tailEnd type="arrow"/>
+          </a:ln>
+        </p:spPr>
+        <p:style>
+          <a:lnRef idx="2">
+            <a:schemeClr val="accent1"/>
+          </a:lnRef>
+          <a:fillRef idx="0">
+            <a:srgbClr val="FFFFFF"/>
+          </a:fillRef>
+          <a:effectRef idx="0">
+            <a:srgbClr val="FFFFFF"/>
+          </a:effectRef>
+          <a:fontRef idx="minor">
+            <a:schemeClr val="tx1"/>
+          </a:fontRef>
+        </p:style>
+      </p:cxnSp>
+      <p:sp>
+        <p:nvSpPr>
+          <p:cNvPr id="56" name="Text Box 55"/>
+          <p:cNvSpPr txBox="1"/>
+          <p:nvPr/>
+        </p:nvSpPr>
+        <p:spPr>
+          <a:xfrm>
+            <a:off x="7430770" y="4992370"/>
+            <a:ext cx="908050" cy="574675"/>
+          </a:xfrm>
+          <a:prstGeom prst="rect">
+            <a:avLst/>
+          </a:prstGeom>
+          <a:noFill/>
+        </p:spPr>
+        <p:txBody>
+          <a:bodyPr wrap="square" rtlCol="0">
+            <a:noAutofit/>
+          </a:bodyPr>
+          <a:p>
+            <a:pPr algn="ctr"/>
+            <a:r>
+              <a:rPr lang="en-US" altLang="en-US" sz="1200"/>
+              <a:t>⑥ Final Sequence Output</a:t>
+            </a:r>
+            <a:endParaRPr lang="en-US" altLang="en-US" sz="1200"/>
+          </a:p>
+        </p:txBody>
+      </p:sp>
+      <p:sp>
+        <p:nvSpPr>
+          <p:cNvPr id="63" name="Text Box 62"/>
+          <p:cNvSpPr txBox="1"/>
+          <p:nvPr/>
+        </p:nvSpPr>
+        <p:spPr>
+          <a:xfrm>
+            <a:off x="0" y="2018665"/>
+            <a:ext cx="1929765" cy="400050"/>
+          </a:xfrm>
+          <a:prstGeom prst="rect">
+            <a:avLst/>
+          </a:prstGeom>
+          <a:noFill/>
+        </p:spPr>
+        <p:txBody>
+          <a:bodyPr wrap="square" rtlCol="0">
+            <a:noAutofit/>
+          </a:bodyPr>
+          <a:p>
+            <a:pPr algn="ctr"/>
+            <a:r>
+              <a:rPr lang="en-US" sz="1200" i="1">
+                <a:cs typeface="+mn-lt"/>
+              </a:rPr>
+              <a:t>mixture of RNAs with different abundances </a:t>
+            </a:r>
+            <a:endParaRPr lang="en-US" sz="1200" i="1">
+              <a:cs typeface="+mn-lt"/>
+            </a:endParaRPr>
+          </a:p>
+        </p:txBody>
+      </p:sp>
+      <p:sp>
+        <p:nvSpPr>
+          <p:cNvPr id="66" name="Text Box 65"/>
+          <p:cNvSpPr txBox="1"/>
+          <p:nvPr/>
+        </p:nvSpPr>
+        <p:spPr>
+          <a:xfrm>
+            <a:off x="8139430" y="2252345"/>
+            <a:ext cx="597535" cy="272415"/>
+          </a:xfrm>
+          <a:prstGeom prst="rect">
+            <a:avLst/>
+          </a:prstGeom>
+          <a:noFill/>
+        </p:spPr>
+        <p:txBody>
+          <a:bodyPr wrap="square" rtlCol="0">
+            <a:noAutofit/>
+          </a:bodyPr>
+          <a:p>
+            <a:pPr algn="ctr"/>
+            <a:r>
+              <a:rPr lang="en-US" sz="1000"/>
+              <a:t>Mass</a:t>
+            </a:r>
+            <a:endParaRPr lang="en-US" sz="1000"/>
+          </a:p>
+        </p:txBody>
+      </p:sp>
+      <p:sp>
+        <p:nvSpPr>
+          <p:cNvPr id="67" name="Text Box 66"/>
+          <p:cNvSpPr txBox="1"/>
+          <p:nvPr/>
+        </p:nvSpPr>
+        <p:spPr>
+          <a:xfrm>
+            <a:off x="4919345" y="1217930"/>
+            <a:ext cx="362585" cy="272415"/>
+          </a:xfrm>
+          <a:prstGeom prst="rect">
+            <a:avLst/>
+          </a:prstGeom>
+          <a:noFill/>
+        </p:spPr>
+        <p:txBody>
+          <a:bodyPr wrap="square" rtlCol="0">
+            <a:noAutofit/>
+          </a:bodyPr>
+          <a:p>
+            <a:r>
+              <a:rPr lang="en-US" sz="1200">
+                <a:latin typeface="Arial Regular" panose="020B0604020202090204" charset="0"/>
+                <a:cs typeface="Arial Regular" panose="020B0604020202090204" charset="0"/>
+              </a:rPr>
+              <a:t>SI</a:t>
+            </a:r>
+            <a:endParaRPr lang="en-US" sz="1200">
+              <a:latin typeface="Arial Regular" panose="020B0604020202090204" charset="0"/>
+              <a:cs typeface="Arial Regular" panose="020B0604020202090204" charset="0"/>
+            </a:endParaRPr>
+          </a:p>
+        </p:txBody>
+      </p:sp>
       <p:pic>
         <p:nvPicPr>
-          <p:cNvPr id="33" name="Picture 32" descr="00003e"/>
+          <p:cNvPr id="71" name="Picture 70" descr="00004e"/>
           <p:cNvPicPr>
             <a:picLocks noChangeAspect="1"/>
           </p:cNvPicPr>
           <p:nvPr/>
         </p:nvPicPr>
         <p:blipFill>
-          <a:blip r:embed="rId2"/>
+          <a:blip r:embed="rId9"/>
           <a:stretch>
             <a:fillRect/>
           </a:stretch>
         </p:blipFill>
         <p:spPr>
           <a:xfrm>
-            <a:off x="5958205" y="2550795"/>
-            <a:ext cx="2583180" cy="1597660"/>
+            <a:off x="6052820" y="0"/>
+            <a:ext cx="1920875" cy="1186815"/>
           </a:xfrm>
           <a:prstGeom prst="rect">
             <a:avLst/>
@@ -3766,25 +4199,124 @@
       </p:pic>
       <p:cxnSp>
         <p:nvCxnSpPr>
-          <p:cNvPr id="36" name="Straight Arrow Connector 35"/>
-          <p:cNvCxnSpPr>
-            <a:endCxn id="33" idx="3"/>
-          </p:cNvCxnSpPr>
+          <p:cNvPr id="72" name="Straight Connector 71"/>
+          <p:cNvCxnSpPr/>
           <p:nvPr/>
         </p:nvCxnSpPr>
         <p:spPr>
-          <a:xfrm flipH="1">
-            <a:off x="8541385" y="3349625"/>
-            <a:ext cx="1537970" cy="0"/>
-          </a:xfrm>
-          <a:prstGeom prst="straightConnector1">
-            <a:avLst/>
-          </a:prstGeom>
-          <a:ln w="25400">
+          <a:xfrm>
+            <a:off x="6681470" y="177165"/>
+            <a:ext cx="0" cy="916940"/>
+          </a:xfrm>
+          <a:prstGeom prst="line">
+            <a:avLst/>
+          </a:prstGeom>
+          <a:ln w="12700" cmpd="sng">
             <a:solidFill>
-              <a:schemeClr val="tx1"/>
+              <a:srgbClr val="22FF06"/>
             </a:solidFill>
-            <a:tailEnd type="arrow"/>
+            <a:prstDash val="sysDash"/>
+          </a:ln>
+        </p:spPr>
+        <p:style>
+          <a:lnRef idx="2">
+            <a:schemeClr val="accent1"/>
+          </a:lnRef>
+          <a:fillRef idx="0">
+            <a:srgbClr val="FFFFFF"/>
+          </a:fillRef>
+          <a:effectRef idx="0">
+            <a:srgbClr val="FFFFFF"/>
+          </a:effectRef>
+          <a:fontRef idx="minor">
+            <a:schemeClr val="tx1"/>
+          </a:fontRef>
+        </p:style>
+      </p:cxnSp>
+      <p:sp>
+        <p:nvSpPr>
+          <p:cNvPr id="73" name="Text Box 72"/>
+          <p:cNvSpPr txBox="1"/>
+          <p:nvPr/>
+        </p:nvSpPr>
+        <p:spPr>
+          <a:xfrm>
+            <a:off x="5865495" y="-1270"/>
+            <a:ext cx="362585" cy="272415"/>
+          </a:xfrm>
+          <a:prstGeom prst="rect">
+            <a:avLst/>
+          </a:prstGeom>
+          <a:noFill/>
+        </p:spPr>
+        <p:txBody>
+          <a:bodyPr wrap="square" rtlCol="0">
+            <a:noAutofit/>
+          </a:bodyPr>
+          <a:p>
+            <a:r>
+              <a:rPr lang="en-US" sz="1200">
+                <a:latin typeface="Arial Regular" panose="020B0604020202090204" charset="0"/>
+                <a:cs typeface="Arial Regular" panose="020B0604020202090204" charset="0"/>
+              </a:rPr>
+              <a:t>SI</a:t>
+            </a:r>
+            <a:endParaRPr lang="en-US" sz="1200">
+              <a:latin typeface="Arial Regular" panose="020B0604020202090204" charset="0"/>
+              <a:cs typeface="Arial Regular" panose="020B0604020202090204" charset="0"/>
+            </a:endParaRPr>
+          </a:p>
+        </p:txBody>
+      </p:sp>
+      <p:sp>
+        <p:nvSpPr>
+          <p:cNvPr id="74" name="Text Box 73"/>
+          <p:cNvSpPr txBox="1"/>
+          <p:nvPr/>
+        </p:nvSpPr>
+        <p:spPr>
+          <a:xfrm>
+            <a:off x="6721475" y="1054735"/>
+            <a:ext cx="597535" cy="272415"/>
+          </a:xfrm>
+          <a:prstGeom prst="rect">
+            <a:avLst/>
+          </a:prstGeom>
+          <a:noFill/>
+        </p:spPr>
+        <p:txBody>
+          <a:bodyPr wrap="square" rtlCol="0">
+            <a:noAutofit/>
+          </a:bodyPr>
+          <a:p>
+            <a:pPr algn="ctr"/>
+            <a:r>
+              <a:rPr lang="en-US" sz="1000"/>
+              <a:t>Mass</a:t>
+            </a:r>
+            <a:endParaRPr lang="en-US" sz="1000"/>
+          </a:p>
+        </p:txBody>
+      </p:sp>
+      <p:cxnSp>
+        <p:nvCxnSpPr>
+          <p:cNvPr id="75" name="Straight Connector 74"/>
+          <p:cNvCxnSpPr/>
+          <p:nvPr/>
+        </p:nvCxnSpPr>
+        <p:spPr>
+          <a:xfrm>
+            <a:off x="7155815" y="272415"/>
+            <a:ext cx="0" cy="815340"/>
+          </a:xfrm>
+          <a:prstGeom prst="line">
+            <a:avLst/>
+          </a:prstGeom>
+          <a:ln w="12700" cmpd="sng">
+            <a:solidFill>
+              <a:srgbClr val="BF0063"/>
+            </a:solidFill>
+            <a:prstDash val="sysDash"/>
           </a:ln>
         </p:spPr>
         <p:style>
@@ -3804,26 +4336,23 @@
       </p:cxnSp>
       <p:cxnSp>
         <p:nvCxnSpPr>
-          <p:cNvPr id="37" name="Straight Arrow Connector 36"/>
-          <p:cNvCxnSpPr>
-            <a:stCxn id="33" idx="1"/>
-            <a:endCxn id="39" idx="3"/>
-          </p:cNvCxnSpPr>
+          <p:cNvPr id="76" name="Straight Connector 75"/>
+          <p:cNvCxnSpPr/>
           <p:nvPr/>
         </p:nvCxnSpPr>
         <p:spPr>
-          <a:xfrm flipH="1" flipV="1">
-            <a:off x="4315460" y="3336925"/>
-            <a:ext cx="1642745" cy="12700"/>
-          </a:xfrm>
-          <a:prstGeom prst="straightConnector1">
-            <a:avLst/>
-          </a:prstGeom>
-          <a:ln w="25400">
+          <a:xfrm>
+            <a:off x="7630795" y="792480"/>
+            <a:ext cx="0" cy="300990"/>
+          </a:xfrm>
+          <a:prstGeom prst="line">
+            <a:avLst/>
+          </a:prstGeom>
+          <a:ln w="12700" cmpd="sng">
             <a:solidFill>
-              <a:schemeClr val="tx1"/>
+              <a:srgbClr val="FD9409"/>
             </a:solidFill>
-            <a:tailEnd type="arrow"/>
+            <a:prstDash val="sysDash"/>
           </a:ln>
         </p:spPr>
         <p:style>
@@ -3843,14 +4372,895 @@
       </p:cxnSp>
       <p:sp>
         <p:nvSpPr>
-          <p:cNvPr id="38" name="Text Box 37"/>
+          <p:cNvPr id="85" name="Freeform 84"/>
+          <p:cNvSpPr/>
+          <p:nvPr/>
+        </p:nvSpPr>
+        <p:spPr>
+          <a:xfrm>
+            <a:off x="7723126" y="3619218"/>
+            <a:ext cx="277391" cy="212203"/>
+          </a:xfrm>
+          <a:custGeom>
+            <a:avLst/>
+            <a:gdLst>
+              <a:gd name="connsiteX0" fmla="*/ 19 w 436"/>
+              <a:gd name="connsiteY0" fmla="*/ 334 h 334"/>
+              <a:gd name="connsiteX1" fmla="*/ 437 w 436"/>
+              <a:gd name="connsiteY1" fmla="*/ 102 h 334"/>
+            </a:gdLst>
+            <a:ahLst/>
+            <a:cxnLst>
+              <a:cxn ang="0">
+                <a:pos x="connsiteX0" y="connsiteY0"/>
+              </a:cxn>
+              <a:cxn ang="0">
+                <a:pos x="connsiteX1" y="connsiteY1"/>
+              </a:cxn>
+            </a:cxnLst>
+            <a:rect l="l" t="t" r="r" b="b"/>
+            <a:pathLst>
+              <a:path w="437" h="334">
+                <a:moveTo>
+                  <a:pt x="19" y="334"/>
+                </a:moveTo>
+                <a:cubicBezTo>
+                  <a:pt x="-69" y="44"/>
+                  <a:pt x="165" y="-118"/>
+                  <a:pt x="437" y="102"/>
+                </a:cubicBezTo>
+              </a:path>
+            </a:pathLst>
+          </a:custGeom>
+          <a:noFill/>
+          <a:ln w="19050">
+            <a:solidFill>
+              <a:srgbClr val="FFC000"/>
+            </a:solidFill>
+            <a:tailEnd type="stealth"/>
+          </a:ln>
+        </p:spPr>
+        <p:style>
+          <a:lnRef idx="2">
+            <a:schemeClr val="accent1">
+              <a:lumMod val="75000"/>
+            </a:schemeClr>
+          </a:lnRef>
+          <a:fillRef idx="1">
+            <a:schemeClr val="accent1"/>
+          </a:fillRef>
+          <a:effectRef idx="0">
+            <a:srgbClr val="FFFFFF"/>
+          </a:effectRef>
+          <a:fontRef idx="minor">
+            <a:schemeClr val="lt1"/>
+          </a:fontRef>
+        </p:style>
+        <p:txBody>
+          <a:bodyPr rtlCol="0" anchor="ctr"/>
+          <a:p>
+            <a:pPr algn="ctr"/>
+            <a:endParaRPr lang="en-US"/>
+          </a:p>
+        </p:txBody>
+      </p:sp>
+      <p:sp>
+        <p:nvSpPr>
+          <p:cNvPr id="86" name="Freeform 85"/>
+          <p:cNvSpPr/>
+          <p:nvPr/>
+        </p:nvSpPr>
+        <p:spPr>
+          <a:xfrm>
+            <a:off x="7957448" y="3350834"/>
+            <a:ext cx="320700" cy="320669"/>
+          </a:xfrm>
+          <a:custGeom>
+            <a:avLst/>
+            <a:gdLst>
+              <a:gd name="connsiteX0" fmla="*/ 68 w 505"/>
+              <a:gd name="connsiteY0" fmla="*/ 505 h 504"/>
+              <a:gd name="connsiteX1" fmla="*/ 505 w 505"/>
+              <a:gd name="connsiteY1" fmla="*/ 75 h 504"/>
+            </a:gdLst>
+            <a:ahLst/>
+            <a:cxnLst>
+              <a:cxn ang="0">
+                <a:pos x="connsiteX0" y="connsiteY0"/>
+              </a:cxn>
+              <a:cxn ang="0">
+                <a:pos x="connsiteX1" y="connsiteY1"/>
+              </a:cxn>
+            </a:cxnLst>
+            <a:rect l="l" t="t" r="r" b="b"/>
+            <a:pathLst>
+              <a:path w="505" h="505">
+                <a:moveTo>
+                  <a:pt x="68" y="505"/>
+                </a:moveTo>
+                <a:cubicBezTo>
+                  <a:pt x="-92" y="275"/>
+                  <a:pt x="21" y="-179"/>
+                  <a:pt x="505" y="75"/>
+                </a:cubicBezTo>
+              </a:path>
+            </a:pathLst>
+          </a:custGeom>
+          <a:noFill/>
+          <a:ln w="19050">
+            <a:solidFill>
+              <a:srgbClr val="FFC000"/>
+            </a:solidFill>
+            <a:tailEnd type="stealth"/>
+          </a:ln>
+        </p:spPr>
+        <p:style>
+          <a:lnRef idx="2">
+            <a:schemeClr val="accent1">
+              <a:lumMod val="75000"/>
+            </a:schemeClr>
+          </a:lnRef>
+          <a:fillRef idx="1">
+            <a:schemeClr val="accent1"/>
+          </a:fillRef>
+          <a:effectRef idx="0">
+            <a:srgbClr val="FFFFFF"/>
+          </a:effectRef>
+          <a:fontRef idx="minor">
+            <a:schemeClr val="lt1"/>
+          </a:fontRef>
+        </p:style>
+        <p:txBody>
+          <a:bodyPr rtlCol="0" anchor="ctr"/>
+          <a:p>
+            <a:pPr algn="ctr"/>
+            <a:endParaRPr lang="en-US"/>
+          </a:p>
+        </p:txBody>
+      </p:sp>
+      <p:sp>
+        <p:nvSpPr>
+          <p:cNvPr id="87" name="Freeform 86"/>
+          <p:cNvSpPr/>
+          <p:nvPr/>
+        </p:nvSpPr>
+        <p:spPr>
+          <a:xfrm>
+            <a:off x="8245994" y="3086004"/>
+            <a:ext cx="340827" cy="312077"/>
+          </a:xfrm>
+          <a:custGeom>
+            <a:avLst/>
+            <a:gdLst>
+              <a:gd name="connsiteX0" fmla="*/ 61 w 536"/>
+              <a:gd name="connsiteY0" fmla="*/ 491 h 491"/>
+              <a:gd name="connsiteX1" fmla="*/ 537 w 536"/>
+              <a:gd name="connsiteY1" fmla="*/ 67 h 491"/>
+            </a:gdLst>
+            <a:ahLst/>
+            <a:cxnLst>
+              <a:cxn ang="0">
+                <a:pos x="connsiteX0" y="connsiteY0"/>
+              </a:cxn>
+              <a:cxn ang="0">
+                <a:pos x="connsiteX1" y="connsiteY1"/>
+              </a:cxn>
+            </a:cxnLst>
+            <a:rect l="l" t="t" r="r" b="b"/>
+            <a:pathLst>
+              <a:path w="537" h="491">
+                <a:moveTo>
+                  <a:pt x="61" y="491"/>
+                </a:moveTo>
+                <a:cubicBezTo>
+                  <a:pt x="-156" y="41"/>
+                  <a:pt x="257" y="-99"/>
+                  <a:pt x="537" y="67"/>
+                </a:cubicBezTo>
+              </a:path>
+            </a:pathLst>
+          </a:custGeom>
+          <a:noFill/>
+          <a:ln w="19050">
+            <a:solidFill>
+              <a:srgbClr val="FFC000"/>
+            </a:solidFill>
+            <a:tailEnd type="stealth"/>
+          </a:ln>
+        </p:spPr>
+        <p:style>
+          <a:lnRef idx="2">
+            <a:schemeClr val="accent1">
+              <a:lumMod val="75000"/>
+            </a:schemeClr>
+          </a:lnRef>
+          <a:fillRef idx="1">
+            <a:schemeClr val="accent1"/>
+          </a:fillRef>
+          <a:effectRef idx="0">
+            <a:srgbClr val="FFFFFF"/>
+          </a:effectRef>
+          <a:fontRef idx="minor">
+            <a:schemeClr val="lt1"/>
+          </a:fontRef>
+        </p:style>
+        <p:txBody>
+          <a:bodyPr rtlCol="0" anchor="ctr"/>
+          <a:p>
+            <a:pPr algn="ctr"/>
+            <a:endParaRPr lang="en-US"/>
+          </a:p>
+        </p:txBody>
+      </p:sp>
+      <p:sp>
+        <p:nvSpPr>
+          <p:cNvPr id="88" name="Freeform 87"/>
+          <p:cNvSpPr/>
+          <p:nvPr/>
+        </p:nvSpPr>
+        <p:spPr>
+          <a:xfrm>
+            <a:off x="8582951" y="2893053"/>
+            <a:ext cx="304128" cy="224323"/>
+          </a:xfrm>
+          <a:custGeom>
+            <a:avLst/>
+            <a:gdLst>
+              <a:gd name="connsiteX0" fmla="*/ 12 w 478"/>
+              <a:gd name="connsiteY0" fmla="*/ 353 h 353"/>
+              <a:gd name="connsiteX1" fmla="*/ 479 w 478"/>
+              <a:gd name="connsiteY1" fmla="*/ 161 h 353"/>
+            </a:gdLst>
+            <a:ahLst/>
+            <a:cxnLst>
+              <a:cxn ang="0">
+                <a:pos x="connsiteX0" y="connsiteY0"/>
+              </a:cxn>
+              <a:cxn ang="0">
+                <a:pos x="connsiteX1" y="connsiteY1"/>
+              </a:cxn>
+            </a:cxnLst>
+            <a:rect l="l" t="t" r="r" b="b"/>
+            <a:pathLst>
+              <a:path w="479" h="353">
+                <a:moveTo>
+                  <a:pt x="12" y="353"/>
+                </a:moveTo>
+                <a:cubicBezTo>
+                  <a:pt x="-63" y="11"/>
+                  <a:pt x="230" y="-139"/>
+                  <a:pt x="479" y="161"/>
+                </a:cubicBezTo>
+              </a:path>
+            </a:pathLst>
+          </a:custGeom>
+          <a:noFill/>
+          <a:ln w="19050">
+            <a:solidFill>
+              <a:srgbClr val="FFC000"/>
+            </a:solidFill>
+            <a:tailEnd type="stealth"/>
+          </a:ln>
+        </p:spPr>
+        <p:style>
+          <a:lnRef idx="2">
+            <a:schemeClr val="accent1">
+              <a:lumMod val="75000"/>
+            </a:schemeClr>
+          </a:lnRef>
+          <a:fillRef idx="1">
+            <a:schemeClr val="accent1"/>
+          </a:fillRef>
+          <a:effectRef idx="0">
+            <a:srgbClr val="FFFFFF"/>
+          </a:effectRef>
+          <a:fontRef idx="minor">
+            <a:schemeClr val="lt1"/>
+          </a:fontRef>
+        </p:style>
+        <p:txBody>
+          <a:bodyPr rtlCol="0" anchor="ctr"/>
+          <a:p>
+            <a:pPr algn="ctr"/>
+            <a:endParaRPr lang="en-US"/>
+          </a:p>
+        </p:txBody>
+      </p:sp>
+      <p:sp>
+        <p:nvSpPr>
+          <p:cNvPr id="89" name="Freeform 88"/>
+          <p:cNvSpPr/>
+          <p:nvPr/>
+        </p:nvSpPr>
+        <p:spPr>
+          <a:xfrm rot="240000" flipH="1">
+            <a:off x="7332851" y="3737128"/>
+            <a:ext cx="382991" cy="304834"/>
+          </a:xfrm>
+          <a:custGeom>
+            <a:avLst/>
+            <a:gdLst>
+              <a:gd name="connsiteX0" fmla="*/ 0 w 603"/>
+              <a:gd name="connsiteY0" fmla="*/ 137 h 480"/>
+              <a:gd name="connsiteX1" fmla="*/ 594 w 603"/>
+              <a:gd name="connsiteY1" fmla="*/ 480 h 480"/>
+            </a:gdLst>
+            <a:ahLst/>
+            <a:cxnLst>
+              <a:cxn ang="0">
+                <a:pos x="connsiteX0" y="connsiteY0"/>
+              </a:cxn>
+              <a:cxn ang="0">
+                <a:pos x="connsiteX1" y="connsiteY1"/>
+              </a:cxn>
+            </a:cxnLst>
+            <a:rect l="l" t="t" r="r" b="b"/>
+            <a:pathLst>
+              <a:path w="603" h="480">
+                <a:moveTo>
+                  <a:pt x="0" y="137"/>
+                </a:moveTo>
+                <a:cubicBezTo>
+                  <a:pt x="208" y="-99"/>
+                  <a:pt x="674" y="-58"/>
+                  <a:pt x="594" y="480"/>
+                </a:cubicBezTo>
+              </a:path>
+            </a:pathLst>
+          </a:custGeom>
+          <a:noFill/>
+          <a:ln w="19050">
+            <a:solidFill>
+              <a:srgbClr val="FFC000"/>
+            </a:solidFill>
+            <a:tailEnd type="stealth"/>
+          </a:ln>
+        </p:spPr>
+        <p:style>
+          <a:lnRef idx="2">
+            <a:schemeClr val="accent1">
+              <a:lumMod val="75000"/>
+            </a:schemeClr>
+          </a:lnRef>
+          <a:fillRef idx="1">
+            <a:schemeClr val="accent1"/>
+          </a:fillRef>
+          <a:effectRef idx="0">
+            <a:srgbClr val="FFFFFF"/>
+          </a:effectRef>
+          <a:fontRef idx="minor">
+            <a:schemeClr val="lt1"/>
+          </a:fontRef>
+        </p:style>
+        <p:txBody>
+          <a:bodyPr rtlCol="0" anchor="ctr"/>
+          <a:p>
+            <a:pPr algn="ctr"/>
+            <a:endParaRPr lang="en-US"/>
+          </a:p>
+        </p:txBody>
+      </p:sp>
+      <p:sp>
+        <p:nvSpPr>
+          <p:cNvPr id="90" name="Freeform 89"/>
+          <p:cNvSpPr/>
+          <p:nvPr/>
+        </p:nvSpPr>
+        <p:spPr>
+          <a:xfrm rot="240000" flipH="1">
+            <a:off x="7017328" y="3891742"/>
+            <a:ext cx="307028" cy="226406"/>
+          </a:xfrm>
+          <a:custGeom>
+            <a:avLst/>
+            <a:gdLst>
+              <a:gd name="connsiteX0" fmla="*/ 0 w 483"/>
+              <a:gd name="connsiteY0" fmla="*/ 199 h 356"/>
+              <a:gd name="connsiteX1" fmla="*/ 474 w 483"/>
+              <a:gd name="connsiteY1" fmla="*/ 357 h 356"/>
+            </a:gdLst>
+            <a:ahLst/>
+            <a:cxnLst>
+              <a:cxn ang="0">
+                <a:pos x="connsiteX0" y="connsiteY0"/>
+              </a:cxn>
+              <a:cxn ang="0">
+                <a:pos x="connsiteX1" y="connsiteY1"/>
+              </a:cxn>
+            </a:cxnLst>
+            <a:rect l="l" t="t" r="r" b="b"/>
+            <a:pathLst>
+              <a:path w="484" h="357">
+                <a:moveTo>
+                  <a:pt x="0" y="199"/>
+                </a:moveTo>
+                <a:cubicBezTo>
+                  <a:pt x="150" y="-146"/>
+                  <a:pt x="550" y="-8"/>
+                  <a:pt x="474" y="357"/>
+                </a:cubicBezTo>
+              </a:path>
+            </a:pathLst>
+          </a:custGeom>
+          <a:noFill/>
+          <a:ln w="19050">
+            <a:solidFill>
+              <a:srgbClr val="FFC000"/>
+            </a:solidFill>
+            <a:tailEnd type="stealth"/>
+          </a:ln>
+        </p:spPr>
+        <p:style>
+          <a:lnRef idx="2">
+            <a:schemeClr val="accent1">
+              <a:lumMod val="75000"/>
+            </a:schemeClr>
+          </a:lnRef>
+          <a:fillRef idx="1">
+            <a:schemeClr val="accent1"/>
+          </a:fillRef>
+          <a:effectRef idx="0">
+            <a:srgbClr val="FFFFFF"/>
+          </a:effectRef>
+          <a:fontRef idx="minor">
+            <a:schemeClr val="lt1"/>
+          </a:fontRef>
+        </p:style>
+        <p:txBody>
+          <a:bodyPr rtlCol="0" anchor="ctr"/>
+          <a:p>
+            <a:pPr algn="ctr"/>
+            <a:endParaRPr lang="en-US"/>
+          </a:p>
+        </p:txBody>
+      </p:sp>
+      <p:sp>
+        <p:nvSpPr>
+          <p:cNvPr id="91" name="Freeform 90"/>
+          <p:cNvSpPr/>
+          <p:nvPr/>
+        </p:nvSpPr>
+        <p:spPr>
+          <a:xfrm>
+            <a:off x="8873047" y="2788179"/>
+            <a:ext cx="268348" cy="196471"/>
+          </a:xfrm>
+          <a:custGeom>
+            <a:avLst/>
+            <a:gdLst>
+              <a:gd name="connsiteX0" fmla="*/ 14 w 422"/>
+              <a:gd name="connsiteY0" fmla="*/ 309 h 309"/>
+              <a:gd name="connsiteX1" fmla="*/ 423 w 422"/>
+              <a:gd name="connsiteY1" fmla="*/ 84 h 309"/>
+            </a:gdLst>
+            <a:ahLst/>
+            <a:cxnLst>
+              <a:cxn ang="0">
+                <a:pos x="connsiteX0" y="connsiteY0"/>
+              </a:cxn>
+              <a:cxn ang="0">
+                <a:pos x="connsiteX1" y="connsiteY1"/>
+              </a:cxn>
+            </a:cxnLst>
+            <a:rect l="l" t="t" r="r" b="b"/>
+            <a:pathLst>
+              <a:path w="423" h="309">
+                <a:moveTo>
+                  <a:pt x="14" y="309"/>
+                </a:moveTo>
+                <a:cubicBezTo>
+                  <a:pt x="-46" y="94"/>
+                  <a:pt x="93" y="-125"/>
+                  <a:pt x="423" y="84"/>
+                </a:cubicBezTo>
+              </a:path>
+            </a:pathLst>
+          </a:custGeom>
+          <a:noFill/>
+          <a:ln w="19050">
+            <a:solidFill>
+              <a:srgbClr val="FFC000"/>
+            </a:solidFill>
+            <a:tailEnd type="stealth"/>
+          </a:ln>
+        </p:spPr>
+        <p:style>
+          <a:lnRef idx="2">
+            <a:schemeClr val="accent1">
+              <a:lumMod val="75000"/>
+            </a:schemeClr>
+          </a:lnRef>
+          <a:fillRef idx="1">
+            <a:schemeClr val="accent1"/>
+          </a:fillRef>
+          <a:effectRef idx="0">
+            <a:srgbClr val="FFFFFF"/>
+          </a:effectRef>
+          <a:fontRef idx="minor">
+            <a:schemeClr val="lt1"/>
+          </a:fontRef>
+        </p:style>
+        <p:txBody>
+          <a:bodyPr rtlCol="0" anchor="ctr"/>
+          <a:p>
+            <a:pPr algn="ctr"/>
+            <a:endParaRPr lang="en-US"/>
+          </a:p>
+        </p:txBody>
+      </p:sp>
+      <p:sp>
+        <p:nvSpPr>
+          <p:cNvPr id="92" name="Freeform 91"/>
+          <p:cNvSpPr/>
+          <p:nvPr/>
+        </p:nvSpPr>
+        <p:spPr>
+          <a:xfrm rot="240000" flipH="1">
+            <a:off x="6725231" y="3966693"/>
+            <a:ext cx="282950" cy="188253"/>
+          </a:xfrm>
+          <a:custGeom>
+            <a:avLst/>
+            <a:gdLst>
+              <a:gd name="connsiteX0" fmla="*/ 0 w 445"/>
+              <a:gd name="connsiteY0" fmla="*/ 207 h 296"/>
+              <a:gd name="connsiteX1" fmla="*/ 445 w 445"/>
+              <a:gd name="connsiteY1" fmla="*/ 296 h 296"/>
+            </a:gdLst>
+            <a:ahLst/>
+            <a:cxnLst>
+              <a:cxn ang="0">
+                <a:pos x="connsiteX0" y="connsiteY0"/>
+              </a:cxn>
+              <a:cxn ang="0">
+                <a:pos x="connsiteX1" y="connsiteY1"/>
+              </a:cxn>
+            </a:cxnLst>
+            <a:rect l="l" t="t" r="r" b="b"/>
+            <a:pathLst>
+              <a:path w="446" h="296">
+                <a:moveTo>
+                  <a:pt x="0" y="207"/>
+                </a:moveTo>
+                <a:cubicBezTo>
+                  <a:pt x="64" y="-64"/>
+                  <a:pt x="463" y="-104"/>
+                  <a:pt x="445" y="296"/>
+                </a:cubicBezTo>
+              </a:path>
+            </a:pathLst>
+          </a:custGeom>
+          <a:noFill/>
+          <a:ln w="19050">
+            <a:solidFill>
+              <a:srgbClr val="FFC000"/>
+            </a:solidFill>
+            <a:tailEnd type="stealth"/>
+          </a:ln>
+        </p:spPr>
+        <p:style>
+          <a:lnRef idx="2">
+            <a:schemeClr val="accent1">
+              <a:lumMod val="75000"/>
+            </a:schemeClr>
+          </a:lnRef>
+          <a:fillRef idx="1">
+            <a:schemeClr val="accent1"/>
+          </a:fillRef>
+          <a:effectRef idx="0">
+            <a:srgbClr val="FFFFFF"/>
+          </a:effectRef>
+          <a:fontRef idx="minor">
+            <a:schemeClr val="lt1"/>
+          </a:fontRef>
+        </p:style>
+        <p:txBody>
+          <a:bodyPr rtlCol="0" anchor="ctr"/>
+          <a:p>
+            <a:pPr algn="ctr"/>
+            <a:endParaRPr lang="en-US"/>
+          </a:p>
+        </p:txBody>
+      </p:sp>
+      <p:sp>
+        <p:nvSpPr>
+          <p:cNvPr id="94" name="Text Box 93"/>
           <p:cNvSpPr txBox="1"/>
           <p:nvPr/>
         </p:nvSpPr>
         <p:spPr>
           <a:xfrm>
-            <a:off x="4286250" y="3053715"/>
-            <a:ext cx="1767205" cy="275590"/>
+            <a:off x="6761480" y="3767455"/>
+            <a:ext cx="248285" cy="245110"/>
+          </a:xfrm>
+          <a:prstGeom prst="rect">
+            <a:avLst/>
+          </a:prstGeom>
+          <a:noFill/>
+        </p:spPr>
+        <p:txBody>
+          <a:bodyPr wrap="square" rtlCol="0">
+            <a:spAutoFit/>
+          </a:bodyPr>
+          <a:p>
+            <a:r>
+              <a:rPr lang="en-US" sz="1000" b="1">
+                <a:latin typeface="Arial Bold" panose="020B0604020202090204" charset="0"/>
+                <a:cs typeface="Arial Bold" panose="020B0604020202090204" charset="0"/>
+              </a:rPr>
+              <a:t>U</a:t>
+            </a:r>
+            <a:endParaRPr lang="en-US" sz="1000" b="1">
+              <a:latin typeface="Arial Bold" panose="020B0604020202090204" charset="0"/>
+              <a:cs typeface="Arial Bold" panose="020B0604020202090204" charset="0"/>
+            </a:endParaRPr>
+          </a:p>
+        </p:txBody>
+      </p:sp>
+      <p:sp>
+        <p:nvSpPr>
+          <p:cNvPr id="95" name="Text Box 94"/>
+          <p:cNvSpPr txBox="1"/>
+          <p:nvPr/>
+        </p:nvSpPr>
+        <p:spPr>
+          <a:xfrm>
+            <a:off x="7844155" y="3195320"/>
+            <a:ext cx="248285" cy="245110"/>
+          </a:xfrm>
+          <a:prstGeom prst="rect">
+            <a:avLst/>
+          </a:prstGeom>
+          <a:noFill/>
+        </p:spPr>
+        <p:txBody>
+          <a:bodyPr wrap="square" rtlCol="0">
+            <a:spAutoFit/>
+          </a:bodyPr>
+          <a:p>
+            <a:r>
+              <a:rPr lang="en-US" sz="1000" b="1">
+                <a:latin typeface="Arial Bold" panose="020B0604020202090204" charset="0"/>
+                <a:cs typeface="Arial Bold" panose="020B0604020202090204" charset="0"/>
+              </a:rPr>
+              <a:t>U</a:t>
+            </a:r>
+            <a:endParaRPr lang="en-US" sz="1000" b="1">
+              <a:latin typeface="Arial Bold" panose="020B0604020202090204" charset="0"/>
+              <a:cs typeface="Arial Bold" panose="020B0604020202090204" charset="0"/>
+            </a:endParaRPr>
+          </a:p>
+        </p:txBody>
+      </p:sp>
+      <p:sp>
+        <p:nvSpPr>
+          <p:cNvPr id="96" name="Text Box 95"/>
+          <p:cNvSpPr txBox="1"/>
+          <p:nvPr/>
+        </p:nvSpPr>
+        <p:spPr>
+          <a:xfrm>
+            <a:off x="8139430" y="2913380"/>
+            <a:ext cx="248285" cy="245110"/>
+          </a:xfrm>
+          <a:prstGeom prst="rect">
+            <a:avLst/>
+          </a:prstGeom>
+          <a:noFill/>
+        </p:spPr>
+        <p:txBody>
+          <a:bodyPr wrap="square" rtlCol="0">
+            <a:spAutoFit/>
+          </a:bodyPr>
+          <a:p>
+            <a:r>
+              <a:rPr lang="en-US" sz="1000" b="1">
+                <a:latin typeface="Arial Bold" panose="020B0604020202090204" charset="0"/>
+                <a:cs typeface="Arial Bold" panose="020B0604020202090204" charset="0"/>
+              </a:rPr>
+              <a:t>A</a:t>
+            </a:r>
+            <a:endParaRPr lang="en-US" sz="1000" b="1">
+              <a:latin typeface="Arial Bold" panose="020B0604020202090204" charset="0"/>
+              <a:cs typeface="Arial Bold" panose="020B0604020202090204" charset="0"/>
+            </a:endParaRPr>
+          </a:p>
+        </p:txBody>
+      </p:sp>
+      <p:sp>
+        <p:nvSpPr>
+          <p:cNvPr id="97" name="Text Box 96"/>
+          <p:cNvSpPr txBox="1"/>
+          <p:nvPr/>
+        </p:nvSpPr>
+        <p:spPr>
+          <a:xfrm>
+            <a:off x="8456930" y="2739390"/>
+            <a:ext cx="248285" cy="245110"/>
+          </a:xfrm>
+          <a:prstGeom prst="rect">
+            <a:avLst/>
+          </a:prstGeom>
+          <a:noFill/>
+        </p:spPr>
+        <p:txBody>
+          <a:bodyPr wrap="square" rtlCol="0">
+            <a:spAutoFit/>
+          </a:bodyPr>
+          <a:p>
+            <a:r>
+              <a:rPr lang="en-US" sz="1000" b="1">
+                <a:latin typeface="Arial Bold" panose="020B0604020202090204" charset="0"/>
+                <a:cs typeface="Arial Bold" panose="020B0604020202090204" charset="0"/>
+              </a:rPr>
+              <a:t>C</a:t>
+            </a:r>
+            <a:endParaRPr lang="en-US" sz="1000" b="1">
+              <a:latin typeface="Arial Bold" panose="020B0604020202090204" charset="0"/>
+              <a:cs typeface="Arial Bold" panose="020B0604020202090204" charset="0"/>
+            </a:endParaRPr>
+          </a:p>
+        </p:txBody>
+      </p:sp>
+      <p:sp>
+        <p:nvSpPr>
+          <p:cNvPr id="98" name="Text Box 97"/>
+          <p:cNvSpPr txBox="1"/>
+          <p:nvPr/>
+        </p:nvSpPr>
+        <p:spPr>
+          <a:xfrm>
+            <a:off x="8773795" y="2600960"/>
+            <a:ext cx="248285" cy="245110"/>
+          </a:xfrm>
+          <a:prstGeom prst="rect">
+            <a:avLst/>
+          </a:prstGeom>
+          <a:noFill/>
+          <a:ln>
+            <a:noFill/>
+          </a:ln>
+        </p:spPr>
+        <p:txBody>
+          <a:bodyPr wrap="square" rtlCol="0">
+            <a:spAutoFit/>
+          </a:bodyPr>
+          <a:p>
+            <a:r>
+              <a:rPr lang="en-US" sz="1000" b="1">
+                <a:solidFill>
+                  <a:schemeClr val="tx1"/>
+                </a:solidFill>
+                <a:latin typeface="Arial Bold" panose="020B0604020202090204" charset="0"/>
+                <a:cs typeface="Arial Bold" panose="020B0604020202090204" charset="0"/>
+              </a:rPr>
+              <a:t>G</a:t>
+            </a:r>
+            <a:endParaRPr lang="en-US" sz="1000" b="1">
+              <a:solidFill>
+                <a:schemeClr val="tx1"/>
+              </a:solidFill>
+              <a:latin typeface="Arial Bold" panose="020B0604020202090204" charset="0"/>
+              <a:cs typeface="Arial Bold" panose="020B0604020202090204" charset="0"/>
+            </a:endParaRPr>
+          </a:p>
+        </p:txBody>
+      </p:sp>
+      <p:sp>
+        <p:nvSpPr>
+          <p:cNvPr id="99" name="Text Box 98"/>
+          <p:cNvSpPr txBox="1"/>
+          <p:nvPr/>
+        </p:nvSpPr>
+        <p:spPr>
+          <a:xfrm>
+            <a:off x="7014210" y="3702050"/>
+            <a:ext cx="248285" cy="245110"/>
+          </a:xfrm>
+          <a:prstGeom prst="rect">
+            <a:avLst/>
+          </a:prstGeom>
+          <a:noFill/>
+        </p:spPr>
+        <p:txBody>
+          <a:bodyPr wrap="square" rtlCol="0">
+            <a:spAutoFit/>
+          </a:bodyPr>
+          <a:p>
+            <a:r>
+              <a:rPr lang="en-US" sz="1000" b="1">
+                <a:latin typeface="Arial Bold" panose="020B0604020202090204" charset="0"/>
+                <a:cs typeface="Arial Bold" panose="020B0604020202090204" charset="0"/>
+              </a:rPr>
+              <a:t>G</a:t>
+            </a:r>
+            <a:endParaRPr lang="en-US" sz="1000" b="1">
+              <a:latin typeface="Arial Bold" panose="020B0604020202090204" charset="0"/>
+              <a:cs typeface="Arial Bold" panose="020B0604020202090204" charset="0"/>
+            </a:endParaRPr>
+          </a:p>
+        </p:txBody>
+      </p:sp>
+      <p:sp>
+        <p:nvSpPr>
+          <p:cNvPr id="100" name="Text Box 99"/>
+          <p:cNvSpPr txBox="1"/>
+          <p:nvPr/>
+        </p:nvSpPr>
+        <p:spPr>
+          <a:xfrm>
+            <a:off x="7322820" y="3557270"/>
+            <a:ext cx="248285" cy="245110"/>
+          </a:xfrm>
+          <a:prstGeom prst="rect">
+            <a:avLst/>
+          </a:prstGeom>
+          <a:noFill/>
+        </p:spPr>
+        <p:txBody>
+          <a:bodyPr wrap="square" rtlCol="0">
+            <a:spAutoFit/>
+          </a:bodyPr>
+          <a:p>
+            <a:r>
+              <a:rPr lang="en-US" sz="1000" b="1">
+                <a:latin typeface="Arial Bold" panose="020B0604020202090204" charset="0"/>
+                <a:cs typeface="Arial Bold" panose="020B0604020202090204" charset="0"/>
+              </a:rPr>
+              <a:t>C</a:t>
+            </a:r>
+            <a:endParaRPr lang="en-US" sz="1000" b="1">
+              <a:latin typeface="Arial Bold" panose="020B0604020202090204" charset="0"/>
+              <a:cs typeface="Arial Bold" panose="020B0604020202090204" charset="0"/>
+            </a:endParaRPr>
+          </a:p>
+        </p:txBody>
+      </p:sp>
+      <p:sp>
+        <p:nvSpPr>
+          <p:cNvPr id="101" name="Text Box 100"/>
+          <p:cNvSpPr txBox="1"/>
+          <p:nvPr/>
+        </p:nvSpPr>
+        <p:spPr>
+          <a:xfrm>
+            <a:off x="7630795" y="3440430"/>
+            <a:ext cx="248285" cy="245110"/>
+          </a:xfrm>
+          <a:prstGeom prst="rect">
+            <a:avLst/>
+          </a:prstGeom>
+          <a:noFill/>
+        </p:spPr>
+        <p:txBody>
+          <a:bodyPr wrap="square" rtlCol="0">
+            <a:spAutoFit/>
+          </a:bodyPr>
+          <a:p>
+            <a:r>
+              <a:rPr lang="en-US" sz="1000" b="1">
+                <a:latin typeface="Arial Bold" panose="020B0604020202090204" charset="0"/>
+                <a:cs typeface="Arial Bold" panose="020B0604020202090204" charset="0"/>
+              </a:rPr>
+              <a:t>A</a:t>
+            </a:r>
+            <a:endParaRPr lang="en-US" sz="1000" b="1">
+              <a:latin typeface="Arial Bold" panose="020B0604020202090204" charset="0"/>
+              <a:cs typeface="Arial Bold" panose="020B0604020202090204" charset="0"/>
+            </a:endParaRPr>
+          </a:p>
+        </p:txBody>
+      </p:sp>
+      <p:sp>
+        <p:nvSpPr>
+          <p:cNvPr id="105" name="Text Box 104"/>
+          <p:cNvSpPr txBox="1"/>
+          <p:nvPr/>
+        </p:nvSpPr>
+        <p:spPr>
+          <a:xfrm>
+            <a:off x="50800" y="2559050"/>
+            <a:ext cx="353695" cy="287020"/>
           </a:xfrm>
           <a:prstGeom prst="rect">
             <a:avLst/>
@@ -3862,62 +5272,66 @@
             <a:noAutofit/>
           </a:bodyPr>
           <a:p>
-            <a:pPr algn="ctr"/>
-            <a:r>
-              <a:rPr lang="en-US" altLang="en-US" sz="1200">
+            <a:r>
+              <a:rPr lang="en-US" sz="1000">
                 <a:latin typeface="Arial Regular" panose="020B0604020202090204" charset="0"/>
                 <a:cs typeface="Arial Regular" panose="020B0604020202090204" charset="0"/>
               </a:rPr>
-              <a:t> ④ </a:t>
-            </a:r>
-            <a:r>
-              <a:rPr lang="en-US" sz="1200">
+              <a:t>SI</a:t>
+            </a:r>
+            <a:endParaRPr lang="en-US" sz="1000">
+              <a:latin typeface="Arial Regular" panose="020B0604020202090204" charset="0"/>
+              <a:cs typeface="Arial Regular" panose="020B0604020202090204" charset="0"/>
+            </a:endParaRPr>
+          </a:p>
+        </p:txBody>
+      </p:sp>
+      <p:sp>
+        <p:nvSpPr>
+          <p:cNvPr id="106" name="Text Box 105"/>
+          <p:cNvSpPr txBox="1"/>
+          <p:nvPr/>
+        </p:nvSpPr>
+        <p:spPr>
+          <a:xfrm>
+            <a:off x="404495" y="3440430"/>
+            <a:ext cx="1120140" cy="272415"/>
+          </a:xfrm>
+          <a:prstGeom prst="rect">
+            <a:avLst/>
+          </a:prstGeom>
+          <a:noFill/>
+        </p:spPr>
+        <p:txBody>
+          <a:bodyPr wrap="square" rtlCol="0">
+            <a:noAutofit/>
+          </a:bodyPr>
+          <a:p>
+            <a:pPr algn="ctr"/>
+            <a:r>
+              <a:rPr lang="en-US" sz="1000">
                 <a:latin typeface="Arial Regular" panose="020B0604020202090204" charset="0"/>
                 <a:cs typeface="Arial Regular" panose="020B0604020202090204" charset="0"/>
               </a:rPr>
-              <a:t>Generate ladder</a:t>
-            </a:r>
-            <a:endParaRPr lang="en-US" sz="1200">
+              <a:t>Ladder position</a:t>
+            </a:r>
+            <a:endParaRPr lang="en-US" sz="1000">
               <a:latin typeface="Arial Regular" panose="020B0604020202090204" charset="0"/>
               <a:cs typeface="Arial Regular" panose="020B0604020202090204" charset="0"/>
             </a:endParaRPr>
           </a:p>
         </p:txBody>
       </p:sp>
-      <p:pic>
-        <p:nvPicPr>
-          <p:cNvPr id="39" name="Picture 38" descr="00003e"/>
-          <p:cNvPicPr>
-            <a:picLocks noChangeAspect="1"/>
-          </p:cNvPicPr>
-          <p:nvPr/>
-        </p:nvPicPr>
-        <p:blipFill>
-          <a:blip r:embed="rId2"/>
-          <a:stretch>
-            <a:fillRect/>
-          </a:stretch>
-        </p:blipFill>
-        <p:spPr>
-          <a:xfrm>
-            <a:off x="1689100" y="2524760"/>
-            <a:ext cx="2626360" cy="1623695"/>
-          </a:xfrm>
-          <a:prstGeom prst="rect">
-            <a:avLst/>
-          </a:prstGeom>
-        </p:spPr>
-      </p:pic>
-      <p:sp>
-        <p:nvSpPr>
-          <p:cNvPr id="41" name="Text Box 40"/>
+      <p:sp>
+        <p:nvSpPr>
+          <p:cNvPr id="107" name="Text Box 106"/>
           <p:cNvSpPr txBox="1"/>
           <p:nvPr/>
         </p:nvSpPr>
         <p:spPr>
           <a:xfrm>
-            <a:off x="-100330" y="3641725"/>
-            <a:ext cx="1120140" cy="645160"/>
+            <a:off x="6269355" y="2640965"/>
+            <a:ext cx="362585" cy="272415"/>
           </a:xfrm>
           <a:prstGeom prst="rect">
             <a:avLst/>
@@ -3926,26 +5340,51 @@
         </p:spPr>
         <p:txBody>
           <a:bodyPr wrap="square" rtlCol="0">
-            <a:spAutoFit/>
+            <a:noAutofit/>
           </a:bodyPr>
           <a:p>
+            <a:r>
+              <a:rPr lang="en-US" sz="1400"/>
+              <a:t>t</a:t>
+            </a:r>
+            <a:r>
+              <a:rPr lang="en-US" sz="1400" baseline="-25000"/>
+              <a:t>R</a:t>
+            </a:r>
+            <a:endParaRPr lang="en-US" sz="1400" baseline="-25000"/>
+          </a:p>
+        </p:txBody>
+      </p:sp>
+      <p:sp>
+        <p:nvSpPr>
+          <p:cNvPr id="108" name="Text Box 107"/>
+          <p:cNvSpPr txBox="1"/>
+          <p:nvPr/>
+        </p:nvSpPr>
+        <p:spPr>
+          <a:xfrm>
+            <a:off x="7732395" y="4281805"/>
+            <a:ext cx="579755" cy="272415"/>
+          </a:xfrm>
+          <a:prstGeom prst="rect">
+            <a:avLst/>
+          </a:prstGeom>
+          <a:noFill/>
+        </p:spPr>
+        <p:txBody>
+          <a:bodyPr wrap="square" rtlCol="0">
+            <a:noAutofit/>
+          </a:bodyPr>
+          <a:p>
             <a:pPr algn="ctr"/>
             <a:r>
-              <a:rPr lang="en-US" sz="1200">
+              <a:rPr lang="en-US" sz="1000">
                 <a:latin typeface="Arial Regular" panose="020B0604020202090204" charset="0"/>
                 <a:cs typeface="Arial Regular" panose="020B0604020202090204" charset="0"/>
               </a:rPr>
-              <a:t>Repeat step </a:t>
-            </a:r>
-            <a:r>
-              <a:rPr lang="en-US" altLang="en-US" sz="1200">
-                <a:latin typeface="Arial Regular" panose="020B0604020202090204" charset="0"/>
-                <a:cs typeface="Arial Regular" panose="020B0604020202090204" charset="0"/>
-                <a:sym typeface="+mn-ea"/>
-              </a:rPr>
-              <a:t>③&amp;④ until exhausion</a:t>
-            </a:r>
-            <a:endParaRPr lang="en-US" sz="1200">
+              <a:t>Mass</a:t>
+            </a:r>
+            <a:endParaRPr lang="en-US" sz="1000">
               <a:latin typeface="Arial Regular" panose="020B0604020202090204" charset="0"/>
               <a:cs typeface="Arial Regular" panose="020B0604020202090204" charset="0"/>
             </a:endParaRPr>
@@ -3954,21 +5393,19 @@
       </p:sp>
       <p:cxnSp>
         <p:nvCxnSpPr>
-          <p:cNvPr id="42" name="Straight Connector 41"/>
-          <p:cNvCxnSpPr>
-            <a:stCxn id="39" idx="1"/>
-          </p:cNvCxnSpPr>
+          <p:cNvPr id="114" name="Straight Connector 113"/>
+          <p:cNvCxnSpPr/>
           <p:nvPr/>
         </p:nvCxnSpPr>
         <p:spPr>
           <a:xfrm flipH="1">
-            <a:off x="1019810" y="3336925"/>
-            <a:ext cx="669290" cy="0"/>
+            <a:off x="5680710" y="3619500"/>
+            <a:ext cx="691515" cy="0"/>
           </a:xfrm>
           <a:prstGeom prst="line">
             <a:avLst/>
           </a:prstGeom>
-          <a:ln w="25400">
+          <a:ln w="12700">
             <a:solidFill>
               <a:schemeClr val="tx1"/>
             </a:solidFill>
@@ -3991,23 +5428,22 @@
       </p:cxnSp>
       <p:cxnSp>
         <p:nvCxnSpPr>
-          <p:cNvPr id="43" name="Straight Arrow Connector 42"/>
+          <p:cNvPr id="116" name="Straight Connector 115"/>
           <p:cNvCxnSpPr/>
           <p:nvPr/>
         </p:nvCxnSpPr>
         <p:spPr>
-          <a:xfrm>
-            <a:off x="1012825" y="3336925"/>
-            <a:ext cx="0" cy="1520825"/>
-          </a:xfrm>
-          <a:prstGeom prst="straightConnector1">
-            <a:avLst/>
-          </a:prstGeom>
-          <a:ln w="25400">
+          <a:xfrm flipV="1">
+            <a:off x="5672455" y="3040380"/>
+            <a:ext cx="0" cy="1182370"/>
+          </a:xfrm>
+          <a:prstGeom prst="line">
+            <a:avLst/>
+          </a:prstGeom>
+          <a:ln w="12700">
             <a:solidFill>
               <a:schemeClr val="tx1"/>
             </a:solidFill>
-            <a:tailEnd type="arrow"/>
           </a:ln>
         </p:spPr>
         <p:style>
@@ -4027,21 +5463,702 @@
       </p:cxnSp>
       <p:cxnSp>
         <p:nvCxnSpPr>
-          <p:cNvPr id="45" name="Straight Connector 44"/>
+          <p:cNvPr id="117" name="Straight Arrow Connector 116"/>
           <p:cNvCxnSpPr>
-            <a:stCxn id="39" idx="2"/>
+            <a:endCxn id="109" idx="3"/>
           </p:cNvCxnSpPr>
           <p:nvPr/>
         </p:nvCxnSpPr>
         <p:spPr>
-          <a:xfrm>
-            <a:off x="3002280" y="4148455"/>
-            <a:ext cx="0" cy="1515745"/>
+          <a:xfrm flipH="1">
+            <a:off x="1763395" y="3038475"/>
+            <a:ext cx="3904615" cy="0"/>
+          </a:xfrm>
+          <a:prstGeom prst="straightConnector1">
+            <a:avLst/>
+          </a:prstGeom>
+          <a:ln w="12700">
+            <a:solidFill>
+              <a:schemeClr val="tx1"/>
+            </a:solidFill>
+            <a:tailEnd type="arrow"/>
+          </a:ln>
+        </p:spPr>
+        <p:style>
+          <a:lnRef idx="2">
+            <a:schemeClr val="accent1"/>
+          </a:lnRef>
+          <a:fillRef idx="0">
+            <a:srgbClr val="FFFFFF"/>
+          </a:fillRef>
+          <a:effectRef idx="0">
+            <a:srgbClr val="FFFFFF"/>
+          </a:effectRef>
+          <a:fontRef idx="minor">
+            <a:schemeClr val="tx1"/>
+          </a:fontRef>
+        </p:style>
+      </p:cxnSp>
+      <p:sp>
+        <p:nvSpPr>
+          <p:cNvPr id="119" name="Text Box 118"/>
+          <p:cNvSpPr txBox="1"/>
+          <p:nvPr/>
+        </p:nvSpPr>
+        <p:spPr>
+          <a:xfrm>
+            <a:off x="1539875" y="3947160"/>
+            <a:ext cx="4325620" cy="275590"/>
+          </a:xfrm>
+          <a:prstGeom prst="rect">
+            <a:avLst/>
+          </a:prstGeom>
+          <a:noFill/>
+        </p:spPr>
+        <p:txBody>
+          <a:bodyPr wrap="square" rtlCol="0">
+            <a:noAutofit/>
+          </a:bodyPr>
+          <a:p>
+            <a:pPr algn="ctr"/>
+            <a:r>
+              <a:rPr lang="en-US" sz="1200">
+                <a:latin typeface="Arial Regular" panose="020B0604020202090204" charset="0"/>
+                <a:cs typeface="Arial Regular" panose="020B0604020202090204" charset="0"/>
+                <a:sym typeface="+mn-ea"/>
+              </a:rPr>
+              <a:t>Repeat steps </a:t>
+            </a:r>
+            <a:r>
+              <a:rPr lang="en-US" altLang="en-US" sz="1200">
+                <a:latin typeface="Arial Regular" panose="020B0604020202090204" charset="0"/>
+                <a:cs typeface="Arial Regular" panose="020B0604020202090204" charset="0"/>
+                <a:sym typeface="+mn-ea"/>
+              </a:rPr>
+              <a:t>③&amp;④ to generate more ladders</a:t>
+            </a:r>
+            <a:endParaRPr lang="en-US" sz="1200">
+              <a:latin typeface="Arial Regular" panose="020B0604020202090204" charset="0"/>
+              <a:cs typeface="Arial Regular" panose="020B0604020202090204" charset="0"/>
+            </a:endParaRPr>
+          </a:p>
+        </p:txBody>
+      </p:sp>
+      <p:sp>
+        <p:nvSpPr>
+          <p:cNvPr id="126" name="Text Box 125"/>
+          <p:cNvSpPr txBox="1"/>
+          <p:nvPr/>
+        </p:nvSpPr>
+        <p:spPr>
+          <a:xfrm>
+            <a:off x="499110" y="2482850"/>
+            <a:ext cx="931545" cy="76200"/>
+          </a:xfrm>
+          <a:prstGeom prst="rect">
+            <a:avLst/>
+          </a:prstGeom>
+          <a:noFill/>
+        </p:spPr>
+        <p:txBody>
+          <a:bodyPr wrap="square" rtlCol="0">
+            <a:noAutofit/>
+          </a:bodyPr>
+          <a:p>
+            <a:pPr algn="ctr"/>
+            <a:r>
+              <a:rPr lang="en-US" sz="800" i="1">
+                <a:latin typeface="Arial Italic" panose="020B0604020202090204" charset="0"/>
+                <a:cs typeface="Arial Italic" panose="020B0604020202090204" charset="0"/>
+              </a:rPr>
+              <a:t>Ladder #1</a:t>
+            </a:r>
+            <a:endParaRPr lang="en-US" sz="800" i="1">
+              <a:latin typeface="Arial Italic" panose="020B0604020202090204" charset="0"/>
+              <a:cs typeface="Arial Italic" panose="020B0604020202090204" charset="0"/>
+            </a:endParaRPr>
+          </a:p>
+        </p:txBody>
+      </p:sp>
+      <p:cxnSp>
+        <p:nvCxnSpPr>
+          <p:cNvPr id="128" name="Straight Arrow Connector 127"/>
+          <p:cNvCxnSpPr/>
+          <p:nvPr/>
+        </p:nvCxnSpPr>
+        <p:spPr>
+          <a:xfrm flipH="1">
+            <a:off x="1763395" y="4225290"/>
+            <a:ext cx="3904615" cy="0"/>
+          </a:xfrm>
+          <a:prstGeom prst="straightConnector1">
+            <a:avLst/>
+          </a:prstGeom>
+          <a:ln w="12700">
+            <a:solidFill>
+              <a:schemeClr val="tx1"/>
+            </a:solidFill>
+            <a:tailEnd type="arrow"/>
+          </a:ln>
+        </p:spPr>
+        <p:style>
+          <a:lnRef idx="2">
+            <a:schemeClr val="accent1"/>
+          </a:lnRef>
+          <a:fillRef idx="0">
+            <a:srgbClr val="FFFFFF"/>
+          </a:fillRef>
+          <a:effectRef idx="0">
+            <a:srgbClr val="FFFFFF"/>
+          </a:effectRef>
+          <a:fontRef idx="minor">
+            <a:schemeClr val="tx1"/>
+          </a:fontRef>
+        </p:style>
+      </p:cxnSp>
+      <p:sp>
+        <p:nvSpPr>
+          <p:cNvPr id="130" name="Text Box 129"/>
+          <p:cNvSpPr txBox="1"/>
+          <p:nvPr/>
+        </p:nvSpPr>
+        <p:spPr>
+          <a:xfrm>
+            <a:off x="404495" y="3627755"/>
+            <a:ext cx="1214120" cy="213995"/>
+          </a:xfrm>
+          <a:prstGeom prst="rect">
+            <a:avLst/>
+          </a:prstGeom>
+          <a:noFill/>
+        </p:spPr>
+        <p:txBody>
+          <a:bodyPr wrap="square" rtlCol="0">
+            <a:spAutoFit/>
+          </a:bodyPr>
+          <a:p>
+            <a:pPr algn="ctr"/>
+            <a:r>
+              <a:rPr lang="en-US" sz="800" i="1">
+                <a:latin typeface="Arial Italic" panose="020B0604020202090204" charset="0"/>
+                <a:cs typeface="Arial Italic" panose="020B0604020202090204" charset="0"/>
+              </a:rPr>
+              <a:t>Ladder #2</a:t>
+            </a:r>
+            <a:endParaRPr lang="en-US" sz="800" i="1">
+              <a:latin typeface="Arial Italic" panose="020B0604020202090204" charset="0"/>
+              <a:cs typeface="Arial Italic" panose="020B0604020202090204" charset="0"/>
+            </a:endParaRPr>
+          </a:p>
+        </p:txBody>
+      </p:sp>
+      <p:sp>
+        <p:nvSpPr>
+          <p:cNvPr id="131" name="Text Box 130"/>
+          <p:cNvSpPr txBox="1"/>
+          <p:nvPr/>
+        </p:nvSpPr>
+        <p:spPr>
+          <a:xfrm>
+            <a:off x="50800" y="3725545"/>
+            <a:ext cx="353695" cy="287020"/>
+          </a:xfrm>
+          <a:prstGeom prst="rect">
+            <a:avLst/>
+          </a:prstGeom>
+          <a:noFill/>
+        </p:spPr>
+        <p:txBody>
+          <a:bodyPr wrap="square" rtlCol="0">
+            <a:noAutofit/>
+          </a:bodyPr>
+          <a:p>
+            <a:r>
+              <a:rPr lang="en-US" sz="1000">
+                <a:latin typeface="Arial Regular" panose="020B0604020202090204" charset="0"/>
+                <a:cs typeface="Arial Regular" panose="020B0604020202090204" charset="0"/>
+              </a:rPr>
+              <a:t>SI</a:t>
+            </a:r>
+            <a:endParaRPr lang="en-US" sz="1000">
+              <a:latin typeface="Arial Regular" panose="020B0604020202090204" charset="0"/>
+              <a:cs typeface="Arial Regular" panose="020B0604020202090204" charset="0"/>
+            </a:endParaRPr>
+          </a:p>
+        </p:txBody>
+      </p:sp>
+      <p:sp>
+        <p:nvSpPr>
+          <p:cNvPr id="132" name="Text Box 131"/>
+          <p:cNvSpPr txBox="1"/>
+          <p:nvPr/>
+        </p:nvSpPr>
+        <p:spPr>
+          <a:xfrm>
+            <a:off x="452120" y="4505960"/>
+            <a:ext cx="1120140" cy="272415"/>
+          </a:xfrm>
+          <a:prstGeom prst="rect">
+            <a:avLst/>
+          </a:prstGeom>
+          <a:noFill/>
+        </p:spPr>
+        <p:txBody>
+          <a:bodyPr wrap="square" rtlCol="0">
+            <a:noAutofit/>
+          </a:bodyPr>
+          <a:p>
+            <a:pPr algn="ctr"/>
+            <a:r>
+              <a:rPr lang="en-US" sz="1000">
+                <a:latin typeface="Arial Regular" panose="020B0604020202090204" charset="0"/>
+                <a:cs typeface="Arial Regular" panose="020B0604020202090204" charset="0"/>
+              </a:rPr>
+              <a:t>Ladder position</a:t>
+            </a:r>
+            <a:endParaRPr lang="en-US" sz="1000">
+              <a:latin typeface="Arial Regular" panose="020B0604020202090204" charset="0"/>
+              <a:cs typeface="Arial Regular" panose="020B0604020202090204" charset="0"/>
+            </a:endParaRPr>
+          </a:p>
+        </p:txBody>
+      </p:sp>
+      <p:sp>
+        <p:nvSpPr>
+          <p:cNvPr id="136" name="Text Box 135"/>
+          <p:cNvSpPr txBox="1"/>
+          <p:nvPr/>
+        </p:nvSpPr>
+        <p:spPr>
+          <a:xfrm>
+            <a:off x="452120" y="5563235"/>
+            <a:ext cx="1120140" cy="272415"/>
+          </a:xfrm>
+          <a:prstGeom prst="rect">
+            <a:avLst/>
+          </a:prstGeom>
+          <a:noFill/>
+        </p:spPr>
+        <p:txBody>
+          <a:bodyPr wrap="square" rtlCol="0">
+            <a:noAutofit/>
+          </a:bodyPr>
+          <a:p>
+            <a:pPr algn="ctr"/>
+            <a:r>
+              <a:rPr lang="en-US" sz="1000">
+                <a:latin typeface="Arial Regular" panose="020B0604020202090204" charset="0"/>
+                <a:cs typeface="Arial Regular" panose="020B0604020202090204" charset="0"/>
+              </a:rPr>
+              <a:t>Ladder position</a:t>
+            </a:r>
+            <a:endParaRPr lang="en-US" sz="1000">
+              <a:latin typeface="Arial Regular" panose="020B0604020202090204" charset="0"/>
+              <a:cs typeface="Arial Regular" panose="020B0604020202090204" charset="0"/>
+            </a:endParaRPr>
+          </a:p>
+        </p:txBody>
+      </p:sp>
+      <p:sp>
+        <p:nvSpPr>
+          <p:cNvPr id="137" name="Text Box 136"/>
+          <p:cNvSpPr txBox="1"/>
+          <p:nvPr/>
+        </p:nvSpPr>
+        <p:spPr>
+          <a:xfrm>
+            <a:off x="419735" y="4689475"/>
+            <a:ext cx="1214120" cy="213995"/>
+          </a:xfrm>
+          <a:prstGeom prst="rect">
+            <a:avLst/>
+          </a:prstGeom>
+          <a:noFill/>
+        </p:spPr>
+        <p:txBody>
+          <a:bodyPr wrap="square" rtlCol="0">
+            <a:spAutoFit/>
+          </a:bodyPr>
+          <a:p>
+            <a:pPr algn="ctr"/>
+            <a:r>
+              <a:rPr lang="en-US" sz="800" i="1">
+                <a:latin typeface="Arial Italic" panose="020B0604020202090204" charset="0"/>
+                <a:cs typeface="Arial Italic" panose="020B0604020202090204" charset="0"/>
+              </a:rPr>
+              <a:t>Ladder #3</a:t>
+            </a:r>
+            <a:endParaRPr lang="en-US" sz="800" i="1">
+              <a:latin typeface="Arial Italic" panose="020B0604020202090204" charset="0"/>
+              <a:cs typeface="Arial Italic" panose="020B0604020202090204" charset="0"/>
+            </a:endParaRPr>
+          </a:p>
+        </p:txBody>
+      </p:sp>
+      <p:sp>
+        <p:nvSpPr>
+          <p:cNvPr id="138" name="Text Box 137"/>
+          <p:cNvSpPr txBox="1"/>
+          <p:nvPr/>
+        </p:nvSpPr>
+        <p:spPr>
+          <a:xfrm>
+            <a:off x="50800" y="4778375"/>
+            <a:ext cx="353695" cy="287020"/>
+          </a:xfrm>
+          <a:prstGeom prst="rect">
+            <a:avLst/>
+          </a:prstGeom>
+          <a:noFill/>
+        </p:spPr>
+        <p:txBody>
+          <a:bodyPr wrap="square" rtlCol="0">
+            <a:noAutofit/>
+          </a:bodyPr>
+          <a:p>
+            <a:r>
+              <a:rPr lang="en-US" sz="1000">
+                <a:latin typeface="Arial Regular" panose="020B0604020202090204" charset="0"/>
+                <a:cs typeface="Arial Regular" panose="020B0604020202090204" charset="0"/>
+              </a:rPr>
+              <a:t>SI</a:t>
+            </a:r>
+            <a:endParaRPr lang="en-US" sz="1000">
+              <a:latin typeface="Arial Regular" panose="020B0604020202090204" charset="0"/>
+              <a:cs typeface="Arial Regular" panose="020B0604020202090204" charset="0"/>
+            </a:endParaRPr>
+          </a:p>
+        </p:txBody>
+      </p:sp>
+      <p:sp>
+        <p:nvSpPr>
+          <p:cNvPr id="140" name="Text Box 139"/>
+          <p:cNvSpPr txBox="1"/>
+          <p:nvPr/>
+        </p:nvSpPr>
+        <p:spPr>
+          <a:xfrm>
+            <a:off x="404495" y="6640830"/>
+            <a:ext cx="1120140" cy="272415"/>
+          </a:xfrm>
+          <a:prstGeom prst="rect">
+            <a:avLst/>
+          </a:prstGeom>
+          <a:noFill/>
+        </p:spPr>
+        <p:txBody>
+          <a:bodyPr wrap="square" rtlCol="0">
+            <a:noAutofit/>
+          </a:bodyPr>
+          <a:p>
+            <a:pPr algn="ctr"/>
+            <a:r>
+              <a:rPr lang="en-US" sz="1000">
+                <a:latin typeface="Arial Regular" panose="020B0604020202090204" charset="0"/>
+                <a:cs typeface="Arial Regular" panose="020B0604020202090204" charset="0"/>
+              </a:rPr>
+              <a:t>Ladder position</a:t>
+            </a:r>
+            <a:endParaRPr lang="en-US" sz="1000">
+              <a:latin typeface="Arial Regular" panose="020B0604020202090204" charset="0"/>
+              <a:cs typeface="Arial Regular" panose="020B0604020202090204" charset="0"/>
+            </a:endParaRPr>
+          </a:p>
+        </p:txBody>
+      </p:sp>
+      <p:sp>
+        <p:nvSpPr>
+          <p:cNvPr id="141" name="Text Box 140"/>
+          <p:cNvSpPr txBox="1"/>
+          <p:nvPr/>
+        </p:nvSpPr>
+        <p:spPr>
+          <a:xfrm>
+            <a:off x="358140" y="5790565"/>
+            <a:ext cx="1214120" cy="213995"/>
+          </a:xfrm>
+          <a:prstGeom prst="rect">
+            <a:avLst/>
+          </a:prstGeom>
+          <a:noFill/>
+        </p:spPr>
+        <p:txBody>
+          <a:bodyPr wrap="square" rtlCol="0">
+            <a:spAutoFit/>
+          </a:bodyPr>
+          <a:p>
+            <a:pPr algn="ctr"/>
+            <a:r>
+              <a:rPr lang="en-US" sz="800" i="1">
+                <a:latin typeface="Arial Italic" panose="020B0604020202090204" charset="0"/>
+                <a:cs typeface="Arial Italic" panose="020B0604020202090204" charset="0"/>
+              </a:rPr>
+              <a:t>Ladder #4</a:t>
+            </a:r>
+            <a:endParaRPr lang="en-US" sz="800" i="1">
+              <a:latin typeface="Arial Italic" panose="020B0604020202090204" charset="0"/>
+              <a:cs typeface="Arial Italic" panose="020B0604020202090204" charset="0"/>
+            </a:endParaRPr>
+          </a:p>
+        </p:txBody>
+      </p:sp>
+      <p:sp>
+        <p:nvSpPr>
+          <p:cNvPr id="142" name="Text Box 141"/>
+          <p:cNvSpPr txBox="1"/>
+          <p:nvPr/>
+        </p:nvSpPr>
+        <p:spPr>
+          <a:xfrm>
+            <a:off x="50800" y="5835650"/>
+            <a:ext cx="353695" cy="287020"/>
+          </a:xfrm>
+          <a:prstGeom prst="rect">
+            <a:avLst/>
+          </a:prstGeom>
+          <a:noFill/>
+        </p:spPr>
+        <p:txBody>
+          <a:bodyPr wrap="square" rtlCol="0">
+            <a:noAutofit/>
+          </a:bodyPr>
+          <a:p>
+            <a:r>
+              <a:rPr lang="en-US" sz="1000">
+                <a:latin typeface="Arial Regular" panose="020B0604020202090204" charset="0"/>
+                <a:cs typeface="Arial Regular" panose="020B0604020202090204" charset="0"/>
+              </a:rPr>
+              <a:t>SI</a:t>
+            </a:r>
+            <a:endParaRPr lang="en-US" sz="1000">
+              <a:latin typeface="Arial Regular" panose="020B0604020202090204" charset="0"/>
+              <a:cs typeface="Arial Regular" panose="020B0604020202090204" charset="0"/>
+            </a:endParaRPr>
+          </a:p>
+        </p:txBody>
+      </p:sp>
+      <p:sp>
+        <p:nvSpPr>
+          <p:cNvPr id="143" name="Rectangles 142"/>
+          <p:cNvSpPr/>
+          <p:nvPr/>
+        </p:nvSpPr>
+        <p:spPr>
+          <a:xfrm>
+            <a:off x="635" y="2503170"/>
+            <a:ext cx="1763395" cy="4347845"/>
+          </a:xfrm>
+          <a:prstGeom prst="rect">
+            <a:avLst/>
+          </a:prstGeom>
+          <a:noFill/>
+          <a:ln>
+            <a:solidFill>
+              <a:schemeClr val="tx1"/>
+            </a:solidFill>
+          </a:ln>
+        </p:spPr>
+        <p:style>
+          <a:lnRef idx="2">
+            <a:schemeClr val="accent1">
+              <a:lumMod val="75000"/>
+            </a:schemeClr>
+          </a:lnRef>
+          <a:fillRef idx="1">
+            <a:schemeClr val="accent1"/>
+          </a:fillRef>
+          <a:effectRef idx="0">
+            <a:srgbClr val="FFFFFF"/>
+          </a:effectRef>
+          <a:fontRef idx="minor">
+            <a:schemeClr val="lt1"/>
+          </a:fontRef>
+        </p:style>
+        <p:txBody>
+          <a:bodyPr rtlCol="0" anchor="ctr"/>
+          <a:p>
+            <a:pPr algn="ctr"/>
+            <a:endParaRPr lang="en-US"/>
+          </a:p>
+        </p:txBody>
+      </p:sp>
+      <p:pic>
+        <p:nvPicPr>
+          <p:cNvPr id="145" name="Picture 144" descr="Screenshot 2025-02-28 at 1.57.41 PM"/>
+          <p:cNvPicPr>
+            <a:picLocks noChangeAspect="1"/>
+          </p:cNvPicPr>
+          <p:nvPr/>
+        </p:nvPicPr>
+        <p:blipFill>
+          <a:blip r:embed="rId10"/>
+          <a:stretch>
+            <a:fillRect/>
+          </a:stretch>
+        </p:blipFill>
+        <p:spPr>
+          <a:xfrm>
+            <a:off x="8288020" y="4077970"/>
+            <a:ext cx="78740" cy="90170"/>
+          </a:xfrm>
+          <a:prstGeom prst="rect">
+            <a:avLst/>
+          </a:prstGeom>
+        </p:spPr>
+      </p:pic>
+      <p:sp>
+        <p:nvSpPr>
+          <p:cNvPr id="146" name="Text Box 145"/>
+          <p:cNvSpPr txBox="1"/>
+          <p:nvPr/>
+        </p:nvSpPr>
+        <p:spPr>
+          <a:xfrm>
+            <a:off x="8312150" y="4012565"/>
+            <a:ext cx="2662555" cy="213995"/>
+          </a:xfrm>
+          <a:prstGeom prst="rect">
+            <a:avLst/>
+          </a:prstGeom>
+          <a:noFill/>
+        </p:spPr>
+        <p:txBody>
+          <a:bodyPr wrap="square" rtlCol="0">
+            <a:spAutoFit/>
+          </a:bodyPr>
+          <a:p>
+            <a:r>
+              <a:rPr lang="en-US" sz="800" i="1">
+                <a:latin typeface="Arial Italic" panose="020B0604020202090204" charset="0"/>
+                <a:cs typeface="Arial Italic" panose="020B0604020202090204" charset="0"/>
+              </a:rPr>
+              <a:t>: mass point with highest sum intensity in the dataset</a:t>
+            </a:r>
+            <a:endParaRPr lang="en-US" sz="800" i="1">
+              <a:latin typeface="Arial Italic" panose="020B0604020202090204" charset="0"/>
+              <a:cs typeface="Arial Italic" panose="020B0604020202090204" charset="0"/>
+            </a:endParaRPr>
+          </a:p>
+        </p:txBody>
+      </p:sp>
+      <p:sp>
+        <p:nvSpPr>
+          <p:cNvPr id="156" name="Rectangles 155"/>
+          <p:cNvSpPr/>
+          <p:nvPr/>
+        </p:nvSpPr>
+        <p:spPr>
+          <a:xfrm>
+            <a:off x="4336415" y="4881245"/>
+            <a:ext cx="186690" cy="76200"/>
+          </a:xfrm>
+          <a:prstGeom prst="rect">
+            <a:avLst/>
+          </a:prstGeom>
+          <a:solidFill>
+            <a:srgbClr val="22FF06"/>
+          </a:solidFill>
+          <a:ln w="6350">
+            <a:solidFill>
+              <a:schemeClr val="tx1"/>
+            </a:solidFill>
+          </a:ln>
+        </p:spPr>
+        <p:style>
+          <a:lnRef idx="2">
+            <a:schemeClr val="accent1">
+              <a:lumMod val="75000"/>
+            </a:schemeClr>
+          </a:lnRef>
+          <a:fillRef idx="1">
+            <a:schemeClr val="accent1"/>
+          </a:fillRef>
+          <a:effectRef idx="0">
+            <a:srgbClr val="FFFFFF"/>
+          </a:effectRef>
+          <a:fontRef idx="minor">
+            <a:schemeClr val="lt1"/>
+          </a:fontRef>
+        </p:style>
+        <p:txBody>
+          <a:bodyPr rtlCol="0" anchor="ctr"/>
+          <a:p>
+            <a:pPr algn="ctr"/>
+            <a:endParaRPr lang="en-US" b="1">
+              <a:latin typeface="Arial Bold" panose="020B0604020202090204" charset="0"/>
+              <a:cs typeface="Arial Bold" panose="020B0604020202090204" charset="0"/>
+            </a:endParaRPr>
+          </a:p>
+        </p:txBody>
+      </p:sp>
+      <p:sp>
+        <p:nvSpPr>
+          <p:cNvPr id="166" name="Rectangles 165"/>
+          <p:cNvSpPr/>
+          <p:nvPr/>
+        </p:nvSpPr>
+        <p:spPr>
+          <a:xfrm>
+            <a:off x="4595495" y="4881245"/>
+            <a:ext cx="186690" cy="76200"/>
+          </a:xfrm>
+          <a:prstGeom prst="rect">
+            <a:avLst/>
+          </a:prstGeom>
+          <a:solidFill>
+            <a:srgbClr val="22FF06"/>
+          </a:solidFill>
+          <a:ln w="6350">
+            <a:solidFill>
+              <a:schemeClr val="tx1"/>
+            </a:solidFill>
+          </a:ln>
+        </p:spPr>
+        <p:style>
+          <a:lnRef idx="2">
+            <a:schemeClr val="accent1">
+              <a:lumMod val="75000"/>
+            </a:schemeClr>
+          </a:lnRef>
+          <a:fillRef idx="1">
+            <a:schemeClr val="accent1"/>
+          </a:fillRef>
+          <a:effectRef idx="0">
+            <a:srgbClr val="FFFFFF"/>
+          </a:effectRef>
+          <a:fontRef idx="minor">
+            <a:schemeClr val="lt1"/>
+          </a:fontRef>
+        </p:style>
+        <p:txBody>
+          <a:bodyPr rtlCol="0" anchor="ctr"/>
+          <a:p>
+            <a:pPr algn="ctr"/>
+            <a:endParaRPr lang="en-US" b="1">
+              <a:latin typeface="Arial Bold" panose="020B0604020202090204" charset="0"/>
+              <a:cs typeface="Arial Bold" panose="020B0604020202090204" charset="0"/>
+            </a:endParaRPr>
+          </a:p>
+        </p:txBody>
+      </p:sp>
+      <p:cxnSp>
+        <p:nvCxnSpPr>
+          <p:cNvPr id="169" name="Straight Connector 168"/>
+          <p:cNvCxnSpPr>
+            <a:stCxn id="156" idx="3"/>
+            <a:endCxn id="166" idx="1"/>
+          </p:cNvCxnSpPr>
+          <p:nvPr/>
+        </p:nvCxnSpPr>
+        <p:spPr>
+          <a:xfrm>
+            <a:off x="4523105" y="4919345"/>
+            <a:ext cx="72390" cy="0"/>
           </a:xfrm>
           <a:prstGeom prst="line">
             <a:avLst/>
           </a:prstGeom>
-          <a:ln w="25400">
+          <a:ln>
             <a:solidFill>
               <a:schemeClr val="tx1"/>
             </a:solidFill>
@@ -4064,23 +6181,22 @@
       </p:cxnSp>
       <p:cxnSp>
         <p:nvCxnSpPr>
-          <p:cNvPr id="46" name="Straight Arrow Connector 45"/>
+          <p:cNvPr id="170" name="Straight Connector 169"/>
           <p:cNvCxnSpPr/>
           <p:nvPr/>
         </p:nvCxnSpPr>
         <p:spPr>
           <a:xfrm>
-            <a:off x="2992755" y="5664200"/>
-            <a:ext cx="584835" cy="0"/>
-          </a:xfrm>
-          <a:prstGeom prst="straightConnector1">
-            <a:avLst/>
-          </a:prstGeom>
-          <a:ln w="25400">
+            <a:off x="4782185" y="4919345"/>
+            <a:ext cx="72390" cy="0"/>
+          </a:xfrm>
+          <a:prstGeom prst="line">
+            <a:avLst/>
+          </a:prstGeom>
+          <a:ln>
             <a:solidFill>
               <a:schemeClr val="tx1"/>
             </a:solidFill>
-            <a:tailEnd type="arrow"/>
           </a:ln>
         </p:spPr>
         <p:style>
@@ -4100,132 +6216,125 @@
       </p:cxnSp>
       <p:sp>
         <p:nvSpPr>
-          <p:cNvPr id="49" name="Text Box 48"/>
-          <p:cNvSpPr txBox="1"/>
-          <p:nvPr/>
-        </p:nvSpPr>
-        <p:spPr>
-          <a:xfrm>
-            <a:off x="1602740" y="4180205"/>
-            <a:ext cx="1537970" cy="645160"/>
-          </a:xfrm>
-          <a:prstGeom prst="rect">
-            <a:avLst/>
-          </a:prstGeom>
-          <a:noFill/>
-        </p:spPr>
-        <p:txBody>
-          <a:bodyPr wrap="square" rtlCol="0">
-            <a:spAutoFit/>
-          </a:bodyPr>
-          <a:p>
-            <a:pPr algn="ctr"/>
-            <a:r>
-              <a:rPr lang="en-US" altLang="en-US" sz="1200">
-                <a:latin typeface="Arial Regular" panose="020B0604020202090204" charset="0"/>
-              </a:rPr>
-              <a:t>⑤ Assemble all previously generated ladders</a:t>
-            </a:r>
-            <a:endParaRPr lang="en-US" altLang="en-US" sz="1200">
-              <a:latin typeface="Arial Regular" panose="020B0604020202090204" charset="0"/>
-            </a:endParaRPr>
-          </a:p>
-        </p:txBody>
-      </p:sp>
-      <p:pic>
-        <p:nvPicPr>
-          <p:cNvPr id="50" name="Picture 49" descr="00003e"/>
-          <p:cNvPicPr>
-            <a:picLocks noChangeAspect="1"/>
-          </p:cNvPicPr>
-          <p:nvPr/>
-        </p:nvPicPr>
-        <p:blipFill>
-          <a:blip r:embed="rId2"/>
-          <a:stretch>
-            <a:fillRect/>
-          </a:stretch>
-        </p:blipFill>
-        <p:spPr>
-          <a:xfrm>
-            <a:off x="0" y="4857750"/>
-            <a:ext cx="2066925" cy="1277620"/>
-          </a:xfrm>
-          <a:prstGeom prst="rect">
-            <a:avLst/>
-          </a:prstGeom>
-        </p:spPr>
-      </p:pic>
-      <p:pic>
-        <p:nvPicPr>
-          <p:cNvPr id="51" name="Picture 50" descr="00003e"/>
-          <p:cNvPicPr>
-            <a:picLocks noChangeAspect="1"/>
-          </p:cNvPicPr>
-          <p:nvPr/>
-        </p:nvPicPr>
-        <p:blipFill>
-          <a:blip r:embed="rId2"/>
-          <a:stretch>
-            <a:fillRect/>
-          </a:stretch>
-        </p:blipFill>
-        <p:spPr>
-          <a:xfrm>
-            <a:off x="3577590" y="4420870"/>
-            <a:ext cx="3934460" cy="2432685"/>
-          </a:xfrm>
-          <a:prstGeom prst="rect">
-            <a:avLst/>
-          </a:prstGeom>
-        </p:spPr>
-      </p:pic>
-      <p:pic>
-        <p:nvPicPr>
-          <p:cNvPr id="54" name="Picture 53" descr="00003e"/>
-          <p:cNvPicPr>
-            <a:picLocks noChangeAspect="1"/>
-          </p:cNvPicPr>
-          <p:nvPr/>
-        </p:nvPicPr>
-        <p:blipFill>
-          <a:blip r:embed="rId2"/>
-          <a:stretch>
-            <a:fillRect/>
-          </a:stretch>
-        </p:blipFill>
-        <p:spPr>
-          <a:xfrm>
-            <a:off x="8257540" y="4425315"/>
-            <a:ext cx="3934460" cy="2432685"/>
-          </a:xfrm>
-          <a:prstGeom prst="rect">
-            <a:avLst/>
-          </a:prstGeom>
-        </p:spPr>
-      </p:pic>
-      <p:cxnSp>
-        <p:nvCxnSpPr>
-          <p:cNvPr id="55" name="Straight Arrow Connector 54"/>
-          <p:cNvCxnSpPr>
-            <a:stCxn id="51" idx="3"/>
-            <a:endCxn id="54" idx="1"/>
-          </p:cNvCxnSpPr>
-          <p:nvPr/>
-        </p:nvCxnSpPr>
-        <p:spPr>
-          <a:xfrm>
-            <a:off x="7512050" y="5637530"/>
-            <a:ext cx="745490" cy="4445"/>
-          </a:xfrm>
-          <a:prstGeom prst="straightConnector1">
-            <a:avLst/>
-          </a:prstGeom>
-          <a:ln w="25400">
+          <p:cNvPr id="171" name="Rectangles 170"/>
+          <p:cNvSpPr/>
+          <p:nvPr/>
+        </p:nvSpPr>
+        <p:spPr>
+          <a:xfrm>
+            <a:off x="4854575" y="4881245"/>
+            <a:ext cx="186690" cy="76200"/>
+          </a:xfrm>
+          <a:prstGeom prst="rect">
+            <a:avLst/>
+          </a:prstGeom>
+          <a:solidFill>
+            <a:srgbClr val="22FF06"/>
+          </a:solidFill>
+          <a:ln w="6350">
             <a:solidFill>
               <a:schemeClr val="tx1"/>
             </a:solidFill>
-            <a:tailEnd type="arrow"/>
+          </a:ln>
+        </p:spPr>
+        <p:style>
+          <a:lnRef idx="2">
+            <a:schemeClr val="accent1">
+              <a:lumMod val="75000"/>
+            </a:schemeClr>
+          </a:lnRef>
+          <a:fillRef idx="1">
+            <a:schemeClr val="accent1"/>
+          </a:fillRef>
+          <a:effectRef idx="0">
+            <a:srgbClr val="FFFFFF"/>
+          </a:effectRef>
+          <a:fontRef idx="minor">
+            <a:schemeClr val="lt1"/>
+          </a:fontRef>
+        </p:style>
+        <p:txBody>
+          <a:bodyPr rtlCol="0" anchor="ctr"/>
+          <a:p>
+            <a:pPr algn="ctr"/>
+            <a:endParaRPr lang="en-US" b="1">
+              <a:latin typeface="Arial Bold" panose="020B0604020202090204" charset="0"/>
+              <a:cs typeface="Arial Bold" panose="020B0604020202090204" charset="0"/>
+            </a:endParaRPr>
+          </a:p>
+        </p:txBody>
+      </p:sp>
+      <p:sp>
+        <p:nvSpPr>
+          <p:cNvPr id="172" name="Rectangles 171"/>
+          <p:cNvSpPr/>
+          <p:nvPr/>
+        </p:nvSpPr>
+        <p:spPr>
+          <a:xfrm>
+            <a:off x="5113655" y="4881245"/>
+            <a:ext cx="186690" cy="76200"/>
+          </a:xfrm>
+          <a:prstGeom prst="rect">
+            <a:avLst/>
+          </a:prstGeom>
+          <a:solidFill>
+            <a:srgbClr val="22FF06"/>
+          </a:solidFill>
+          <a:ln w="6350">
+            <a:solidFill>
+              <a:schemeClr val="tx1"/>
+            </a:solidFill>
+          </a:ln>
+        </p:spPr>
+        <p:style>
+          <a:lnRef idx="2">
+            <a:schemeClr val="accent1">
+              <a:lumMod val="75000"/>
+            </a:schemeClr>
+          </a:lnRef>
+          <a:fillRef idx="1">
+            <a:schemeClr val="accent1"/>
+          </a:fillRef>
+          <a:effectRef idx="0">
+            <a:srgbClr val="FFFFFF"/>
+          </a:effectRef>
+          <a:fontRef idx="minor">
+            <a:schemeClr val="lt1"/>
+          </a:fontRef>
+        </p:style>
+        <p:txBody>
+          <a:bodyPr rtlCol="0" anchor="ctr"/>
+          <a:p>
+            <a:pPr algn="ctr"/>
+            <a:endParaRPr lang="en-US" b="1">
+              <a:latin typeface="Arial Bold" panose="020B0604020202090204" charset="0"/>
+              <a:cs typeface="Arial Bold" panose="020B0604020202090204" charset="0"/>
+            </a:endParaRPr>
+          </a:p>
+        </p:txBody>
+      </p:sp>
+      <p:cxnSp>
+        <p:nvCxnSpPr>
+          <p:cNvPr id="173" name="Straight Connector 172"/>
+          <p:cNvCxnSpPr>
+            <a:stCxn id="171" idx="3"/>
+            <a:endCxn id="172" idx="1"/>
+          </p:cNvCxnSpPr>
+          <p:nvPr/>
+        </p:nvCxnSpPr>
+        <p:spPr>
+          <a:xfrm>
+            <a:off x="5041265" y="4919345"/>
+            <a:ext cx="72390" cy="0"/>
+          </a:xfrm>
+          <a:prstGeom prst="line">
+            <a:avLst/>
+          </a:prstGeom>
+          <a:ln>
+            <a:solidFill>
+              <a:schemeClr val="tx1"/>
+            </a:solidFill>
           </a:ln>
         </p:spPr>
         <p:style>
@@ -4243,16 +6352,362 @@
           </a:fontRef>
         </p:style>
       </p:cxnSp>
-      <p:sp>
-        <p:nvSpPr>
-          <p:cNvPr id="56" name="Text Box 55"/>
+      <p:cxnSp>
+        <p:nvCxnSpPr>
+          <p:cNvPr id="174" name="Straight Connector 173"/>
+          <p:cNvCxnSpPr/>
+          <p:nvPr/>
+        </p:nvCxnSpPr>
+        <p:spPr>
+          <a:xfrm>
+            <a:off x="5300345" y="4919345"/>
+            <a:ext cx="72390" cy="0"/>
+          </a:xfrm>
+          <a:prstGeom prst="line">
+            <a:avLst/>
+          </a:prstGeom>
+          <a:ln>
+            <a:solidFill>
+              <a:schemeClr val="tx1"/>
+            </a:solidFill>
+          </a:ln>
+        </p:spPr>
+        <p:style>
+          <a:lnRef idx="2">
+            <a:schemeClr val="accent1"/>
+          </a:lnRef>
+          <a:fillRef idx="0">
+            <a:srgbClr val="FFFFFF"/>
+          </a:fillRef>
+          <a:effectRef idx="0">
+            <a:srgbClr val="FFFFFF"/>
+          </a:effectRef>
+          <a:fontRef idx="minor">
+            <a:schemeClr val="tx1"/>
+          </a:fontRef>
+        </p:style>
+      </p:cxnSp>
+      <p:sp>
+        <p:nvSpPr>
+          <p:cNvPr id="175" name="Rectangles 174"/>
+          <p:cNvSpPr/>
+          <p:nvPr/>
+        </p:nvSpPr>
+        <p:spPr>
+          <a:xfrm>
+            <a:off x="5372735" y="4881245"/>
+            <a:ext cx="186690" cy="76200"/>
+          </a:xfrm>
+          <a:prstGeom prst="rect">
+            <a:avLst/>
+          </a:prstGeom>
+          <a:solidFill>
+            <a:srgbClr val="22FF06"/>
+          </a:solidFill>
+          <a:ln w="6350">
+            <a:solidFill>
+              <a:schemeClr val="tx1"/>
+            </a:solidFill>
+          </a:ln>
+        </p:spPr>
+        <p:style>
+          <a:lnRef idx="2">
+            <a:schemeClr val="accent1">
+              <a:lumMod val="75000"/>
+            </a:schemeClr>
+          </a:lnRef>
+          <a:fillRef idx="1">
+            <a:schemeClr val="accent1"/>
+          </a:fillRef>
+          <a:effectRef idx="0">
+            <a:srgbClr val="FFFFFF"/>
+          </a:effectRef>
+          <a:fontRef idx="minor">
+            <a:schemeClr val="lt1"/>
+          </a:fontRef>
+        </p:style>
+        <p:txBody>
+          <a:bodyPr rtlCol="0" anchor="ctr"/>
+          <a:p>
+            <a:pPr algn="ctr"/>
+            <a:endParaRPr lang="en-US" b="1">
+              <a:latin typeface="Arial Bold" panose="020B0604020202090204" charset="0"/>
+              <a:cs typeface="Arial Bold" panose="020B0604020202090204" charset="0"/>
+            </a:endParaRPr>
+          </a:p>
+        </p:txBody>
+      </p:sp>
+      <p:sp>
+        <p:nvSpPr>
+          <p:cNvPr id="176" name="Rectangles 175"/>
+          <p:cNvSpPr/>
+          <p:nvPr/>
+        </p:nvSpPr>
+        <p:spPr>
+          <a:xfrm>
+            <a:off x="5631815" y="4881245"/>
+            <a:ext cx="186690" cy="76200"/>
+          </a:xfrm>
+          <a:prstGeom prst="rect">
+            <a:avLst/>
+          </a:prstGeom>
+          <a:solidFill>
+            <a:srgbClr val="22FF06"/>
+          </a:solidFill>
+          <a:ln w="6350">
+            <a:solidFill>
+              <a:schemeClr val="tx1"/>
+            </a:solidFill>
+          </a:ln>
+        </p:spPr>
+        <p:style>
+          <a:lnRef idx="2">
+            <a:schemeClr val="accent1">
+              <a:lumMod val="75000"/>
+            </a:schemeClr>
+          </a:lnRef>
+          <a:fillRef idx="1">
+            <a:schemeClr val="accent1"/>
+          </a:fillRef>
+          <a:effectRef idx="0">
+            <a:srgbClr val="FFFFFF"/>
+          </a:effectRef>
+          <a:fontRef idx="minor">
+            <a:schemeClr val="lt1"/>
+          </a:fontRef>
+        </p:style>
+        <p:txBody>
+          <a:bodyPr rtlCol="0" anchor="ctr"/>
+          <a:p>
+            <a:pPr algn="ctr"/>
+            <a:endParaRPr lang="en-US" b="1">
+              <a:latin typeface="Arial Bold" panose="020B0604020202090204" charset="0"/>
+              <a:cs typeface="Arial Bold" panose="020B0604020202090204" charset="0"/>
+            </a:endParaRPr>
+          </a:p>
+        </p:txBody>
+      </p:sp>
+      <p:cxnSp>
+        <p:nvCxnSpPr>
+          <p:cNvPr id="177" name="Straight Connector 176"/>
+          <p:cNvCxnSpPr>
+            <a:stCxn id="175" idx="3"/>
+            <a:endCxn id="176" idx="1"/>
+          </p:cNvCxnSpPr>
+          <p:nvPr/>
+        </p:nvCxnSpPr>
+        <p:spPr>
+          <a:xfrm>
+            <a:off x="5559425" y="4919345"/>
+            <a:ext cx="72390" cy="0"/>
+          </a:xfrm>
+          <a:prstGeom prst="line">
+            <a:avLst/>
+          </a:prstGeom>
+          <a:ln>
+            <a:solidFill>
+              <a:schemeClr val="tx1"/>
+            </a:solidFill>
+          </a:ln>
+        </p:spPr>
+        <p:style>
+          <a:lnRef idx="2">
+            <a:schemeClr val="accent1"/>
+          </a:lnRef>
+          <a:fillRef idx="0">
+            <a:srgbClr val="FFFFFF"/>
+          </a:fillRef>
+          <a:effectRef idx="0">
+            <a:srgbClr val="FFFFFF"/>
+          </a:effectRef>
+          <a:fontRef idx="minor">
+            <a:schemeClr val="tx1"/>
+          </a:fontRef>
+        </p:style>
+      </p:cxnSp>
+      <p:cxnSp>
+        <p:nvCxnSpPr>
+          <p:cNvPr id="178" name="Straight Connector 177"/>
+          <p:cNvCxnSpPr/>
+          <p:nvPr/>
+        </p:nvCxnSpPr>
+        <p:spPr>
+          <a:xfrm>
+            <a:off x="5818505" y="4919345"/>
+            <a:ext cx="72390" cy="0"/>
+          </a:xfrm>
+          <a:prstGeom prst="line">
+            <a:avLst/>
+          </a:prstGeom>
+          <a:ln>
+            <a:solidFill>
+              <a:schemeClr val="tx1"/>
+            </a:solidFill>
+          </a:ln>
+        </p:spPr>
+        <p:style>
+          <a:lnRef idx="2">
+            <a:schemeClr val="accent1"/>
+          </a:lnRef>
+          <a:fillRef idx="0">
+            <a:srgbClr val="FFFFFF"/>
+          </a:fillRef>
+          <a:effectRef idx="0">
+            <a:srgbClr val="FFFFFF"/>
+          </a:effectRef>
+          <a:fontRef idx="minor">
+            <a:schemeClr val="tx1"/>
+          </a:fontRef>
+        </p:style>
+      </p:cxnSp>
+      <p:sp>
+        <p:nvSpPr>
+          <p:cNvPr id="179" name="Rectangles 178"/>
+          <p:cNvSpPr/>
+          <p:nvPr/>
+        </p:nvSpPr>
+        <p:spPr>
+          <a:xfrm>
+            <a:off x="5890895" y="4881245"/>
+            <a:ext cx="186690" cy="76200"/>
+          </a:xfrm>
+          <a:prstGeom prst="rect">
+            <a:avLst/>
+          </a:prstGeom>
+          <a:solidFill>
+            <a:srgbClr val="22FF06"/>
+          </a:solidFill>
+          <a:ln w="6350">
+            <a:solidFill>
+              <a:schemeClr val="tx1"/>
+            </a:solidFill>
+          </a:ln>
+        </p:spPr>
+        <p:style>
+          <a:lnRef idx="2">
+            <a:schemeClr val="accent1">
+              <a:lumMod val="75000"/>
+            </a:schemeClr>
+          </a:lnRef>
+          <a:fillRef idx="1">
+            <a:schemeClr val="accent1"/>
+          </a:fillRef>
+          <a:effectRef idx="0">
+            <a:srgbClr val="FFFFFF"/>
+          </a:effectRef>
+          <a:fontRef idx="minor">
+            <a:schemeClr val="lt1"/>
+          </a:fontRef>
+        </p:style>
+        <p:txBody>
+          <a:bodyPr rtlCol="0" anchor="ctr"/>
+          <a:p>
+            <a:pPr algn="ctr"/>
+            <a:endParaRPr lang="en-US" b="1">
+              <a:latin typeface="Arial Bold" panose="020B0604020202090204" charset="0"/>
+              <a:cs typeface="Arial Bold" panose="020B0604020202090204" charset="0"/>
+            </a:endParaRPr>
+          </a:p>
+        </p:txBody>
+      </p:sp>
+      <p:sp>
+        <p:nvSpPr>
+          <p:cNvPr id="180" name="Rectangles 179"/>
+          <p:cNvSpPr/>
+          <p:nvPr/>
+        </p:nvSpPr>
+        <p:spPr>
+          <a:xfrm>
+            <a:off x="6149975" y="4881245"/>
+            <a:ext cx="186690" cy="76200"/>
+          </a:xfrm>
+          <a:prstGeom prst="rect">
+            <a:avLst/>
+          </a:prstGeom>
+          <a:solidFill>
+            <a:srgbClr val="22FF06"/>
+          </a:solidFill>
+          <a:ln w="6350">
+            <a:solidFill>
+              <a:schemeClr val="tx1"/>
+            </a:solidFill>
+          </a:ln>
+        </p:spPr>
+        <p:style>
+          <a:lnRef idx="2">
+            <a:schemeClr val="accent1">
+              <a:lumMod val="75000"/>
+            </a:schemeClr>
+          </a:lnRef>
+          <a:fillRef idx="1">
+            <a:schemeClr val="accent1"/>
+          </a:fillRef>
+          <a:effectRef idx="0">
+            <a:srgbClr val="FFFFFF"/>
+          </a:effectRef>
+          <a:fontRef idx="minor">
+            <a:schemeClr val="lt1"/>
+          </a:fontRef>
+        </p:style>
+        <p:txBody>
+          <a:bodyPr rtlCol="0" anchor="ctr"/>
+          <a:p>
+            <a:pPr algn="ctr"/>
+            <a:endParaRPr lang="en-US" b="1">
+              <a:latin typeface="Arial Bold" panose="020B0604020202090204" charset="0"/>
+              <a:cs typeface="Arial Bold" panose="020B0604020202090204" charset="0"/>
+            </a:endParaRPr>
+          </a:p>
+        </p:txBody>
+      </p:sp>
+      <p:cxnSp>
+        <p:nvCxnSpPr>
+          <p:cNvPr id="181" name="Straight Connector 180"/>
+          <p:cNvCxnSpPr>
+            <a:stCxn id="179" idx="3"/>
+            <a:endCxn id="180" idx="1"/>
+          </p:cNvCxnSpPr>
+          <p:nvPr/>
+        </p:nvCxnSpPr>
+        <p:spPr>
+          <a:xfrm>
+            <a:off x="6077585" y="4919345"/>
+            <a:ext cx="72390" cy="0"/>
+          </a:xfrm>
+          <a:prstGeom prst="line">
+            <a:avLst/>
+          </a:prstGeom>
+          <a:ln>
+            <a:solidFill>
+              <a:schemeClr val="tx1"/>
+            </a:solidFill>
+          </a:ln>
+        </p:spPr>
+        <p:style>
+          <a:lnRef idx="2">
+            <a:schemeClr val="accent1"/>
+          </a:lnRef>
+          <a:fillRef idx="0">
+            <a:srgbClr val="FFFFFF"/>
+          </a:fillRef>
+          <a:effectRef idx="0">
+            <a:srgbClr val="FFFFFF"/>
+          </a:effectRef>
+          <a:fontRef idx="minor">
+            <a:schemeClr val="tx1"/>
+          </a:fontRef>
+        </p:style>
+      </p:cxnSp>
+      <p:sp>
+        <p:nvSpPr>
+          <p:cNvPr id="183" name="Text Box 182"/>
           <p:cNvSpPr txBox="1"/>
           <p:nvPr/>
         </p:nvSpPr>
         <p:spPr>
           <a:xfrm>
-            <a:off x="7430770" y="4992370"/>
-            <a:ext cx="908050" cy="645160"/>
+            <a:off x="3420745" y="4778375"/>
+            <a:ext cx="838835" cy="245110"/>
           </a:xfrm>
           <a:prstGeom prst="rect">
             <a:avLst/>
@@ -4264,12 +6719,3604 @@
             <a:spAutoFit/>
           </a:bodyPr>
           <a:p>
+            <a:r>
+              <a:rPr lang="en-US" sz="1000"/>
+              <a:t>Ladder #1:</a:t>
+            </a:r>
+            <a:endParaRPr lang="en-US" sz="1000"/>
+          </a:p>
+        </p:txBody>
+      </p:sp>
+      <p:sp>
+        <p:nvSpPr>
+          <p:cNvPr id="184" name="Rectangles 183"/>
+          <p:cNvSpPr/>
+          <p:nvPr/>
+        </p:nvSpPr>
+        <p:spPr>
+          <a:xfrm>
+            <a:off x="4336415" y="5347335"/>
+            <a:ext cx="186690" cy="76200"/>
+          </a:xfrm>
+          <a:prstGeom prst="rect">
+            <a:avLst/>
+          </a:prstGeom>
+          <a:solidFill>
+            <a:srgbClr val="BF0063"/>
+          </a:solidFill>
+          <a:ln w="6350">
+            <a:solidFill>
+              <a:schemeClr val="tx1"/>
+            </a:solidFill>
+          </a:ln>
+        </p:spPr>
+        <p:style>
+          <a:lnRef idx="2">
+            <a:schemeClr val="accent1">
+              <a:lumMod val="75000"/>
+            </a:schemeClr>
+          </a:lnRef>
+          <a:fillRef idx="1">
+            <a:schemeClr val="accent1"/>
+          </a:fillRef>
+          <a:effectRef idx="0">
+            <a:srgbClr val="FFFFFF"/>
+          </a:effectRef>
+          <a:fontRef idx="minor">
+            <a:schemeClr val="lt1"/>
+          </a:fontRef>
+        </p:style>
+        <p:txBody>
+          <a:bodyPr rtlCol="0" anchor="ctr"/>
+          <a:p>
             <a:pPr algn="ctr"/>
-            <a:r>
-              <a:rPr lang="en-US" altLang="en-US" sz="1200"/>
-              <a:t>⑥ Final Sequence Output</a:t>
-            </a:r>
-            <a:endParaRPr lang="en-US" altLang="en-US" sz="1200"/>
+            <a:endParaRPr lang="en-US" b="1">
+              <a:latin typeface="Arial Bold" panose="020B0604020202090204" charset="0"/>
+              <a:cs typeface="Arial Bold" panose="020B0604020202090204" charset="0"/>
+            </a:endParaRPr>
+          </a:p>
+        </p:txBody>
+      </p:sp>
+      <p:sp>
+        <p:nvSpPr>
+          <p:cNvPr id="185" name="Rectangles 184"/>
+          <p:cNvSpPr/>
+          <p:nvPr/>
+        </p:nvSpPr>
+        <p:spPr>
+          <a:xfrm>
+            <a:off x="4595495" y="5347335"/>
+            <a:ext cx="186690" cy="76200"/>
+          </a:xfrm>
+          <a:prstGeom prst="rect">
+            <a:avLst/>
+          </a:prstGeom>
+          <a:solidFill>
+            <a:srgbClr val="BF0063"/>
+          </a:solidFill>
+          <a:ln w="6350">
+            <a:solidFill>
+              <a:schemeClr val="tx1"/>
+            </a:solidFill>
+          </a:ln>
+        </p:spPr>
+        <p:style>
+          <a:lnRef idx="2">
+            <a:schemeClr val="accent1">
+              <a:lumMod val="75000"/>
+            </a:schemeClr>
+          </a:lnRef>
+          <a:fillRef idx="1">
+            <a:schemeClr val="accent1"/>
+          </a:fillRef>
+          <a:effectRef idx="0">
+            <a:srgbClr val="FFFFFF"/>
+          </a:effectRef>
+          <a:fontRef idx="minor">
+            <a:schemeClr val="lt1"/>
+          </a:fontRef>
+        </p:style>
+        <p:txBody>
+          <a:bodyPr rtlCol="0" anchor="ctr"/>
+          <a:p>
+            <a:pPr algn="ctr"/>
+            <a:endParaRPr lang="en-US" b="1">
+              <a:latin typeface="Arial Bold" panose="020B0604020202090204" charset="0"/>
+              <a:cs typeface="Arial Bold" panose="020B0604020202090204" charset="0"/>
+            </a:endParaRPr>
+          </a:p>
+        </p:txBody>
+      </p:sp>
+      <p:cxnSp>
+        <p:nvCxnSpPr>
+          <p:cNvPr id="186" name="Straight Connector 185"/>
+          <p:cNvCxnSpPr>
+            <a:stCxn id="184" idx="3"/>
+            <a:endCxn id="185" idx="1"/>
+          </p:cNvCxnSpPr>
+          <p:nvPr/>
+        </p:nvCxnSpPr>
+        <p:spPr>
+          <a:xfrm>
+            <a:off x="4523105" y="5385435"/>
+            <a:ext cx="72390" cy="0"/>
+          </a:xfrm>
+          <a:prstGeom prst="line">
+            <a:avLst/>
+          </a:prstGeom>
+          <a:ln>
+            <a:solidFill>
+              <a:schemeClr val="tx1"/>
+            </a:solidFill>
+          </a:ln>
+        </p:spPr>
+        <p:style>
+          <a:lnRef idx="2">
+            <a:schemeClr val="accent1"/>
+          </a:lnRef>
+          <a:fillRef idx="0">
+            <a:srgbClr val="FFFFFF"/>
+          </a:fillRef>
+          <a:effectRef idx="0">
+            <a:srgbClr val="FFFFFF"/>
+          </a:effectRef>
+          <a:fontRef idx="minor">
+            <a:schemeClr val="tx1"/>
+          </a:fontRef>
+        </p:style>
+      </p:cxnSp>
+      <p:cxnSp>
+        <p:nvCxnSpPr>
+          <p:cNvPr id="187" name="Straight Connector 186"/>
+          <p:cNvCxnSpPr/>
+          <p:nvPr/>
+        </p:nvCxnSpPr>
+        <p:spPr>
+          <a:xfrm>
+            <a:off x="4782185" y="5385435"/>
+            <a:ext cx="72390" cy="0"/>
+          </a:xfrm>
+          <a:prstGeom prst="line">
+            <a:avLst/>
+          </a:prstGeom>
+          <a:ln>
+            <a:solidFill>
+              <a:schemeClr val="tx1"/>
+            </a:solidFill>
+          </a:ln>
+        </p:spPr>
+        <p:style>
+          <a:lnRef idx="2">
+            <a:schemeClr val="accent1"/>
+          </a:lnRef>
+          <a:fillRef idx="0">
+            <a:srgbClr val="FFFFFF"/>
+          </a:fillRef>
+          <a:effectRef idx="0">
+            <a:srgbClr val="FFFFFF"/>
+          </a:effectRef>
+          <a:fontRef idx="minor">
+            <a:schemeClr val="tx1"/>
+          </a:fontRef>
+        </p:style>
+      </p:cxnSp>
+      <p:sp>
+        <p:nvSpPr>
+          <p:cNvPr id="188" name="Rectangles 187"/>
+          <p:cNvSpPr/>
+          <p:nvPr/>
+        </p:nvSpPr>
+        <p:spPr>
+          <a:xfrm>
+            <a:off x="4854575" y="5347335"/>
+            <a:ext cx="186690" cy="76200"/>
+          </a:xfrm>
+          <a:prstGeom prst="rect">
+            <a:avLst/>
+          </a:prstGeom>
+          <a:solidFill>
+            <a:srgbClr val="BF0063"/>
+          </a:solidFill>
+          <a:ln w="6350">
+            <a:solidFill>
+              <a:schemeClr val="tx1"/>
+            </a:solidFill>
+          </a:ln>
+        </p:spPr>
+        <p:style>
+          <a:lnRef idx="2">
+            <a:schemeClr val="accent1">
+              <a:lumMod val="75000"/>
+            </a:schemeClr>
+          </a:lnRef>
+          <a:fillRef idx="1">
+            <a:schemeClr val="accent1"/>
+          </a:fillRef>
+          <a:effectRef idx="0">
+            <a:srgbClr val="FFFFFF"/>
+          </a:effectRef>
+          <a:fontRef idx="minor">
+            <a:schemeClr val="lt1"/>
+          </a:fontRef>
+        </p:style>
+        <p:txBody>
+          <a:bodyPr rtlCol="0" anchor="ctr"/>
+          <a:p>
+            <a:pPr algn="ctr"/>
+            <a:endParaRPr lang="en-US" b="1">
+              <a:latin typeface="Arial Bold" panose="020B0604020202090204" charset="0"/>
+              <a:cs typeface="Arial Bold" panose="020B0604020202090204" charset="0"/>
+            </a:endParaRPr>
+          </a:p>
+        </p:txBody>
+      </p:sp>
+      <p:sp>
+        <p:nvSpPr>
+          <p:cNvPr id="189" name="Rectangles 188"/>
+          <p:cNvSpPr/>
+          <p:nvPr/>
+        </p:nvSpPr>
+        <p:spPr>
+          <a:xfrm>
+            <a:off x="5113655" y="5347335"/>
+            <a:ext cx="186690" cy="76200"/>
+          </a:xfrm>
+          <a:prstGeom prst="rect">
+            <a:avLst/>
+          </a:prstGeom>
+          <a:solidFill>
+            <a:srgbClr val="BF0063"/>
+          </a:solidFill>
+          <a:ln w="6350">
+            <a:solidFill>
+              <a:schemeClr val="tx1"/>
+            </a:solidFill>
+          </a:ln>
+        </p:spPr>
+        <p:style>
+          <a:lnRef idx="2">
+            <a:schemeClr val="accent1">
+              <a:lumMod val="75000"/>
+            </a:schemeClr>
+          </a:lnRef>
+          <a:fillRef idx="1">
+            <a:schemeClr val="accent1"/>
+          </a:fillRef>
+          <a:effectRef idx="0">
+            <a:srgbClr val="FFFFFF"/>
+          </a:effectRef>
+          <a:fontRef idx="minor">
+            <a:schemeClr val="lt1"/>
+          </a:fontRef>
+        </p:style>
+        <p:txBody>
+          <a:bodyPr rtlCol="0" anchor="ctr"/>
+          <a:p>
+            <a:pPr algn="ctr"/>
+            <a:endParaRPr lang="en-US" b="1">
+              <a:latin typeface="Arial Bold" panose="020B0604020202090204" charset="0"/>
+              <a:cs typeface="Arial Bold" panose="020B0604020202090204" charset="0"/>
+            </a:endParaRPr>
+          </a:p>
+        </p:txBody>
+      </p:sp>
+      <p:cxnSp>
+        <p:nvCxnSpPr>
+          <p:cNvPr id="190" name="Straight Connector 189"/>
+          <p:cNvCxnSpPr>
+            <a:stCxn id="188" idx="3"/>
+            <a:endCxn id="189" idx="1"/>
+          </p:cNvCxnSpPr>
+          <p:nvPr/>
+        </p:nvCxnSpPr>
+        <p:spPr>
+          <a:xfrm>
+            <a:off x="5041265" y="5385435"/>
+            <a:ext cx="72390" cy="0"/>
+          </a:xfrm>
+          <a:prstGeom prst="line">
+            <a:avLst/>
+          </a:prstGeom>
+          <a:ln>
+            <a:solidFill>
+              <a:schemeClr val="tx1"/>
+            </a:solidFill>
+          </a:ln>
+        </p:spPr>
+        <p:style>
+          <a:lnRef idx="2">
+            <a:schemeClr val="accent1"/>
+          </a:lnRef>
+          <a:fillRef idx="0">
+            <a:srgbClr val="FFFFFF"/>
+          </a:fillRef>
+          <a:effectRef idx="0">
+            <a:srgbClr val="FFFFFF"/>
+          </a:effectRef>
+          <a:fontRef idx="minor">
+            <a:schemeClr val="tx1"/>
+          </a:fontRef>
+        </p:style>
+      </p:cxnSp>
+      <p:cxnSp>
+        <p:nvCxnSpPr>
+          <p:cNvPr id="191" name="Straight Connector 190"/>
+          <p:cNvCxnSpPr/>
+          <p:nvPr/>
+        </p:nvCxnSpPr>
+        <p:spPr>
+          <a:xfrm>
+            <a:off x="5300345" y="5385435"/>
+            <a:ext cx="72390" cy="0"/>
+          </a:xfrm>
+          <a:prstGeom prst="line">
+            <a:avLst/>
+          </a:prstGeom>
+          <a:ln>
+            <a:solidFill>
+              <a:schemeClr val="tx1"/>
+            </a:solidFill>
+          </a:ln>
+        </p:spPr>
+        <p:style>
+          <a:lnRef idx="2">
+            <a:schemeClr val="accent1"/>
+          </a:lnRef>
+          <a:fillRef idx="0">
+            <a:srgbClr val="FFFFFF"/>
+          </a:fillRef>
+          <a:effectRef idx="0">
+            <a:srgbClr val="FFFFFF"/>
+          </a:effectRef>
+          <a:fontRef idx="minor">
+            <a:schemeClr val="tx1"/>
+          </a:fontRef>
+        </p:style>
+      </p:cxnSp>
+      <p:sp>
+        <p:nvSpPr>
+          <p:cNvPr id="192" name="Rectangles 191"/>
+          <p:cNvSpPr/>
+          <p:nvPr/>
+        </p:nvSpPr>
+        <p:spPr>
+          <a:xfrm>
+            <a:off x="5372735" y="5347335"/>
+            <a:ext cx="186690" cy="76200"/>
+          </a:xfrm>
+          <a:prstGeom prst="rect">
+            <a:avLst/>
+          </a:prstGeom>
+          <a:solidFill>
+            <a:srgbClr val="BF0063"/>
+          </a:solidFill>
+          <a:ln w="6350">
+            <a:solidFill>
+              <a:schemeClr val="tx1"/>
+            </a:solidFill>
+          </a:ln>
+        </p:spPr>
+        <p:style>
+          <a:lnRef idx="2">
+            <a:schemeClr val="accent1">
+              <a:lumMod val="75000"/>
+            </a:schemeClr>
+          </a:lnRef>
+          <a:fillRef idx="1">
+            <a:schemeClr val="accent1"/>
+          </a:fillRef>
+          <a:effectRef idx="0">
+            <a:srgbClr val="FFFFFF"/>
+          </a:effectRef>
+          <a:fontRef idx="minor">
+            <a:schemeClr val="lt1"/>
+          </a:fontRef>
+        </p:style>
+        <p:txBody>
+          <a:bodyPr rtlCol="0" anchor="ctr"/>
+          <a:p>
+            <a:pPr algn="ctr"/>
+            <a:endParaRPr lang="en-US" b="1">
+              <a:latin typeface="Arial Bold" panose="020B0604020202090204" charset="0"/>
+              <a:cs typeface="Arial Bold" panose="020B0604020202090204" charset="0"/>
+            </a:endParaRPr>
+          </a:p>
+        </p:txBody>
+      </p:sp>
+      <p:sp>
+        <p:nvSpPr>
+          <p:cNvPr id="193" name="Rectangles 192"/>
+          <p:cNvSpPr/>
+          <p:nvPr/>
+        </p:nvSpPr>
+        <p:spPr>
+          <a:xfrm>
+            <a:off x="5631815" y="5347335"/>
+            <a:ext cx="186690" cy="76200"/>
+          </a:xfrm>
+          <a:prstGeom prst="rect">
+            <a:avLst/>
+          </a:prstGeom>
+          <a:solidFill>
+            <a:srgbClr val="BF0063"/>
+          </a:solidFill>
+          <a:ln w="6350">
+            <a:solidFill>
+              <a:schemeClr val="tx1"/>
+            </a:solidFill>
+          </a:ln>
+        </p:spPr>
+        <p:style>
+          <a:lnRef idx="2">
+            <a:schemeClr val="accent1">
+              <a:lumMod val="75000"/>
+            </a:schemeClr>
+          </a:lnRef>
+          <a:fillRef idx="1">
+            <a:schemeClr val="accent1"/>
+          </a:fillRef>
+          <a:effectRef idx="0">
+            <a:srgbClr val="FFFFFF"/>
+          </a:effectRef>
+          <a:fontRef idx="minor">
+            <a:schemeClr val="lt1"/>
+          </a:fontRef>
+        </p:style>
+        <p:txBody>
+          <a:bodyPr rtlCol="0" anchor="ctr"/>
+          <a:p>
+            <a:pPr algn="ctr"/>
+            <a:endParaRPr lang="en-US" b="1">
+              <a:latin typeface="Arial Bold" panose="020B0604020202090204" charset="0"/>
+              <a:cs typeface="Arial Bold" panose="020B0604020202090204" charset="0"/>
+            </a:endParaRPr>
+          </a:p>
+        </p:txBody>
+      </p:sp>
+      <p:cxnSp>
+        <p:nvCxnSpPr>
+          <p:cNvPr id="194" name="Straight Connector 193"/>
+          <p:cNvCxnSpPr>
+            <a:stCxn id="192" idx="3"/>
+            <a:endCxn id="193" idx="1"/>
+          </p:cNvCxnSpPr>
+          <p:nvPr/>
+        </p:nvCxnSpPr>
+        <p:spPr>
+          <a:xfrm>
+            <a:off x="5559425" y="5385435"/>
+            <a:ext cx="72390" cy="0"/>
+          </a:xfrm>
+          <a:prstGeom prst="line">
+            <a:avLst/>
+          </a:prstGeom>
+          <a:ln>
+            <a:solidFill>
+              <a:schemeClr val="tx1"/>
+            </a:solidFill>
+          </a:ln>
+        </p:spPr>
+        <p:style>
+          <a:lnRef idx="2">
+            <a:schemeClr val="accent1"/>
+          </a:lnRef>
+          <a:fillRef idx="0">
+            <a:srgbClr val="FFFFFF"/>
+          </a:fillRef>
+          <a:effectRef idx="0">
+            <a:srgbClr val="FFFFFF"/>
+          </a:effectRef>
+          <a:fontRef idx="minor">
+            <a:schemeClr val="tx1"/>
+          </a:fontRef>
+        </p:style>
+      </p:cxnSp>
+      <p:cxnSp>
+        <p:nvCxnSpPr>
+          <p:cNvPr id="195" name="Straight Connector 194"/>
+          <p:cNvCxnSpPr/>
+          <p:nvPr/>
+        </p:nvCxnSpPr>
+        <p:spPr>
+          <a:xfrm>
+            <a:off x="5818505" y="5385435"/>
+            <a:ext cx="72390" cy="0"/>
+          </a:xfrm>
+          <a:prstGeom prst="line">
+            <a:avLst/>
+          </a:prstGeom>
+          <a:ln>
+            <a:solidFill>
+              <a:schemeClr val="tx1"/>
+            </a:solidFill>
+          </a:ln>
+        </p:spPr>
+        <p:style>
+          <a:lnRef idx="2">
+            <a:schemeClr val="accent1"/>
+          </a:lnRef>
+          <a:fillRef idx="0">
+            <a:srgbClr val="FFFFFF"/>
+          </a:fillRef>
+          <a:effectRef idx="0">
+            <a:srgbClr val="FFFFFF"/>
+          </a:effectRef>
+          <a:fontRef idx="minor">
+            <a:schemeClr val="tx1"/>
+          </a:fontRef>
+        </p:style>
+      </p:cxnSp>
+      <p:sp>
+        <p:nvSpPr>
+          <p:cNvPr id="196" name="Rectangles 195"/>
+          <p:cNvSpPr/>
+          <p:nvPr/>
+        </p:nvSpPr>
+        <p:spPr>
+          <a:xfrm>
+            <a:off x="5890895" y="5347335"/>
+            <a:ext cx="186690" cy="76200"/>
+          </a:xfrm>
+          <a:prstGeom prst="rect">
+            <a:avLst/>
+          </a:prstGeom>
+          <a:solidFill>
+            <a:srgbClr val="BF0063"/>
+          </a:solidFill>
+          <a:ln w="6350">
+            <a:solidFill>
+              <a:schemeClr val="tx1"/>
+            </a:solidFill>
+          </a:ln>
+        </p:spPr>
+        <p:style>
+          <a:lnRef idx="2">
+            <a:schemeClr val="accent1">
+              <a:lumMod val="75000"/>
+            </a:schemeClr>
+          </a:lnRef>
+          <a:fillRef idx="1">
+            <a:schemeClr val="accent1"/>
+          </a:fillRef>
+          <a:effectRef idx="0">
+            <a:srgbClr val="FFFFFF"/>
+          </a:effectRef>
+          <a:fontRef idx="minor">
+            <a:schemeClr val="lt1"/>
+          </a:fontRef>
+        </p:style>
+        <p:txBody>
+          <a:bodyPr rtlCol="0" anchor="ctr"/>
+          <a:p>
+            <a:pPr algn="ctr"/>
+            <a:endParaRPr lang="en-US" b="1">
+              <a:latin typeface="Arial Bold" panose="020B0604020202090204" charset="0"/>
+              <a:cs typeface="Arial Bold" panose="020B0604020202090204" charset="0"/>
+            </a:endParaRPr>
+          </a:p>
+        </p:txBody>
+      </p:sp>
+      <p:sp>
+        <p:nvSpPr>
+          <p:cNvPr id="197" name="Rectangles 196"/>
+          <p:cNvSpPr/>
+          <p:nvPr/>
+        </p:nvSpPr>
+        <p:spPr>
+          <a:xfrm>
+            <a:off x="6149975" y="5347335"/>
+            <a:ext cx="186690" cy="76200"/>
+          </a:xfrm>
+          <a:prstGeom prst="rect">
+            <a:avLst/>
+          </a:prstGeom>
+          <a:solidFill>
+            <a:srgbClr val="BF0063"/>
+          </a:solidFill>
+          <a:ln w="6350">
+            <a:solidFill>
+              <a:schemeClr val="tx1"/>
+            </a:solidFill>
+          </a:ln>
+        </p:spPr>
+        <p:style>
+          <a:lnRef idx="2">
+            <a:schemeClr val="accent1">
+              <a:lumMod val="75000"/>
+            </a:schemeClr>
+          </a:lnRef>
+          <a:fillRef idx="1">
+            <a:schemeClr val="accent1"/>
+          </a:fillRef>
+          <a:effectRef idx="0">
+            <a:srgbClr val="FFFFFF"/>
+          </a:effectRef>
+          <a:fontRef idx="minor">
+            <a:schemeClr val="lt1"/>
+          </a:fontRef>
+        </p:style>
+        <p:txBody>
+          <a:bodyPr rtlCol="0" anchor="ctr"/>
+          <a:p>
+            <a:pPr algn="ctr"/>
+            <a:endParaRPr lang="en-US" b="1">
+              <a:latin typeface="Arial Bold" panose="020B0604020202090204" charset="0"/>
+              <a:cs typeface="Arial Bold" panose="020B0604020202090204" charset="0"/>
+            </a:endParaRPr>
+          </a:p>
+        </p:txBody>
+      </p:sp>
+      <p:cxnSp>
+        <p:nvCxnSpPr>
+          <p:cNvPr id="198" name="Straight Connector 197"/>
+          <p:cNvCxnSpPr>
+            <a:stCxn id="196" idx="3"/>
+            <a:endCxn id="197" idx="1"/>
+          </p:cNvCxnSpPr>
+          <p:nvPr/>
+        </p:nvCxnSpPr>
+        <p:spPr>
+          <a:xfrm>
+            <a:off x="6077585" y="5385435"/>
+            <a:ext cx="72390" cy="0"/>
+          </a:xfrm>
+          <a:prstGeom prst="line">
+            <a:avLst/>
+          </a:prstGeom>
+          <a:ln>
+            <a:solidFill>
+              <a:schemeClr val="tx1"/>
+            </a:solidFill>
+          </a:ln>
+        </p:spPr>
+        <p:style>
+          <a:lnRef idx="2">
+            <a:schemeClr val="accent1"/>
+          </a:lnRef>
+          <a:fillRef idx="0">
+            <a:srgbClr val="FFFFFF"/>
+          </a:fillRef>
+          <a:effectRef idx="0">
+            <a:srgbClr val="FFFFFF"/>
+          </a:effectRef>
+          <a:fontRef idx="minor">
+            <a:schemeClr val="tx1"/>
+          </a:fontRef>
+        </p:style>
+      </p:cxnSp>
+      <p:sp>
+        <p:nvSpPr>
+          <p:cNvPr id="199" name="Text Box 198"/>
+          <p:cNvSpPr txBox="1"/>
+          <p:nvPr/>
+        </p:nvSpPr>
+        <p:spPr>
+          <a:xfrm>
+            <a:off x="3420745" y="5236845"/>
+            <a:ext cx="838835" cy="245110"/>
+          </a:xfrm>
+          <a:prstGeom prst="rect">
+            <a:avLst/>
+          </a:prstGeom>
+          <a:noFill/>
+        </p:spPr>
+        <p:txBody>
+          <a:bodyPr wrap="square" rtlCol="0">
+            <a:spAutoFit/>
+          </a:bodyPr>
+          <a:p>
+            <a:r>
+              <a:rPr lang="en-US" sz="1000"/>
+              <a:t>Ladder #2:</a:t>
+            </a:r>
+            <a:endParaRPr lang="en-US" sz="1000"/>
+          </a:p>
+        </p:txBody>
+      </p:sp>
+      <p:sp>
+        <p:nvSpPr>
+          <p:cNvPr id="200" name="Rectangles 199"/>
+          <p:cNvSpPr/>
+          <p:nvPr/>
+        </p:nvSpPr>
+        <p:spPr>
+          <a:xfrm>
+            <a:off x="6409055" y="5347335"/>
+            <a:ext cx="186690" cy="76200"/>
+          </a:xfrm>
+          <a:prstGeom prst="rect">
+            <a:avLst/>
+          </a:prstGeom>
+          <a:solidFill>
+            <a:srgbClr val="BF0063"/>
+          </a:solidFill>
+          <a:ln w="6350">
+            <a:solidFill>
+              <a:schemeClr val="tx1"/>
+            </a:solidFill>
+          </a:ln>
+        </p:spPr>
+        <p:style>
+          <a:lnRef idx="2">
+            <a:schemeClr val="accent1">
+              <a:lumMod val="75000"/>
+            </a:schemeClr>
+          </a:lnRef>
+          <a:fillRef idx="1">
+            <a:schemeClr val="accent1"/>
+          </a:fillRef>
+          <a:effectRef idx="0">
+            <a:srgbClr val="FFFFFF"/>
+          </a:effectRef>
+          <a:fontRef idx="minor">
+            <a:schemeClr val="lt1"/>
+          </a:fontRef>
+        </p:style>
+        <p:txBody>
+          <a:bodyPr rtlCol="0" anchor="ctr"/>
+          <a:p>
+            <a:pPr algn="ctr"/>
+            <a:endParaRPr lang="en-US" b="1">
+              <a:latin typeface="Arial Bold" panose="020B0604020202090204" charset="0"/>
+              <a:cs typeface="Arial Bold" panose="020B0604020202090204" charset="0"/>
+            </a:endParaRPr>
+          </a:p>
+        </p:txBody>
+      </p:sp>
+      <p:cxnSp>
+        <p:nvCxnSpPr>
+          <p:cNvPr id="201" name="Straight Connector 200"/>
+          <p:cNvCxnSpPr>
+            <a:endCxn id="200" idx="1"/>
+          </p:cNvCxnSpPr>
+          <p:nvPr/>
+        </p:nvCxnSpPr>
+        <p:spPr>
+          <a:xfrm>
+            <a:off x="6336665" y="5385435"/>
+            <a:ext cx="72390" cy="0"/>
+          </a:xfrm>
+          <a:prstGeom prst="line">
+            <a:avLst/>
+          </a:prstGeom>
+          <a:ln>
+            <a:solidFill>
+              <a:schemeClr val="tx1"/>
+            </a:solidFill>
+          </a:ln>
+        </p:spPr>
+        <p:style>
+          <a:lnRef idx="2">
+            <a:schemeClr val="accent1"/>
+          </a:lnRef>
+          <a:fillRef idx="0">
+            <a:srgbClr val="FFFFFF"/>
+          </a:fillRef>
+          <a:effectRef idx="0">
+            <a:srgbClr val="FFFFFF"/>
+          </a:effectRef>
+          <a:fontRef idx="minor">
+            <a:schemeClr val="tx1"/>
+          </a:fontRef>
+        </p:style>
+      </p:cxnSp>
+      <p:sp>
+        <p:nvSpPr>
+          <p:cNvPr id="202" name="Text Box 201"/>
+          <p:cNvSpPr txBox="1"/>
+          <p:nvPr/>
+        </p:nvSpPr>
+        <p:spPr>
+          <a:xfrm>
+            <a:off x="4336415" y="4689475"/>
+            <a:ext cx="186690" cy="245110"/>
+          </a:xfrm>
+          <a:prstGeom prst="rect">
+            <a:avLst/>
+          </a:prstGeom>
+          <a:noFill/>
+        </p:spPr>
+        <p:txBody>
+          <a:bodyPr wrap="square" rtlCol="0">
+            <a:spAutoFit/>
+          </a:bodyPr>
+          <a:p>
+            <a:pPr algn="ctr"/>
+            <a:r>
+              <a:rPr lang="en-US" sz="1000"/>
+              <a:t>U</a:t>
+            </a:r>
+            <a:endParaRPr lang="en-US" sz="1000"/>
+          </a:p>
+        </p:txBody>
+      </p:sp>
+      <p:sp>
+        <p:nvSpPr>
+          <p:cNvPr id="203" name="Text Box 202"/>
+          <p:cNvSpPr txBox="1"/>
+          <p:nvPr/>
+        </p:nvSpPr>
+        <p:spPr>
+          <a:xfrm>
+            <a:off x="4595495" y="4689475"/>
+            <a:ext cx="186690" cy="245110"/>
+          </a:xfrm>
+          <a:prstGeom prst="rect">
+            <a:avLst/>
+          </a:prstGeom>
+          <a:noFill/>
+        </p:spPr>
+        <p:txBody>
+          <a:bodyPr wrap="square" rtlCol="0">
+            <a:spAutoFit/>
+          </a:bodyPr>
+          <a:p>
+            <a:pPr algn="ctr"/>
+            <a:r>
+              <a:rPr lang="en-US" sz="1000"/>
+              <a:t>G</a:t>
+            </a:r>
+            <a:endParaRPr lang="en-US" sz="1000"/>
+          </a:p>
+        </p:txBody>
+      </p:sp>
+      <p:sp>
+        <p:nvSpPr>
+          <p:cNvPr id="205" name="Text Box 204"/>
+          <p:cNvSpPr txBox="1"/>
+          <p:nvPr/>
+        </p:nvSpPr>
+        <p:spPr>
+          <a:xfrm>
+            <a:off x="4854575" y="4689475"/>
+            <a:ext cx="186690" cy="245110"/>
+          </a:xfrm>
+          <a:prstGeom prst="rect">
+            <a:avLst/>
+          </a:prstGeom>
+          <a:noFill/>
+        </p:spPr>
+        <p:txBody>
+          <a:bodyPr wrap="square" rtlCol="0">
+            <a:spAutoFit/>
+          </a:bodyPr>
+          <a:p>
+            <a:pPr algn="ctr"/>
+            <a:r>
+              <a:rPr lang="en-US" sz="1000"/>
+              <a:t>C</a:t>
+            </a:r>
+            <a:endParaRPr lang="en-US" sz="1000"/>
+          </a:p>
+        </p:txBody>
+      </p:sp>
+      <p:sp>
+        <p:nvSpPr>
+          <p:cNvPr id="206" name="Text Box 205"/>
+          <p:cNvSpPr txBox="1"/>
+          <p:nvPr/>
+        </p:nvSpPr>
+        <p:spPr>
+          <a:xfrm>
+            <a:off x="5113655" y="4689475"/>
+            <a:ext cx="186690" cy="245110"/>
+          </a:xfrm>
+          <a:prstGeom prst="rect">
+            <a:avLst/>
+          </a:prstGeom>
+          <a:noFill/>
+        </p:spPr>
+        <p:txBody>
+          <a:bodyPr wrap="square" rtlCol="0">
+            <a:spAutoFit/>
+          </a:bodyPr>
+          <a:p>
+            <a:pPr algn="ctr"/>
+            <a:r>
+              <a:rPr lang="en-US" sz="1000"/>
+              <a:t>A</a:t>
+            </a:r>
+            <a:endParaRPr lang="en-US" sz="1000"/>
+          </a:p>
+        </p:txBody>
+      </p:sp>
+      <p:sp>
+        <p:nvSpPr>
+          <p:cNvPr id="207" name="Text Box 206"/>
+          <p:cNvSpPr txBox="1"/>
+          <p:nvPr/>
+        </p:nvSpPr>
+        <p:spPr>
+          <a:xfrm>
+            <a:off x="5372735" y="4689475"/>
+            <a:ext cx="186690" cy="245110"/>
+          </a:xfrm>
+          <a:prstGeom prst="rect">
+            <a:avLst/>
+          </a:prstGeom>
+          <a:noFill/>
+        </p:spPr>
+        <p:txBody>
+          <a:bodyPr wrap="square" rtlCol="0">
+            <a:spAutoFit/>
+          </a:bodyPr>
+          <a:p>
+            <a:pPr algn="ctr"/>
+            <a:r>
+              <a:rPr lang="en-US" sz="1000"/>
+              <a:t>U</a:t>
+            </a:r>
+            <a:endParaRPr lang="en-US" sz="1000"/>
+          </a:p>
+        </p:txBody>
+      </p:sp>
+      <p:sp>
+        <p:nvSpPr>
+          <p:cNvPr id="208" name="Text Box 207"/>
+          <p:cNvSpPr txBox="1"/>
+          <p:nvPr/>
+        </p:nvSpPr>
+        <p:spPr>
+          <a:xfrm>
+            <a:off x="5631815" y="4689475"/>
+            <a:ext cx="186690" cy="245110"/>
+          </a:xfrm>
+          <a:prstGeom prst="rect">
+            <a:avLst/>
+          </a:prstGeom>
+          <a:noFill/>
+        </p:spPr>
+        <p:txBody>
+          <a:bodyPr wrap="square" rtlCol="0">
+            <a:spAutoFit/>
+          </a:bodyPr>
+          <a:p>
+            <a:pPr algn="ctr"/>
+            <a:r>
+              <a:rPr lang="en-US" sz="1000"/>
+              <a:t>A</a:t>
+            </a:r>
+            <a:endParaRPr lang="en-US" sz="1000"/>
+          </a:p>
+        </p:txBody>
+      </p:sp>
+      <p:sp>
+        <p:nvSpPr>
+          <p:cNvPr id="209" name="Text Box 208"/>
+          <p:cNvSpPr txBox="1"/>
+          <p:nvPr/>
+        </p:nvSpPr>
+        <p:spPr>
+          <a:xfrm>
+            <a:off x="5890895" y="4689475"/>
+            <a:ext cx="186690" cy="245110"/>
+          </a:xfrm>
+          <a:prstGeom prst="rect">
+            <a:avLst/>
+          </a:prstGeom>
+          <a:noFill/>
+        </p:spPr>
+        <p:txBody>
+          <a:bodyPr wrap="square" rtlCol="0">
+            <a:spAutoFit/>
+          </a:bodyPr>
+          <a:p>
+            <a:pPr algn="ctr"/>
+            <a:r>
+              <a:rPr lang="en-US" sz="1000"/>
+              <a:t>C</a:t>
+            </a:r>
+            <a:endParaRPr lang="en-US" sz="1000"/>
+          </a:p>
+        </p:txBody>
+      </p:sp>
+      <p:sp>
+        <p:nvSpPr>
+          <p:cNvPr id="210" name="Text Box 209"/>
+          <p:cNvSpPr txBox="1"/>
+          <p:nvPr/>
+        </p:nvSpPr>
+        <p:spPr>
+          <a:xfrm>
+            <a:off x="6149975" y="4689475"/>
+            <a:ext cx="186690" cy="245110"/>
+          </a:xfrm>
+          <a:prstGeom prst="rect">
+            <a:avLst/>
+          </a:prstGeom>
+          <a:noFill/>
+        </p:spPr>
+        <p:txBody>
+          <a:bodyPr wrap="square" rtlCol="0">
+            <a:spAutoFit/>
+          </a:bodyPr>
+          <a:p>
+            <a:pPr algn="ctr"/>
+            <a:r>
+              <a:rPr lang="en-US" sz="1000"/>
+              <a:t>G</a:t>
+            </a:r>
+            <a:endParaRPr lang="en-US" sz="1000"/>
+          </a:p>
+        </p:txBody>
+      </p:sp>
+      <p:sp>
+        <p:nvSpPr>
+          <p:cNvPr id="211" name="Text Box 210"/>
+          <p:cNvSpPr txBox="1"/>
+          <p:nvPr/>
+        </p:nvSpPr>
+        <p:spPr>
+          <a:xfrm>
+            <a:off x="4336415" y="5160645"/>
+            <a:ext cx="186690" cy="245110"/>
+          </a:xfrm>
+          <a:prstGeom prst="rect">
+            <a:avLst/>
+          </a:prstGeom>
+          <a:noFill/>
+        </p:spPr>
+        <p:txBody>
+          <a:bodyPr wrap="square" rtlCol="0">
+            <a:spAutoFit/>
+          </a:bodyPr>
+          <a:p>
+            <a:pPr algn="ctr"/>
+            <a:r>
+              <a:rPr lang="en-US" sz="1000"/>
+              <a:t>A</a:t>
+            </a:r>
+            <a:endParaRPr lang="en-US" sz="1000"/>
+          </a:p>
+        </p:txBody>
+      </p:sp>
+      <p:sp>
+        <p:nvSpPr>
+          <p:cNvPr id="212" name="Text Box 211"/>
+          <p:cNvSpPr txBox="1"/>
+          <p:nvPr/>
+        </p:nvSpPr>
+        <p:spPr>
+          <a:xfrm>
+            <a:off x="4134485" y="4809490"/>
+            <a:ext cx="4064000" cy="213995"/>
+          </a:xfrm>
+          <a:prstGeom prst="rect">
+            <a:avLst/>
+          </a:prstGeom>
+          <a:noFill/>
+        </p:spPr>
+        <p:txBody>
+          <a:bodyPr wrap="square" rtlCol="0">
+            <a:spAutoFit/>
+          </a:bodyPr>
+          <a:p>
+            <a:r>
+              <a:rPr lang="en-US" sz="800"/>
+              <a:t>5’                                                                          3’</a:t>
+            </a:r>
+            <a:endParaRPr lang="en-US" sz="800"/>
+          </a:p>
+        </p:txBody>
+      </p:sp>
+      <p:sp>
+        <p:nvSpPr>
+          <p:cNvPr id="213" name="Text Box 212"/>
+          <p:cNvSpPr txBox="1"/>
+          <p:nvPr/>
+        </p:nvSpPr>
+        <p:spPr>
+          <a:xfrm>
+            <a:off x="4595495" y="5160645"/>
+            <a:ext cx="186690" cy="245110"/>
+          </a:xfrm>
+          <a:prstGeom prst="rect">
+            <a:avLst/>
+          </a:prstGeom>
+          <a:noFill/>
+        </p:spPr>
+        <p:txBody>
+          <a:bodyPr wrap="square" rtlCol="0">
+            <a:spAutoFit/>
+          </a:bodyPr>
+          <a:p>
+            <a:pPr algn="ctr"/>
+            <a:r>
+              <a:rPr lang="en-US" sz="1000"/>
+              <a:t>C</a:t>
+            </a:r>
+            <a:endParaRPr lang="en-US" sz="1000"/>
+          </a:p>
+        </p:txBody>
+      </p:sp>
+      <p:sp>
+        <p:nvSpPr>
+          <p:cNvPr id="214" name="Text Box 213"/>
+          <p:cNvSpPr txBox="1"/>
+          <p:nvPr/>
+        </p:nvSpPr>
+        <p:spPr>
+          <a:xfrm>
+            <a:off x="4854575" y="5160645"/>
+            <a:ext cx="186690" cy="245110"/>
+          </a:xfrm>
+          <a:prstGeom prst="rect">
+            <a:avLst/>
+          </a:prstGeom>
+          <a:noFill/>
+        </p:spPr>
+        <p:txBody>
+          <a:bodyPr wrap="square" rtlCol="0">
+            <a:spAutoFit/>
+          </a:bodyPr>
+          <a:p>
+            <a:pPr algn="ctr"/>
+            <a:r>
+              <a:rPr lang="en-US" sz="1000"/>
+              <a:t>C</a:t>
+            </a:r>
+            <a:endParaRPr lang="en-US" sz="1000"/>
+          </a:p>
+        </p:txBody>
+      </p:sp>
+      <p:sp>
+        <p:nvSpPr>
+          <p:cNvPr id="215" name="Text Box 214"/>
+          <p:cNvSpPr txBox="1"/>
+          <p:nvPr/>
+        </p:nvSpPr>
+        <p:spPr>
+          <a:xfrm>
+            <a:off x="5113655" y="5160645"/>
+            <a:ext cx="186690" cy="245110"/>
+          </a:xfrm>
+          <a:prstGeom prst="rect">
+            <a:avLst/>
+          </a:prstGeom>
+          <a:noFill/>
+        </p:spPr>
+        <p:txBody>
+          <a:bodyPr wrap="square" rtlCol="0">
+            <a:spAutoFit/>
+          </a:bodyPr>
+          <a:p>
+            <a:pPr algn="ctr"/>
+            <a:r>
+              <a:rPr lang="en-US" sz="1000"/>
+              <a:t>G</a:t>
+            </a:r>
+            <a:endParaRPr lang="en-US" sz="1000"/>
+          </a:p>
+        </p:txBody>
+      </p:sp>
+      <p:sp>
+        <p:nvSpPr>
+          <p:cNvPr id="216" name="Text Box 215"/>
+          <p:cNvSpPr txBox="1"/>
+          <p:nvPr/>
+        </p:nvSpPr>
+        <p:spPr>
+          <a:xfrm>
+            <a:off x="5372735" y="5160645"/>
+            <a:ext cx="186690" cy="245110"/>
+          </a:xfrm>
+          <a:prstGeom prst="rect">
+            <a:avLst/>
+          </a:prstGeom>
+          <a:noFill/>
+        </p:spPr>
+        <p:txBody>
+          <a:bodyPr wrap="square" rtlCol="0">
+            <a:spAutoFit/>
+          </a:bodyPr>
+          <a:p>
+            <a:pPr algn="ctr"/>
+            <a:r>
+              <a:rPr lang="en-US" sz="1000"/>
+              <a:t>G</a:t>
+            </a:r>
+            <a:endParaRPr lang="en-US" sz="1000"/>
+          </a:p>
+        </p:txBody>
+      </p:sp>
+      <p:sp>
+        <p:nvSpPr>
+          <p:cNvPr id="217" name="Text Box 216"/>
+          <p:cNvSpPr txBox="1"/>
+          <p:nvPr/>
+        </p:nvSpPr>
+        <p:spPr>
+          <a:xfrm>
+            <a:off x="5631815" y="5160645"/>
+            <a:ext cx="186690" cy="245110"/>
+          </a:xfrm>
+          <a:prstGeom prst="rect">
+            <a:avLst/>
+          </a:prstGeom>
+          <a:noFill/>
+        </p:spPr>
+        <p:txBody>
+          <a:bodyPr wrap="square" rtlCol="0">
+            <a:spAutoFit/>
+          </a:bodyPr>
+          <a:p>
+            <a:pPr algn="ctr"/>
+            <a:r>
+              <a:rPr lang="en-US" sz="1000"/>
+              <a:t>G</a:t>
+            </a:r>
+            <a:endParaRPr lang="en-US" sz="1000"/>
+          </a:p>
+        </p:txBody>
+      </p:sp>
+      <p:sp>
+        <p:nvSpPr>
+          <p:cNvPr id="218" name="Text Box 217"/>
+          <p:cNvSpPr txBox="1"/>
+          <p:nvPr/>
+        </p:nvSpPr>
+        <p:spPr>
+          <a:xfrm>
+            <a:off x="5890895" y="5160645"/>
+            <a:ext cx="186690" cy="245110"/>
+          </a:xfrm>
+          <a:prstGeom prst="rect">
+            <a:avLst/>
+          </a:prstGeom>
+          <a:noFill/>
+        </p:spPr>
+        <p:txBody>
+          <a:bodyPr wrap="square" rtlCol="0">
+            <a:spAutoFit/>
+          </a:bodyPr>
+          <a:p>
+            <a:pPr algn="ctr"/>
+            <a:r>
+              <a:rPr lang="en-US" sz="1000"/>
+              <a:t>U</a:t>
+            </a:r>
+            <a:endParaRPr lang="en-US" sz="1000"/>
+          </a:p>
+        </p:txBody>
+      </p:sp>
+      <p:sp>
+        <p:nvSpPr>
+          <p:cNvPr id="219" name="Text Box 218"/>
+          <p:cNvSpPr txBox="1"/>
+          <p:nvPr/>
+        </p:nvSpPr>
+        <p:spPr>
+          <a:xfrm>
+            <a:off x="6149975" y="5160645"/>
+            <a:ext cx="186690" cy="245110"/>
+          </a:xfrm>
+          <a:prstGeom prst="rect">
+            <a:avLst/>
+          </a:prstGeom>
+          <a:noFill/>
+        </p:spPr>
+        <p:txBody>
+          <a:bodyPr wrap="square" rtlCol="0">
+            <a:spAutoFit/>
+          </a:bodyPr>
+          <a:p>
+            <a:pPr algn="ctr"/>
+            <a:r>
+              <a:rPr lang="en-US" sz="1000"/>
+              <a:t>A</a:t>
+            </a:r>
+            <a:endParaRPr lang="en-US" sz="1000"/>
+          </a:p>
+        </p:txBody>
+      </p:sp>
+      <p:sp>
+        <p:nvSpPr>
+          <p:cNvPr id="220" name="Text Box 219"/>
+          <p:cNvSpPr txBox="1"/>
+          <p:nvPr/>
+        </p:nvSpPr>
+        <p:spPr>
+          <a:xfrm>
+            <a:off x="6409055" y="5160645"/>
+            <a:ext cx="186690" cy="245110"/>
+          </a:xfrm>
+          <a:prstGeom prst="rect">
+            <a:avLst/>
+          </a:prstGeom>
+          <a:noFill/>
+        </p:spPr>
+        <p:txBody>
+          <a:bodyPr wrap="square" rtlCol="0">
+            <a:spAutoFit/>
+          </a:bodyPr>
+          <a:p>
+            <a:pPr algn="ctr"/>
+            <a:r>
+              <a:rPr lang="en-US" sz="1000"/>
+              <a:t>A</a:t>
+            </a:r>
+            <a:endParaRPr lang="en-US" sz="1000"/>
+          </a:p>
+        </p:txBody>
+      </p:sp>
+      <p:sp>
+        <p:nvSpPr>
+          <p:cNvPr id="221" name="Text Box 220"/>
+          <p:cNvSpPr txBox="1"/>
+          <p:nvPr/>
+        </p:nvSpPr>
+        <p:spPr>
+          <a:xfrm>
+            <a:off x="4134485" y="5267960"/>
+            <a:ext cx="4064000" cy="213995"/>
+          </a:xfrm>
+          <a:prstGeom prst="rect">
+            <a:avLst/>
+          </a:prstGeom>
+          <a:noFill/>
+        </p:spPr>
+        <p:txBody>
+          <a:bodyPr wrap="square" rtlCol="0">
+            <a:spAutoFit/>
+          </a:bodyPr>
+          <a:p>
+            <a:r>
+              <a:rPr lang="en-US" sz="800"/>
+              <a:t>5’                                                                                   3’</a:t>
+            </a:r>
+            <a:endParaRPr lang="en-US" sz="800"/>
+          </a:p>
+        </p:txBody>
+      </p:sp>
+      <p:sp>
+        <p:nvSpPr>
+          <p:cNvPr id="223" name="Rectangles 222"/>
+          <p:cNvSpPr/>
+          <p:nvPr/>
+        </p:nvSpPr>
+        <p:spPr>
+          <a:xfrm>
+            <a:off x="4336415" y="5767070"/>
+            <a:ext cx="186690" cy="76200"/>
+          </a:xfrm>
+          <a:prstGeom prst="rect">
+            <a:avLst/>
+          </a:prstGeom>
+          <a:solidFill>
+            <a:srgbClr val="FD9409"/>
+          </a:solidFill>
+          <a:ln w="6350">
+            <a:solidFill>
+              <a:schemeClr val="tx1"/>
+            </a:solidFill>
+          </a:ln>
+        </p:spPr>
+        <p:style>
+          <a:lnRef idx="2">
+            <a:schemeClr val="accent1">
+              <a:lumMod val="75000"/>
+            </a:schemeClr>
+          </a:lnRef>
+          <a:fillRef idx="1">
+            <a:schemeClr val="accent1"/>
+          </a:fillRef>
+          <a:effectRef idx="0">
+            <a:srgbClr val="FFFFFF"/>
+          </a:effectRef>
+          <a:fontRef idx="minor">
+            <a:schemeClr val="lt1"/>
+          </a:fontRef>
+        </p:style>
+        <p:txBody>
+          <a:bodyPr rtlCol="0" anchor="ctr"/>
+          <a:p>
+            <a:pPr algn="ctr"/>
+            <a:endParaRPr lang="en-US" b="1">
+              <a:latin typeface="Arial Bold" panose="020B0604020202090204" charset="0"/>
+              <a:cs typeface="Arial Bold" panose="020B0604020202090204" charset="0"/>
+            </a:endParaRPr>
+          </a:p>
+        </p:txBody>
+      </p:sp>
+      <p:sp>
+        <p:nvSpPr>
+          <p:cNvPr id="224" name="Rectangles 223"/>
+          <p:cNvSpPr/>
+          <p:nvPr/>
+        </p:nvSpPr>
+        <p:spPr>
+          <a:xfrm>
+            <a:off x="4595495" y="5767070"/>
+            <a:ext cx="186690" cy="76200"/>
+          </a:xfrm>
+          <a:prstGeom prst="rect">
+            <a:avLst/>
+          </a:prstGeom>
+          <a:solidFill>
+            <a:srgbClr val="FD9409"/>
+          </a:solidFill>
+          <a:ln w="6350">
+            <a:solidFill>
+              <a:schemeClr val="tx1"/>
+            </a:solidFill>
+          </a:ln>
+        </p:spPr>
+        <p:style>
+          <a:lnRef idx="2">
+            <a:schemeClr val="accent1">
+              <a:lumMod val="75000"/>
+            </a:schemeClr>
+          </a:lnRef>
+          <a:fillRef idx="1">
+            <a:schemeClr val="accent1"/>
+          </a:fillRef>
+          <a:effectRef idx="0">
+            <a:srgbClr val="FFFFFF"/>
+          </a:effectRef>
+          <a:fontRef idx="minor">
+            <a:schemeClr val="lt1"/>
+          </a:fontRef>
+        </p:style>
+        <p:txBody>
+          <a:bodyPr rtlCol="0" anchor="ctr"/>
+          <a:p>
+            <a:pPr algn="ctr"/>
+            <a:endParaRPr lang="en-US" b="1">
+              <a:latin typeface="Arial Bold" panose="020B0604020202090204" charset="0"/>
+              <a:cs typeface="Arial Bold" panose="020B0604020202090204" charset="0"/>
+            </a:endParaRPr>
+          </a:p>
+        </p:txBody>
+      </p:sp>
+      <p:cxnSp>
+        <p:nvCxnSpPr>
+          <p:cNvPr id="225" name="Straight Connector 224"/>
+          <p:cNvCxnSpPr>
+            <a:stCxn id="223" idx="3"/>
+            <a:endCxn id="224" idx="1"/>
+          </p:cNvCxnSpPr>
+          <p:nvPr/>
+        </p:nvCxnSpPr>
+        <p:spPr>
+          <a:xfrm>
+            <a:off x="4523105" y="5805170"/>
+            <a:ext cx="72390" cy="0"/>
+          </a:xfrm>
+          <a:prstGeom prst="line">
+            <a:avLst/>
+          </a:prstGeom>
+          <a:ln>
+            <a:solidFill>
+              <a:schemeClr val="tx1"/>
+            </a:solidFill>
+          </a:ln>
+        </p:spPr>
+        <p:style>
+          <a:lnRef idx="2">
+            <a:schemeClr val="accent1"/>
+          </a:lnRef>
+          <a:fillRef idx="0">
+            <a:srgbClr val="FFFFFF"/>
+          </a:fillRef>
+          <a:effectRef idx="0">
+            <a:srgbClr val="FFFFFF"/>
+          </a:effectRef>
+          <a:fontRef idx="minor">
+            <a:schemeClr val="tx1"/>
+          </a:fontRef>
+        </p:style>
+      </p:cxnSp>
+      <p:cxnSp>
+        <p:nvCxnSpPr>
+          <p:cNvPr id="226" name="Straight Connector 225"/>
+          <p:cNvCxnSpPr/>
+          <p:nvPr/>
+        </p:nvCxnSpPr>
+        <p:spPr>
+          <a:xfrm>
+            <a:off x="4782185" y="5805170"/>
+            <a:ext cx="72390" cy="0"/>
+          </a:xfrm>
+          <a:prstGeom prst="line">
+            <a:avLst/>
+          </a:prstGeom>
+          <a:ln>
+            <a:solidFill>
+              <a:schemeClr val="tx1"/>
+            </a:solidFill>
+          </a:ln>
+        </p:spPr>
+        <p:style>
+          <a:lnRef idx="2">
+            <a:schemeClr val="accent1"/>
+          </a:lnRef>
+          <a:fillRef idx="0">
+            <a:srgbClr val="FFFFFF"/>
+          </a:fillRef>
+          <a:effectRef idx="0">
+            <a:srgbClr val="FFFFFF"/>
+          </a:effectRef>
+          <a:fontRef idx="minor">
+            <a:schemeClr val="tx1"/>
+          </a:fontRef>
+        </p:style>
+      </p:cxnSp>
+      <p:sp>
+        <p:nvSpPr>
+          <p:cNvPr id="227" name="Rectangles 226"/>
+          <p:cNvSpPr/>
+          <p:nvPr/>
+        </p:nvSpPr>
+        <p:spPr>
+          <a:xfrm>
+            <a:off x="4854575" y="5767070"/>
+            <a:ext cx="186690" cy="76200"/>
+          </a:xfrm>
+          <a:prstGeom prst="rect">
+            <a:avLst/>
+          </a:prstGeom>
+          <a:solidFill>
+            <a:srgbClr val="FD9409"/>
+          </a:solidFill>
+          <a:ln w="6350">
+            <a:solidFill>
+              <a:schemeClr val="tx1"/>
+            </a:solidFill>
+          </a:ln>
+        </p:spPr>
+        <p:style>
+          <a:lnRef idx="2">
+            <a:schemeClr val="accent1">
+              <a:lumMod val="75000"/>
+            </a:schemeClr>
+          </a:lnRef>
+          <a:fillRef idx="1">
+            <a:schemeClr val="accent1"/>
+          </a:fillRef>
+          <a:effectRef idx="0">
+            <a:srgbClr val="FFFFFF"/>
+          </a:effectRef>
+          <a:fontRef idx="minor">
+            <a:schemeClr val="lt1"/>
+          </a:fontRef>
+        </p:style>
+        <p:txBody>
+          <a:bodyPr rtlCol="0" anchor="ctr"/>
+          <a:p>
+            <a:pPr algn="ctr"/>
+            <a:endParaRPr lang="en-US" b="1">
+              <a:latin typeface="Arial Bold" panose="020B0604020202090204" charset="0"/>
+              <a:cs typeface="Arial Bold" panose="020B0604020202090204" charset="0"/>
+            </a:endParaRPr>
+          </a:p>
+        </p:txBody>
+      </p:sp>
+      <p:sp>
+        <p:nvSpPr>
+          <p:cNvPr id="228" name="Rectangles 227"/>
+          <p:cNvSpPr/>
+          <p:nvPr/>
+        </p:nvSpPr>
+        <p:spPr>
+          <a:xfrm>
+            <a:off x="5113655" y="5767070"/>
+            <a:ext cx="186690" cy="76200"/>
+          </a:xfrm>
+          <a:prstGeom prst="rect">
+            <a:avLst/>
+          </a:prstGeom>
+          <a:solidFill>
+            <a:srgbClr val="FD9409"/>
+          </a:solidFill>
+          <a:ln w="6350">
+            <a:solidFill>
+              <a:schemeClr val="tx1"/>
+            </a:solidFill>
+          </a:ln>
+        </p:spPr>
+        <p:style>
+          <a:lnRef idx="2">
+            <a:schemeClr val="accent1">
+              <a:lumMod val="75000"/>
+            </a:schemeClr>
+          </a:lnRef>
+          <a:fillRef idx="1">
+            <a:schemeClr val="accent1"/>
+          </a:fillRef>
+          <a:effectRef idx="0">
+            <a:srgbClr val="FFFFFF"/>
+          </a:effectRef>
+          <a:fontRef idx="minor">
+            <a:schemeClr val="lt1"/>
+          </a:fontRef>
+        </p:style>
+        <p:txBody>
+          <a:bodyPr rtlCol="0" anchor="ctr"/>
+          <a:p>
+            <a:pPr algn="ctr"/>
+            <a:endParaRPr lang="en-US" b="1">
+              <a:latin typeface="Arial Bold" panose="020B0604020202090204" charset="0"/>
+              <a:cs typeface="Arial Bold" panose="020B0604020202090204" charset="0"/>
+            </a:endParaRPr>
+          </a:p>
+        </p:txBody>
+      </p:sp>
+      <p:cxnSp>
+        <p:nvCxnSpPr>
+          <p:cNvPr id="229" name="Straight Connector 228"/>
+          <p:cNvCxnSpPr>
+            <a:stCxn id="227" idx="3"/>
+            <a:endCxn id="228" idx="1"/>
+          </p:cNvCxnSpPr>
+          <p:nvPr/>
+        </p:nvCxnSpPr>
+        <p:spPr>
+          <a:xfrm>
+            <a:off x="5041265" y="5805170"/>
+            <a:ext cx="72390" cy="0"/>
+          </a:xfrm>
+          <a:prstGeom prst="line">
+            <a:avLst/>
+          </a:prstGeom>
+          <a:ln>
+            <a:solidFill>
+              <a:schemeClr val="tx1"/>
+            </a:solidFill>
+          </a:ln>
+        </p:spPr>
+        <p:style>
+          <a:lnRef idx="2">
+            <a:schemeClr val="accent1"/>
+          </a:lnRef>
+          <a:fillRef idx="0">
+            <a:srgbClr val="FFFFFF"/>
+          </a:fillRef>
+          <a:effectRef idx="0">
+            <a:srgbClr val="FFFFFF"/>
+          </a:effectRef>
+          <a:fontRef idx="minor">
+            <a:schemeClr val="tx1"/>
+          </a:fontRef>
+        </p:style>
+      </p:cxnSp>
+      <p:cxnSp>
+        <p:nvCxnSpPr>
+          <p:cNvPr id="230" name="Straight Connector 229"/>
+          <p:cNvCxnSpPr/>
+          <p:nvPr/>
+        </p:nvCxnSpPr>
+        <p:spPr>
+          <a:xfrm>
+            <a:off x="5300345" y="5805170"/>
+            <a:ext cx="72390" cy="0"/>
+          </a:xfrm>
+          <a:prstGeom prst="line">
+            <a:avLst/>
+          </a:prstGeom>
+          <a:ln>
+            <a:solidFill>
+              <a:schemeClr val="tx1"/>
+            </a:solidFill>
+          </a:ln>
+        </p:spPr>
+        <p:style>
+          <a:lnRef idx="2">
+            <a:schemeClr val="accent1"/>
+          </a:lnRef>
+          <a:fillRef idx="0">
+            <a:srgbClr val="FFFFFF"/>
+          </a:fillRef>
+          <a:effectRef idx="0">
+            <a:srgbClr val="FFFFFF"/>
+          </a:effectRef>
+          <a:fontRef idx="minor">
+            <a:schemeClr val="tx1"/>
+          </a:fontRef>
+        </p:style>
+      </p:cxnSp>
+      <p:sp>
+        <p:nvSpPr>
+          <p:cNvPr id="231" name="Rectangles 230"/>
+          <p:cNvSpPr/>
+          <p:nvPr/>
+        </p:nvSpPr>
+        <p:spPr>
+          <a:xfrm>
+            <a:off x="5372735" y="5767070"/>
+            <a:ext cx="186690" cy="76200"/>
+          </a:xfrm>
+          <a:prstGeom prst="rect">
+            <a:avLst/>
+          </a:prstGeom>
+          <a:solidFill>
+            <a:srgbClr val="FD9409"/>
+          </a:solidFill>
+          <a:ln w="6350">
+            <a:solidFill>
+              <a:schemeClr val="tx1"/>
+            </a:solidFill>
+          </a:ln>
+        </p:spPr>
+        <p:style>
+          <a:lnRef idx="2">
+            <a:schemeClr val="accent1">
+              <a:lumMod val="75000"/>
+            </a:schemeClr>
+          </a:lnRef>
+          <a:fillRef idx="1">
+            <a:schemeClr val="accent1"/>
+          </a:fillRef>
+          <a:effectRef idx="0">
+            <a:srgbClr val="FFFFFF"/>
+          </a:effectRef>
+          <a:fontRef idx="minor">
+            <a:schemeClr val="lt1"/>
+          </a:fontRef>
+        </p:style>
+        <p:txBody>
+          <a:bodyPr rtlCol="0" anchor="ctr"/>
+          <a:p>
+            <a:pPr algn="ctr"/>
+            <a:endParaRPr lang="en-US" b="1">
+              <a:latin typeface="Arial Bold" panose="020B0604020202090204" charset="0"/>
+              <a:cs typeface="Arial Bold" panose="020B0604020202090204" charset="0"/>
+            </a:endParaRPr>
+          </a:p>
+        </p:txBody>
+      </p:sp>
+      <p:sp>
+        <p:nvSpPr>
+          <p:cNvPr id="232" name="Rectangles 231"/>
+          <p:cNvSpPr/>
+          <p:nvPr/>
+        </p:nvSpPr>
+        <p:spPr>
+          <a:xfrm>
+            <a:off x="5631815" y="5767070"/>
+            <a:ext cx="186690" cy="76200"/>
+          </a:xfrm>
+          <a:prstGeom prst="rect">
+            <a:avLst/>
+          </a:prstGeom>
+          <a:solidFill>
+            <a:srgbClr val="FD9409"/>
+          </a:solidFill>
+          <a:ln w="6350">
+            <a:solidFill>
+              <a:schemeClr val="tx1"/>
+            </a:solidFill>
+          </a:ln>
+        </p:spPr>
+        <p:style>
+          <a:lnRef idx="2">
+            <a:schemeClr val="accent1">
+              <a:lumMod val="75000"/>
+            </a:schemeClr>
+          </a:lnRef>
+          <a:fillRef idx="1">
+            <a:schemeClr val="accent1"/>
+          </a:fillRef>
+          <a:effectRef idx="0">
+            <a:srgbClr val="FFFFFF"/>
+          </a:effectRef>
+          <a:fontRef idx="minor">
+            <a:schemeClr val="lt1"/>
+          </a:fontRef>
+        </p:style>
+        <p:txBody>
+          <a:bodyPr rtlCol="0" anchor="ctr"/>
+          <a:p>
+            <a:pPr algn="ctr"/>
+            <a:endParaRPr lang="en-US" b="1">
+              <a:latin typeface="Arial Bold" panose="020B0604020202090204" charset="0"/>
+              <a:cs typeface="Arial Bold" panose="020B0604020202090204" charset="0"/>
+            </a:endParaRPr>
+          </a:p>
+        </p:txBody>
+      </p:sp>
+      <p:cxnSp>
+        <p:nvCxnSpPr>
+          <p:cNvPr id="233" name="Straight Connector 232"/>
+          <p:cNvCxnSpPr>
+            <a:stCxn id="231" idx="3"/>
+            <a:endCxn id="232" idx="1"/>
+          </p:cNvCxnSpPr>
+          <p:nvPr/>
+        </p:nvCxnSpPr>
+        <p:spPr>
+          <a:xfrm>
+            <a:off x="5559425" y="5805170"/>
+            <a:ext cx="72390" cy="0"/>
+          </a:xfrm>
+          <a:prstGeom prst="line">
+            <a:avLst/>
+          </a:prstGeom>
+          <a:ln>
+            <a:solidFill>
+              <a:schemeClr val="tx1"/>
+            </a:solidFill>
+          </a:ln>
+        </p:spPr>
+        <p:style>
+          <a:lnRef idx="2">
+            <a:schemeClr val="accent1"/>
+          </a:lnRef>
+          <a:fillRef idx="0">
+            <a:srgbClr val="FFFFFF"/>
+          </a:fillRef>
+          <a:effectRef idx="0">
+            <a:srgbClr val="FFFFFF"/>
+          </a:effectRef>
+          <a:fontRef idx="minor">
+            <a:schemeClr val="tx1"/>
+          </a:fontRef>
+        </p:style>
+      </p:cxnSp>
+      <p:cxnSp>
+        <p:nvCxnSpPr>
+          <p:cNvPr id="234" name="Straight Connector 233"/>
+          <p:cNvCxnSpPr/>
+          <p:nvPr/>
+        </p:nvCxnSpPr>
+        <p:spPr>
+          <a:xfrm>
+            <a:off x="5818505" y="5805170"/>
+            <a:ext cx="72390" cy="0"/>
+          </a:xfrm>
+          <a:prstGeom prst="line">
+            <a:avLst/>
+          </a:prstGeom>
+          <a:ln>
+            <a:solidFill>
+              <a:schemeClr val="tx1"/>
+            </a:solidFill>
+          </a:ln>
+        </p:spPr>
+        <p:style>
+          <a:lnRef idx="2">
+            <a:schemeClr val="accent1"/>
+          </a:lnRef>
+          <a:fillRef idx="0">
+            <a:srgbClr val="FFFFFF"/>
+          </a:fillRef>
+          <a:effectRef idx="0">
+            <a:srgbClr val="FFFFFF"/>
+          </a:effectRef>
+          <a:fontRef idx="minor">
+            <a:schemeClr val="tx1"/>
+          </a:fontRef>
+        </p:style>
+      </p:cxnSp>
+      <p:sp>
+        <p:nvSpPr>
+          <p:cNvPr id="235" name="Rectangles 234"/>
+          <p:cNvSpPr/>
+          <p:nvPr/>
+        </p:nvSpPr>
+        <p:spPr>
+          <a:xfrm>
+            <a:off x="5890895" y="5767070"/>
+            <a:ext cx="186690" cy="76200"/>
+          </a:xfrm>
+          <a:prstGeom prst="rect">
+            <a:avLst/>
+          </a:prstGeom>
+          <a:solidFill>
+            <a:srgbClr val="FD9409"/>
+          </a:solidFill>
+          <a:ln w="6350">
+            <a:solidFill>
+              <a:schemeClr val="tx1"/>
+            </a:solidFill>
+          </a:ln>
+        </p:spPr>
+        <p:style>
+          <a:lnRef idx="2">
+            <a:schemeClr val="accent1">
+              <a:lumMod val="75000"/>
+            </a:schemeClr>
+          </a:lnRef>
+          <a:fillRef idx="1">
+            <a:schemeClr val="accent1"/>
+          </a:fillRef>
+          <a:effectRef idx="0">
+            <a:srgbClr val="FFFFFF"/>
+          </a:effectRef>
+          <a:fontRef idx="minor">
+            <a:schemeClr val="lt1"/>
+          </a:fontRef>
+        </p:style>
+        <p:txBody>
+          <a:bodyPr rtlCol="0" anchor="ctr"/>
+          <a:p>
+            <a:pPr algn="ctr"/>
+            <a:endParaRPr lang="en-US" b="1">
+              <a:latin typeface="Arial Bold" panose="020B0604020202090204" charset="0"/>
+              <a:cs typeface="Arial Bold" panose="020B0604020202090204" charset="0"/>
+            </a:endParaRPr>
+          </a:p>
+        </p:txBody>
+      </p:sp>
+      <p:sp>
+        <p:nvSpPr>
+          <p:cNvPr id="236" name="Rectangles 235"/>
+          <p:cNvSpPr/>
+          <p:nvPr/>
+        </p:nvSpPr>
+        <p:spPr>
+          <a:xfrm>
+            <a:off x="6149975" y="5767070"/>
+            <a:ext cx="186690" cy="76200"/>
+          </a:xfrm>
+          <a:prstGeom prst="rect">
+            <a:avLst/>
+          </a:prstGeom>
+          <a:solidFill>
+            <a:srgbClr val="FD9409"/>
+          </a:solidFill>
+          <a:ln w="6350">
+            <a:solidFill>
+              <a:schemeClr val="tx1"/>
+            </a:solidFill>
+          </a:ln>
+        </p:spPr>
+        <p:style>
+          <a:lnRef idx="2">
+            <a:schemeClr val="accent1">
+              <a:lumMod val="75000"/>
+            </a:schemeClr>
+          </a:lnRef>
+          <a:fillRef idx="1">
+            <a:schemeClr val="accent1"/>
+          </a:fillRef>
+          <a:effectRef idx="0">
+            <a:srgbClr val="FFFFFF"/>
+          </a:effectRef>
+          <a:fontRef idx="minor">
+            <a:schemeClr val="lt1"/>
+          </a:fontRef>
+        </p:style>
+        <p:txBody>
+          <a:bodyPr rtlCol="0" anchor="ctr"/>
+          <a:p>
+            <a:pPr algn="ctr"/>
+            <a:endParaRPr lang="en-US" b="1">
+              <a:latin typeface="Arial Bold" panose="020B0604020202090204" charset="0"/>
+              <a:cs typeface="Arial Bold" panose="020B0604020202090204" charset="0"/>
+            </a:endParaRPr>
+          </a:p>
+        </p:txBody>
+      </p:sp>
+      <p:cxnSp>
+        <p:nvCxnSpPr>
+          <p:cNvPr id="237" name="Straight Connector 236"/>
+          <p:cNvCxnSpPr>
+            <a:stCxn id="235" idx="3"/>
+            <a:endCxn id="236" idx="1"/>
+          </p:cNvCxnSpPr>
+          <p:nvPr/>
+        </p:nvCxnSpPr>
+        <p:spPr>
+          <a:xfrm>
+            <a:off x="6077585" y="5805170"/>
+            <a:ext cx="72390" cy="0"/>
+          </a:xfrm>
+          <a:prstGeom prst="line">
+            <a:avLst/>
+          </a:prstGeom>
+          <a:ln>
+            <a:solidFill>
+              <a:schemeClr val="tx1"/>
+            </a:solidFill>
+          </a:ln>
+        </p:spPr>
+        <p:style>
+          <a:lnRef idx="2">
+            <a:schemeClr val="accent1"/>
+          </a:lnRef>
+          <a:fillRef idx="0">
+            <a:srgbClr val="FFFFFF"/>
+          </a:fillRef>
+          <a:effectRef idx="0">
+            <a:srgbClr val="FFFFFF"/>
+          </a:effectRef>
+          <a:fontRef idx="minor">
+            <a:schemeClr val="tx1"/>
+          </a:fontRef>
+        </p:style>
+      </p:cxnSp>
+      <p:sp>
+        <p:nvSpPr>
+          <p:cNvPr id="238" name="Text Box 237"/>
+          <p:cNvSpPr txBox="1"/>
+          <p:nvPr/>
+        </p:nvSpPr>
+        <p:spPr>
+          <a:xfrm>
+            <a:off x="3420745" y="5664200"/>
+            <a:ext cx="838835" cy="245110"/>
+          </a:xfrm>
+          <a:prstGeom prst="rect">
+            <a:avLst/>
+          </a:prstGeom>
+          <a:noFill/>
+        </p:spPr>
+        <p:txBody>
+          <a:bodyPr wrap="square" rtlCol="0">
+            <a:spAutoFit/>
+          </a:bodyPr>
+          <a:p>
+            <a:r>
+              <a:rPr lang="en-US" sz="1000"/>
+              <a:t>Ladder #3:</a:t>
+            </a:r>
+            <a:endParaRPr lang="en-US" sz="1000"/>
+          </a:p>
+        </p:txBody>
+      </p:sp>
+      <p:sp>
+        <p:nvSpPr>
+          <p:cNvPr id="239" name="Text Box 238"/>
+          <p:cNvSpPr txBox="1"/>
+          <p:nvPr/>
+        </p:nvSpPr>
+        <p:spPr>
+          <a:xfrm>
+            <a:off x="4336415" y="5575300"/>
+            <a:ext cx="186690" cy="245110"/>
+          </a:xfrm>
+          <a:prstGeom prst="rect">
+            <a:avLst/>
+          </a:prstGeom>
+          <a:noFill/>
+        </p:spPr>
+        <p:txBody>
+          <a:bodyPr wrap="square" rtlCol="0">
+            <a:spAutoFit/>
+          </a:bodyPr>
+          <a:p>
+            <a:pPr algn="ctr"/>
+            <a:r>
+              <a:rPr lang="en-US" sz="1000"/>
+              <a:t>G</a:t>
+            </a:r>
+            <a:endParaRPr lang="en-US" sz="1000"/>
+          </a:p>
+        </p:txBody>
+      </p:sp>
+      <p:sp>
+        <p:nvSpPr>
+          <p:cNvPr id="240" name="Text Box 239"/>
+          <p:cNvSpPr txBox="1"/>
+          <p:nvPr/>
+        </p:nvSpPr>
+        <p:spPr>
+          <a:xfrm>
+            <a:off x="4595495" y="5575300"/>
+            <a:ext cx="186690" cy="245110"/>
+          </a:xfrm>
+          <a:prstGeom prst="rect">
+            <a:avLst/>
+          </a:prstGeom>
+          <a:noFill/>
+        </p:spPr>
+        <p:txBody>
+          <a:bodyPr wrap="square" rtlCol="0">
+            <a:spAutoFit/>
+          </a:bodyPr>
+          <a:p>
+            <a:pPr algn="ctr"/>
+            <a:r>
+              <a:rPr lang="en-US" sz="1000"/>
+              <a:t>C</a:t>
+            </a:r>
+            <a:endParaRPr lang="en-US" sz="1000"/>
+          </a:p>
+        </p:txBody>
+      </p:sp>
+      <p:sp>
+        <p:nvSpPr>
+          <p:cNvPr id="241" name="Text Box 240"/>
+          <p:cNvSpPr txBox="1"/>
+          <p:nvPr/>
+        </p:nvSpPr>
+        <p:spPr>
+          <a:xfrm>
+            <a:off x="4854575" y="5575300"/>
+            <a:ext cx="186690" cy="245110"/>
+          </a:xfrm>
+          <a:prstGeom prst="rect">
+            <a:avLst/>
+          </a:prstGeom>
+          <a:noFill/>
+        </p:spPr>
+        <p:txBody>
+          <a:bodyPr wrap="square" rtlCol="0">
+            <a:spAutoFit/>
+          </a:bodyPr>
+          <a:p>
+            <a:pPr algn="ctr"/>
+            <a:r>
+              <a:rPr lang="en-US" sz="1000"/>
+              <a:t>C</a:t>
+            </a:r>
+            <a:endParaRPr lang="en-US" sz="1000"/>
+          </a:p>
+        </p:txBody>
+      </p:sp>
+      <p:sp>
+        <p:nvSpPr>
+          <p:cNvPr id="242" name="Text Box 241"/>
+          <p:cNvSpPr txBox="1"/>
+          <p:nvPr/>
+        </p:nvSpPr>
+        <p:spPr>
+          <a:xfrm>
+            <a:off x="5113655" y="5575300"/>
+            <a:ext cx="186690" cy="245110"/>
+          </a:xfrm>
+          <a:prstGeom prst="rect">
+            <a:avLst/>
+          </a:prstGeom>
+          <a:noFill/>
+        </p:spPr>
+        <p:txBody>
+          <a:bodyPr wrap="square" rtlCol="0">
+            <a:spAutoFit/>
+          </a:bodyPr>
+          <a:p>
+            <a:pPr algn="ctr"/>
+            <a:r>
+              <a:rPr lang="en-US" sz="1000"/>
+              <a:t>A</a:t>
+            </a:r>
+            <a:endParaRPr lang="en-US" sz="1000"/>
+          </a:p>
+        </p:txBody>
+      </p:sp>
+      <p:sp>
+        <p:nvSpPr>
+          <p:cNvPr id="243" name="Text Box 242"/>
+          <p:cNvSpPr txBox="1"/>
+          <p:nvPr/>
+        </p:nvSpPr>
+        <p:spPr>
+          <a:xfrm>
+            <a:off x="5372735" y="5575300"/>
+            <a:ext cx="186690" cy="245110"/>
+          </a:xfrm>
+          <a:prstGeom prst="rect">
+            <a:avLst/>
+          </a:prstGeom>
+          <a:noFill/>
+        </p:spPr>
+        <p:txBody>
+          <a:bodyPr wrap="square" rtlCol="0">
+            <a:spAutoFit/>
+          </a:bodyPr>
+          <a:p>
+            <a:pPr algn="ctr"/>
+            <a:r>
+              <a:rPr lang="en-US" sz="1000"/>
+              <a:t>U</a:t>
+            </a:r>
+            <a:endParaRPr lang="en-US" sz="1000"/>
+          </a:p>
+        </p:txBody>
+      </p:sp>
+      <p:sp>
+        <p:nvSpPr>
+          <p:cNvPr id="244" name="Text Box 243"/>
+          <p:cNvSpPr txBox="1"/>
+          <p:nvPr/>
+        </p:nvSpPr>
+        <p:spPr>
+          <a:xfrm>
+            <a:off x="5631815" y="5575300"/>
+            <a:ext cx="186690" cy="245110"/>
+          </a:xfrm>
+          <a:prstGeom prst="rect">
+            <a:avLst/>
+          </a:prstGeom>
+          <a:noFill/>
+        </p:spPr>
+        <p:txBody>
+          <a:bodyPr wrap="square" rtlCol="0">
+            <a:spAutoFit/>
+          </a:bodyPr>
+          <a:p>
+            <a:pPr algn="ctr"/>
+            <a:r>
+              <a:rPr lang="en-US" sz="1000"/>
+              <a:t>U</a:t>
+            </a:r>
+            <a:endParaRPr lang="en-US" sz="1000"/>
+          </a:p>
+        </p:txBody>
+      </p:sp>
+      <p:sp>
+        <p:nvSpPr>
+          <p:cNvPr id="245" name="Text Box 244"/>
+          <p:cNvSpPr txBox="1"/>
+          <p:nvPr/>
+        </p:nvSpPr>
+        <p:spPr>
+          <a:xfrm>
+            <a:off x="5890895" y="5575300"/>
+            <a:ext cx="186690" cy="245110"/>
+          </a:xfrm>
+          <a:prstGeom prst="rect">
+            <a:avLst/>
+          </a:prstGeom>
+          <a:noFill/>
+        </p:spPr>
+        <p:txBody>
+          <a:bodyPr wrap="square" rtlCol="0">
+            <a:spAutoFit/>
+          </a:bodyPr>
+          <a:p>
+            <a:pPr algn="ctr"/>
+            <a:r>
+              <a:rPr lang="en-US" sz="1000"/>
+              <a:t>A</a:t>
+            </a:r>
+            <a:endParaRPr lang="en-US" sz="1000"/>
+          </a:p>
+        </p:txBody>
+      </p:sp>
+      <p:sp>
+        <p:nvSpPr>
+          <p:cNvPr id="246" name="Text Box 245"/>
+          <p:cNvSpPr txBox="1"/>
+          <p:nvPr/>
+        </p:nvSpPr>
+        <p:spPr>
+          <a:xfrm>
+            <a:off x="6149975" y="5575300"/>
+            <a:ext cx="186690" cy="245110"/>
+          </a:xfrm>
+          <a:prstGeom prst="rect">
+            <a:avLst/>
+          </a:prstGeom>
+          <a:noFill/>
+        </p:spPr>
+        <p:txBody>
+          <a:bodyPr wrap="square" rtlCol="0">
+            <a:spAutoFit/>
+          </a:bodyPr>
+          <a:p>
+            <a:pPr algn="ctr"/>
+            <a:r>
+              <a:rPr lang="en-US" sz="1000"/>
+              <a:t>C</a:t>
+            </a:r>
+            <a:endParaRPr lang="en-US" sz="1000"/>
+          </a:p>
+        </p:txBody>
+      </p:sp>
+      <p:sp>
+        <p:nvSpPr>
+          <p:cNvPr id="247" name="Text Box 246"/>
+          <p:cNvSpPr txBox="1"/>
+          <p:nvPr/>
+        </p:nvSpPr>
+        <p:spPr>
+          <a:xfrm>
+            <a:off x="4134485" y="5685155"/>
+            <a:ext cx="4064000" cy="213995"/>
+          </a:xfrm>
+          <a:prstGeom prst="rect">
+            <a:avLst/>
+          </a:prstGeom>
+          <a:noFill/>
+        </p:spPr>
+        <p:txBody>
+          <a:bodyPr wrap="square" rtlCol="0">
+            <a:spAutoFit/>
+          </a:bodyPr>
+          <a:p>
+            <a:r>
+              <a:rPr lang="en-US" sz="800"/>
+              <a:t>5’                                                                          3’</a:t>
+            </a:r>
+            <a:endParaRPr lang="en-US" sz="800"/>
+          </a:p>
+        </p:txBody>
+      </p:sp>
+      <p:sp>
+        <p:nvSpPr>
+          <p:cNvPr id="280" name="Rectangles 279"/>
+          <p:cNvSpPr/>
+          <p:nvPr/>
+        </p:nvSpPr>
+        <p:spPr>
+          <a:xfrm>
+            <a:off x="5113655" y="6219190"/>
+            <a:ext cx="186690" cy="76200"/>
+          </a:xfrm>
+          <a:prstGeom prst="rect">
+            <a:avLst/>
+          </a:prstGeom>
+          <a:solidFill>
+            <a:srgbClr val="FD9409"/>
+          </a:solidFill>
+          <a:ln w="6350">
+            <a:solidFill>
+              <a:schemeClr val="tx1"/>
+            </a:solidFill>
+          </a:ln>
+        </p:spPr>
+        <p:style>
+          <a:lnRef idx="2">
+            <a:schemeClr val="accent1">
+              <a:lumMod val="75000"/>
+            </a:schemeClr>
+          </a:lnRef>
+          <a:fillRef idx="1">
+            <a:schemeClr val="accent1"/>
+          </a:fillRef>
+          <a:effectRef idx="0">
+            <a:srgbClr val="FFFFFF"/>
+          </a:effectRef>
+          <a:fontRef idx="minor">
+            <a:schemeClr val="lt1"/>
+          </a:fontRef>
+        </p:style>
+        <p:txBody>
+          <a:bodyPr rtlCol="0" anchor="ctr"/>
+          <a:p>
+            <a:pPr algn="ctr"/>
+            <a:endParaRPr lang="en-US" b="1">
+              <a:latin typeface="Arial Bold" panose="020B0604020202090204" charset="0"/>
+              <a:cs typeface="Arial Bold" panose="020B0604020202090204" charset="0"/>
+            </a:endParaRPr>
+          </a:p>
+        </p:txBody>
+      </p:sp>
+      <p:sp>
+        <p:nvSpPr>
+          <p:cNvPr id="281" name="Rectangles 280"/>
+          <p:cNvSpPr/>
+          <p:nvPr/>
+        </p:nvSpPr>
+        <p:spPr>
+          <a:xfrm>
+            <a:off x="5372735" y="6219190"/>
+            <a:ext cx="186690" cy="76200"/>
+          </a:xfrm>
+          <a:prstGeom prst="rect">
+            <a:avLst/>
+          </a:prstGeom>
+          <a:solidFill>
+            <a:srgbClr val="FD9409"/>
+          </a:solidFill>
+          <a:ln w="6350">
+            <a:solidFill>
+              <a:schemeClr val="tx1"/>
+            </a:solidFill>
+          </a:ln>
+        </p:spPr>
+        <p:style>
+          <a:lnRef idx="2">
+            <a:schemeClr val="accent1">
+              <a:lumMod val="75000"/>
+            </a:schemeClr>
+          </a:lnRef>
+          <a:fillRef idx="1">
+            <a:schemeClr val="accent1"/>
+          </a:fillRef>
+          <a:effectRef idx="0">
+            <a:srgbClr val="FFFFFF"/>
+          </a:effectRef>
+          <a:fontRef idx="minor">
+            <a:schemeClr val="lt1"/>
+          </a:fontRef>
+        </p:style>
+        <p:txBody>
+          <a:bodyPr rtlCol="0" anchor="ctr"/>
+          <a:p>
+            <a:pPr algn="ctr"/>
+            <a:endParaRPr lang="en-US" b="1">
+              <a:latin typeface="Arial Bold" panose="020B0604020202090204" charset="0"/>
+              <a:cs typeface="Arial Bold" panose="020B0604020202090204" charset="0"/>
+            </a:endParaRPr>
+          </a:p>
+        </p:txBody>
+      </p:sp>
+      <p:cxnSp>
+        <p:nvCxnSpPr>
+          <p:cNvPr id="282" name="Straight Connector 281"/>
+          <p:cNvCxnSpPr>
+            <a:stCxn id="280" idx="3"/>
+            <a:endCxn id="281" idx="1"/>
+          </p:cNvCxnSpPr>
+          <p:nvPr/>
+        </p:nvCxnSpPr>
+        <p:spPr>
+          <a:xfrm>
+            <a:off x="5300345" y="6257290"/>
+            <a:ext cx="72390" cy="0"/>
+          </a:xfrm>
+          <a:prstGeom prst="line">
+            <a:avLst/>
+          </a:prstGeom>
+          <a:ln>
+            <a:solidFill>
+              <a:schemeClr val="tx1"/>
+            </a:solidFill>
+          </a:ln>
+        </p:spPr>
+        <p:style>
+          <a:lnRef idx="2">
+            <a:schemeClr val="accent1"/>
+          </a:lnRef>
+          <a:fillRef idx="0">
+            <a:srgbClr val="FFFFFF"/>
+          </a:fillRef>
+          <a:effectRef idx="0">
+            <a:srgbClr val="FFFFFF"/>
+          </a:effectRef>
+          <a:fontRef idx="minor">
+            <a:schemeClr val="tx1"/>
+          </a:fontRef>
+        </p:style>
+      </p:cxnSp>
+      <p:cxnSp>
+        <p:nvCxnSpPr>
+          <p:cNvPr id="283" name="Straight Connector 282"/>
+          <p:cNvCxnSpPr/>
+          <p:nvPr/>
+        </p:nvCxnSpPr>
+        <p:spPr>
+          <a:xfrm>
+            <a:off x="5559425" y="6257290"/>
+            <a:ext cx="72390" cy="0"/>
+          </a:xfrm>
+          <a:prstGeom prst="line">
+            <a:avLst/>
+          </a:prstGeom>
+          <a:ln>
+            <a:solidFill>
+              <a:schemeClr val="tx1"/>
+            </a:solidFill>
+          </a:ln>
+        </p:spPr>
+        <p:style>
+          <a:lnRef idx="2">
+            <a:schemeClr val="accent1"/>
+          </a:lnRef>
+          <a:fillRef idx="0">
+            <a:srgbClr val="FFFFFF"/>
+          </a:fillRef>
+          <a:effectRef idx="0">
+            <a:srgbClr val="FFFFFF"/>
+          </a:effectRef>
+          <a:fontRef idx="minor">
+            <a:schemeClr val="tx1"/>
+          </a:fontRef>
+        </p:style>
+      </p:cxnSp>
+      <p:sp>
+        <p:nvSpPr>
+          <p:cNvPr id="284" name="Rectangles 283"/>
+          <p:cNvSpPr/>
+          <p:nvPr/>
+        </p:nvSpPr>
+        <p:spPr>
+          <a:xfrm>
+            <a:off x="5631815" y="6219190"/>
+            <a:ext cx="186690" cy="76200"/>
+          </a:xfrm>
+          <a:prstGeom prst="rect">
+            <a:avLst/>
+          </a:prstGeom>
+          <a:solidFill>
+            <a:srgbClr val="FD9409"/>
+          </a:solidFill>
+          <a:ln w="6350">
+            <a:solidFill>
+              <a:schemeClr val="tx1"/>
+            </a:solidFill>
+          </a:ln>
+        </p:spPr>
+        <p:style>
+          <a:lnRef idx="2">
+            <a:schemeClr val="accent1">
+              <a:lumMod val="75000"/>
+            </a:schemeClr>
+          </a:lnRef>
+          <a:fillRef idx="1">
+            <a:schemeClr val="accent1"/>
+          </a:fillRef>
+          <a:effectRef idx="0">
+            <a:srgbClr val="FFFFFF"/>
+          </a:effectRef>
+          <a:fontRef idx="minor">
+            <a:schemeClr val="lt1"/>
+          </a:fontRef>
+        </p:style>
+        <p:txBody>
+          <a:bodyPr rtlCol="0" anchor="ctr"/>
+          <a:p>
+            <a:pPr algn="ctr"/>
+            <a:endParaRPr lang="en-US" b="1">
+              <a:latin typeface="Arial Bold" panose="020B0604020202090204" charset="0"/>
+              <a:cs typeface="Arial Bold" panose="020B0604020202090204" charset="0"/>
+            </a:endParaRPr>
+          </a:p>
+        </p:txBody>
+      </p:sp>
+      <p:sp>
+        <p:nvSpPr>
+          <p:cNvPr id="285" name="Rectangles 284"/>
+          <p:cNvSpPr/>
+          <p:nvPr/>
+        </p:nvSpPr>
+        <p:spPr>
+          <a:xfrm>
+            <a:off x="5890895" y="6219190"/>
+            <a:ext cx="186690" cy="76200"/>
+          </a:xfrm>
+          <a:prstGeom prst="rect">
+            <a:avLst/>
+          </a:prstGeom>
+          <a:solidFill>
+            <a:srgbClr val="FD9409"/>
+          </a:solidFill>
+          <a:ln w="6350">
+            <a:solidFill>
+              <a:schemeClr val="tx1"/>
+            </a:solidFill>
+          </a:ln>
+        </p:spPr>
+        <p:style>
+          <a:lnRef idx="2">
+            <a:schemeClr val="accent1">
+              <a:lumMod val="75000"/>
+            </a:schemeClr>
+          </a:lnRef>
+          <a:fillRef idx="1">
+            <a:schemeClr val="accent1"/>
+          </a:fillRef>
+          <a:effectRef idx="0">
+            <a:srgbClr val="FFFFFF"/>
+          </a:effectRef>
+          <a:fontRef idx="minor">
+            <a:schemeClr val="lt1"/>
+          </a:fontRef>
+        </p:style>
+        <p:txBody>
+          <a:bodyPr rtlCol="0" anchor="ctr"/>
+          <a:p>
+            <a:pPr algn="ctr"/>
+            <a:endParaRPr lang="en-US" b="1">
+              <a:latin typeface="Arial Bold" panose="020B0604020202090204" charset="0"/>
+              <a:cs typeface="Arial Bold" panose="020B0604020202090204" charset="0"/>
+            </a:endParaRPr>
+          </a:p>
+        </p:txBody>
+      </p:sp>
+      <p:cxnSp>
+        <p:nvCxnSpPr>
+          <p:cNvPr id="286" name="Straight Connector 285"/>
+          <p:cNvCxnSpPr>
+            <a:stCxn id="284" idx="3"/>
+            <a:endCxn id="285" idx="1"/>
+          </p:cNvCxnSpPr>
+          <p:nvPr/>
+        </p:nvCxnSpPr>
+        <p:spPr>
+          <a:xfrm>
+            <a:off x="5818505" y="6257290"/>
+            <a:ext cx="72390" cy="0"/>
+          </a:xfrm>
+          <a:prstGeom prst="line">
+            <a:avLst/>
+          </a:prstGeom>
+          <a:ln>
+            <a:solidFill>
+              <a:schemeClr val="tx1"/>
+            </a:solidFill>
+          </a:ln>
+        </p:spPr>
+        <p:style>
+          <a:lnRef idx="2">
+            <a:schemeClr val="accent1"/>
+          </a:lnRef>
+          <a:fillRef idx="0">
+            <a:srgbClr val="FFFFFF"/>
+          </a:fillRef>
+          <a:effectRef idx="0">
+            <a:srgbClr val="FFFFFF"/>
+          </a:effectRef>
+          <a:fontRef idx="minor">
+            <a:schemeClr val="tx1"/>
+          </a:fontRef>
+        </p:style>
+      </p:cxnSp>
+      <p:cxnSp>
+        <p:nvCxnSpPr>
+          <p:cNvPr id="287" name="Straight Connector 286"/>
+          <p:cNvCxnSpPr/>
+          <p:nvPr/>
+        </p:nvCxnSpPr>
+        <p:spPr>
+          <a:xfrm>
+            <a:off x="6077585" y="6257290"/>
+            <a:ext cx="72390" cy="0"/>
+          </a:xfrm>
+          <a:prstGeom prst="line">
+            <a:avLst/>
+          </a:prstGeom>
+          <a:ln>
+            <a:solidFill>
+              <a:schemeClr val="tx1"/>
+            </a:solidFill>
+          </a:ln>
+        </p:spPr>
+        <p:style>
+          <a:lnRef idx="2">
+            <a:schemeClr val="accent1"/>
+          </a:lnRef>
+          <a:fillRef idx="0">
+            <a:srgbClr val="FFFFFF"/>
+          </a:fillRef>
+          <a:effectRef idx="0">
+            <a:srgbClr val="FFFFFF"/>
+          </a:effectRef>
+          <a:fontRef idx="minor">
+            <a:schemeClr val="tx1"/>
+          </a:fontRef>
+        </p:style>
+      </p:cxnSp>
+      <p:sp>
+        <p:nvSpPr>
+          <p:cNvPr id="288" name="Rectangles 287"/>
+          <p:cNvSpPr/>
+          <p:nvPr/>
+        </p:nvSpPr>
+        <p:spPr>
+          <a:xfrm>
+            <a:off x="6149975" y="6219190"/>
+            <a:ext cx="186690" cy="76200"/>
+          </a:xfrm>
+          <a:prstGeom prst="rect">
+            <a:avLst/>
+          </a:prstGeom>
+          <a:solidFill>
+            <a:srgbClr val="FD9409"/>
+          </a:solidFill>
+          <a:ln w="6350">
+            <a:solidFill>
+              <a:schemeClr val="tx1"/>
+            </a:solidFill>
+          </a:ln>
+        </p:spPr>
+        <p:style>
+          <a:lnRef idx="2">
+            <a:schemeClr val="accent1">
+              <a:lumMod val="75000"/>
+            </a:schemeClr>
+          </a:lnRef>
+          <a:fillRef idx="1">
+            <a:schemeClr val="accent1"/>
+          </a:fillRef>
+          <a:effectRef idx="0">
+            <a:srgbClr val="FFFFFF"/>
+          </a:effectRef>
+          <a:fontRef idx="minor">
+            <a:schemeClr val="lt1"/>
+          </a:fontRef>
+        </p:style>
+        <p:txBody>
+          <a:bodyPr rtlCol="0" anchor="ctr"/>
+          <a:p>
+            <a:pPr algn="ctr"/>
+            <a:endParaRPr lang="en-US" b="1">
+              <a:latin typeface="Arial Bold" panose="020B0604020202090204" charset="0"/>
+              <a:cs typeface="Arial Bold" panose="020B0604020202090204" charset="0"/>
+            </a:endParaRPr>
+          </a:p>
+        </p:txBody>
+      </p:sp>
+      <p:sp>
+        <p:nvSpPr>
+          <p:cNvPr id="289" name="Rectangles 288"/>
+          <p:cNvSpPr/>
+          <p:nvPr/>
+        </p:nvSpPr>
+        <p:spPr>
+          <a:xfrm>
+            <a:off x="6409055" y="6219190"/>
+            <a:ext cx="186690" cy="76200"/>
+          </a:xfrm>
+          <a:prstGeom prst="rect">
+            <a:avLst/>
+          </a:prstGeom>
+          <a:solidFill>
+            <a:srgbClr val="FD9409"/>
+          </a:solidFill>
+          <a:ln w="6350">
+            <a:solidFill>
+              <a:schemeClr val="tx1"/>
+            </a:solidFill>
+          </a:ln>
+        </p:spPr>
+        <p:style>
+          <a:lnRef idx="2">
+            <a:schemeClr val="accent1">
+              <a:lumMod val="75000"/>
+            </a:schemeClr>
+          </a:lnRef>
+          <a:fillRef idx="1">
+            <a:schemeClr val="accent1"/>
+          </a:fillRef>
+          <a:effectRef idx="0">
+            <a:srgbClr val="FFFFFF"/>
+          </a:effectRef>
+          <a:fontRef idx="minor">
+            <a:schemeClr val="lt1"/>
+          </a:fontRef>
+        </p:style>
+        <p:txBody>
+          <a:bodyPr rtlCol="0" anchor="ctr"/>
+          <a:p>
+            <a:pPr algn="ctr"/>
+            <a:endParaRPr lang="en-US" b="1">
+              <a:latin typeface="Arial Bold" panose="020B0604020202090204" charset="0"/>
+              <a:cs typeface="Arial Bold" panose="020B0604020202090204" charset="0"/>
+            </a:endParaRPr>
+          </a:p>
+        </p:txBody>
+      </p:sp>
+      <p:cxnSp>
+        <p:nvCxnSpPr>
+          <p:cNvPr id="290" name="Straight Connector 289"/>
+          <p:cNvCxnSpPr>
+            <a:stCxn id="288" idx="3"/>
+            <a:endCxn id="289" idx="1"/>
+          </p:cNvCxnSpPr>
+          <p:nvPr/>
+        </p:nvCxnSpPr>
+        <p:spPr>
+          <a:xfrm>
+            <a:off x="6336665" y="6257290"/>
+            <a:ext cx="72390" cy="0"/>
+          </a:xfrm>
+          <a:prstGeom prst="line">
+            <a:avLst/>
+          </a:prstGeom>
+          <a:ln>
+            <a:solidFill>
+              <a:schemeClr val="tx1"/>
+            </a:solidFill>
+          </a:ln>
+        </p:spPr>
+        <p:style>
+          <a:lnRef idx="2">
+            <a:schemeClr val="accent1"/>
+          </a:lnRef>
+          <a:fillRef idx="0">
+            <a:srgbClr val="FFFFFF"/>
+          </a:fillRef>
+          <a:effectRef idx="0">
+            <a:srgbClr val="FFFFFF"/>
+          </a:effectRef>
+          <a:fontRef idx="minor">
+            <a:schemeClr val="tx1"/>
+          </a:fontRef>
+        </p:style>
+      </p:cxnSp>
+      <p:cxnSp>
+        <p:nvCxnSpPr>
+          <p:cNvPr id="291" name="Straight Connector 290"/>
+          <p:cNvCxnSpPr/>
+          <p:nvPr/>
+        </p:nvCxnSpPr>
+        <p:spPr>
+          <a:xfrm>
+            <a:off x="6595745" y="6257290"/>
+            <a:ext cx="72390" cy="0"/>
+          </a:xfrm>
+          <a:prstGeom prst="line">
+            <a:avLst/>
+          </a:prstGeom>
+          <a:ln>
+            <a:solidFill>
+              <a:schemeClr val="tx1"/>
+            </a:solidFill>
+          </a:ln>
+        </p:spPr>
+        <p:style>
+          <a:lnRef idx="2">
+            <a:schemeClr val="accent1"/>
+          </a:lnRef>
+          <a:fillRef idx="0">
+            <a:srgbClr val="FFFFFF"/>
+          </a:fillRef>
+          <a:effectRef idx="0">
+            <a:srgbClr val="FFFFFF"/>
+          </a:effectRef>
+          <a:fontRef idx="minor">
+            <a:schemeClr val="tx1"/>
+          </a:fontRef>
+        </p:style>
+      </p:cxnSp>
+      <p:sp>
+        <p:nvSpPr>
+          <p:cNvPr id="292" name="Rectangles 291"/>
+          <p:cNvSpPr/>
+          <p:nvPr/>
+        </p:nvSpPr>
+        <p:spPr>
+          <a:xfrm>
+            <a:off x="6668135" y="6219190"/>
+            <a:ext cx="186690" cy="76200"/>
+          </a:xfrm>
+          <a:prstGeom prst="rect">
+            <a:avLst/>
+          </a:prstGeom>
+          <a:solidFill>
+            <a:srgbClr val="FD9409"/>
+          </a:solidFill>
+          <a:ln w="6350">
+            <a:solidFill>
+              <a:schemeClr val="tx1"/>
+            </a:solidFill>
+          </a:ln>
+        </p:spPr>
+        <p:style>
+          <a:lnRef idx="2">
+            <a:schemeClr val="accent1">
+              <a:lumMod val="75000"/>
+            </a:schemeClr>
+          </a:lnRef>
+          <a:fillRef idx="1">
+            <a:schemeClr val="accent1"/>
+          </a:fillRef>
+          <a:effectRef idx="0">
+            <a:srgbClr val="FFFFFF"/>
+          </a:effectRef>
+          <a:fontRef idx="minor">
+            <a:schemeClr val="lt1"/>
+          </a:fontRef>
+        </p:style>
+        <p:txBody>
+          <a:bodyPr rtlCol="0" anchor="ctr"/>
+          <a:p>
+            <a:pPr algn="ctr"/>
+            <a:endParaRPr lang="en-US" b="1">
+              <a:latin typeface="Arial Bold" panose="020B0604020202090204" charset="0"/>
+              <a:cs typeface="Arial Bold" panose="020B0604020202090204" charset="0"/>
+            </a:endParaRPr>
+          </a:p>
+        </p:txBody>
+      </p:sp>
+      <p:sp>
+        <p:nvSpPr>
+          <p:cNvPr id="293" name="Rectangles 292"/>
+          <p:cNvSpPr/>
+          <p:nvPr/>
+        </p:nvSpPr>
+        <p:spPr>
+          <a:xfrm>
+            <a:off x="6927215" y="6219190"/>
+            <a:ext cx="186690" cy="76200"/>
+          </a:xfrm>
+          <a:prstGeom prst="rect">
+            <a:avLst/>
+          </a:prstGeom>
+          <a:solidFill>
+            <a:srgbClr val="FD9409"/>
+          </a:solidFill>
+          <a:ln w="6350">
+            <a:solidFill>
+              <a:schemeClr val="tx1"/>
+            </a:solidFill>
+          </a:ln>
+        </p:spPr>
+        <p:style>
+          <a:lnRef idx="2">
+            <a:schemeClr val="accent1">
+              <a:lumMod val="75000"/>
+            </a:schemeClr>
+          </a:lnRef>
+          <a:fillRef idx="1">
+            <a:schemeClr val="accent1"/>
+          </a:fillRef>
+          <a:effectRef idx="0">
+            <a:srgbClr val="FFFFFF"/>
+          </a:effectRef>
+          <a:fontRef idx="minor">
+            <a:schemeClr val="lt1"/>
+          </a:fontRef>
+        </p:style>
+        <p:txBody>
+          <a:bodyPr rtlCol="0" anchor="ctr"/>
+          <a:p>
+            <a:pPr algn="ctr"/>
+            <a:endParaRPr lang="en-US" b="1">
+              <a:latin typeface="Arial Bold" panose="020B0604020202090204" charset="0"/>
+              <a:cs typeface="Arial Bold" panose="020B0604020202090204" charset="0"/>
+            </a:endParaRPr>
+          </a:p>
+        </p:txBody>
+      </p:sp>
+      <p:cxnSp>
+        <p:nvCxnSpPr>
+          <p:cNvPr id="294" name="Straight Connector 293"/>
+          <p:cNvCxnSpPr>
+            <a:stCxn id="292" idx="3"/>
+            <a:endCxn id="293" idx="1"/>
+          </p:cNvCxnSpPr>
+          <p:nvPr/>
+        </p:nvCxnSpPr>
+        <p:spPr>
+          <a:xfrm>
+            <a:off x="6854825" y="6257290"/>
+            <a:ext cx="72390" cy="0"/>
+          </a:xfrm>
+          <a:prstGeom prst="line">
+            <a:avLst/>
+          </a:prstGeom>
+          <a:ln>
+            <a:solidFill>
+              <a:schemeClr val="tx1"/>
+            </a:solidFill>
+          </a:ln>
+        </p:spPr>
+        <p:style>
+          <a:lnRef idx="2">
+            <a:schemeClr val="accent1"/>
+          </a:lnRef>
+          <a:fillRef idx="0">
+            <a:srgbClr val="FFFFFF"/>
+          </a:fillRef>
+          <a:effectRef idx="0">
+            <a:srgbClr val="FFFFFF"/>
+          </a:effectRef>
+          <a:fontRef idx="minor">
+            <a:schemeClr val="tx1"/>
+          </a:fontRef>
+        </p:style>
+      </p:cxnSp>
+      <p:sp>
+        <p:nvSpPr>
+          <p:cNvPr id="295" name="Text Box 294"/>
+          <p:cNvSpPr txBox="1"/>
+          <p:nvPr/>
+        </p:nvSpPr>
+        <p:spPr>
+          <a:xfrm>
+            <a:off x="3420745" y="6093460"/>
+            <a:ext cx="838835" cy="245110"/>
+          </a:xfrm>
+          <a:prstGeom prst="rect">
+            <a:avLst/>
+          </a:prstGeom>
+          <a:noFill/>
+        </p:spPr>
+        <p:txBody>
+          <a:bodyPr wrap="square" rtlCol="0">
+            <a:spAutoFit/>
+          </a:bodyPr>
+          <a:p>
+            <a:r>
+              <a:rPr lang="en-US" sz="1000"/>
+              <a:t>Ladder #4:</a:t>
+            </a:r>
+            <a:endParaRPr lang="en-US" sz="1000"/>
+          </a:p>
+        </p:txBody>
+      </p:sp>
+      <p:sp>
+        <p:nvSpPr>
+          <p:cNvPr id="296" name="Text Box 295"/>
+          <p:cNvSpPr txBox="1"/>
+          <p:nvPr/>
+        </p:nvSpPr>
+        <p:spPr>
+          <a:xfrm>
+            <a:off x="5113655" y="6027420"/>
+            <a:ext cx="186690" cy="245110"/>
+          </a:xfrm>
+          <a:prstGeom prst="rect">
+            <a:avLst/>
+          </a:prstGeom>
+          <a:noFill/>
+        </p:spPr>
+        <p:txBody>
+          <a:bodyPr wrap="square" rtlCol="0">
+            <a:spAutoFit/>
+          </a:bodyPr>
+          <a:p>
+            <a:pPr algn="ctr"/>
+            <a:r>
+              <a:rPr lang="en-US" sz="1000"/>
+              <a:t>A</a:t>
+            </a:r>
+            <a:endParaRPr lang="en-US" sz="1000"/>
+          </a:p>
+        </p:txBody>
+      </p:sp>
+      <p:sp>
+        <p:nvSpPr>
+          <p:cNvPr id="297" name="Text Box 296"/>
+          <p:cNvSpPr txBox="1"/>
+          <p:nvPr/>
+        </p:nvSpPr>
+        <p:spPr>
+          <a:xfrm>
+            <a:off x="5372735" y="6027420"/>
+            <a:ext cx="186690" cy="245110"/>
+          </a:xfrm>
+          <a:prstGeom prst="rect">
+            <a:avLst/>
+          </a:prstGeom>
+          <a:noFill/>
+        </p:spPr>
+        <p:txBody>
+          <a:bodyPr wrap="square" rtlCol="0">
+            <a:spAutoFit/>
+          </a:bodyPr>
+          <a:p>
+            <a:pPr algn="ctr"/>
+            <a:r>
+              <a:rPr lang="en-US" sz="1000"/>
+              <a:t>U</a:t>
+            </a:r>
+            <a:endParaRPr lang="en-US" sz="1000"/>
+          </a:p>
+        </p:txBody>
+      </p:sp>
+      <p:sp>
+        <p:nvSpPr>
+          <p:cNvPr id="298" name="Text Box 297"/>
+          <p:cNvSpPr txBox="1"/>
+          <p:nvPr/>
+        </p:nvSpPr>
+        <p:spPr>
+          <a:xfrm>
+            <a:off x="5631815" y="6027420"/>
+            <a:ext cx="186690" cy="245110"/>
+          </a:xfrm>
+          <a:prstGeom prst="rect">
+            <a:avLst/>
+          </a:prstGeom>
+          <a:noFill/>
+        </p:spPr>
+        <p:txBody>
+          <a:bodyPr wrap="square" rtlCol="0">
+            <a:spAutoFit/>
+          </a:bodyPr>
+          <a:p>
+            <a:pPr algn="ctr"/>
+            <a:r>
+              <a:rPr lang="en-US" sz="1000"/>
+              <a:t>U</a:t>
+            </a:r>
+            <a:endParaRPr lang="en-US" sz="1000"/>
+          </a:p>
+        </p:txBody>
+      </p:sp>
+      <p:sp>
+        <p:nvSpPr>
+          <p:cNvPr id="299" name="Text Box 298"/>
+          <p:cNvSpPr txBox="1"/>
+          <p:nvPr/>
+        </p:nvSpPr>
+        <p:spPr>
+          <a:xfrm>
+            <a:off x="5890895" y="6027420"/>
+            <a:ext cx="186690" cy="245110"/>
+          </a:xfrm>
+          <a:prstGeom prst="rect">
+            <a:avLst/>
+          </a:prstGeom>
+          <a:noFill/>
+        </p:spPr>
+        <p:txBody>
+          <a:bodyPr wrap="square" rtlCol="0">
+            <a:spAutoFit/>
+          </a:bodyPr>
+          <a:p>
+            <a:pPr algn="ctr"/>
+            <a:r>
+              <a:rPr lang="en-US" sz="1000"/>
+              <a:t>A</a:t>
+            </a:r>
+            <a:endParaRPr lang="en-US" sz="1000"/>
+          </a:p>
+        </p:txBody>
+      </p:sp>
+      <p:sp>
+        <p:nvSpPr>
+          <p:cNvPr id="300" name="Text Box 299"/>
+          <p:cNvSpPr txBox="1"/>
+          <p:nvPr/>
+        </p:nvSpPr>
+        <p:spPr>
+          <a:xfrm>
+            <a:off x="6149975" y="6027420"/>
+            <a:ext cx="186690" cy="245110"/>
+          </a:xfrm>
+          <a:prstGeom prst="rect">
+            <a:avLst/>
+          </a:prstGeom>
+          <a:noFill/>
+        </p:spPr>
+        <p:txBody>
+          <a:bodyPr wrap="square" rtlCol="0">
+            <a:spAutoFit/>
+          </a:bodyPr>
+          <a:p>
+            <a:pPr algn="ctr"/>
+            <a:r>
+              <a:rPr lang="en-US" sz="1000"/>
+              <a:t>C</a:t>
+            </a:r>
+            <a:endParaRPr lang="en-US" sz="1000"/>
+          </a:p>
+        </p:txBody>
+      </p:sp>
+      <p:sp>
+        <p:nvSpPr>
+          <p:cNvPr id="301" name="Text Box 300"/>
+          <p:cNvSpPr txBox="1"/>
+          <p:nvPr/>
+        </p:nvSpPr>
+        <p:spPr>
+          <a:xfrm>
+            <a:off x="6409055" y="6027420"/>
+            <a:ext cx="186690" cy="245110"/>
+          </a:xfrm>
+          <a:prstGeom prst="rect">
+            <a:avLst/>
+          </a:prstGeom>
+          <a:noFill/>
+        </p:spPr>
+        <p:txBody>
+          <a:bodyPr wrap="square" rtlCol="0">
+            <a:spAutoFit/>
+          </a:bodyPr>
+          <a:p>
+            <a:pPr algn="ctr"/>
+            <a:r>
+              <a:rPr lang="en-US" sz="1000"/>
+              <a:t>G</a:t>
+            </a:r>
+            <a:endParaRPr lang="en-US" sz="1000"/>
+          </a:p>
+        </p:txBody>
+      </p:sp>
+      <p:sp>
+        <p:nvSpPr>
+          <p:cNvPr id="302" name="Text Box 301"/>
+          <p:cNvSpPr txBox="1"/>
+          <p:nvPr/>
+        </p:nvSpPr>
+        <p:spPr>
+          <a:xfrm>
+            <a:off x="6668135" y="6027420"/>
+            <a:ext cx="186690" cy="245110"/>
+          </a:xfrm>
+          <a:prstGeom prst="rect">
+            <a:avLst/>
+          </a:prstGeom>
+          <a:noFill/>
+        </p:spPr>
+        <p:txBody>
+          <a:bodyPr wrap="square" rtlCol="0">
+            <a:spAutoFit/>
+          </a:bodyPr>
+          <a:p>
+            <a:pPr algn="ctr"/>
+            <a:r>
+              <a:rPr lang="en-US" sz="1000"/>
+              <a:t>A</a:t>
+            </a:r>
+            <a:endParaRPr lang="en-US" sz="1000"/>
+          </a:p>
+        </p:txBody>
+      </p:sp>
+      <p:sp>
+        <p:nvSpPr>
+          <p:cNvPr id="303" name="Text Box 302"/>
+          <p:cNvSpPr txBox="1"/>
+          <p:nvPr/>
+        </p:nvSpPr>
+        <p:spPr>
+          <a:xfrm>
+            <a:off x="6927215" y="6027420"/>
+            <a:ext cx="186690" cy="245110"/>
+          </a:xfrm>
+          <a:prstGeom prst="rect">
+            <a:avLst/>
+          </a:prstGeom>
+          <a:noFill/>
+        </p:spPr>
+        <p:txBody>
+          <a:bodyPr wrap="square" rtlCol="0">
+            <a:spAutoFit/>
+          </a:bodyPr>
+          <a:p>
+            <a:pPr algn="ctr"/>
+            <a:r>
+              <a:rPr lang="en-US" sz="1000"/>
+              <a:t>G</a:t>
+            </a:r>
+            <a:endParaRPr lang="en-US" sz="1000"/>
+          </a:p>
+        </p:txBody>
+      </p:sp>
+      <p:sp>
+        <p:nvSpPr>
+          <p:cNvPr id="304" name="Text Box 303"/>
+          <p:cNvSpPr txBox="1"/>
+          <p:nvPr/>
+        </p:nvSpPr>
+        <p:spPr>
+          <a:xfrm>
+            <a:off x="4919345" y="6150610"/>
+            <a:ext cx="4064000" cy="213995"/>
+          </a:xfrm>
+          <a:prstGeom prst="rect">
+            <a:avLst/>
+          </a:prstGeom>
+          <a:noFill/>
+        </p:spPr>
+        <p:txBody>
+          <a:bodyPr wrap="square" rtlCol="0">
+            <a:spAutoFit/>
+          </a:bodyPr>
+          <a:p>
+            <a:r>
+              <a:rPr lang="en-US" sz="800"/>
+              <a:t>5’                                                                          3’</a:t>
+            </a:r>
+            <a:endParaRPr lang="en-US" sz="800"/>
+          </a:p>
+        </p:txBody>
+      </p:sp>
+      <p:cxnSp>
+        <p:nvCxnSpPr>
+          <p:cNvPr id="305" name="Straight Connector 304"/>
+          <p:cNvCxnSpPr/>
+          <p:nvPr/>
+        </p:nvCxnSpPr>
+        <p:spPr>
+          <a:xfrm flipV="1">
+            <a:off x="5207000" y="5866765"/>
+            <a:ext cx="0" cy="226695"/>
+          </a:xfrm>
+          <a:prstGeom prst="line">
+            <a:avLst/>
+          </a:prstGeom>
+          <a:ln w="12700" cmpd="sng">
+            <a:solidFill>
+              <a:schemeClr val="tx1">
+                <a:lumMod val="65000"/>
+                <a:lumOff val="35000"/>
+              </a:schemeClr>
+            </a:solidFill>
+            <a:prstDash val="sysDash"/>
+          </a:ln>
+        </p:spPr>
+        <p:style>
+          <a:lnRef idx="2">
+            <a:schemeClr val="accent1"/>
+          </a:lnRef>
+          <a:fillRef idx="0">
+            <a:srgbClr val="FFFFFF"/>
+          </a:fillRef>
+          <a:effectRef idx="0">
+            <a:srgbClr val="FFFFFF"/>
+          </a:effectRef>
+          <a:fontRef idx="minor">
+            <a:schemeClr val="tx1"/>
+          </a:fontRef>
+        </p:style>
+      </p:cxnSp>
+      <p:cxnSp>
+        <p:nvCxnSpPr>
+          <p:cNvPr id="306" name="Straight Connector 305"/>
+          <p:cNvCxnSpPr/>
+          <p:nvPr/>
+        </p:nvCxnSpPr>
+        <p:spPr>
+          <a:xfrm flipV="1">
+            <a:off x="5466080" y="5866765"/>
+            <a:ext cx="0" cy="226695"/>
+          </a:xfrm>
+          <a:prstGeom prst="line">
+            <a:avLst/>
+          </a:prstGeom>
+          <a:ln w="12700" cmpd="sng">
+            <a:solidFill>
+              <a:schemeClr val="tx1">
+                <a:lumMod val="65000"/>
+                <a:lumOff val="35000"/>
+              </a:schemeClr>
+            </a:solidFill>
+            <a:prstDash val="sysDash"/>
+          </a:ln>
+        </p:spPr>
+        <p:style>
+          <a:lnRef idx="2">
+            <a:schemeClr val="accent1"/>
+          </a:lnRef>
+          <a:fillRef idx="0">
+            <a:srgbClr val="FFFFFF"/>
+          </a:fillRef>
+          <a:effectRef idx="0">
+            <a:srgbClr val="FFFFFF"/>
+          </a:effectRef>
+          <a:fontRef idx="minor">
+            <a:schemeClr val="tx1"/>
+          </a:fontRef>
+        </p:style>
+      </p:cxnSp>
+      <p:cxnSp>
+        <p:nvCxnSpPr>
+          <p:cNvPr id="307" name="Straight Connector 306"/>
+          <p:cNvCxnSpPr/>
+          <p:nvPr/>
+        </p:nvCxnSpPr>
+        <p:spPr>
+          <a:xfrm flipV="1">
+            <a:off x="5725160" y="5866765"/>
+            <a:ext cx="0" cy="226695"/>
+          </a:xfrm>
+          <a:prstGeom prst="line">
+            <a:avLst/>
+          </a:prstGeom>
+          <a:ln w="12700" cmpd="sng">
+            <a:solidFill>
+              <a:schemeClr val="tx1">
+                <a:lumMod val="65000"/>
+                <a:lumOff val="35000"/>
+              </a:schemeClr>
+            </a:solidFill>
+            <a:prstDash val="sysDash"/>
+          </a:ln>
+        </p:spPr>
+        <p:style>
+          <a:lnRef idx="2">
+            <a:schemeClr val="accent1"/>
+          </a:lnRef>
+          <a:fillRef idx="0">
+            <a:srgbClr val="FFFFFF"/>
+          </a:fillRef>
+          <a:effectRef idx="0">
+            <a:srgbClr val="FFFFFF"/>
+          </a:effectRef>
+          <a:fontRef idx="minor">
+            <a:schemeClr val="tx1"/>
+          </a:fontRef>
+        </p:style>
+      </p:cxnSp>
+      <p:cxnSp>
+        <p:nvCxnSpPr>
+          <p:cNvPr id="308" name="Straight Connector 307"/>
+          <p:cNvCxnSpPr/>
+          <p:nvPr/>
+        </p:nvCxnSpPr>
+        <p:spPr>
+          <a:xfrm flipV="1">
+            <a:off x="5984240" y="5866765"/>
+            <a:ext cx="0" cy="226695"/>
+          </a:xfrm>
+          <a:prstGeom prst="line">
+            <a:avLst/>
+          </a:prstGeom>
+          <a:ln w="12700" cmpd="sng">
+            <a:solidFill>
+              <a:schemeClr val="tx1">
+                <a:lumMod val="65000"/>
+                <a:lumOff val="35000"/>
+              </a:schemeClr>
+            </a:solidFill>
+            <a:prstDash val="sysDash"/>
+          </a:ln>
+        </p:spPr>
+        <p:style>
+          <a:lnRef idx="2">
+            <a:schemeClr val="accent1"/>
+          </a:lnRef>
+          <a:fillRef idx="0">
+            <a:srgbClr val="FFFFFF"/>
+          </a:fillRef>
+          <a:effectRef idx="0">
+            <a:srgbClr val="FFFFFF"/>
+          </a:effectRef>
+          <a:fontRef idx="minor">
+            <a:schemeClr val="tx1"/>
+          </a:fontRef>
+        </p:style>
+      </p:cxnSp>
+      <p:cxnSp>
+        <p:nvCxnSpPr>
+          <p:cNvPr id="309" name="Straight Connector 308"/>
+          <p:cNvCxnSpPr/>
+          <p:nvPr/>
+        </p:nvCxnSpPr>
+        <p:spPr>
+          <a:xfrm flipV="1">
+            <a:off x="6243320" y="5866765"/>
+            <a:ext cx="0" cy="226695"/>
+          </a:xfrm>
+          <a:prstGeom prst="line">
+            <a:avLst/>
+          </a:prstGeom>
+          <a:ln w="12700" cmpd="sng">
+            <a:solidFill>
+              <a:schemeClr val="tx1">
+                <a:lumMod val="65000"/>
+                <a:lumOff val="35000"/>
+              </a:schemeClr>
+            </a:solidFill>
+            <a:prstDash val="sysDash"/>
+          </a:ln>
+        </p:spPr>
+        <p:style>
+          <a:lnRef idx="2">
+            <a:schemeClr val="accent1"/>
+          </a:lnRef>
+          <a:fillRef idx="0">
+            <a:srgbClr val="FFFFFF"/>
+          </a:fillRef>
+          <a:effectRef idx="0">
+            <a:srgbClr val="FFFFFF"/>
+          </a:effectRef>
+          <a:fontRef idx="minor">
+            <a:schemeClr val="tx1"/>
+          </a:fontRef>
+        </p:style>
+      </p:cxnSp>
+      <p:sp>
+        <p:nvSpPr>
+          <p:cNvPr id="310" name="Rectangles 309"/>
+          <p:cNvSpPr/>
+          <p:nvPr/>
+        </p:nvSpPr>
+        <p:spPr>
+          <a:xfrm>
+            <a:off x="3310255" y="4667250"/>
+            <a:ext cx="4191000" cy="1844040"/>
+          </a:xfrm>
+          <a:prstGeom prst="rect">
+            <a:avLst/>
+          </a:prstGeom>
+          <a:noFill/>
+          <a:ln>
+            <a:solidFill>
+              <a:schemeClr val="tx1"/>
+            </a:solidFill>
+          </a:ln>
+        </p:spPr>
+        <p:style>
+          <a:lnRef idx="2">
+            <a:schemeClr val="accent1">
+              <a:lumMod val="75000"/>
+            </a:schemeClr>
+          </a:lnRef>
+          <a:fillRef idx="1">
+            <a:schemeClr val="accent1"/>
+          </a:fillRef>
+          <a:effectRef idx="0">
+            <a:srgbClr val="FFFFFF"/>
+          </a:effectRef>
+          <a:fontRef idx="minor">
+            <a:schemeClr val="lt1"/>
+          </a:fontRef>
+        </p:style>
+        <p:txBody>
+          <a:bodyPr rtlCol="0" anchor="ctr"/>
+          <a:p>
+            <a:pPr algn="ctr"/>
+            <a:endParaRPr lang="en-US"/>
+          </a:p>
+        </p:txBody>
+      </p:sp>
+      <p:sp>
+        <p:nvSpPr>
+          <p:cNvPr id="313" name="Text Box 312"/>
+          <p:cNvSpPr txBox="1"/>
+          <p:nvPr/>
+        </p:nvSpPr>
+        <p:spPr>
+          <a:xfrm>
+            <a:off x="8312150" y="5085080"/>
+            <a:ext cx="4064000" cy="1037590"/>
+          </a:xfrm>
+          <a:prstGeom prst="rect">
+            <a:avLst/>
+          </a:prstGeom>
+          <a:noFill/>
+        </p:spPr>
+        <p:txBody>
+          <a:bodyPr wrap="square" rtlCol="0">
+            <a:noAutofit/>
+          </a:bodyPr>
+          <a:p>
+            <a:pPr>
+              <a:lnSpc>
+                <a:spcPct val="150000"/>
+              </a:lnSpc>
+            </a:pPr>
+            <a:r>
+              <a:rPr lang="en-US" sz="1100" i="1"/>
+              <a:t>Most abundant RNA sequence: </a:t>
+            </a:r>
+            <a:r>
+              <a:rPr lang="en-US" sz="1100" b="1" i="1"/>
+              <a:t>UGCAUACG</a:t>
+            </a:r>
+            <a:endParaRPr lang="en-US" sz="1100" b="1" i="1"/>
+          </a:p>
+          <a:p>
+            <a:pPr>
+              <a:lnSpc>
+                <a:spcPct val="150000"/>
+              </a:lnSpc>
+            </a:pPr>
+            <a:r>
+              <a:rPr lang="en-US" sz="1100" i="1">
+                <a:sym typeface="+mn-ea"/>
+              </a:rPr>
+              <a:t>2nd most abundant RNA sequence: </a:t>
+            </a:r>
+            <a:r>
+              <a:rPr lang="en-US" sz="1100" b="1" i="1">
+                <a:sym typeface="+mn-ea"/>
+              </a:rPr>
+              <a:t>ACCGGGUAA</a:t>
+            </a:r>
+            <a:endParaRPr lang="en-US" sz="1100" b="1" i="1"/>
+          </a:p>
+          <a:p>
+            <a:pPr>
+              <a:lnSpc>
+                <a:spcPct val="150000"/>
+              </a:lnSpc>
+            </a:pPr>
+            <a:r>
+              <a:rPr lang="en-US" sz="1100" i="1">
+                <a:sym typeface="+mn-ea"/>
+              </a:rPr>
+              <a:t>3rd most abundant RNA sequence: </a:t>
+            </a:r>
+            <a:r>
+              <a:rPr lang="en-US" sz="1100" b="1" i="1">
+                <a:sym typeface="+mn-ea"/>
+              </a:rPr>
+              <a:t>GCCAUUACGAG</a:t>
+            </a:r>
+            <a:endParaRPr lang="en-US" sz="1100" b="1" i="1">
+              <a:sym typeface="+mn-ea"/>
+            </a:endParaRPr>
+          </a:p>
+          <a:p>
+            <a:pPr algn="ctr">
+              <a:lnSpc>
+                <a:spcPct val="150000"/>
+              </a:lnSpc>
+            </a:pPr>
+            <a:r>
+              <a:rPr lang="en-US" sz="1100" i="1">
+                <a:sym typeface="+mn-ea"/>
+              </a:rPr>
+              <a:t>......</a:t>
+            </a:r>
+            <a:endParaRPr lang="en-US" sz="1100" i="1"/>
+          </a:p>
+          <a:p>
+            <a:pPr>
+              <a:lnSpc>
+                <a:spcPct val="150000"/>
+              </a:lnSpc>
+            </a:pPr>
+            <a:endParaRPr lang="en-US" sz="1100" i="1"/>
           </a:p>
         </p:txBody>
       </p:sp>

--- a/Data/sgRNA/Figure1/Figure 1 new version 0227.pptx
+++ b/Data/sgRNA/Figure1/Figure 1 new version 0227.pptx
@@ -106,6 +106,22 @@
       </a:defRPr>
     </a:lvl9pPr>
   </p:defaultTextStyle>
+  <p:extLst>
+    <p:ext uri="{EFAFB233-063F-42B5-8137-9DF3F51BA10A}">
+      <p15:sldGuideLst xmlns:p15="http://schemas.microsoft.com/office/powerpoint/2012/main">
+        <p15:guide id="1" orient="horz" pos="2160" userDrawn="1">
+          <p15:clr>
+            <a:srgbClr val="A4A3A4"/>
+          </p15:clr>
+        </p15:guide>
+        <p15:guide id="2" pos="3840" userDrawn="1">
+          <p15:clr>
+            <a:srgbClr val="A4A3A4"/>
+          </p15:clr>
+        </p15:guide>
+      </p15:sldGuideLst>
+    </p:ext>
+  </p:extLst>
 </p:presentation>
 </file>
 
@@ -3081,7 +3097,7 @@
       <p:grpSpPr/>
       <p:pic>
         <p:nvPicPr>
-          <p:cNvPr id="139" name="Picture 138" descr="000066"/>
+          <p:cNvPr id="2" name="Picture 1" descr="methylatedgreen"/>
           <p:cNvPicPr>
             <a:picLocks noChangeAspect="1"/>
           </p:cNvPicPr>
@@ -3095,6 +3111,30 @@
         </p:blipFill>
         <p:spPr>
           <a:xfrm>
+            <a:off x="225425" y="2559050"/>
+            <a:ext cx="1527810" cy="944245"/>
+          </a:xfrm>
+          <a:prstGeom prst="rect">
+            <a:avLst/>
+          </a:prstGeom>
+        </p:spPr>
+      </p:pic>
+      <p:pic>
+        <p:nvPicPr>
+          <p:cNvPr id="139" name="Picture 138" descr="000066"/>
+          <p:cNvPicPr>
+            <a:picLocks noChangeAspect="1"/>
+          </p:cNvPicPr>
+          <p:nvPr/>
+        </p:nvPicPr>
+        <p:blipFill>
+          <a:blip r:embed="rId2"/>
+          <a:stretch>
+            <a:fillRect/>
+          </a:stretch>
+        </p:blipFill>
+        <p:spPr>
+          <a:xfrm>
             <a:off x="225425" y="5790565"/>
             <a:ext cx="1538605" cy="950595"/>
           </a:xfrm>
@@ -3112,14 +3152,14 @@
           <p:nvPr/>
         </p:nvPicPr>
         <p:blipFill>
-          <a:blip r:embed="rId2"/>
+          <a:blip r:embed="rId3"/>
           <a:stretch>
             <a:fillRect/>
           </a:stretch>
         </p:blipFill>
         <p:spPr>
           <a:xfrm>
-            <a:off x="233045" y="4733925"/>
+            <a:off x="225425" y="4733925"/>
             <a:ext cx="1538605" cy="951230"/>
           </a:xfrm>
           <a:prstGeom prst="rect">
@@ -3136,14 +3176,14 @@
           <p:nvPr/>
         </p:nvPicPr>
         <p:blipFill>
-          <a:blip r:embed="rId3"/>
+          <a:blip r:embed="rId4"/>
           <a:stretch>
             <a:fillRect/>
           </a:stretch>
         </p:blipFill>
         <p:spPr>
           <a:xfrm>
-            <a:off x="220345" y="3671570"/>
+            <a:off x="225425" y="3658235"/>
             <a:ext cx="1543050" cy="954405"/>
           </a:xfrm>
           <a:prstGeom prst="rect">
@@ -3160,30 +3200,6 @@
           <p:nvPr/>
         </p:nvPicPr>
         <p:blipFill>
-          <a:blip r:embed="rId4"/>
-          <a:stretch>
-            <a:fillRect/>
-          </a:stretch>
-        </p:blipFill>
-        <p:spPr>
-          <a:xfrm>
-            <a:off x="6443980" y="2578100"/>
-            <a:ext cx="2982595" cy="1843405"/>
-          </a:xfrm>
-          <a:prstGeom prst="rect">
-            <a:avLst/>
-          </a:prstGeom>
-        </p:spPr>
-      </p:pic>
-      <p:pic>
-        <p:nvPicPr>
-          <p:cNvPr id="109" name="Picture 108" descr="000054"/>
-          <p:cNvPicPr>
-            <a:picLocks noChangeAspect="1"/>
-          </p:cNvPicPr>
-          <p:nvPr/>
-        </p:nvPicPr>
-        <p:blipFill>
           <a:blip r:embed="rId5"/>
           <a:stretch>
             <a:fillRect/>
@@ -3191,8 +3207,8 @@
         </p:blipFill>
         <p:spPr>
           <a:xfrm>
-            <a:off x="224790" y="2519680"/>
-            <a:ext cx="1538605" cy="1037590"/>
+            <a:off x="6443980" y="2578100"/>
+            <a:ext cx="2982595" cy="1843405"/>
           </a:xfrm>
           <a:prstGeom prst="rect">
             <a:avLst/>
@@ -5005,8 +5021,8 @@
         </p:nvSpPr>
         <p:spPr>
           <a:xfrm>
-            <a:off x="7844155" y="3195320"/>
-            <a:ext cx="248285" cy="245110"/>
+            <a:off x="7823200" y="3163570"/>
+            <a:ext cx="512445" cy="245110"/>
           </a:xfrm>
           <a:prstGeom prst="rect">
             <a:avLst/>
@@ -5023,7 +5039,7 @@
                 <a:latin typeface="Arial Bold" panose="020B0604020202090204" charset="0"/>
                 <a:cs typeface="Arial Bold" panose="020B0604020202090204" charset="0"/>
               </a:rPr>
-              <a:t>U</a:t>
+              <a:t>mU</a:t>
             </a:r>
             <a:endParaRPr lang="en-US" sz="1000" b="1">
               <a:latin typeface="Arial Bold" panose="020B0604020202090204" charset="0"/>
@@ -7628,8 +7644,8 @@
         </p:nvSpPr>
         <p:spPr>
           <a:xfrm>
-            <a:off x="5372735" y="4689475"/>
-            <a:ext cx="186690" cy="245110"/>
+            <a:off x="5266690" y="4680585"/>
+            <a:ext cx="402590" cy="165735"/>
           </a:xfrm>
           <a:prstGeom prst="rect">
             <a:avLst/>
@@ -7638,13 +7654,13 @@
         </p:spPr>
         <p:txBody>
           <a:bodyPr wrap="square" rtlCol="0">
-            <a:spAutoFit/>
+            <a:noAutofit/>
           </a:bodyPr>
           <a:p>
             <a:pPr algn="ctr"/>
             <a:r>
               <a:rPr lang="en-US" sz="1000"/>
-              <a:t>U</a:t>
+              <a:t>mU</a:t>
             </a:r>
             <a:endParaRPr lang="en-US" sz="1000"/>
           </a:p>
@@ -10250,7 +10266,7 @@
             </a:r>
             <a:r>
               <a:rPr lang="en-US" sz="1100" b="1" i="1"/>
-              <a:t>UGCAUACG</a:t>
+              <a:t>UGCA(mU)ACG</a:t>
             </a:r>
             <a:endParaRPr lang="en-US" sz="1100" b="1" i="1"/>
           </a:p>

--- a/Data/sgRNA/Figure1/Figure 1 new version 0227.pptx
+++ b/Data/sgRNA/Figure1/Figure 1 new version 0227.pptx
@@ -5,16 +5,18 @@
     <p:sldMasterId id="2147483648" r:id="rId1"/>
   </p:sldMasterIdLst>
   <p:notesMasterIdLst>
-    <p:notesMasterId r:id="rId8"/>
+    <p:notesMasterId r:id="rId10"/>
   </p:notesMasterIdLst>
   <p:sldIdLst>
     <p:sldId id="261" r:id="rId3"/>
     <p:sldId id="262" r:id="rId4"/>
-    <p:sldId id="267" r:id="rId5"/>
-    <p:sldId id="256" r:id="rId6"/>
-    <p:sldId id="257" r:id="rId7"/>
-    <p:sldId id="258" r:id="rId9"/>
-    <p:sldId id="259" r:id="rId10"/>
+    <p:sldId id="273" r:id="rId5"/>
+    <p:sldId id="272" r:id="rId6"/>
+    <p:sldId id="267" r:id="rId7"/>
+    <p:sldId id="256" r:id="rId8"/>
+    <p:sldId id="257" r:id="rId9"/>
+    <p:sldId id="258" r:id="rId11"/>
+    <p:sldId id="259" r:id="rId12"/>
   </p:sldIdLst>
   <p:sldSz cx="12192000" cy="6858000"/>
   <p:notesSz cx="6858000" cy="9144000"/>
@@ -7475,6 +7477,12 @@
             <a:pPr algn="ctr"/>
             <a:r>
               <a:rPr lang="en-US" sz="1000">
+                <a:ln w="3810" cmpd="sng">
+                  <a:solidFill>
+                    <a:schemeClr val="tx1"/>
+                  </a:solidFill>
+                  <a:prstDash val="solid"/>
+                </a:ln>
                 <a:solidFill>
                   <a:srgbClr val="FAE066"/>
                 </a:solidFill>
@@ -7482,6 +7490,12 @@
               <a:t>G</a:t>
             </a:r>
             <a:endParaRPr lang="en-US" sz="1000">
+              <a:ln w="3810" cmpd="sng">
+                <a:solidFill>
+                  <a:schemeClr val="tx1"/>
+                </a:solidFill>
+                <a:prstDash val="solid"/>
+              </a:ln>
               <a:solidFill>
                 <a:srgbClr val="FAE066"/>
               </a:solidFill>
@@ -7554,6 +7568,12 @@
             <a:pPr algn="ctr"/>
             <a:r>
               <a:rPr lang="en-US" sz="1000">
+                <a:ln w="3810" cmpd="sng">
+                  <a:solidFill>
+                    <a:schemeClr val="tx1"/>
+                  </a:solidFill>
+                  <a:prstDash val="solid"/>
+                </a:ln>
                 <a:solidFill>
                   <a:srgbClr val="FAE066"/>
                 </a:solidFill>
@@ -7561,6 +7581,12 @@
               <a:t>C</a:t>
             </a:r>
             <a:endParaRPr lang="en-US" sz="1000">
+              <a:ln w="3810" cmpd="sng">
+                <a:solidFill>
+                  <a:schemeClr val="tx1"/>
+                </a:solidFill>
+                <a:prstDash val="solid"/>
+              </a:ln>
               <a:solidFill>
                 <a:srgbClr val="FAE066"/>
               </a:solidFill>
@@ -7674,6 +7700,12 @@
             <a:pPr algn="ctr"/>
             <a:r>
               <a:rPr lang="en-US" sz="1000">
+                <a:ln w="6350" cmpd="sng">
+                  <a:solidFill>
+                    <a:schemeClr val="tx1"/>
+                  </a:solidFill>
+                  <a:prstDash val="solid"/>
+                </a:ln>
                 <a:solidFill>
                   <a:srgbClr val="FAE066"/>
                 </a:solidFill>
@@ -7681,6 +7713,12 @@
               <a:t>A</a:t>
             </a:r>
             <a:endParaRPr lang="en-US" sz="1000">
+              <a:ln w="6350" cmpd="sng">
+                <a:solidFill>
+                  <a:schemeClr val="tx1"/>
+                </a:solidFill>
+                <a:prstDash val="solid"/>
+              </a:ln>
               <a:solidFill>
                 <a:srgbClr val="FAE066"/>
               </a:solidFill>
@@ -7712,6 +7750,15 @@
             <a:pPr algn="ctr"/>
             <a:r>
               <a:rPr lang="en-US" sz="1000">
+                <a:ln w="3810" cmpd="sng">
+                  <a:solidFill>
+                    <a:schemeClr val="tx1">
+                      <a:lumMod val="95000"/>
+                      <a:lumOff val="5000"/>
+                    </a:schemeClr>
+                  </a:solidFill>
+                  <a:prstDash val="solid"/>
+                </a:ln>
                 <a:solidFill>
                   <a:srgbClr val="FAE066"/>
                 </a:solidFill>
@@ -7719,6 +7766,15 @@
               <a:t>U</a:t>
             </a:r>
             <a:endParaRPr lang="en-US" sz="1000">
+              <a:ln w="3810" cmpd="sng">
+                <a:solidFill>
+                  <a:schemeClr val="tx1">
+                    <a:lumMod val="95000"/>
+                    <a:lumOff val="5000"/>
+                  </a:schemeClr>
+                </a:solidFill>
+                <a:prstDash val="solid"/>
+              </a:ln>
               <a:solidFill>
                 <a:srgbClr val="FAE066"/>
               </a:solidFill>
@@ -7791,6 +7847,12 @@
             <a:pPr algn="ctr"/>
             <a:r>
               <a:rPr lang="en-US" sz="1000">
+                <a:ln w="6350" cmpd="sng">
+                  <a:solidFill>
+                    <a:schemeClr val="tx1"/>
+                  </a:solidFill>
+                  <a:prstDash val="solid"/>
+                </a:ln>
                 <a:solidFill>
                   <a:srgbClr val="FAE066"/>
                 </a:solidFill>
@@ -7798,6 +7860,12 @@
               <a:t>C</a:t>
             </a:r>
             <a:endParaRPr lang="en-US" sz="1000">
+              <a:ln w="6350" cmpd="sng">
+                <a:solidFill>
+                  <a:schemeClr val="tx1"/>
+                </a:solidFill>
+                <a:prstDash val="solid"/>
+              </a:ln>
               <a:solidFill>
                 <a:srgbClr val="FAE066"/>
               </a:solidFill>
@@ -12199,45 +12267,9 @@
         <p:nvPr/>
       </p:nvGrpSpPr>
       <p:grpSpPr/>
-      <p:sp>
-        <p:nvSpPr>
-          <p:cNvPr id="9" name="Text Box 8"/>
-          <p:cNvSpPr txBox="1"/>
-          <p:nvPr/>
-        </p:nvSpPr>
-        <p:spPr>
-          <a:xfrm>
-            <a:off x="591185" y="681355"/>
-            <a:ext cx="2718435" cy="275590"/>
-          </a:xfrm>
-          <a:prstGeom prst="rect">
-            <a:avLst/>
-          </a:prstGeom>
-          <a:noFill/>
-        </p:spPr>
-        <p:txBody>
-          <a:bodyPr wrap="square" rtlCol="0">
-            <a:spAutoFit/>
-          </a:bodyPr>
-          <a:p>
-            <a:pPr algn="ctr"/>
-            <a:r>
-              <a:rPr lang="en-US" sz="1200" u="sng">
-                <a:latin typeface="Helvetica Regular" charset="0"/>
-                <a:cs typeface="Helvetica Regular" charset="0"/>
-              </a:rPr>
-              <a:t>Base Calling</a:t>
-            </a:r>
-            <a:endParaRPr lang="en-US" sz="1200" u="sng">
-              <a:latin typeface="Helvetica Regular" charset="0"/>
-              <a:cs typeface="Helvetica Regular" charset="0"/>
-            </a:endParaRPr>
-          </a:p>
-        </p:txBody>
-      </p:sp>
       <p:pic>
         <p:nvPicPr>
-          <p:cNvPr id="4" name="Picture 3" descr="Screenshot 2025-04-01 at 1.36.31 PM"/>
+          <p:cNvPr id="3" name="Picture 2" descr="Screenshot 2025-04-10 at 11.41.37 AM"/>
           <p:cNvPicPr>
             <a:picLocks noChangeAspect="1"/>
           </p:cNvPicPr>
@@ -12251,8 +12283,34 @@
         </p:blipFill>
         <p:spPr>
           <a:xfrm>
-            <a:off x="972820" y="1292225"/>
-            <a:ext cx="2156460" cy="1358900"/>
+            <a:off x="6745605" y="4245610"/>
+            <a:ext cx="2359660" cy="1788795"/>
+          </a:xfrm>
+          <a:prstGeom prst="rect">
+            <a:avLst/>
+          </a:prstGeom>
+        </p:spPr>
+      </p:pic>
+      <p:pic>
+        <p:nvPicPr>
+          <p:cNvPr id="28" name="Content Placeholder 27" descr="Screenshot 2025-04-01 at 2.48.15 PM"/>
+          <p:cNvPicPr>
+            <a:picLocks noChangeAspect="1"/>
+          </p:cNvPicPr>
+          <p:nvPr>
+            <p:ph idx="1"/>
+          </p:nvPr>
+        </p:nvPicPr>
+        <p:blipFill>
+          <a:blip r:embed="rId2"/>
+          <a:stretch>
+            <a:fillRect/>
+          </a:stretch>
+        </p:blipFill>
+        <p:spPr>
+          <a:xfrm>
+            <a:off x="351790" y="4171315"/>
+            <a:ext cx="2492375" cy="1814195"/>
           </a:xfrm>
           <a:prstGeom prst="rect">
             <a:avLst/>
@@ -12267,17 +12325,22 @@
         </p:nvCxnSpPr>
         <p:spPr>
           <a:xfrm flipV="1">
-            <a:off x="972820" y="1216025"/>
-            <a:ext cx="0" cy="1473200"/>
+            <a:off x="1579880" y="4206240"/>
+            <a:ext cx="29210" cy="1421130"/>
           </a:xfrm>
           <a:prstGeom prst="straightConnector1">
             <a:avLst/>
           </a:prstGeom>
-          <a:ln w="38100">
-            <a:solidFill>
-              <a:schemeClr val="tx1"/>
-            </a:solidFill>
-            <a:tailEnd type="stealth"/>
+          <a:ln w="38100" cap="flat" cmpd="sng">
+            <a:solidFill>
+              <a:schemeClr val="accent3">
+                <a:alpha val="70000"/>
+              </a:schemeClr>
+            </a:solidFill>
+            <a:prstDash val="solid"/>
+            <a:miter lim="800000"/>
+            <a:headEnd type="none"/>
+            <a:tailEnd type="stealth" w="med" len="med"/>
           </a:ln>
         </p:spPr>
         <p:style>
@@ -12303,12 +12366,269 @@
         </p:nvCxnSpPr>
         <p:spPr>
           <a:xfrm>
-            <a:off x="992505" y="2674620"/>
-            <a:ext cx="2279650" cy="9525"/>
+            <a:off x="1579880" y="5604510"/>
+            <a:ext cx="1264285" cy="356870"/>
           </a:xfrm>
           <a:prstGeom prst="straightConnector1">
             <a:avLst/>
           </a:prstGeom>
+          <a:ln w="38100" cap="flat" cmpd="sng">
+            <a:solidFill>
+              <a:schemeClr val="accent3">
+                <a:alpha val="70000"/>
+              </a:schemeClr>
+            </a:solidFill>
+            <a:prstDash val="solid"/>
+            <a:miter lim="800000"/>
+            <a:headEnd type="none"/>
+            <a:tailEnd type="stealth" w="med" len="med"/>
+          </a:ln>
+        </p:spPr>
+        <p:style>
+          <a:lnRef idx="2">
+            <a:schemeClr val="accent1"/>
+          </a:lnRef>
+          <a:fillRef idx="0">
+            <a:srgbClr val="FFFFFF"/>
+          </a:fillRef>
+          <a:effectRef idx="0">
+            <a:srgbClr val="FFFFFF"/>
+          </a:effectRef>
+          <a:fontRef idx="minor">
+            <a:schemeClr val="tx1"/>
+          </a:fontRef>
+        </p:style>
+      </p:cxnSp>
+      <p:cxnSp>
+        <p:nvCxnSpPr>
+          <p:cNvPr id="7" name="Straight Arrow Connector 6"/>
+          <p:cNvCxnSpPr/>
+          <p:nvPr/>
+        </p:nvCxnSpPr>
+        <p:spPr>
+          <a:xfrm flipH="1">
+            <a:off x="325755" y="5603875"/>
+            <a:ext cx="1254125" cy="401320"/>
+          </a:xfrm>
+          <a:prstGeom prst="straightConnector1">
+            <a:avLst/>
+          </a:prstGeom>
+          <a:ln w="38100" cap="flat" cmpd="sng">
+            <a:solidFill>
+              <a:schemeClr val="accent3">
+                <a:alpha val="70000"/>
+              </a:schemeClr>
+            </a:solidFill>
+            <a:prstDash val="solid"/>
+            <a:miter lim="800000"/>
+            <a:headEnd type="none"/>
+            <a:tailEnd type="stealth" w="med" len="med"/>
+          </a:ln>
+        </p:spPr>
+        <p:style>
+          <a:lnRef idx="2">
+            <a:schemeClr val="accent1"/>
+          </a:lnRef>
+          <a:fillRef idx="0">
+            <a:srgbClr val="FFFFFF"/>
+          </a:fillRef>
+          <a:effectRef idx="0">
+            <a:srgbClr val="FFFFFF"/>
+          </a:effectRef>
+          <a:fontRef idx="minor">
+            <a:schemeClr val="tx1"/>
+          </a:fontRef>
+        </p:style>
+      </p:cxnSp>
+      <p:sp>
+        <p:nvSpPr>
+          <p:cNvPr id="11" name="Text Box 10"/>
+          <p:cNvSpPr txBox="1"/>
+          <p:nvPr/>
+        </p:nvSpPr>
+        <p:spPr>
+          <a:xfrm>
+            <a:off x="2719070" y="5923915"/>
+            <a:ext cx="638810" cy="314960"/>
+          </a:xfrm>
+          <a:prstGeom prst="rect">
+            <a:avLst/>
+          </a:prstGeom>
+          <a:noFill/>
+        </p:spPr>
+        <p:txBody>
+          <a:bodyPr wrap="square" rtlCol="0">
+            <a:noAutofit/>
+          </a:bodyPr>
+          <a:p>
+            <a:pPr algn="ctr"/>
+            <a:r>
+              <a:rPr lang="en-US" sz="1200">
+                <a:solidFill>
+                  <a:schemeClr val="bg1">
+                    <a:lumMod val="50000"/>
+                  </a:schemeClr>
+                </a:solidFill>
+                <a:latin typeface="Helvetica Regular" charset="0"/>
+                <a:cs typeface="Helvetica Regular" charset="0"/>
+              </a:rPr>
+              <a:t>Mass</a:t>
+            </a:r>
+            <a:endParaRPr lang="en-US" sz="1200">
+              <a:solidFill>
+                <a:schemeClr val="bg1">
+                  <a:lumMod val="50000"/>
+                </a:schemeClr>
+              </a:solidFill>
+              <a:latin typeface="Helvetica Regular" charset="0"/>
+              <a:cs typeface="Helvetica Regular" charset="0"/>
+            </a:endParaRPr>
+          </a:p>
+        </p:txBody>
+      </p:sp>
+      <p:sp>
+        <p:nvSpPr>
+          <p:cNvPr id="12" name="Text Box 11"/>
+          <p:cNvSpPr txBox="1"/>
+          <p:nvPr/>
+        </p:nvSpPr>
+        <p:spPr>
+          <a:xfrm>
+            <a:off x="0" y="5923915"/>
+            <a:ext cx="424815" cy="314960"/>
+          </a:xfrm>
+          <a:prstGeom prst="rect">
+            <a:avLst/>
+          </a:prstGeom>
+          <a:noFill/>
+        </p:spPr>
+        <p:txBody>
+          <a:bodyPr wrap="square" rtlCol="0">
+            <a:noAutofit/>
+          </a:bodyPr>
+          <a:p>
+            <a:pPr algn="ctr"/>
+            <a:r>
+              <a:rPr lang="en-US" sz="1200">
+                <a:solidFill>
+                  <a:schemeClr val="bg1">
+                    <a:lumMod val="50000"/>
+                  </a:schemeClr>
+                </a:solidFill>
+                <a:latin typeface="Helvetica Regular" charset="0"/>
+                <a:cs typeface="Helvetica Regular" charset="0"/>
+              </a:rPr>
+              <a:t>t</a:t>
+            </a:r>
+            <a:r>
+              <a:rPr lang="en-US" sz="1200" baseline="-25000">
+                <a:solidFill>
+                  <a:schemeClr val="bg1">
+                    <a:lumMod val="50000"/>
+                  </a:schemeClr>
+                </a:solidFill>
+                <a:latin typeface="Helvetica Regular" charset="0"/>
+                <a:cs typeface="Helvetica Regular" charset="0"/>
+              </a:rPr>
+              <a:t>R</a:t>
+            </a:r>
+            <a:endParaRPr lang="en-US" sz="1200" baseline="-25000">
+              <a:solidFill>
+                <a:schemeClr val="bg1">
+                  <a:lumMod val="50000"/>
+                </a:schemeClr>
+              </a:solidFill>
+              <a:latin typeface="Helvetica Regular" charset="0"/>
+              <a:cs typeface="Helvetica Regular" charset="0"/>
+            </a:endParaRPr>
+          </a:p>
+        </p:txBody>
+      </p:sp>
+      <p:pic>
+        <p:nvPicPr>
+          <p:cNvPr id="13" name="Picture 12" descr="ChatGPT Image Apr 1, 2025 at 09_24_47 AM"/>
+          <p:cNvPicPr>
+            <a:picLocks noChangeAspect="1"/>
+          </p:cNvPicPr>
+          <p:nvPr/>
+        </p:nvPicPr>
+        <p:blipFill>
+          <a:blip r:embed="rId3"/>
+          <a:stretch>
+            <a:fillRect/>
+          </a:stretch>
+        </p:blipFill>
+        <p:spPr>
+          <a:xfrm>
+            <a:off x="3348355" y="4599305"/>
+            <a:ext cx="1891030" cy="1590040"/>
+          </a:xfrm>
+          <a:prstGeom prst="rect">
+            <a:avLst/>
+          </a:prstGeom>
+        </p:spPr>
+      </p:pic>
+      <p:sp>
+        <p:nvSpPr>
+          <p:cNvPr id="14" name="Rounded Rectangle 13"/>
+          <p:cNvSpPr/>
+          <p:nvPr/>
+        </p:nvSpPr>
+        <p:spPr>
+          <a:xfrm>
+            <a:off x="66675" y="3943985"/>
+            <a:ext cx="5590540" cy="2566035"/>
+          </a:xfrm>
+          <a:prstGeom prst="roundRect">
+            <a:avLst/>
+          </a:prstGeom>
+          <a:noFill/>
+          <a:ln>
+            <a:solidFill>
+              <a:schemeClr val="bg2">
+                <a:lumMod val="50000"/>
+              </a:schemeClr>
+            </a:solidFill>
+          </a:ln>
+        </p:spPr>
+        <p:style>
+          <a:lnRef idx="2">
+            <a:schemeClr val="accent1">
+              <a:lumMod val="75000"/>
+            </a:schemeClr>
+          </a:lnRef>
+          <a:fillRef idx="1">
+            <a:schemeClr val="accent1"/>
+          </a:fillRef>
+          <a:effectRef idx="0">
+            <a:srgbClr val="FFFFFF"/>
+          </a:effectRef>
+          <a:fontRef idx="minor">
+            <a:schemeClr val="lt1"/>
+          </a:fontRef>
+        </p:style>
+        <p:txBody>
+          <a:bodyPr rtlCol="0" anchor="ctr"/>
+          <a:p>
+            <a:pPr algn="ctr"/>
+            <a:endParaRPr lang="en-US"/>
+          </a:p>
+        </p:txBody>
+      </p:sp>
+      <p:cxnSp>
+        <p:nvCxnSpPr>
+          <p:cNvPr id="16" name="Straight Arrow Connector 15"/>
+          <p:cNvCxnSpPr/>
+          <p:nvPr/>
+        </p:nvCxnSpPr>
+        <p:spPr>
+          <a:xfrm flipV="1">
+            <a:off x="3329940" y="4512310"/>
+            <a:ext cx="0" cy="1473200"/>
+          </a:xfrm>
+          <a:prstGeom prst="straightConnector1">
+            <a:avLst/>
+          </a:prstGeom>
           <a:ln w="38100">
             <a:solidFill>
               <a:schemeClr val="tx1"/>
@@ -12331,16 +12651,179 @@
           </a:fontRef>
         </p:style>
       </p:cxnSp>
-      <p:sp>
-        <p:nvSpPr>
-          <p:cNvPr id="7" name="Text Box 6"/>
+      <p:cxnSp>
+        <p:nvCxnSpPr>
+          <p:cNvPr id="17" name="Straight Arrow Connector 16"/>
+          <p:cNvCxnSpPr/>
+          <p:nvPr/>
+        </p:nvCxnSpPr>
+        <p:spPr>
+          <a:xfrm flipV="1">
+            <a:off x="3348355" y="5956300"/>
+            <a:ext cx="2136775" cy="8890"/>
+          </a:xfrm>
+          <a:prstGeom prst="straightConnector1">
+            <a:avLst/>
+          </a:prstGeom>
+          <a:ln w="38100">
+            <a:solidFill>
+              <a:schemeClr val="tx1"/>
+            </a:solidFill>
+            <a:tailEnd type="stealth"/>
+          </a:ln>
+        </p:spPr>
+        <p:style>
+          <a:lnRef idx="2">
+            <a:schemeClr val="accent1"/>
+          </a:lnRef>
+          <a:fillRef idx="0">
+            <a:srgbClr val="FFFFFF"/>
+          </a:fillRef>
+          <a:effectRef idx="0">
+            <a:srgbClr val="FFFFFF"/>
+          </a:effectRef>
+          <a:fontRef idx="minor">
+            <a:schemeClr val="tx1"/>
+          </a:fontRef>
+        </p:style>
+      </p:cxnSp>
+      <p:sp>
+        <p:nvSpPr>
+          <p:cNvPr id="18" name="Rectangles 17"/>
+          <p:cNvSpPr/>
+          <p:nvPr/>
+        </p:nvSpPr>
+        <p:spPr>
+          <a:xfrm flipH="1">
+            <a:off x="5100320" y="5105400"/>
+            <a:ext cx="299720" cy="762000"/>
+          </a:xfrm>
+          <a:prstGeom prst="rect">
+            <a:avLst/>
+          </a:prstGeom>
+          <a:solidFill>
+            <a:srgbClr val="FFFFFF"/>
+          </a:solidFill>
+          <a:ln>
+            <a:solidFill>
+              <a:srgbClr val="FFFFFF"/>
+            </a:solidFill>
+          </a:ln>
+        </p:spPr>
+        <p:style>
+          <a:lnRef idx="2">
+            <a:schemeClr val="accent1">
+              <a:lumMod val="75000"/>
+            </a:schemeClr>
+          </a:lnRef>
+          <a:fillRef idx="1">
+            <a:schemeClr val="accent1"/>
+          </a:fillRef>
+          <a:effectRef idx="0">
+            <a:srgbClr val="FFFFFF"/>
+          </a:effectRef>
+          <a:fontRef idx="minor">
+            <a:schemeClr val="lt1"/>
+          </a:fontRef>
+        </p:style>
+        <p:txBody>
+          <a:bodyPr rtlCol="0" anchor="ctr"/>
+          <a:p>
+            <a:pPr algn="ctr"/>
+            <a:endParaRPr lang="en-US"/>
+          </a:p>
+        </p:txBody>
+      </p:sp>
+      <p:sp>
+        <p:nvSpPr>
+          <p:cNvPr id="19" name="Text Box 18"/>
           <p:cNvSpPr txBox="1"/>
           <p:nvPr/>
         </p:nvSpPr>
         <p:spPr>
           <a:xfrm>
-            <a:off x="676910" y="1203960"/>
-            <a:ext cx="398780" cy="275590"/>
+            <a:off x="3272155" y="4284345"/>
+            <a:ext cx="699770" cy="314960"/>
+          </a:xfrm>
+          <a:prstGeom prst="rect">
+            <a:avLst/>
+          </a:prstGeom>
+          <a:noFill/>
+        </p:spPr>
+        <p:txBody>
+          <a:bodyPr wrap="square" rtlCol="0">
+            <a:noAutofit/>
+          </a:bodyPr>
+          <a:p>
+            <a:pPr algn="ctr"/>
+            <a:r>
+              <a:rPr lang="en-US" sz="1200">
+                <a:solidFill>
+                  <a:schemeClr val="tx1"/>
+                </a:solidFill>
+              </a:rPr>
+              <a:t>LC-MS</a:t>
+            </a:r>
+            <a:endParaRPr lang="en-US" sz="1200">
+              <a:solidFill>
+                <a:schemeClr val="tx1"/>
+              </a:solidFill>
+            </a:endParaRPr>
+          </a:p>
+        </p:txBody>
+      </p:sp>
+      <p:sp>
+        <p:nvSpPr>
+          <p:cNvPr id="20" name="Text Box 19"/>
+          <p:cNvSpPr txBox="1"/>
+          <p:nvPr/>
+        </p:nvSpPr>
+        <p:spPr>
+          <a:xfrm>
+            <a:off x="4264025" y="5985510"/>
+            <a:ext cx="518795" cy="314960"/>
+          </a:xfrm>
+          <a:prstGeom prst="rect">
+            <a:avLst/>
+          </a:prstGeom>
+          <a:noFill/>
+        </p:spPr>
+        <p:txBody>
+          <a:bodyPr wrap="square" rtlCol="0">
+            <a:noAutofit/>
+          </a:bodyPr>
+          <a:p>
+            <a:pPr algn="ctr"/>
+            <a:r>
+              <a:rPr lang="en-US" sz="1200">
+                <a:solidFill>
+                  <a:schemeClr val="tx1"/>
+                </a:solidFill>
+                <a:latin typeface="Helvetica Regular" charset="0"/>
+                <a:cs typeface="Helvetica Regular" charset="0"/>
+              </a:rPr>
+              <a:t>m/z</a:t>
+            </a:r>
+            <a:endParaRPr lang="en-US" sz="1200">
+              <a:solidFill>
+                <a:schemeClr val="tx1"/>
+              </a:solidFill>
+              <a:latin typeface="Helvetica Regular" charset="0"/>
+              <a:cs typeface="Helvetica Regular" charset="0"/>
+            </a:endParaRPr>
+          </a:p>
+        </p:txBody>
+      </p:sp>
+      <p:sp>
+        <p:nvSpPr>
+          <p:cNvPr id="22" name="Text Box 21"/>
+          <p:cNvSpPr txBox="1"/>
+          <p:nvPr/>
+        </p:nvSpPr>
+        <p:spPr>
+          <a:xfrm>
+            <a:off x="174625" y="3969385"/>
+            <a:ext cx="574675" cy="275590"/>
           </a:xfrm>
           <a:prstGeom prst="rect">
             <a:avLst/>
@@ -12352,12 +12835,58 @@
             <a:spAutoFit/>
           </a:bodyPr>
           <a:p>
+            <a:r>
+              <a:rPr lang="en-US" sz="1200">
+                <a:solidFill>
+                  <a:schemeClr val="accent1">
+                    <a:lumMod val="75000"/>
+                  </a:schemeClr>
+                </a:solidFill>
+                <a:latin typeface="Helvetica Regular" charset="0"/>
+                <a:cs typeface="Helvetica Regular" charset="0"/>
+              </a:rPr>
+              <a:t>Input</a:t>
+            </a:r>
+            <a:endParaRPr lang="en-US" sz="1200">
+              <a:solidFill>
+                <a:schemeClr val="accent1">
+                  <a:lumMod val="75000"/>
+                </a:schemeClr>
+              </a:solidFill>
+              <a:latin typeface="Helvetica Regular" charset="0"/>
+              <a:cs typeface="Helvetica Regular" charset="0"/>
+            </a:endParaRPr>
+          </a:p>
+        </p:txBody>
+      </p:sp>
+      <p:sp>
+        <p:nvSpPr>
+          <p:cNvPr id="23" name="Text Box 22"/>
+          <p:cNvSpPr txBox="1"/>
+          <p:nvPr/>
+        </p:nvSpPr>
+        <p:spPr>
+          <a:xfrm>
+            <a:off x="1440180" y="6186170"/>
+            <a:ext cx="2912110" cy="275590"/>
+          </a:xfrm>
+          <a:prstGeom prst="rect">
+            <a:avLst/>
+          </a:prstGeom>
+          <a:noFill/>
+        </p:spPr>
+        <p:txBody>
+          <a:bodyPr wrap="square" rtlCol="0">
+            <a:spAutoFit/>
+          </a:bodyPr>
+          <a:p>
+            <a:pPr algn="ctr"/>
             <a:r>
               <a:rPr lang="en-US" sz="1200">
                 <a:latin typeface="Helvetica Regular" charset="0"/>
                 <a:cs typeface="Helvetica Regular" charset="0"/>
               </a:rPr>
-              <a:t>SI</a:t>
+              <a:t>hydrolyzed RNA fragment LC-MS data</a:t>
             </a:r>
             <a:endParaRPr lang="en-US" sz="1200">
               <a:latin typeface="Helvetica Regular" charset="0"/>
@@ -12366,16 +12895,99 @@
           </a:p>
         </p:txBody>
       </p:sp>
-      <p:sp>
-        <p:nvSpPr>
-          <p:cNvPr id="8" name="Text Box 7"/>
+      <p:cxnSp>
+        <p:nvCxnSpPr>
+          <p:cNvPr id="24" name="Straight Arrow Connector 23"/>
+          <p:cNvCxnSpPr/>
+          <p:nvPr/>
+        </p:nvCxnSpPr>
+        <p:spPr>
+          <a:xfrm>
+            <a:off x="2896235" y="6510020"/>
+            <a:ext cx="0" cy="364490"/>
+          </a:xfrm>
+          <a:prstGeom prst="straightConnector1">
+            <a:avLst/>
+          </a:prstGeom>
+          <a:ln w="63500">
+            <a:solidFill>
+              <a:schemeClr val="accent1"/>
+            </a:solidFill>
+            <a:tailEnd type="stealth"/>
+          </a:ln>
+        </p:spPr>
+        <p:style>
+          <a:lnRef idx="2">
+            <a:schemeClr val="accent1"/>
+          </a:lnRef>
+          <a:fillRef idx="0">
+            <a:srgbClr val="FFFFFF"/>
+          </a:fillRef>
+          <a:effectRef idx="0">
+            <a:srgbClr val="FFFFFF"/>
+          </a:effectRef>
+          <a:fontRef idx="minor">
+            <a:schemeClr val="tx1"/>
+          </a:fontRef>
+        </p:style>
+      </p:cxnSp>
+      <p:sp>
+        <p:nvSpPr>
+          <p:cNvPr id="2" name="Rounded Rectangle 1"/>
+          <p:cNvSpPr/>
+          <p:nvPr/>
+        </p:nvSpPr>
+        <p:spPr>
+          <a:xfrm>
+            <a:off x="6235065" y="3969385"/>
+            <a:ext cx="5590540" cy="2566035"/>
+          </a:xfrm>
+          <a:prstGeom prst="roundRect">
+            <a:avLst/>
+          </a:prstGeom>
+          <a:noFill/>
+          <a:ln>
+            <a:solidFill>
+              <a:schemeClr val="bg2">
+                <a:lumMod val="50000"/>
+              </a:schemeClr>
+            </a:solidFill>
+          </a:ln>
+        </p:spPr>
+        <p:style>
+          <a:lnRef idx="2">
+            <a:schemeClr val="accent1">
+              <a:lumMod val="75000"/>
+            </a:schemeClr>
+          </a:lnRef>
+          <a:fillRef idx="1">
+            <a:schemeClr val="accent1"/>
+          </a:fillRef>
+          <a:effectRef idx="0">
+            <a:srgbClr val="FFFFFF"/>
+          </a:effectRef>
+          <a:fontRef idx="minor">
+            <a:schemeClr val="lt1"/>
+          </a:fontRef>
+        </p:style>
+        <p:txBody>
+          <a:bodyPr rtlCol="0" anchor="ctr"/>
+          <a:p>
+            <a:pPr algn="ctr"/>
+            <a:endParaRPr lang="en-US"/>
+          </a:p>
+        </p:txBody>
+      </p:sp>
+      <p:sp>
+        <p:nvSpPr>
+          <p:cNvPr id="4" name="Text Box 3"/>
           <p:cNvSpPr txBox="1"/>
           <p:nvPr/>
         </p:nvSpPr>
         <p:spPr>
           <a:xfrm>
-            <a:off x="3195955" y="2467610"/>
-            <a:ext cx="601980" cy="275590"/>
+            <a:off x="6507480" y="4008755"/>
+            <a:ext cx="768985" cy="275590"/>
           </a:xfrm>
           <a:prstGeom prst="rect">
             <a:avLst/>
@@ -12389,12 +13001,523 @@
           <a:p>
             <a:r>
               <a:rPr lang="en-US" sz="1200">
+                <a:solidFill>
+                  <a:schemeClr val="accent1">
+                    <a:lumMod val="75000"/>
+                  </a:schemeClr>
+                </a:solidFill>
+                <a:latin typeface="Helvetica Regular" charset="0"/>
+                <a:cs typeface="Helvetica Regular" charset="0"/>
+              </a:rPr>
+              <a:t>Output</a:t>
+            </a:r>
+            <a:endParaRPr lang="en-US" sz="1200">
+              <a:solidFill>
+                <a:schemeClr val="accent1">
+                  <a:lumMod val="75000"/>
+                </a:schemeClr>
+              </a:solidFill>
+              <a:latin typeface="Helvetica Regular" charset="0"/>
+              <a:cs typeface="Helvetica Regular" charset="0"/>
+            </a:endParaRPr>
+          </a:p>
+        </p:txBody>
+      </p:sp>
+      <p:cxnSp>
+        <p:nvCxnSpPr>
+          <p:cNvPr id="10" name="Straight Arrow Connector 9"/>
+          <p:cNvCxnSpPr/>
+          <p:nvPr/>
+        </p:nvCxnSpPr>
+        <p:spPr>
+          <a:xfrm flipV="1">
+            <a:off x="7890510" y="4245610"/>
+            <a:ext cx="29210" cy="1421130"/>
+          </a:xfrm>
+          <a:prstGeom prst="straightConnector1">
+            <a:avLst/>
+          </a:prstGeom>
+          <a:ln w="38100" cap="flat" cmpd="sng">
+            <a:solidFill>
+              <a:schemeClr val="accent3">
+                <a:alpha val="70000"/>
+              </a:schemeClr>
+            </a:solidFill>
+            <a:prstDash val="solid"/>
+            <a:miter lim="800000"/>
+            <a:headEnd type="none"/>
+            <a:tailEnd type="stealth" w="med" len="med"/>
+          </a:ln>
+        </p:spPr>
+        <p:style>
+          <a:lnRef idx="2">
+            <a:schemeClr val="accent1"/>
+          </a:lnRef>
+          <a:fillRef idx="0">
+            <a:srgbClr val="FFFFFF"/>
+          </a:fillRef>
+          <a:effectRef idx="0">
+            <a:srgbClr val="FFFFFF"/>
+          </a:effectRef>
+          <a:fontRef idx="minor">
+            <a:schemeClr val="tx1"/>
+          </a:fontRef>
+        </p:style>
+      </p:cxnSp>
+      <p:cxnSp>
+        <p:nvCxnSpPr>
+          <p:cNvPr id="15" name="Straight Arrow Connector 14"/>
+          <p:cNvCxnSpPr/>
+          <p:nvPr/>
+        </p:nvCxnSpPr>
+        <p:spPr>
+          <a:xfrm>
+            <a:off x="7890510" y="5643880"/>
+            <a:ext cx="1264285" cy="356870"/>
+          </a:xfrm>
+          <a:prstGeom prst="straightConnector1">
+            <a:avLst/>
+          </a:prstGeom>
+          <a:ln w="38100" cap="flat" cmpd="sng">
+            <a:solidFill>
+              <a:schemeClr val="accent3">
+                <a:alpha val="70000"/>
+              </a:schemeClr>
+            </a:solidFill>
+            <a:prstDash val="solid"/>
+            <a:miter lim="800000"/>
+            <a:headEnd type="none"/>
+            <a:tailEnd type="stealth" w="med" len="med"/>
+          </a:ln>
+        </p:spPr>
+        <p:style>
+          <a:lnRef idx="2">
+            <a:schemeClr val="accent1"/>
+          </a:lnRef>
+          <a:fillRef idx="0">
+            <a:srgbClr val="FFFFFF"/>
+          </a:fillRef>
+          <a:effectRef idx="0">
+            <a:srgbClr val="FFFFFF"/>
+          </a:effectRef>
+          <a:fontRef idx="minor">
+            <a:schemeClr val="tx1"/>
+          </a:fontRef>
+        </p:style>
+      </p:cxnSp>
+      <p:cxnSp>
+        <p:nvCxnSpPr>
+          <p:cNvPr id="21" name="Straight Arrow Connector 20"/>
+          <p:cNvCxnSpPr/>
+          <p:nvPr/>
+        </p:nvCxnSpPr>
+        <p:spPr>
+          <a:xfrm flipH="1">
+            <a:off x="6636385" y="5643245"/>
+            <a:ext cx="1254125" cy="401320"/>
+          </a:xfrm>
+          <a:prstGeom prst="straightConnector1">
+            <a:avLst/>
+          </a:prstGeom>
+          <a:ln w="38100" cap="flat" cmpd="sng">
+            <a:solidFill>
+              <a:schemeClr val="accent3">
+                <a:alpha val="70000"/>
+              </a:schemeClr>
+            </a:solidFill>
+            <a:prstDash val="solid"/>
+            <a:miter lim="800000"/>
+            <a:headEnd type="none"/>
+            <a:tailEnd type="stealth" w="med" len="med"/>
+          </a:ln>
+        </p:spPr>
+        <p:style>
+          <a:lnRef idx="2">
+            <a:schemeClr val="accent1"/>
+          </a:lnRef>
+          <a:fillRef idx="0">
+            <a:srgbClr val="FFFFFF"/>
+          </a:fillRef>
+          <a:effectRef idx="0">
+            <a:srgbClr val="FFFFFF"/>
+          </a:effectRef>
+          <a:fontRef idx="minor">
+            <a:schemeClr val="tx1"/>
+          </a:fontRef>
+        </p:style>
+      </p:cxnSp>
+      <p:sp>
+        <p:nvSpPr>
+          <p:cNvPr id="25" name="Text Box 24"/>
+          <p:cNvSpPr txBox="1"/>
+          <p:nvPr/>
+        </p:nvSpPr>
+        <p:spPr>
+          <a:xfrm>
+            <a:off x="7468870" y="4008755"/>
+            <a:ext cx="821055" cy="314960"/>
+          </a:xfrm>
+          <a:prstGeom prst="rect">
+            <a:avLst/>
+          </a:prstGeom>
+          <a:noFill/>
+        </p:spPr>
+        <p:txBody>
+          <a:bodyPr wrap="square" rtlCol="0">
+            <a:noAutofit/>
+          </a:bodyPr>
+          <a:p>
+            <a:pPr algn="ctr"/>
+            <a:r>
+              <a:rPr lang="en-US" sz="1200">
+                <a:solidFill>
+                  <a:schemeClr val="bg1">
+                    <a:lumMod val="50000"/>
+                  </a:schemeClr>
+                </a:solidFill>
+                <a:latin typeface="Helvetica Regular" charset="0"/>
+                <a:cs typeface="Helvetica Regular" charset="0"/>
+              </a:rPr>
+              <a:t>I</a:t>
+            </a:r>
+            <a:r>
+              <a:rPr lang="en-US" sz="1200">
+                <a:solidFill>
+                  <a:schemeClr val="bg1">
+                    <a:lumMod val="50000"/>
+                  </a:schemeClr>
+                </a:solidFill>
+                <a:latin typeface="Helvetica Regular" charset="0"/>
+                <a:cs typeface="Helvetica Regular" charset="0"/>
+              </a:rPr>
+              <a:t>ntensity</a:t>
+            </a:r>
+            <a:endParaRPr lang="en-US" sz="1200">
+              <a:solidFill>
+                <a:schemeClr val="bg1">
+                  <a:lumMod val="50000"/>
+                </a:schemeClr>
+              </a:solidFill>
+              <a:latin typeface="Helvetica Regular" charset="0"/>
+              <a:cs typeface="Helvetica Regular" charset="0"/>
+            </a:endParaRPr>
+          </a:p>
+        </p:txBody>
+      </p:sp>
+      <p:sp>
+        <p:nvSpPr>
+          <p:cNvPr id="26" name="Text Box 25"/>
+          <p:cNvSpPr txBox="1"/>
+          <p:nvPr/>
+        </p:nvSpPr>
+        <p:spPr>
+          <a:xfrm>
+            <a:off x="9029700" y="5963285"/>
+            <a:ext cx="638810" cy="314960"/>
+          </a:xfrm>
+          <a:prstGeom prst="rect">
+            <a:avLst/>
+          </a:prstGeom>
+          <a:noFill/>
+        </p:spPr>
+        <p:txBody>
+          <a:bodyPr wrap="square" rtlCol="0">
+            <a:noAutofit/>
+          </a:bodyPr>
+          <a:p>
+            <a:pPr algn="ctr"/>
+            <a:r>
+              <a:rPr lang="en-US" sz="1200">
+                <a:solidFill>
+                  <a:schemeClr val="bg1">
+                    <a:lumMod val="50000"/>
+                  </a:schemeClr>
+                </a:solidFill>
                 <a:latin typeface="Helvetica Regular" charset="0"/>
                 <a:cs typeface="Helvetica Regular" charset="0"/>
               </a:rPr>
               <a:t>Mass</a:t>
             </a:r>
             <a:endParaRPr lang="en-US" sz="1200">
+              <a:solidFill>
+                <a:schemeClr val="bg1">
+                  <a:lumMod val="50000"/>
+                </a:schemeClr>
+              </a:solidFill>
+              <a:latin typeface="Helvetica Regular" charset="0"/>
+              <a:cs typeface="Helvetica Regular" charset="0"/>
+            </a:endParaRPr>
+          </a:p>
+        </p:txBody>
+      </p:sp>
+      <p:sp>
+        <p:nvSpPr>
+          <p:cNvPr id="27" name="Text Box 26"/>
+          <p:cNvSpPr txBox="1"/>
+          <p:nvPr/>
+        </p:nvSpPr>
+        <p:spPr>
+          <a:xfrm>
+            <a:off x="6310630" y="5963285"/>
+            <a:ext cx="424815" cy="314960"/>
+          </a:xfrm>
+          <a:prstGeom prst="rect">
+            <a:avLst/>
+          </a:prstGeom>
+          <a:noFill/>
+        </p:spPr>
+        <p:txBody>
+          <a:bodyPr wrap="square" rtlCol="0">
+            <a:noAutofit/>
+          </a:bodyPr>
+          <a:p>
+            <a:pPr algn="ctr"/>
+            <a:r>
+              <a:rPr lang="en-US" sz="1200">
+                <a:solidFill>
+                  <a:schemeClr val="bg1">
+                    <a:lumMod val="50000"/>
+                  </a:schemeClr>
+                </a:solidFill>
+                <a:latin typeface="Helvetica Regular" charset="0"/>
+                <a:cs typeface="Helvetica Regular" charset="0"/>
+              </a:rPr>
+              <a:t>t</a:t>
+            </a:r>
+            <a:r>
+              <a:rPr lang="en-US" sz="1200" baseline="-25000">
+                <a:solidFill>
+                  <a:schemeClr val="bg1">
+                    <a:lumMod val="50000"/>
+                  </a:schemeClr>
+                </a:solidFill>
+                <a:latin typeface="Helvetica Regular" charset="0"/>
+                <a:cs typeface="Helvetica Regular" charset="0"/>
+              </a:rPr>
+              <a:t>R</a:t>
+            </a:r>
+            <a:endParaRPr lang="en-US" sz="1200" baseline="-25000">
+              <a:solidFill>
+                <a:schemeClr val="bg1">
+                  <a:lumMod val="50000"/>
+                </a:schemeClr>
+              </a:solidFill>
+              <a:latin typeface="Helvetica Regular" charset="0"/>
+              <a:cs typeface="Helvetica Regular" charset="0"/>
+            </a:endParaRPr>
+          </a:p>
+        </p:txBody>
+      </p:sp>
+      <p:pic>
+        <p:nvPicPr>
+          <p:cNvPr id="37" name="Picture 36" descr="Screenshot 2025-04-08 at 10.30.33 AM"/>
+          <p:cNvPicPr>
+            <a:picLocks noChangeAspect="1"/>
+          </p:cNvPicPr>
+          <p:nvPr/>
+        </p:nvPicPr>
+        <p:blipFill>
+          <a:blip r:embed="rId4"/>
+          <a:stretch>
+            <a:fillRect/>
+          </a:stretch>
+        </p:blipFill>
+        <p:spPr>
+          <a:xfrm>
+            <a:off x="8474710" y="4027170"/>
+            <a:ext cx="1111250" cy="485140"/>
+          </a:xfrm>
+          <a:prstGeom prst="rect">
+            <a:avLst/>
+          </a:prstGeom>
+        </p:spPr>
+      </p:pic>
+      <p:cxnSp>
+        <p:nvCxnSpPr>
+          <p:cNvPr id="38" name="Straight Arrow Connector 37"/>
+          <p:cNvCxnSpPr>
+            <a:endCxn id="2" idx="1"/>
+          </p:cNvCxnSpPr>
+          <p:nvPr/>
+        </p:nvCxnSpPr>
+        <p:spPr>
+          <a:xfrm>
+            <a:off x="5657215" y="5252720"/>
+            <a:ext cx="577850" cy="0"/>
+          </a:xfrm>
+          <a:prstGeom prst="straightConnector1">
+            <a:avLst/>
+          </a:prstGeom>
+          <a:ln w="63500">
+            <a:solidFill>
+              <a:schemeClr val="accent1"/>
+            </a:solidFill>
+            <a:tailEnd type="stealth"/>
+          </a:ln>
+        </p:spPr>
+        <p:style>
+          <a:lnRef idx="2">
+            <a:schemeClr val="accent1"/>
+          </a:lnRef>
+          <a:fillRef idx="0">
+            <a:srgbClr val="FFFFFF"/>
+          </a:fillRef>
+          <a:effectRef idx="0">
+            <a:srgbClr val="FFFFFF"/>
+          </a:effectRef>
+          <a:fontRef idx="minor">
+            <a:schemeClr val="tx1"/>
+          </a:fontRef>
+        </p:style>
+      </p:cxnSp>
+      <p:sp>
+        <p:nvSpPr>
+          <p:cNvPr id="39" name="Text Box 38"/>
+          <p:cNvSpPr txBox="1"/>
+          <p:nvPr/>
+        </p:nvSpPr>
+        <p:spPr>
+          <a:xfrm>
+            <a:off x="9583420" y="4362450"/>
+            <a:ext cx="2136775" cy="1938020"/>
+          </a:xfrm>
+          <a:prstGeom prst="rect">
+            <a:avLst/>
+          </a:prstGeom>
+          <a:noFill/>
+        </p:spPr>
+        <p:txBody>
+          <a:bodyPr wrap="square" rtlCol="0">
+            <a:spAutoFit/>
+          </a:bodyPr>
+          <a:p>
+            <a:r>
+              <a:rPr lang="en-US" sz="1000" u="sng"/>
+              <a:t>Advantages:</a:t>
+            </a:r>
+            <a:endParaRPr lang="en-US" sz="1000" u="sng"/>
+          </a:p>
+          <a:p>
+            <a:endParaRPr lang="en-US" sz="1000" u="sng"/>
+          </a:p>
+          <a:p>
+            <a:r>
+              <a:rPr lang="en-US" sz="1000"/>
+              <a:t>-100% De-novo sequencing accuracy under mixture setting</a:t>
+            </a:r>
+            <a:endParaRPr lang="en-US" sz="1000"/>
+          </a:p>
+          <a:p>
+            <a:endParaRPr lang="en-US" sz="1000"/>
+          </a:p>
+          <a:p>
+            <a:r>
+              <a:rPr lang="en-US" sz="1000"/>
+              <a:t>-Using sum intensity as a separation tool for layer-by-layer sequence extraction reduces false positives during base calling</a:t>
+            </a:r>
+            <a:endParaRPr lang="en-US" sz="1000"/>
+          </a:p>
+          <a:p>
+            <a:endParaRPr lang="en-US" sz="1000"/>
+          </a:p>
+          <a:p>
+            <a:r>
+              <a:rPr lang="en-US" sz="1000"/>
+              <a:t>-Can sequence impurities among desired RNA mixtures</a:t>
+            </a:r>
+            <a:endParaRPr lang="en-US" sz="1000"/>
+          </a:p>
+        </p:txBody>
+      </p:sp>
+      <p:cxnSp>
+        <p:nvCxnSpPr>
+          <p:cNvPr id="40" name="Straight Arrow Connector 39"/>
+          <p:cNvCxnSpPr/>
+          <p:nvPr/>
+        </p:nvCxnSpPr>
+        <p:spPr>
+          <a:xfrm>
+            <a:off x="9154795" y="6535420"/>
+            <a:ext cx="0" cy="322580"/>
+          </a:xfrm>
+          <a:prstGeom prst="straightConnector1">
+            <a:avLst/>
+          </a:prstGeom>
+          <a:ln w="63500">
+            <a:solidFill>
+              <a:schemeClr val="accent1"/>
+            </a:solidFill>
+            <a:headEnd type="stealth"/>
+            <a:tailEnd type="none"/>
+          </a:ln>
+        </p:spPr>
+        <p:style>
+          <a:lnRef idx="2">
+            <a:schemeClr val="accent1"/>
+          </a:lnRef>
+          <a:fillRef idx="0">
+            <a:srgbClr val="FFFFFF"/>
+          </a:fillRef>
+          <a:effectRef idx="0">
+            <a:srgbClr val="FFFFFF"/>
+          </a:effectRef>
+          <a:fontRef idx="minor">
+            <a:schemeClr val="tx1"/>
+          </a:fontRef>
+        </p:style>
+      </p:cxnSp>
+      <p:sp>
+        <p:nvSpPr>
+          <p:cNvPr id="8" name="Text Box 7"/>
+          <p:cNvSpPr txBox="1"/>
+          <p:nvPr/>
+        </p:nvSpPr>
+        <p:spPr>
+          <a:xfrm>
+            <a:off x="1187450" y="3943985"/>
+            <a:ext cx="821055" cy="314960"/>
+          </a:xfrm>
+          <a:prstGeom prst="rect">
+            <a:avLst/>
+          </a:prstGeom>
+          <a:noFill/>
+        </p:spPr>
+        <p:txBody>
+          <a:bodyPr wrap="square" rtlCol="0">
+            <a:noAutofit/>
+          </a:bodyPr>
+          <a:p>
+            <a:pPr algn="ctr"/>
+            <a:r>
+              <a:rPr lang="en-US" sz="1200">
+                <a:solidFill>
+                  <a:schemeClr val="bg1">
+                    <a:lumMod val="50000"/>
+                  </a:schemeClr>
+                </a:solidFill>
+                <a:latin typeface="Helvetica Regular" charset="0"/>
+                <a:cs typeface="Helvetica Regular" charset="0"/>
+              </a:rPr>
+              <a:t>I</a:t>
+            </a:r>
+            <a:r>
+              <a:rPr lang="en-US" sz="1200">
+                <a:solidFill>
+                  <a:schemeClr val="bg1">
+                    <a:lumMod val="50000"/>
+                  </a:schemeClr>
+                </a:solidFill>
+                <a:latin typeface="Helvetica Regular" charset="0"/>
+                <a:cs typeface="Helvetica Regular" charset="0"/>
+              </a:rPr>
+              <a:t>ntensity</a:t>
+            </a:r>
+            <a:endParaRPr lang="en-US" sz="1200">
+              <a:solidFill>
+                <a:schemeClr val="bg1">
+                  <a:lumMod val="50000"/>
+                </a:schemeClr>
+              </a:solidFill>
               <a:latin typeface="Helvetica Regular" charset="0"/>
               <a:cs typeface="Helvetica Regular" charset="0"/>
             </a:endParaRPr>
@@ -12419,48 +13542,7551 @@
         <p:nvPr/>
       </p:nvGrpSpPr>
       <p:grpSpPr/>
-      <p:sp>
-        <p:nvSpPr>
-          <p:cNvPr id="2" name="Title 1"/>
-          <p:cNvSpPr>
-            <a:spLocks noGrp="1"/>
-          </p:cNvSpPr>
-          <p:nvPr>
-            <p:ph type="ctrTitle"/>
-          </p:nvPr>
-        </p:nvSpPr>
-        <p:spPr/>
-        <p:txBody>
-          <a:bodyPr>
-            <a:normAutofit fontScale="90000"/>
+      <p:pic>
+        <p:nvPicPr>
+          <p:cNvPr id="56" name="Picture 55" descr="Screenshot 2025-04-01 at 2.57.50 PM"/>
+          <p:cNvPicPr>
+            <a:picLocks noChangeAspect="1"/>
+          </p:cNvPicPr>
+          <p:nvPr/>
+        </p:nvPicPr>
+        <p:blipFill>
+          <a:blip r:embed="rId1"/>
+          <a:stretch>
+            <a:fillRect/>
+          </a:stretch>
+        </p:blipFill>
+        <p:spPr>
+          <a:xfrm>
+            <a:off x="992505" y="5276215"/>
+            <a:ext cx="2145665" cy="1362710"/>
+          </a:xfrm>
+          <a:prstGeom prst="rect">
+            <a:avLst/>
+          </a:prstGeom>
+        </p:spPr>
+      </p:pic>
+      <p:sp>
+        <p:nvSpPr>
+          <p:cNvPr id="14" name="Rounded Rectangle 13"/>
+          <p:cNvSpPr/>
+          <p:nvPr/>
+        </p:nvSpPr>
+        <p:spPr>
+          <a:xfrm>
+            <a:off x="66675" y="655955"/>
+            <a:ext cx="11843385" cy="6121400"/>
+          </a:xfrm>
+          <a:prstGeom prst="roundRect">
+            <a:avLst/>
+          </a:prstGeom>
+          <a:noFill/>
+          <a:ln>
+            <a:solidFill>
+              <a:schemeClr val="bg2">
+                <a:lumMod val="50000"/>
+              </a:schemeClr>
+            </a:solidFill>
+          </a:ln>
+        </p:spPr>
+        <p:style>
+          <a:lnRef idx="2">
+            <a:schemeClr val="accent1">
+              <a:lumMod val="75000"/>
+            </a:schemeClr>
+          </a:lnRef>
+          <a:fillRef idx="1">
+            <a:schemeClr val="accent1"/>
+          </a:fillRef>
+          <a:effectRef idx="0">
+            <a:srgbClr val="FFFFFF"/>
+          </a:effectRef>
+          <a:fontRef idx="minor">
+            <a:schemeClr val="lt1"/>
+          </a:fontRef>
+        </p:style>
+        <p:txBody>
+          <a:bodyPr rtlCol="0" anchor="ctr"/>
+          <a:p>
+            <a:pPr algn="ctr"/>
+            <a:endParaRPr lang="en-US"/>
+          </a:p>
+        </p:txBody>
+      </p:sp>
+      <p:sp>
+        <p:nvSpPr>
+          <p:cNvPr id="22" name="Text Box 21"/>
+          <p:cNvSpPr txBox="1"/>
+          <p:nvPr/>
+        </p:nvSpPr>
+        <p:spPr>
+          <a:xfrm>
+            <a:off x="5103495" y="299720"/>
+            <a:ext cx="1471930" cy="275590"/>
+          </a:xfrm>
+          <a:prstGeom prst="rect">
+            <a:avLst/>
+          </a:prstGeom>
+          <a:noFill/>
+        </p:spPr>
+        <p:txBody>
+          <a:bodyPr wrap="square" rtlCol="0">
+            <a:spAutoFit/>
           </a:bodyPr>
           <a:p>
             <a:r>
-              <a:rPr lang="en-US"/>
-              <a:t>Figure 1 new version 0227</a:t>
-            </a:r>
-            <a:br>
-              <a:rPr lang="en-US"/>
-            </a:br>
-            <a:endParaRPr lang="en-US"/>
-          </a:p>
-        </p:txBody>
-      </p:sp>
-      <p:sp>
-        <p:nvSpPr>
-          <p:cNvPr id="3" name="Subtitle 2"/>
-          <p:cNvSpPr>
-            <a:spLocks noGrp="1"/>
-          </p:cNvSpPr>
-          <p:nvPr>
-            <p:ph type="subTitle" idx="1"/>
-          </p:nvPr>
-        </p:nvSpPr>
-        <p:spPr/>
-        <p:txBody>
-          <a:bodyPr/>
-          <a:p>
-            <a:endParaRPr lang="en-US"/>
+              <a:rPr lang="en-US" sz="1200">
+                <a:solidFill>
+                  <a:schemeClr val="accent1">
+                    <a:lumMod val="75000"/>
+                  </a:schemeClr>
+                </a:solidFill>
+                <a:latin typeface="Helvetica Regular" charset="0"/>
+                <a:cs typeface="Helvetica Regular" charset="0"/>
+              </a:rPr>
+              <a:t>Nested Algorithm</a:t>
+            </a:r>
+            <a:endParaRPr lang="en-US" sz="1200">
+              <a:solidFill>
+                <a:schemeClr val="accent1">
+                  <a:lumMod val="75000"/>
+                </a:schemeClr>
+              </a:solidFill>
+              <a:latin typeface="Helvetica Regular" charset="0"/>
+              <a:cs typeface="Helvetica Regular" charset="0"/>
+            </a:endParaRPr>
+          </a:p>
+        </p:txBody>
+      </p:sp>
+      <p:cxnSp>
+        <p:nvCxnSpPr>
+          <p:cNvPr id="4" name="Straight Connector 3"/>
+          <p:cNvCxnSpPr/>
+          <p:nvPr/>
+        </p:nvCxnSpPr>
+        <p:spPr>
+          <a:xfrm flipH="1">
+            <a:off x="4035425" y="681990"/>
+            <a:ext cx="3810" cy="6137910"/>
+          </a:xfrm>
+          <a:prstGeom prst="line">
+            <a:avLst/>
+          </a:prstGeom>
+          <a:ln w="12700" cmpd="sng">
+            <a:solidFill>
+              <a:schemeClr val="accent1">
+                <a:shade val="50000"/>
+              </a:schemeClr>
+            </a:solidFill>
+            <a:prstDash val="sysDot"/>
+          </a:ln>
+        </p:spPr>
+        <p:style>
+          <a:lnRef idx="2">
+            <a:schemeClr val="accent1"/>
+          </a:lnRef>
+          <a:fillRef idx="0">
+            <a:srgbClr val="FFFFFF"/>
+          </a:fillRef>
+          <a:effectRef idx="0">
+            <a:srgbClr val="FFFFFF"/>
+          </a:effectRef>
+          <a:fontRef idx="minor">
+            <a:schemeClr val="tx1"/>
+          </a:fontRef>
+        </p:style>
+      </p:cxnSp>
+      <p:cxnSp>
+        <p:nvCxnSpPr>
+          <p:cNvPr id="5" name="Straight Connector 4"/>
+          <p:cNvCxnSpPr/>
+          <p:nvPr/>
+        </p:nvCxnSpPr>
+        <p:spPr>
+          <a:xfrm flipH="1">
+            <a:off x="8156575" y="639445"/>
+            <a:ext cx="3810" cy="6137910"/>
+          </a:xfrm>
+          <a:prstGeom prst="line">
+            <a:avLst/>
+          </a:prstGeom>
+          <a:ln w="12700" cmpd="sng">
+            <a:solidFill>
+              <a:schemeClr val="accent1">
+                <a:shade val="50000"/>
+              </a:schemeClr>
+            </a:solidFill>
+            <a:prstDash val="sysDot"/>
+          </a:ln>
+        </p:spPr>
+        <p:style>
+          <a:lnRef idx="2">
+            <a:schemeClr val="accent1"/>
+          </a:lnRef>
+          <a:fillRef idx="0">
+            <a:srgbClr val="FFFFFF"/>
+          </a:fillRef>
+          <a:effectRef idx="0">
+            <a:srgbClr val="FFFFFF"/>
+          </a:effectRef>
+          <a:fontRef idx="minor">
+            <a:schemeClr val="tx1"/>
+          </a:fontRef>
+        </p:style>
+      </p:cxnSp>
+      <p:cxnSp>
+        <p:nvCxnSpPr>
+          <p:cNvPr id="7" name="Straight Connector 6"/>
+          <p:cNvCxnSpPr/>
+          <p:nvPr/>
+        </p:nvCxnSpPr>
+        <p:spPr>
+          <a:xfrm flipV="1">
+            <a:off x="66675" y="2741930"/>
+            <a:ext cx="3968750" cy="635"/>
+          </a:xfrm>
+          <a:prstGeom prst="line">
+            <a:avLst/>
+          </a:prstGeom>
+          <a:ln w="12700" cmpd="sng">
+            <a:solidFill>
+              <a:schemeClr val="accent1">
+                <a:shade val="50000"/>
+              </a:schemeClr>
+            </a:solidFill>
+            <a:prstDash val="sysDot"/>
+          </a:ln>
+        </p:spPr>
+        <p:style>
+          <a:lnRef idx="2">
+            <a:schemeClr val="accent1"/>
+          </a:lnRef>
+          <a:fillRef idx="0">
+            <a:srgbClr val="FFFFFF"/>
+          </a:fillRef>
+          <a:effectRef idx="0">
+            <a:srgbClr val="FFFFFF"/>
+          </a:effectRef>
+          <a:fontRef idx="minor">
+            <a:schemeClr val="tx1"/>
+          </a:fontRef>
+        </p:style>
+      </p:cxnSp>
+      <p:cxnSp>
+        <p:nvCxnSpPr>
+          <p:cNvPr id="8" name="Straight Connector 7"/>
+          <p:cNvCxnSpPr/>
+          <p:nvPr/>
+        </p:nvCxnSpPr>
+        <p:spPr>
+          <a:xfrm flipV="1">
+            <a:off x="70485" y="4803140"/>
+            <a:ext cx="3968750" cy="635"/>
+          </a:xfrm>
+          <a:prstGeom prst="line">
+            <a:avLst/>
+          </a:prstGeom>
+          <a:ln w="12700" cmpd="sng">
+            <a:solidFill>
+              <a:schemeClr val="accent1">
+                <a:shade val="50000"/>
+              </a:schemeClr>
+            </a:solidFill>
+            <a:prstDash val="sysDot"/>
+          </a:ln>
+        </p:spPr>
+        <p:style>
+          <a:lnRef idx="2">
+            <a:schemeClr val="accent1"/>
+          </a:lnRef>
+          <a:fillRef idx="0">
+            <a:srgbClr val="FFFFFF"/>
+          </a:fillRef>
+          <a:effectRef idx="0">
+            <a:srgbClr val="FFFFFF"/>
+          </a:effectRef>
+          <a:fontRef idx="minor">
+            <a:schemeClr val="tx1"/>
+          </a:fontRef>
+        </p:style>
+      </p:cxnSp>
+      <p:sp>
+        <p:nvSpPr>
+          <p:cNvPr id="9" name="Text Box 8"/>
+          <p:cNvSpPr txBox="1"/>
+          <p:nvPr/>
+        </p:nvSpPr>
+        <p:spPr>
+          <a:xfrm>
+            <a:off x="591185" y="681355"/>
+            <a:ext cx="2718435" cy="275590"/>
+          </a:xfrm>
+          <a:prstGeom prst="rect">
+            <a:avLst/>
+          </a:prstGeom>
+          <a:noFill/>
+        </p:spPr>
+        <p:txBody>
+          <a:bodyPr wrap="square" rtlCol="0">
+            <a:spAutoFit/>
+          </a:bodyPr>
+          <a:p>
+            <a:pPr algn="ctr"/>
+            <a:r>
+              <a:rPr lang="en-US" sz="1200" b="1" u="sng">
+                <a:latin typeface="Helvetica Bold" charset="0"/>
+                <a:cs typeface="Helvetica Bold" charset="0"/>
+              </a:rPr>
+              <a:t>Base Calling</a:t>
+            </a:r>
+            <a:endParaRPr lang="en-US" sz="1200" b="1" u="sng">
+              <a:latin typeface="Helvetica Bold" charset="0"/>
+              <a:cs typeface="Helvetica Bold" charset="0"/>
+            </a:endParaRPr>
+          </a:p>
+        </p:txBody>
+      </p:sp>
+      <p:cxnSp>
+        <p:nvCxnSpPr>
+          <p:cNvPr id="10" name="Straight Connector 9"/>
+          <p:cNvCxnSpPr/>
+          <p:nvPr/>
+        </p:nvCxnSpPr>
+        <p:spPr>
+          <a:xfrm flipV="1">
+            <a:off x="4063365" y="3846195"/>
+            <a:ext cx="4113530" cy="1270"/>
+          </a:xfrm>
+          <a:prstGeom prst="line">
+            <a:avLst/>
+          </a:prstGeom>
+          <a:ln w="12700" cmpd="sng">
+            <a:solidFill>
+              <a:schemeClr val="accent1">
+                <a:shade val="50000"/>
+              </a:schemeClr>
+            </a:solidFill>
+            <a:prstDash val="sysDot"/>
+          </a:ln>
+        </p:spPr>
+        <p:style>
+          <a:lnRef idx="2">
+            <a:schemeClr val="accent1"/>
+          </a:lnRef>
+          <a:fillRef idx="0">
+            <a:srgbClr val="FFFFFF"/>
+          </a:fillRef>
+          <a:effectRef idx="0">
+            <a:srgbClr val="FFFFFF"/>
+          </a:effectRef>
+          <a:fontRef idx="minor">
+            <a:schemeClr val="tx1"/>
+          </a:fontRef>
+        </p:style>
+      </p:cxnSp>
+      <p:sp>
+        <p:nvSpPr>
+          <p:cNvPr id="12" name="Text Box 11"/>
+          <p:cNvSpPr txBox="1"/>
+          <p:nvPr/>
+        </p:nvSpPr>
+        <p:spPr>
+          <a:xfrm>
+            <a:off x="372110" y="928370"/>
+            <a:ext cx="4064000" cy="275590"/>
+          </a:xfrm>
+          <a:prstGeom prst="rect">
+            <a:avLst/>
+          </a:prstGeom>
+          <a:noFill/>
+        </p:spPr>
+        <p:txBody>
+          <a:bodyPr wrap="square" rtlCol="0">
+            <a:spAutoFit/>
+          </a:bodyPr>
+          <a:p>
+            <a:r>
+              <a:rPr lang="en-US" sz="1200">
+                <a:latin typeface="Helvetica Regular" charset="0"/>
+                <a:cs typeface="Helvetica Regular" charset="0"/>
+              </a:rPr>
+              <a:t>1. Select the data point with highest intensity</a:t>
+            </a:r>
+            <a:endParaRPr lang="en-US" sz="1200">
+              <a:latin typeface="Helvetica Regular" charset="0"/>
+              <a:cs typeface="Helvetica Regular" charset="0"/>
+            </a:endParaRPr>
+          </a:p>
+        </p:txBody>
+      </p:sp>
+      <p:pic>
+        <p:nvPicPr>
+          <p:cNvPr id="16" name="Picture 15" descr="Screenshot 2025-04-01 at 1.36.31 PM"/>
+          <p:cNvPicPr>
+            <a:picLocks noChangeAspect="1"/>
+          </p:cNvPicPr>
+          <p:nvPr/>
+        </p:nvPicPr>
+        <p:blipFill>
+          <a:blip r:embed="rId2"/>
+          <a:stretch>
+            <a:fillRect/>
+          </a:stretch>
+        </p:blipFill>
+        <p:spPr>
+          <a:xfrm>
+            <a:off x="972820" y="1292225"/>
+            <a:ext cx="2156460" cy="1358900"/>
+          </a:xfrm>
+          <a:prstGeom prst="rect">
+            <a:avLst/>
+          </a:prstGeom>
+        </p:spPr>
+      </p:pic>
+      <p:cxnSp>
+        <p:nvCxnSpPr>
+          <p:cNvPr id="17" name="Straight Arrow Connector 16"/>
+          <p:cNvCxnSpPr/>
+          <p:nvPr/>
+        </p:nvCxnSpPr>
+        <p:spPr>
+          <a:xfrm flipV="1">
+            <a:off x="972820" y="1216025"/>
+            <a:ext cx="0" cy="1473200"/>
+          </a:xfrm>
+          <a:prstGeom prst="straightConnector1">
+            <a:avLst/>
+          </a:prstGeom>
+          <a:ln w="38100">
+            <a:solidFill>
+              <a:schemeClr val="tx1"/>
+            </a:solidFill>
+            <a:tailEnd type="stealth"/>
+          </a:ln>
+        </p:spPr>
+        <p:style>
+          <a:lnRef idx="2">
+            <a:schemeClr val="accent1"/>
+          </a:lnRef>
+          <a:fillRef idx="0">
+            <a:srgbClr val="FFFFFF"/>
+          </a:fillRef>
+          <a:effectRef idx="0">
+            <a:srgbClr val="FFFFFF"/>
+          </a:effectRef>
+          <a:fontRef idx="minor">
+            <a:schemeClr val="tx1"/>
+          </a:fontRef>
+        </p:style>
+      </p:cxnSp>
+      <p:cxnSp>
+        <p:nvCxnSpPr>
+          <p:cNvPr id="18" name="Straight Arrow Connector 17"/>
+          <p:cNvCxnSpPr/>
+          <p:nvPr/>
+        </p:nvCxnSpPr>
+        <p:spPr>
+          <a:xfrm>
+            <a:off x="992505" y="2674620"/>
+            <a:ext cx="2279650" cy="9525"/>
+          </a:xfrm>
+          <a:prstGeom prst="straightConnector1">
+            <a:avLst/>
+          </a:prstGeom>
+          <a:ln w="38100">
+            <a:solidFill>
+              <a:schemeClr val="tx1"/>
+            </a:solidFill>
+            <a:tailEnd type="stealth"/>
+          </a:ln>
+        </p:spPr>
+        <p:style>
+          <a:lnRef idx="2">
+            <a:schemeClr val="accent1"/>
+          </a:lnRef>
+          <a:fillRef idx="0">
+            <a:srgbClr val="FFFFFF"/>
+          </a:fillRef>
+          <a:effectRef idx="0">
+            <a:srgbClr val="FFFFFF"/>
+          </a:effectRef>
+          <a:fontRef idx="minor">
+            <a:schemeClr val="tx1"/>
+          </a:fontRef>
+        </p:style>
+      </p:cxnSp>
+      <p:sp>
+        <p:nvSpPr>
+          <p:cNvPr id="19" name="Text Box 18"/>
+          <p:cNvSpPr txBox="1"/>
+          <p:nvPr/>
+        </p:nvSpPr>
+        <p:spPr>
+          <a:xfrm>
+            <a:off x="274955" y="1203960"/>
+            <a:ext cx="800735" cy="275590"/>
+          </a:xfrm>
+          <a:prstGeom prst="rect">
+            <a:avLst/>
+          </a:prstGeom>
+          <a:noFill/>
+        </p:spPr>
+        <p:txBody>
+          <a:bodyPr wrap="square" rtlCol="0">
+            <a:spAutoFit/>
+          </a:bodyPr>
+          <a:p>
+            <a:r>
+              <a:rPr lang="en-US" sz="1200">
+                <a:latin typeface="Helvetica Regular" charset="0"/>
+                <a:cs typeface="Helvetica Regular" charset="0"/>
+              </a:rPr>
+              <a:t>Intensity</a:t>
+            </a:r>
+            <a:endParaRPr lang="en-US" sz="1200">
+              <a:latin typeface="Helvetica Regular" charset="0"/>
+              <a:cs typeface="Helvetica Regular" charset="0"/>
+            </a:endParaRPr>
+          </a:p>
+        </p:txBody>
+      </p:sp>
+      <p:sp>
+        <p:nvSpPr>
+          <p:cNvPr id="20" name="Text Box 19"/>
+          <p:cNvSpPr txBox="1"/>
+          <p:nvPr/>
+        </p:nvSpPr>
+        <p:spPr>
+          <a:xfrm>
+            <a:off x="3195955" y="2467610"/>
+            <a:ext cx="601980" cy="275590"/>
+          </a:xfrm>
+          <a:prstGeom prst="rect">
+            <a:avLst/>
+          </a:prstGeom>
+          <a:noFill/>
+        </p:spPr>
+        <p:txBody>
+          <a:bodyPr wrap="square" rtlCol="0">
+            <a:spAutoFit/>
+          </a:bodyPr>
+          <a:p>
+            <a:r>
+              <a:rPr lang="en-US" sz="1200">
+                <a:latin typeface="Helvetica Regular" charset="0"/>
+                <a:cs typeface="Helvetica Regular" charset="0"/>
+              </a:rPr>
+              <a:t>Mass</a:t>
+            </a:r>
+            <a:endParaRPr lang="en-US" sz="1200">
+              <a:latin typeface="Helvetica Regular" charset="0"/>
+              <a:cs typeface="Helvetica Regular" charset="0"/>
+            </a:endParaRPr>
+          </a:p>
+        </p:txBody>
+      </p:sp>
+      <p:sp>
+        <p:nvSpPr>
+          <p:cNvPr id="21" name="Text Box 20"/>
+          <p:cNvSpPr txBox="1"/>
+          <p:nvPr/>
+        </p:nvSpPr>
+        <p:spPr>
+          <a:xfrm>
+            <a:off x="372110" y="2745740"/>
+            <a:ext cx="4064000" cy="275590"/>
+          </a:xfrm>
+          <a:prstGeom prst="rect">
+            <a:avLst/>
+          </a:prstGeom>
+          <a:noFill/>
+        </p:spPr>
+        <p:txBody>
+          <a:bodyPr wrap="square" rtlCol="0">
+            <a:spAutoFit/>
+          </a:bodyPr>
+          <a:p>
+            <a:r>
+              <a:rPr lang="en-US" sz="1200">
+                <a:latin typeface="Helvetica Regular" charset="0"/>
+                <a:cs typeface="Helvetica Regular" charset="0"/>
+              </a:rPr>
+              <a:t>2. Search for mass corresponds to next base match</a:t>
+            </a:r>
+            <a:endParaRPr lang="en-US" sz="1200">
+              <a:latin typeface="Helvetica Regular" charset="0"/>
+              <a:cs typeface="Helvetica Regular" charset="0"/>
+            </a:endParaRPr>
+          </a:p>
+        </p:txBody>
+      </p:sp>
+      <p:cxnSp>
+        <p:nvCxnSpPr>
+          <p:cNvPr id="27" name="Straight Arrow Connector 26"/>
+          <p:cNvCxnSpPr/>
+          <p:nvPr/>
+        </p:nvCxnSpPr>
+        <p:spPr>
+          <a:xfrm flipV="1">
+            <a:off x="972820" y="3094990"/>
+            <a:ext cx="0" cy="1473200"/>
+          </a:xfrm>
+          <a:prstGeom prst="straightConnector1">
+            <a:avLst/>
+          </a:prstGeom>
+          <a:ln w="38100">
+            <a:solidFill>
+              <a:schemeClr val="tx1"/>
+            </a:solidFill>
+            <a:tailEnd type="stealth"/>
+          </a:ln>
+        </p:spPr>
+        <p:style>
+          <a:lnRef idx="2">
+            <a:schemeClr val="accent1"/>
+          </a:lnRef>
+          <a:fillRef idx="0">
+            <a:srgbClr val="FFFFFF"/>
+          </a:fillRef>
+          <a:effectRef idx="0">
+            <a:srgbClr val="FFFFFF"/>
+          </a:effectRef>
+          <a:fontRef idx="minor">
+            <a:schemeClr val="tx1"/>
+          </a:fontRef>
+        </p:style>
+      </p:cxnSp>
+      <p:cxnSp>
+        <p:nvCxnSpPr>
+          <p:cNvPr id="28" name="Straight Arrow Connector 27"/>
+          <p:cNvCxnSpPr/>
+          <p:nvPr/>
+        </p:nvCxnSpPr>
+        <p:spPr>
+          <a:xfrm>
+            <a:off x="992505" y="4553585"/>
+            <a:ext cx="2279650" cy="9525"/>
+          </a:xfrm>
+          <a:prstGeom prst="straightConnector1">
+            <a:avLst/>
+          </a:prstGeom>
+          <a:ln w="38100">
+            <a:solidFill>
+              <a:schemeClr val="tx1"/>
+            </a:solidFill>
+            <a:tailEnd type="stealth"/>
+          </a:ln>
+        </p:spPr>
+        <p:style>
+          <a:lnRef idx="2">
+            <a:schemeClr val="accent1"/>
+          </a:lnRef>
+          <a:fillRef idx="0">
+            <a:srgbClr val="FFFFFF"/>
+          </a:fillRef>
+          <a:effectRef idx="0">
+            <a:srgbClr val="FFFFFF"/>
+          </a:effectRef>
+          <a:fontRef idx="minor">
+            <a:schemeClr val="tx1"/>
+          </a:fontRef>
+        </p:style>
+      </p:cxnSp>
+      <p:sp>
+        <p:nvSpPr>
+          <p:cNvPr id="30" name="Text Box 29"/>
+          <p:cNvSpPr txBox="1"/>
+          <p:nvPr/>
+        </p:nvSpPr>
+        <p:spPr>
+          <a:xfrm>
+            <a:off x="3195955" y="4346575"/>
+            <a:ext cx="601980" cy="275590"/>
+          </a:xfrm>
+          <a:prstGeom prst="rect">
+            <a:avLst/>
+          </a:prstGeom>
+          <a:noFill/>
+        </p:spPr>
+        <p:txBody>
+          <a:bodyPr wrap="square" rtlCol="0">
+            <a:spAutoFit/>
+          </a:bodyPr>
+          <a:p>
+            <a:r>
+              <a:rPr lang="en-US" sz="1200">
+                <a:latin typeface="Helvetica Regular" charset="0"/>
+                <a:cs typeface="Helvetica Regular" charset="0"/>
+              </a:rPr>
+              <a:t>Mass</a:t>
+            </a:r>
+            <a:endParaRPr lang="en-US" sz="1200">
+              <a:latin typeface="Helvetica Regular" charset="0"/>
+              <a:cs typeface="Helvetica Regular" charset="0"/>
+            </a:endParaRPr>
+          </a:p>
+        </p:txBody>
+      </p:sp>
+      <p:pic>
+        <p:nvPicPr>
+          <p:cNvPr id="31" name="Picture 30" descr="Screenshot 2025-04-01 at 2.13.46 PM"/>
+          <p:cNvPicPr>
+            <a:picLocks noChangeAspect="1"/>
+          </p:cNvPicPr>
+          <p:nvPr/>
+        </p:nvPicPr>
+        <p:blipFill>
+          <a:blip r:embed="rId3"/>
+          <a:stretch>
+            <a:fillRect/>
+          </a:stretch>
+        </p:blipFill>
+        <p:spPr>
+          <a:xfrm>
+            <a:off x="992505" y="3197860"/>
+            <a:ext cx="2137410" cy="1347470"/>
+          </a:xfrm>
+          <a:prstGeom prst="rect">
+            <a:avLst/>
+          </a:prstGeom>
+        </p:spPr>
+      </p:pic>
+      <p:cxnSp>
+        <p:nvCxnSpPr>
+          <p:cNvPr id="32" name="Straight Connector 31"/>
+          <p:cNvCxnSpPr/>
+          <p:nvPr/>
+        </p:nvCxnSpPr>
+        <p:spPr>
+          <a:xfrm>
+            <a:off x="1512570" y="3187700"/>
+            <a:ext cx="0" cy="339725"/>
+          </a:xfrm>
+          <a:prstGeom prst="line">
+            <a:avLst/>
+          </a:prstGeom>
+          <a:ln w="12700" cmpd="sng">
+            <a:solidFill>
+              <a:schemeClr val="tx1">
+                <a:lumMod val="75000"/>
+                <a:lumOff val="25000"/>
+              </a:schemeClr>
+            </a:solidFill>
+            <a:prstDash val="sysDot"/>
+          </a:ln>
+        </p:spPr>
+        <p:style>
+          <a:lnRef idx="2">
+            <a:schemeClr val="accent1"/>
+          </a:lnRef>
+          <a:fillRef idx="0">
+            <a:srgbClr val="FFFFFF"/>
+          </a:fillRef>
+          <a:effectRef idx="0">
+            <a:srgbClr val="FFFFFF"/>
+          </a:effectRef>
+          <a:fontRef idx="minor">
+            <a:schemeClr val="tx1"/>
+          </a:fontRef>
+        </p:style>
+      </p:cxnSp>
+      <p:cxnSp>
+        <p:nvCxnSpPr>
+          <p:cNvPr id="35" name="Straight Connector 34"/>
+          <p:cNvCxnSpPr/>
+          <p:nvPr/>
+        </p:nvCxnSpPr>
+        <p:spPr>
+          <a:xfrm>
+            <a:off x="2308225" y="3192145"/>
+            <a:ext cx="0" cy="655320"/>
+          </a:xfrm>
+          <a:prstGeom prst="line">
+            <a:avLst/>
+          </a:prstGeom>
+          <a:ln w="12700" cmpd="sng">
+            <a:solidFill>
+              <a:schemeClr val="tx1">
+                <a:lumMod val="65000"/>
+                <a:lumOff val="35000"/>
+              </a:schemeClr>
+            </a:solidFill>
+            <a:prstDash val="sysDot"/>
+          </a:ln>
+        </p:spPr>
+        <p:style>
+          <a:lnRef idx="2">
+            <a:schemeClr val="accent1"/>
+          </a:lnRef>
+          <a:fillRef idx="0">
+            <a:srgbClr val="FFFFFF"/>
+          </a:fillRef>
+          <a:effectRef idx="0">
+            <a:srgbClr val="FFFFFF"/>
+          </a:effectRef>
+          <a:fontRef idx="minor">
+            <a:schemeClr val="tx1"/>
+          </a:fontRef>
+        </p:style>
+      </p:cxnSp>
+      <p:cxnSp>
+        <p:nvCxnSpPr>
+          <p:cNvPr id="36" name="Straight Arrow Connector 35"/>
+          <p:cNvCxnSpPr/>
+          <p:nvPr/>
+        </p:nvCxnSpPr>
+        <p:spPr>
+          <a:xfrm>
+            <a:off x="1512570" y="3218180"/>
+            <a:ext cx="314325" cy="0"/>
+          </a:xfrm>
+          <a:prstGeom prst="straightConnector1">
+            <a:avLst/>
+          </a:prstGeom>
+          <a:ln>
+            <a:solidFill>
+              <a:schemeClr val="tx1">
+                <a:lumMod val="65000"/>
+                <a:lumOff val="35000"/>
+              </a:schemeClr>
+            </a:solidFill>
+            <a:round/>
+            <a:headEnd type="stealth"/>
+            <a:tailEnd type="stealth"/>
+          </a:ln>
+        </p:spPr>
+        <p:style>
+          <a:lnRef idx="2">
+            <a:schemeClr val="accent1"/>
+          </a:lnRef>
+          <a:fillRef idx="0">
+            <a:srgbClr val="FFFFFF"/>
+          </a:fillRef>
+          <a:effectRef idx="0">
+            <a:srgbClr val="FFFFFF"/>
+          </a:effectRef>
+          <a:fontRef idx="minor">
+            <a:schemeClr val="tx1"/>
+          </a:fontRef>
+        </p:style>
+      </p:cxnSp>
+      <p:cxnSp>
+        <p:nvCxnSpPr>
+          <p:cNvPr id="38" name="Straight Arrow Connector 37"/>
+          <p:cNvCxnSpPr/>
+          <p:nvPr/>
+        </p:nvCxnSpPr>
+        <p:spPr>
+          <a:xfrm>
+            <a:off x="1881505" y="3223895"/>
+            <a:ext cx="426085" cy="0"/>
+          </a:xfrm>
+          <a:prstGeom prst="straightConnector1">
+            <a:avLst/>
+          </a:prstGeom>
+          <a:ln>
+            <a:solidFill>
+              <a:schemeClr val="tx1">
+                <a:lumMod val="65000"/>
+                <a:lumOff val="35000"/>
+              </a:schemeClr>
+            </a:solidFill>
+            <a:round/>
+            <a:headEnd type="stealth"/>
+            <a:tailEnd type="stealth"/>
+          </a:ln>
+        </p:spPr>
+        <p:style>
+          <a:lnRef idx="2">
+            <a:schemeClr val="accent1"/>
+          </a:lnRef>
+          <a:fillRef idx="0">
+            <a:srgbClr val="FFFFFF"/>
+          </a:fillRef>
+          <a:effectRef idx="0">
+            <a:srgbClr val="FFFFFF"/>
+          </a:effectRef>
+          <a:fontRef idx="minor">
+            <a:schemeClr val="tx1"/>
+          </a:fontRef>
+        </p:style>
+      </p:cxnSp>
+      <p:sp>
+        <p:nvSpPr>
+          <p:cNvPr id="39" name="Text Box 38"/>
+          <p:cNvSpPr txBox="1"/>
+          <p:nvPr/>
+        </p:nvSpPr>
+        <p:spPr>
+          <a:xfrm>
+            <a:off x="1522730" y="3018790"/>
+            <a:ext cx="298450" cy="245110"/>
+          </a:xfrm>
+          <a:prstGeom prst="rect">
+            <a:avLst/>
+          </a:prstGeom>
+          <a:noFill/>
+        </p:spPr>
+        <p:txBody>
+          <a:bodyPr wrap="square" rtlCol="0">
+            <a:spAutoFit/>
+          </a:bodyPr>
+          <a:p>
+            <a:pPr algn="ctr"/>
+            <a:r>
+              <a:rPr lang="en-US" sz="1000">
+                <a:solidFill>
+                  <a:srgbClr val="EC9891"/>
+                </a:solidFill>
+              </a:rPr>
+              <a:t>C</a:t>
+            </a:r>
+            <a:endParaRPr lang="en-US" sz="1000">
+              <a:solidFill>
+                <a:srgbClr val="EC9891"/>
+              </a:solidFill>
+            </a:endParaRPr>
+          </a:p>
+        </p:txBody>
+      </p:sp>
+      <p:sp>
+        <p:nvSpPr>
+          <p:cNvPr id="40" name="Text Box 39"/>
+          <p:cNvSpPr txBox="1"/>
+          <p:nvPr/>
+        </p:nvSpPr>
+        <p:spPr>
+          <a:xfrm>
+            <a:off x="1943100" y="3018790"/>
+            <a:ext cx="248920" cy="245110"/>
+          </a:xfrm>
+          <a:prstGeom prst="rect">
+            <a:avLst/>
+          </a:prstGeom>
+          <a:noFill/>
+        </p:spPr>
+        <p:txBody>
+          <a:bodyPr wrap="square" rtlCol="0">
+            <a:spAutoFit/>
+          </a:bodyPr>
+          <a:p>
+            <a:pPr algn="ctr"/>
+            <a:r>
+              <a:rPr lang="en-US" sz="1000">
+                <a:solidFill>
+                  <a:srgbClr val="EC9891"/>
+                </a:solidFill>
+              </a:rPr>
+              <a:t>G</a:t>
+            </a:r>
+            <a:endParaRPr lang="en-US" sz="1000">
+              <a:solidFill>
+                <a:srgbClr val="EC9891"/>
+              </a:solidFill>
+            </a:endParaRPr>
+          </a:p>
+        </p:txBody>
+      </p:sp>
+      <p:cxnSp>
+        <p:nvCxnSpPr>
+          <p:cNvPr id="41" name="Straight Arrow Connector 40"/>
+          <p:cNvCxnSpPr/>
+          <p:nvPr/>
+        </p:nvCxnSpPr>
+        <p:spPr>
+          <a:xfrm>
+            <a:off x="1881505" y="3223895"/>
+            <a:ext cx="426085" cy="0"/>
+          </a:xfrm>
+          <a:prstGeom prst="straightConnector1">
+            <a:avLst/>
+          </a:prstGeom>
+          <a:ln>
+            <a:solidFill>
+              <a:schemeClr val="tx1">
+                <a:lumMod val="65000"/>
+                <a:lumOff val="35000"/>
+              </a:schemeClr>
+            </a:solidFill>
+            <a:round/>
+            <a:headEnd type="stealth"/>
+            <a:tailEnd type="stealth"/>
+          </a:ln>
+        </p:spPr>
+        <p:style>
+          <a:lnRef idx="2">
+            <a:schemeClr val="accent1"/>
+          </a:lnRef>
+          <a:fillRef idx="0">
+            <a:srgbClr val="FFFFFF"/>
+          </a:fillRef>
+          <a:effectRef idx="0">
+            <a:srgbClr val="FFFFFF"/>
+          </a:effectRef>
+          <a:fontRef idx="minor">
+            <a:schemeClr val="tx1"/>
+          </a:fontRef>
+        </p:style>
+      </p:cxnSp>
+      <p:sp>
+        <p:nvSpPr>
+          <p:cNvPr id="43" name="Text Box 42"/>
+          <p:cNvSpPr txBox="1"/>
+          <p:nvPr/>
+        </p:nvSpPr>
+        <p:spPr>
+          <a:xfrm>
+            <a:off x="372110" y="4829810"/>
+            <a:ext cx="4064000" cy="275590"/>
+          </a:xfrm>
+          <a:prstGeom prst="rect">
+            <a:avLst/>
+          </a:prstGeom>
+          <a:noFill/>
+        </p:spPr>
+        <p:txBody>
+          <a:bodyPr wrap="square" rtlCol="0">
+            <a:spAutoFit/>
+          </a:bodyPr>
+          <a:p>
+            <a:r>
+              <a:rPr lang="en-US" sz="1200">
+                <a:latin typeface="Helvetica Regular" charset="0"/>
+                <a:cs typeface="Helvetica Regular" charset="0"/>
+              </a:rPr>
+              <a:t>3. Repeat step 2 until no further match can be found</a:t>
+            </a:r>
+            <a:endParaRPr lang="en-US" sz="1200">
+              <a:latin typeface="Helvetica Regular" charset="0"/>
+              <a:cs typeface="Helvetica Regular" charset="0"/>
+            </a:endParaRPr>
+          </a:p>
+        </p:txBody>
+      </p:sp>
+      <p:cxnSp>
+        <p:nvCxnSpPr>
+          <p:cNvPr id="44" name="Straight Arrow Connector 43"/>
+          <p:cNvCxnSpPr/>
+          <p:nvPr/>
+        </p:nvCxnSpPr>
+        <p:spPr>
+          <a:xfrm flipV="1">
+            <a:off x="972820" y="5179060"/>
+            <a:ext cx="0" cy="1473200"/>
+          </a:xfrm>
+          <a:prstGeom prst="straightConnector1">
+            <a:avLst/>
+          </a:prstGeom>
+          <a:ln w="38100">
+            <a:solidFill>
+              <a:schemeClr val="tx1"/>
+            </a:solidFill>
+            <a:tailEnd type="stealth"/>
+          </a:ln>
+        </p:spPr>
+        <p:style>
+          <a:lnRef idx="2">
+            <a:schemeClr val="accent1"/>
+          </a:lnRef>
+          <a:fillRef idx="0">
+            <a:srgbClr val="FFFFFF"/>
+          </a:fillRef>
+          <a:effectRef idx="0">
+            <a:srgbClr val="FFFFFF"/>
+          </a:effectRef>
+          <a:fontRef idx="minor">
+            <a:schemeClr val="tx1"/>
+          </a:fontRef>
+        </p:style>
+      </p:cxnSp>
+      <p:cxnSp>
+        <p:nvCxnSpPr>
+          <p:cNvPr id="45" name="Straight Arrow Connector 44"/>
+          <p:cNvCxnSpPr/>
+          <p:nvPr/>
+        </p:nvCxnSpPr>
+        <p:spPr>
+          <a:xfrm>
+            <a:off x="992505" y="6637655"/>
+            <a:ext cx="2279650" cy="9525"/>
+          </a:xfrm>
+          <a:prstGeom prst="straightConnector1">
+            <a:avLst/>
+          </a:prstGeom>
+          <a:ln w="38100">
+            <a:solidFill>
+              <a:schemeClr val="tx1"/>
+            </a:solidFill>
+            <a:tailEnd type="stealth"/>
+          </a:ln>
+        </p:spPr>
+        <p:style>
+          <a:lnRef idx="2">
+            <a:schemeClr val="accent1"/>
+          </a:lnRef>
+          <a:fillRef idx="0">
+            <a:srgbClr val="FFFFFF"/>
+          </a:fillRef>
+          <a:effectRef idx="0">
+            <a:srgbClr val="FFFFFF"/>
+          </a:effectRef>
+          <a:fontRef idx="minor">
+            <a:schemeClr val="tx1"/>
+          </a:fontRef>
+        </p:style>
+      </p:cxnSp>
+      <p:sp>
+        <p:nvSpPr>
+          <p:cNvPr id="47" name="Text Box 46"/>
+          <p:cNvSpPr txBox="1"/>
+          <p:nvPr/>
+        </p:nvSpPr>
+        <p:spPr>
+          <a:xfrm>
+            <a:off x="3195955" y="6430645"/>
+            <a:ext cx="601980" cy="275590"/>
+          </a:xfrm>
+          <a:prstGeom prst="rect">
+            <a:avLst/>
+          </a:prstGeom>
+          <a:noFill/>
+        </p:spPr>
+        <p:txBody>
+          <a:bodyPr wrap="square" rtlCol="0">
+            <a:spAutoFit/>
+          </a:bodyPr>
+          <a:p>
+            <a:r>
+              <a:rPr lang="en-US" sz="1200">
+                <a:latin typeface="Helvetica Regular" charset="0"/>
+                <a:cs typeface="Helvetica Regular" charset="0"/>
+              </a:rPr>
+              <a:t>Mass</a:t>
+            </a:r>
+            <a:endParaRPr lang="en-US" sz="1200">
+              <a:latin typeface="Helvetica Regular" charset="0"/>
+              <a:cs typeface="Helvetica Regular" charset="0"/>
+            </a:endParaRPr>
+          </a:p>
+        </p:txBody>
+      </p:sp>
+      <p:cxnSp>
+        <p:nvCxnSpPr>
+          <p:cNvPr id="49" name="Straight Connector 48"/>
+          <p:cNvCxnSpPr/>
+          <p:nvPr/>
+        </p:nvCxnSpPr>
+        <p:spPr>
+          <a:xfrm>
+            <a:off x="1512570" y="5271770"/>
+            <a:ext cx="0" cy="339725"/>
+          </a:xfrm>
+          <a:prstGeom prst="line">
+            <a:avLst/>
+          </a:prstGeom>
+          <a:ln w="12700" cmpd="sng">
+            <a:solidFill>
+              <a:schemeClr val="tx1">
+                <a:lumMod val="75000"/>
+                <a:lumOff val="25000"/>
+              </a:schemeClr>
+            </a:solidFill>
+            <a:prstDash val="sysDot"/>
+          </a:ln>
+        </p:spPr>
+        <p:style>
+          <a:lnRef idx="2">
+            <a:schemeClr val="accent1"/>
+          </a:lnRef>
+          <a:fillRef idx="0">
+            <a:srgbClr val="FFFFFF"/>
+          </a:fillRef>
+          <a:effectRef idx="0">
+            <a:srgbClr val="FFFFFF"/>
+          </a:effectRef>
+          <a:fontRef idx="minor">
+            <a:schemeClr val="tx1"/>
+          </a:fontRef>
+        </p:style>
+      </p:cxnSp>
+      <p:cxnSp>
+        <p:nvCxnSpPr>
+          <p:cNvPr id="50" name="Straight Connector 49"/>
+          <p:cNvCxnSpPr/>
+          <p:nvPr/>
+        </p:nvCxnSpPr>
+        <p:spPr>
+          <a:xfrm>
+            <a:off x="2308225" y="5276215"/>
+            <a:ext cx="0" cy="655320"/>
+          </a:xfrm>
+          <a:prstGeom prst="line">
+            <a:avLst/>
+          </a:prstGeom>
+          <a:ln w="12700" cmpd="sng">
+            <a:solidFill>
+              <a:schemeClr val="tx1">
+                <a:lumMod val="65000"/>
+                <a:lumOff val="35000"/>
+              </a:schemeClr>
+            </a:solidFill>
+            <a:prstDash val="sysDot"/>
+          </a:ln>
+        </p:spPr>
+        <p:style>
+          <a:lnRef idx="2">
+            <a:schemeClr val="accent1"/>
+          </a:lnRef>
+          <a:fillRef idx="0">
+            <a:srgbClr val="FFFFFF"/>
+          </a:fillRef>
+          <a:effectRef idx="0">
+            <a:srgbClr val="FFFFFF"/>
+          </a:effectRef>
+          <a:fontRef idx="minor">
+            <a:schemeClr val="tx1"/>
+          </a:fontRef>
+        </p:style>
+      </p:cxnSp>
+      <p:cxnSp>
+        <p:nvCxnSpPr>
+          <p:cNvPr id="51" name="Straight Arrow Connector 50"/>
+          <p:cNvCxnSpPr/>
+          <p:nvPr/>
+        </p:nvCxnSpPr>
+        <p:spPr>
+          <a:xfrm>
+            <a:off x="1512570" y="5302250"/>
+            <a:ext cx="314325" cy="0"/>
+          </a:xfrm>
+          <a:prstGeom prst="straightConnector1">
+            <a:avLst/>
+          </a:prstGeom>
+          <a:ln>
+            <a:solidFill>
+              <a:schemeClr val="tx1">
+                <a:lumMod val="65000"/>
+                <a:lumOff val="35000"/>
+              </a:schemeClr>
+            </a:solidFill>
+            <a:round/>
+            <a:headEnd type="stealth"/>
+            <a:tailEnd type="stealth"/>
+          </a:ln>
+        </p:spPr>
+        <p:style>
+          <a:lnRef idx="2">
+            <a:schemeClr val="accent1"/>
+          </a:lnRef>
+          <a:fillRef idx="0">
+            <a:srgbClr val="FFFFFF"/>
+          </a:fillRef>
+          <a:effectRef idx="0">
+            <a:srgbClr val="FFFFFF"/>
+          </a:effectRef>
+          <a:fontRef idx="minor">
+            <a:schemeClr val="tx1"/>
+          </a:fontRef>
+        </p:style>
+      </p:cxnSp>
+      <p:cxnSp>
+        <p:nvCxnSpPr>
+          <p:cNvPr id="52" name="Straight Arrow Connector 51"/>
+          <p:cNvCxnSpPr/>
+          <p:nvPr/>
+        </p:nvCxnSpPr>
+        <p:spPr>
+          <a:xfrm>
+            <a:off x="1881505" y="5307965"/>
+            <a:ext cx="426085" cy="0"/>
+          </a:xfrm>
+          <a:prstGeom prst="straightConnector1">
+            <a:avLst/>
+          </a:prstGeom>
+          <a:ln>
+            <a:solidFill>
+              <a:schemeClr val="tx1">
+                <a:lumMod val="65000"/>
+                <a:lumOff val="35000"/>
+              </a:schemeClr>
+            </a:solidFill>
+            <a:round/>
+            <a:headEnd type="stealth"/>
+            <a:tailEnd type="stealth"/>
+          </a:ln>
+        </p:spPr>
+        <p:style>
+          <a:lnRef idx="2">
+            <a:schemeClr val="accent1"/>
+          </a:lnRef>
+          <a:fillRef idx="0">
+            <a:srgbClr val="FFFFFF"/>
+          </a:fillRef>
+          <a:effectRef idx="0">
+            <a:srgbClr val="FFFFFF"/>
+          </a:effectRef>
+          <a:fontRef idx="minor">
+            <a:schemeClr val="tx1"/>
+          </a:fontRef>
+        </p:style>
+      </p:cxnSp>
+      <p:sp>
+        <p:nvSpPr>
+          <p:cNvPr id="53" name="Text Box 52"/>
+          <p:cNvSpPr txBox="1"/>
+          <p:nvPr/>
+        </p:nvSpPr>
+        <p:spPr>
+          <a:xfrm>
+            <a:off x="1522730" y="5102860"/>
+            <a:ext cx="298450" cy="245110"/>
+          </a:xfrm>
+          <a:prstGeom prst="rect">
+            <a:avLst/>
+          </a:prstGeom>
+          <a:noFill/>
+        </p:spPr>
+        <p:txBody>
+          <a:bodyPr wrap="square" rtlCol="0">
+            <a:spAutoFit/>
+          </a:bodyPr>
+          <a:p>
+            <a:pPr algn="ctr"/>
+            <a:r>
+              <a:rPr lang="en-US" sz="1000">
+                <a:solidFill>
+                  <a:srgbClr val="EC9891"/>
+                </a:solidFill>
+              </a:rPr>
+              <a:t>C</a:t>
+            </a:r>
+            <a:endParaRPr lang="en-US" sz="1000">
+              <a:solidFill>
+                <a:srgbClr val="EC9891"/>
+              </a:solidFill>
+            </a:endParaRPr>
+          </a:p>
+        </p:txBody>
+      </p:sp>
+      <p:sp>
+        <p:nvSpPr>
+          <p:cNvPr id="54" name="Text Box 53"/>
+          <p:cNvSpPr txBox="1"/>
+          <p:nvPr/>
+        </p:nvSpPr>
+        <p:spPr>
+          <a:xfrm>
+            <a:off x="1943100" y="5102860"/>
+            <a:ext cx="248920" cy="245110"/>
+          </a:xfrm>
+          <a:prstGeom prst="rect">
+            <a:avLst/>
+          </a:prstGeom>
+          <a:noFill/>
+        </p:spPr>
+        <p:txBody>
+          <a:bodyPr wrap="square" rtlCol="0">
+            <a:spAutoFit/>
+          </a:bodyPr>
+          <a:p>
+            <a:pPr algn="ctr"/>
+            <a:r>
+              <a:rPr lang="en-US" sz="1000">
+                <a:solidFill>
+                  <a:srgbClr val="EC9891"/>
+                </a:solidFill>
+              </a:rPr>
+              <a:t>G</a:t>
+            </a:r>
+            <a:endParaRPr lang="en-US" sz="1000">
+              <a:solidFill>
+                <a:srgbClr val="EC9891"/>
+              </a:solidFill>
+            </a:endParaRPr>
+          </a:p>
+        </p:txBody>
+      </p:sp>
+      <p:cxnSp>
+        <p:nvCxnSpPr>
+          <p:cNvPr id="55" name="Straight Arrow Connector 54"/>
+          <p:cNvCxnSpPr/>
+          <p:nvPr/>
+        </p:nvCxnSpPr>
+        <p:spPr>
+          <a:xfrm>
+            <a:off x="1881505" y="5307965"/>
+            <a:ext cx="426085" cy="0"/>
+          </a:xfrm>
+          <a:prstGeom prst="straightConnector1">
+            <a:avLst/>
+          </a:prstGeom>
+          <a:ln>
+            <a:solidFill>
+              <a:schemeClr val="tx1">
+                <a:lumMod val="65000"/>
+                <a:lumOff val="35000"/>
+              </a:schemeClr>
+            </a:solidFill>
+            <a:round/>
+            <a:headEnd type="stealth"/>
+            <a:tailEnd type="stealth"/>
+          </a:ln>
+        </p:spPr>
+        <p:style>
+          <a:lnRef idx="2">
+            <a:schemeClr val="accent1"/>
+          </a:lnRef>
+          <a:fillRef idx="0">
+            <a:srgbClr val="FFFFFF"/>
+          </a:fillRef>
+          <a:effectRef idx="0">
+            <a:srgbClr val="FFFFFF"/>
+          </a:effectRef>
+          <a:fontRef idx="minor">
+            <a:schemeClr val="tx1"/>
+          </a:fontRef>
+        </p:style>
+      </p:cxnSp>
+      <p:cxnSp>
+        <p:nvCxnSpPr>
+          <p:cNvPr id="58" name="Straight Connector 57"/>
+          <p:cNvCxnSpPr/>
+          <p:nvPr/>
+        </p:nvCxnSpPr>
+        <p:spPr>
+          <a:xfrm>
+            <a:off x="2759710" y="5286375"/>
+            <a:ext cx="0" cy="701040"/>
+          </a:xfrm>
+          <a:prstGeom prst="line">
+            <a:avLst/>
+          </a:prstGeom>
+          <a:ln w="12700" cmpd="sng">
+            <a:solidFill>
+              <a:schemeClr val="tx1">
+                <a:lumMod val="65000"/>
+                <a:lumOff val="35000"/>
+              </a:schemeClr>
+            </a:solidFill>
+            <a:prstDash val="sysDot"/>
+          </a:ln>
+        </p:spPr>
+        <p:style>
+          <a:lnRef idx="2">
+            <a:schemeClr val="accent1"/>
+          </a:lnRef>
+          <a:fillRef idx="0">
+            <a:srgbClr val="FFFFFF"/>
+          </a:fillRef>
+          <a:effectRef idx="0">
+            <a:srgbClr val="FFFFFF"/>
+          </a:effectRef>
+          <a:fontRef idx="minor">
+            <a:schemeClr val="tx1"/>
+          </a:fontRef>
+        </p:style>
+      </p:cxnSp>
+      <p:cxnSp>
+        <p:nvCxnSpPr>
+          <p:cNvPr id="59" name="Straight Arrow Connector 58"/>
+          <p:cNvCxnSpPr/>
+          <p:nvPr/>
+        </p:nvCxnSpPr>
+        <p:spPr>
+          <a:xfrm>
+            <a:off x="2308225" y="5307965"/>
+            <a:ext cx="457200" cy="0"/>
+          </a:xfrm>
+          <a:prstGeom prst="straightConnector1">
+            <a:avLst/>
+          </a:prstGeom>
+          <a:ln>
+            <a:solidFill>
+              <a:schemeClr val="tx1">
+                <a:lumMod val="65000"/>
+                <a:lumOff val="35000"/>
+              </a:schemeClr>
+            </a:solidFill>
+            <a:round/>
+            <a:headEnd type="stealth"/>
+            <a:tailEnd type="stealth"/>
+          </a:ln>
+        </p:spPr>
+        <p:style>
+          <a:lnRef idx="2">
+            <a:schemeClr val="accent1"/>
+          </a:lnRef>
+          <a:fillRef idx="0">
+            <a:srgbClr val="FFFFFF"/>
+          </a:fillRef>
+          <a:effectRef idx="0">
+            <a:srgbClr val="FFFFFF"/>
+          </a:effectRef>
+          <a:fontRef idx="minor">
+            <a:schemeClr val="tx1"/>
+          </a:fontRef>
+        </p:style>
+      </p:cxnSp>
+      <p:sp>
+        <p:nvSpPr>
+          <p:cNvPr id="60" name="Text Box 59"/>
+          <p:cNvSpPr txBox="1"/>
+          <p:nvPr/>
+        </p:nvSpPr>
+        <p:spPr>
+          <a:xfrm>
+            <a:off x="2412365" y="5105400"/>
+            <a:ext cx="248920" cy="245110"/>
+          </a:xfrm>
+          <a:prstGeom prst="rect">
+            <a:avLst/>
+          </a:prstGeom>
+          <a:noFill/>
+        </p:spPr>
+        <p:txBody>
+          <a:bodyPr wrap="square" rtlCol="0">
+            <a:spAutoFit/>
+          </a:bodyPr>
+          <a:p>
+            <a:pPr algn="ctr"/>
+            <a:r>
+              <a:rPr lang="en-US" sz="1000">
+                <a:solidFill>
+                  <a:srgbClr val="EC9891"/>
+                </a:solidFill>
+              </a:rPr>
+              <a:t>G</a:t>
+            </a:r>
+            <a:endParaRPr lang="en-US" sz="1000">
+              <a:solidFill>
+                <a:srgbClr val="EC9891"/>
+              </a:solidFill>
+            </a:endParaRPr>
+          </a:p>
+        </p:txBody>
+      </p:sp>
+      <p:cxnSp>
+        <p:nvCxnSpPr>
+          <p:cNvPr id="62" name="Straight Connector 61"/>
+          <p:cNvCxnSpPr/>
+          <p:nvPr/>
+        </p:nvCxnSpPr>
+        <p:spPr>
+          <a:xfrm>
+            <a:off x="1179195" y="5267325"/>
+            <a:ext cx="0" cy="1049655"/>
+          </a:xfrm>
+          <a:prstGeom prst="line">
+            <a:avLst/>
+          </a:prstGeom>
+          <a:ln w="12700" cmpd="sng">
+            <a:solidFill>
+              <a:schemeClr val="tx1">
+                <a:lumMod val="65000"/>
+                <a:lumOff val="35000"/>
+              </a:schemeClr>
+            </a:solidFill>
+            <a:prstDash val="sysDot"/>
+          </a:ln>
+        </p:spPr>
+        <p:style>
+          <a:lnRef idx="2">
+            <a:schemeClr val="accent1"/>
+          </a:lnRef>
+          <a:fillRef idx="0">
+            <a:srgbClr val="FFFFFF"/>
+          </a:fillRef>
+          <a:effectRef idx="0">
+            <a:srgbClr val="FFFFFF"/>
+          </a:effectRef>
+          <a:fontRef idx="minor">
+            <a:schemeClr val="tx1"/>
+          </a:fontRef>
+        </p:style>
+      </p:cxnSp>
+      <p:cxnSp>
+        <p:nvCxnSpPr>
+          <p:cNvPr id="63" name="Straight Arrow Connector 62"/>
+          <p:cNvCxnSpPr/>
+          <p:nvPr/>
+        </p:nvCxnSpPr>
+        <p:spPr>
+          <a:xfrm>
+            <a:off x="1179195" y="5302250"/>
+            <a:ext cx="316230" cy="0"/>
+          </a:xfrm>
+          <a:prstGeom prst="straightConnector1">
+            <a:avLst/>
+          </a:prstGeom>
+          <a:ln>
+            <a:solidFill>
+              <a:schemeClr val="tx1">
+                <a:lumMod val="65000"/>
+                <a:lumOff val="35000"/>
+              </a:schemeClr>
+            </a:solidFill>
+            <a:round/>
+            <a:headEnd type="stealth"/>
+            <a:tailEnd type="stealth"/>
+          </a:ln>
+        </p:spPr>
+        <p:style>
+          <a:lnRef idx="2">
+            <a:schemeClr val="accent1"/>
+          </a:lnRef>
+          <a:fillRef idx="0">
+            <a:srgbClr val="FFFFFF"/>
+          </a:fillRef>
+          <a:effectRef idx="0">
+            <a:srgbClr val="FFFFFF"/>
+          </a:effectRef>
+          <a:fontRef idx="minor">
+            <a:schemeClr val="tx1"/>
+          </a:fontRef>
+        </p:style>
+      </p:cxnSp>
+      <p:cxnSp>
+        <p:nvCxnSpPr>
+          <p:cNvPr id="64" name="Straight Connector 63"/>
+          <p:cNvCxnSpPr/>
+          <p:nvPr/>
+        </p:nvCxnSpPr>
+        <p:spPr>
+          <a:xfrm>
+            <a:off x="3088005" y="5286375"/>
+            <a:ext cx="0" cy="1284605"/>
+          </a:xfrm>
+          <a:prstGeom prst="line">
+            <a:avLst/>
+          </a:prstGeom>
+          <a:ln w="12700" cmpd="sng">
+            <a:solidFill>
+              <a:schemeClr val="tx1">
+                <a:lumMod val="65000"/>
+                <a:lumOff val="35000"/>
+              </a:schemeClr>
+            </a:solidFill>
+            <a:prstDash val="sysDot"/>
+          </a:ln>
+        </p:spPr>
+        <p:style>
+          <a:lnRef idx="2">
+            <a:schemeClr val="accent1"/>
+          </a:lnRef>
+          <a:fillRef idx="0">
+            <a:srgbClr val="FFFFFF"/>
+          </a:fillRef>
+          <a:effectRef idx="0">
+            <a:srgbClr val="FFFFFF"/>
+          </a:effectRef>
+          <a:fontRef idx="minor">
+            <a:schemeClr val="tx1"/>
+          </a:fontRef>
+        </p:style>
+      </p:cxnSp>
+      <p:cxnSp>
+        <p:nvCxnSpPr>
+          <p:cNvPr id="65" name="Straight Arrow Connector 64"/>
+          <p:cNvCxnSpPr/>
+          <p:nvPr/>
+        </p:nvCxnSpPr>
+        <p:spPr>
+          <a:xfrm>
+            <a:off x="2765425" y="5307965"/>
+            <a:ext cx="316230" cy="0"/>
+          </a:xfrm>
+          <a:prstGeom prst="straightConnector1">
+            <a:avLst/>
+          </a:prstGeom>
+          <a:ln>
+            <a:solidFill>
+              <a:schemeClr val="tx1">
+                <a:lumMod val="65000"/>
+                <a:lumOff val="35000"/>
+              </a:schemeClr>
+            </a:solidFill>
+            <a:round/>
+            <a:headEnd type="stealth"/>
+            <a:tailEnd type="stealth"/>
+          </a:ln>
+        </p:spPr>
+        <p:style>
+          <a:lnRef idx="2">
+            <a:schemeClr val="accent1"/>
+          </a:lnRef>
+          <a:fillRef idx="0">
+            <a:srgbClr val="FFFFFF"/>
+          </a:fillRef>
+          <a:effectRef idx="0">
+            <a:srgbClr val="FFFFFF"/>
+          </a:effectRef>
+          <a:fontRef idx="minor">
+            <a:schemeClr val="tx1"/>
+          </a:fontRef>
+        </p:style>
+      </p:cxnSp>
+      <p:sp>
+        <p:nvSpPr>
+          <p:cNvPr id="66" name="Text Box 65"/>
+          <p:cNvSpPr txBox="1"/>
+          <p:nvPr/>
+        </p:nvSpPr>
+        <p:spPr>
+          <a:xfrm>
+            <a:off x="1196975" y="5102860"/>
+            <a:ext cx="298450" cy="245110"/>
+          </a:xfrm>
+          <a:prstGeom prst="rect">
+            <a:avLst/>
+          </a:prstGeom>
+          <a:noFill/>
+        </p:spPr>
+        <p:txBody>
+          <a:bodyPr wrap="square" rtlCol="0">
+            <a:spAutoFit/>
+          </a:bodyPr>
+          <a:p>
+            <a:pPr algn="ctr"/>
+            <a:r>
+              <a:rPr lang="en-US" sz="1000">
+                <a:solidFill>
+                  <a:srgbClr val="EC9891"/>
+                </a:solidFill>
+              </a:rPr>
+              <a:t>A</a:t>
+            </a:r>
+            <a:endParaRPr lang="en-US" sz="1000">
+              <a:solidFill>
+                <a:srgbClr val="EC9891"/>
+              </a:solidFill>
+            </a:endParaRPr>
+          </a:p>
+        </p:txBody>
+      </p:sp>
+      <p:sp>
+        <p:nvSpPr>
+          <p:cNvPr id="67" name="Text Box 66"/>
+          <p:cNvSpPr txBox="1"/>
+          <p:nvPr/>
+        </p:nvSpPr>
+        <p:spPr>
+          <a:xfrm>
+            <a:off x="2783205" y="5107940"/>
+            <a:ext cx="298450" cy="245110"/>
+          </a:xfrm>
+          <a:prstGeom prst="rect">
+            <a:avLst/>
+          </a:prstGeom>
+          <a:noFill/>
+        </p:spPr>
+        <p:txBody>
+          <a:bodyPr wrap="square" rtlCol="0">
+            <a:spAutoFit/>
+          </a:bodyPr>
+          <a:p>
+            <a:pPr algn="ctr"/>
+            <a:r>
+              <a:rPr lang="en-US" sz="1000">
+                <a:solidFill>
+                  <a:srgbClr val="EC9891"/>
+                </a:solidFill>
+              </a:rPr>
+              <a:t>U</a:t>
+            </a:r>
+            <a:endParaRPr lang="en-US" sz="1000">
+              <a:solidFill>
+                <a:srgbClr val="EC9891"/>
+              </a:solidFill>
+            </a:endParaRPr>
+          </a:p>
+        </p:txBody>
+      </p:sp>
+      <p:sp>
+        <p:nvSpPr>
+          <p:cNvPr id="2" name="Text Box 1"/>
+          <p:cNvSpPr txBox="1"/>
+          <p:nvPr/>
+        </p:nvSpPr>
+        <p:spPr>
+          <a:xfrm>
+            <a:off x="4063365" y="1186180"/>
+            <a:ext cx="4133215" cy="275590"/>
+          </a:xfrm>
+          <a:prstGeom prst="rect">
+            <a:avLst/>
+          </a:prstGeom>
+          <a:noFill/>
+        </p:spPr>
+        <p:txBody>
+          <a:bodyPr wrap="square" rtlCol="0">
+            <a:spAutoFit/>
+          </a:bodyPr>
+          <a:p>
+            <a:pPr algn="ctr"/>
+            <a:r>
+              <a:rPr lang="en-US" sz="1200">
+                <a:latin typeface="Helvetica Regular" charset="0"/>
+                <a:cs typeface="Helvetica Regular" charset="0"/>
+              </a:rPr>
+              <a:t>4. Repeat step 1-3 on the remaining dataset </a:t>
+            </a:r>
+            <a:endParaRPr lang="en-US" sz="1200">
+              <a:latin typeface="Helvetica Regular" charset="0"/>
+              <a:cs typeface="Helvetica Regular" charset="0"/>
+            </a:endParaRPr>
+          </a:p>
+        </p:txBody>
+      </p:sp>
+      <p:cxnSp>
+        <p:nvCxnSpPr>
+          <p:cNvPr id="13" name="Straight Arrow Connector 12"/>
+          <p:cNvCxnSpPr/>
+          <p:nvPr/>
+        </p:nvCxnSpPr>
+        <p:spPr>
+          <a:xfrm flipV="1">
+            <a:off x="4732020" y="1800860"/>
+            <a:ext cx="0" cy="1473200"/>
+          </a:xfrm>
+          <a:prstGeom prst="straightConnector1">
+            <a:avLst/>
+          </a:prstGeom>
+          <a:ln w="38100">
+            <a:solidFill>
+              <a:schemeClr val="tx1"/>
+            </a:solidFill>
+            <a:tailEnd type="stealth"/>
+          </a:ln>
+        </p:spPr>
+        <p:style>
+          <a:lnRef idx="2">
+            <a:schemeClr val="accent1"/>
+          </a:lnRef>
+          <a:fillRef idx="0">
+            <a:srgbClr val="FFFFFF"/>
+          </a:fillRef>
+          <a:effectRef idx="0">
+            <a:srgbClr val="FFFFFF"/>
+          </a:effectRef>
+          <a:fontRef idx="minor">
+            <a:schemeClr val="tx1"/>
+          </a:fontRef>
+        </p:style>
+      </p:cxnSp>
+      <p:cxnSp>
+        <p:nvCxnSpPr>
+          <p:cNvPr id="15" name="Straight Arrow Connector 14"/>
+          <p:cNvCxnSpPr/>
+          <p:nvPr/>
+        </p:nvCxnSpPr>
+        <p:spPr>
+          <a:xfrm>
+            <a:off x="4751705" y="3259455"/>
+            <a:ext cx="2279650" cy="9525"/>
+          </a:xfrm>
+          <a:prstGeom prst="straightConnector1">
+            <a:avLst/>
+          </a:prstGeom>
+          <a:ln w="38100">
+            <a:solidFill>
+              <a:schemeClr val="tx1"/>
+            </a:solidFill>
+            <a:tailEnd type="stealth"/>
+          </a:ln>
+        </p:spPr>
+        <p:style>
+          <a:lnRef idx="2">
+            <a:schemeClr val="accent1"/>
+          </a:lnRef>
+          <a:fillRef idx="0">
+            <a:srgbClr val="FFFFFF"/>
+          </a:fillRef>
+          <a:effectRef idx="0">
+            <a:srgbClr val="FFFFFF"/>
+          </a:effectRef>
+          <a:fontRef idx="minor">
+            <a:schemeClr val="tx1"/>
+          </a:fontRef>
+        </p:style>
+      </p:cxnSp>
+      <p:sp>
+        <p:nvSpPr>
+          <p:cNvPr id="24" name="Text Box 23"/>
+          <p:cNvSpPr txBox="1"/>
+          <p:nvPr/>
+        </p:nvSpPr>
+        <p:spPr>
+          <a:xfrm>
+            <a:off x="6955155" y="3052445"/>
+            <a:ext cx="601980" cy="275590"/>
+          </a:xfrm>
+          <a:prstGeom prst="rect">
+            <a:avLst/>
+          </a:prstGeom>
+          <a:noFill/>
+        </p:spPr>
+        <p:txBody>
+          <a:bodyPr wrap="square" rtlCol="0">
+            <a:spAutoFit/>
+          </a:bodyPr>
+          <a:p>
+            <a:r>
+              <a:rPr lang="en-US" sz="1200">
+                <a:latin typeface="Helvetica Regular" charset="0"/>
+                <a:cs typeface="Helvetica Regular" charset="0"/>
+              </a:rPr>
+              <a:t>Mass</a:t>
+            </a:r>
+            <a:endParaRPr lang="en-US" sz="1200">
+              <a:latin typeface="Helvetica Regular" charset="0"/>
+              <a:cs typeface="Helvetica Regular" charset="0"/>
+            </a:endParaRPr>
+          </a:p>
+        </p:txBody>
+      </p:sp>
+      <p:pic>
+        <p:nvPicPr>
+          <p:cNvPr id="57" name="Picture 56" descr="Screenshot 2025-04-07 at 3.48.22 PM"/>
+          <p:cNvPicPr>
+            <a:picLocks noChangeAspect="1"/>
+          </p:cNvPicPr>
+          <p:nvPr/>
+        </p:nvPicPr>
+        <p:blipFill>
+          <a:blip r:embed="rId4"/>
+          <a:stretch>
+            <a:fillRect/>
+          </a:stretch>
+        </p:blipFill>
+        <p:spPr>
+          <a:xfrm>
+            <a:off x="4751705" y="1875155"/>
+            <a:ext cx="2213610" cy="1367155"/>
+          </a:xfrm>
+          <a:prstGeom prst="rect">
+            <a:avLst/>
+          </a:prstGeom>
+        </p:spPr>
+      </p:pic>
+      <p:cxnSp>
+        <p:nvCxnSpPr>
+          <p:cNvPr id="72" name="Straight Connector 71"/>
+          <p:cNvCxnSpPr/>
+          <p:nvPr/>
+        </p:nvCxnSpPr>
+        <p:spPr>
+          <a:xfrm>
+            <a:off x="5276850" y="1923415"/>
+            <a:ext cx="0" cy="307975"/>
+          </a:xfrm>
+          <a:prstGeom prst="line">
+            <a:avLst/>
+          </a:prstGeom>
+          <a:ln w="12700" cmpd="sng">
+            <a:solidFill>
+              <a:schemeClr val="tx1">
+                <a:lumMod val="75000"/>
+                <a:lumOff val="25000"/>
+              </a:schemeClr>
+            </a:solidFill>
+            <a:prstDash val="sysDot"/>
+          </a:ln>
+        </p:spPr>
+        <p:style>
+          <a:lnRef idx="2">
+            <a:schemeClr val="accent1"/>
+          </a:lnRef>
+          <a:fillRef idx="0">
+            <a:srgbClr val="FFFFFF"/>
+          </a:fillRef>
+          <a:effectRef idx="0">
+            <a:srgbClr val="FFFFFF"/>
+          </a:effectRef>
+          <a:fontRef idx="minor">
+            <a:schemeClr val="tx1"/>
+          </a:fontRef>
+        </p:style>
+      </p:cxnSp>
+      <p:cxnSp>
+        <p:nvCxnSpPr>
+          <p:cNvPr id="73" name="Straight Connector 72"/>
+          <p:cNvCxnSpPr/>
+          <p:nvPr/>
+        </p:nvCxnSpPr>
+        <p:spPr>
+          <a:xfrm>
+            <a:off x="6109970" y="1892935"/>
+            <a:ext cx="0" cy="664210"/>
+          </a:xfrm>
+          <a:prstGeom prst="line">
+            <a:avLst/>
+          </a:prstGeom>
+          <a:ln w="12700" cmpd="sng">
+            <a:solidFill>
+              <a:schemeClr val="tx1">
+                <a:lumMod val="65000"/>
+                <a:lumOff val="35000"/>
+              </a:schemeClr>
+            </a:solidFill>
+            <a:prstDash val="sysDot"/>
+          </a:ln>
+        </p:spPr>
+        <p:style>
+          <a:lnRef idx="2">
+            <a:schemeClr val="accent1"/>
+          </a:lnRef>
+          <a:fillRef idx="0">
+            <a:srgbClr val="FFFFFF"/>
+          </a:fillRef>
+          <a:effectRef idx="0">
+            <a:srgbClr val="FFFFFF"/>
+          </a:effectRef>
+          <a:fontRef idx="minor">
+            <a:schemeClr val="tx1"/>
+          </a:fontRef>
+        </p:style>
+      </p:cxnSp>
+      <p:cxnSp>
+        <p:nvCxnSpPr>
+          <p:cNvPr id="74" name="Straight Arrow Connector 73"/>
+          <p:cNvCxnSpPr/>
+          <p:nvPr/>
+        </p:nvCxnSpPr>
+        <p:spPr>
+          <a:xfrm>
+            <a:off x="5266690" y="1923415"/>
+            <a:ext cx="353060" cy="0"/>
+          </a:xfrm>
+          <a:prstGeom prst="straightConnector1">
+            <a:avLst/>
+          </a:prstGeom>
+          <a:ln>
+            <a:solidFill>
+              <a:schemeClr val="tx1">
+                <a:lumMod val="65000"/>
+                <a:lumOff val="35000"/>
+              </a:schemeClr>
+            </a:solidFill>
+            <a:round/>
+            <a:headEnd type="stealth"/>
+            <a:tailEnd type="stealth"/>
+          </a:ln>
+        </p:spPr>
+        <p:style>
+          <a:lnRef idx="2">
+            <a:schemeClr val="accent1"/>
+          </a:lnRef>
+          <a:fillRef idx="0">
+            <a:srgbClr val="FFFFFF"/>
+          </a:fillRef>
+          <a:effectRef idx="0">
+            <a:srgbClr val="FFFFFF"/>
+          </a:effectRef>
+          <a:fontRef idx="minor">
+            <a:schemeClr val="tx1"/>
+          </a:fontRef>
+        </p:style>
+      </p:cxnSp>
+      <p:cxnSp>
+        <p:nvCxnSpPr>
+          <p:cNvPr id="75" name="Straight Arrow Connector 74"/>
+          <p:cNvCxnSpPr/>
+          <p:nvPr/>
+        </p:nvCxnSpPr>
+        <p:spPr>
+          <a:xfrm>
+            <a:off x="5645785" y="1929130"/>
+            <a:ext cx="481965" cy="0"/>
+          </a:xfrm>
+          <a:prstGeom prst="straightConnector1">
+            <a:avLst/>
+          </a:prstGeom>
+          <a:ln>
+            <a:solidFill>
+              <a:schemeClr val="tx1">
+                <a:lumMod val="65000"/>
+                <a:lumOff val="35000"/>
+              </a:schemeClr>
+            </a:solidFill>
+            <a:round/>
+            <a:headEnd type="stealth"/>
+            <a:tailEnd type="stealth"/>
+          </a:ln>
+        </p:spPr>
+        <p:style>
+          <a:lnRef idx="2">
+            <a:schemeClr val="accent1"/>
+          </a:lnRef>
+          <a:fillRef idx="0">
+            <a:srgbClr val="FFFFFF"/>
+          </a:fillRef>
+          <a:effectRef idx="0">
+            <a:srgbClr val="FFFFFF"/>
+          </a:effectRef>
+          <a:fontRef idx="minor">
+            <a:schemeClr val="tx1"/>
+          </a:fontRef>
+        </p:style>
+      </p:cxnSp>
+      <p:sp>
+        <p:nvSpPr>
+          <p:cNvPr id="76" name="Text Box 75"/>
+          <p:cNvSpPr txBox="1"/>
+          <p:nvPr/>
+        </p:nvSpPr>
+        <p:spPr>
+          <a:xfrm>
+            <a:off x="5293995" y="1726565"/>
+            <a:ext cx="298450" cy="245110"/>
+          </a:xfrm>
+          <a:prstGeom prst="rect">
+            <a:avLst/>
+          </a:prstGeom>
+          <a:noFill/>
+        </p:spPr>
+        <p:txBody>
+          <a:bodyPr wrap="square" rtlCol="0">
+            <a:spAutoFit/>
+          </a:bodyPr>
+          <a:p>
+            <a:pPr algn="ctr"/>
+            <a:r>
+              <a:rPr lang="en-US" sz="1000">
+                <a:solidFill>
+                  <a:srgbClr val="EC9891"/>
+                </a:solidFill>
+              </a:rPr>
+              <a:t>C</a:t>
+            </a:r>
+            <a:endParaRPr lang="en-US" sz="1000">
+              <a:solidFill>
+                <a:srgbClr val="EC9891"/>
+              </a:solidFill>
+            </a:endParaRPr>
+          </a:p>
+        </p:txBody>
+      </p:sp>
+      <p:sp>
+        <p:nvSpPr>
+          <p:cNvPr id="77" name="Text Box 76"/>
+          <p:cNvSpPr txBox="1"/>
+          <p:nvPr/>
+        </p:nvSpPr>
+        <p:spPr>
+          <a:xfrm>
+            <a:off x="5767070" y="1726565"/>
+            <a:ext cx="248920" cy="245110"/>
+          </a:xfrm>
+          <a:prstGeom prst="rect">
+            <a:avLst/>
+          </a:prstGeom>
+          <a:noFill/>
+        </p:spPr>
+        <p:txBody>
+          <a:bodyPr wrap="square" rtlCol="0">
+            <a:spAutoFit/>
+          </a:bodyPr>
+          <a:p>
+            <a:pPr algn="ctr"/>
+            <a:r>
+              <a:rPr lang="en-US" sz="1000">
+                <a:solidFill>
+                  <a:srgbClr val="EC9891"/>
+                </a:solidFill>
+              </a:rPr>
+              <a:t>G</a:t>
+            </a:r>
+            <a:endParaRPr lang="en-US" sz="1000">
+              <a:solidFill>
+                <a:srgbClr val="EC9891"/>
+              </a:solidFill>
+            </a:endParaRPr>
+          </a:p>
+        </p:txBody>
+      </p:sp>
+      <p:cxnSp>
+        <p:nvCxnSpPr>
+          <p:cNvPr id="79" name="Straight Connector 78"/>
+          <p:cNvCxnSpPr/>
+          <p:nvPr/>
+        </p:nvCxnSpPr>
+        <p:spPr>
+          <a:xfrm>
+            <a:off x="6575425" y="1929130"/>
+            <a:ext cx="0" cy="661670"/>
+          </a:xfrm>
+          <a:prstGeom prst="line">
+            <a:avLst/>
+          </a:prstGeom>
+          <a:ln w="12700" cmpd="sng">
+            <a:solidFill>
+              <a:schemeClr val="tx1">
+                <a:lumMod val="65000"/>
+                <a:lumOff val="35000"/>
+              </a:schemeClr>
+            </a:solidFill>
+            <a:prstDash val="sysDot"/>
+          </a:ln>
+        </p:spPr>
+        <p:style>
+          <a:lnRef idx="2">
+            <a:schemeClr val="accent1"/>
+          </a:lnRef>
+          <a:fillRef idx="0">
+            <a:srgbClr val="FFFFFF"/>
+          </a:fillRef>
+          <a:effectRef idx="0">
+            <a:srgbClr val="FFFFFF"/>
+          </a:effectRef>
+          <a:fontRef idx="minor">
+            <a:schemeClr val="tx1"/>
+          </a:fontRef>
+        </p:style>
+      </p:cxnSp>
+      <p:cxnSp>
+        <p:nvCxnSpPr>
+          <p:cNvPr id="80" name="Straight Arrow Connector 79"/>
+          <p:cNvCxnSpPr/>
+          <p:nvPr/>
+        </p:nvCxnSpPr>
+        <p:spPr>
+          <a:xfrm>
+            <a:off x="6113780" y="1929130"/>
+            <a:ext cx="455930" cy="0"/>
+          </a:xfrm>
+          <a:prstGeom prst="straightConnector1">
+            <a:avLst/>
+          </a:prstGeom>
+          <a:ln>
+            <a:solidFill>
+              <a:schemeClr val="tx1">
+                <a:lumMod val="65000"/>
+                <a:lumOff val="35000"/>
+              </a:schemeClr>
+            </a:solidFill>
+            <a:round/>
+            <a:headEnd type="stealth"/>
+            <a:tailEnd type="stealth"/>
+          </a:ln>
+        </p:spPr>
+        <p:style>
+          <a:lnRef idx="2">
+            <a:schemeClr val="accent1"/>
+          </a:lnRef>
+          <a:fillRef idx="0">
+            <a:srgbClr val="FFFFFF"/>
+          </a:fillRef>
+          <a:effectRef idx="0">
+            <a:srgbClr val="FFFFFF"/>
+          </a:effectRef>
+          <a:fontRef idx="minor">
+            <a:schemeClr val="tx1"/>
+          </a:fontRef>
+        </p:style>
+      </p:cxnSp>
+      <p:sp>
+        <p:nvSpPr>
+          <p:cNvPr id="81" name="Text Box 80"/>
+          <p:cNvSpPr txBox="1"/>
+          <p:nvPr/>
+        </p:nvSpPr>
+        <p:spPr>
+          <a:xfrm>
+            <a:off x="6217285" y="1726565"/>
+            <a:ext cx="248920" cy="245110"/>
+          </a:xfrm>
+          <a:prstGeom prst="rect">
+            <a:avLst/>
+          </a:prstGeom>
+          <a:noFill/>
+        </p:spPr>
+        <p:txBody>
+          <a:bodyPr wrap="square" rtlCol="0">
+            <a:spAutoFit/>
+          </a:bodyPr>
+          <a:p>
+            <a:pPr algn="ctr"/>
+            <a:r>
+              <a:rPr lang="en-US" sz="1000">
+                <a:solidFill>
+                  <a:srgbClr val="EC9891"/>
+                </a:solidFill>
+              </a:rPr>
+              <a:t>G</a:t>
+            </a:r>
+            <a:endParaRPr lang="en-US" sz="1000">
+              <a:solidFill>
+                <a:srgbClr val="EC9891"/>
+              </a:solidFill>
+            </a:endParaRPr>
+          </a:p>
+        </p:txBody>
+      </p:sp>
+      <p:cxnSp>
+        <p:nvCxnSpPr>
+          <p:cNvPr id="82" name="Straight Connector 81"/>
+          <p:cNvCxnSpPr/>
+          <p:nvPr/>
+        </p:nvCxnSpPr>
+        <p:spPr>
+          <a:xfrm>
+            <a:off x="4933315" y="1888490"/>
+            <a:ext cx="0" cy="1036955"/>
+          </a:xfrm>
+          <a:prstGeom prst="line">
+            <a:avLst/>
+          </a:prstGeom>
+          <a:ln w="12700" cmpd="sng">
+            <a:solidFill>
+              <a:schemeClr val="tx1">
+                <a:lumMod val="65000"/>
+                <a:lumOff val="35000"/>
+              </a:schemeClr>
+            </a:solidFill>
+            <a:prstDash val="sysDot"/>
+          </a:ln>
+        </p:spPr>
+        <p:style>
+          <a:lnRef idx="2">
+            <a:schemeClr val="accent1"/>
+          </a:lnRef>
+          <a:fillRef idx="0">
+            <a:srgbClr val="FFFFFF"/>
+          </a:fillRef>
+          <a:effectRef idx="0">
+            <a:srgbClr val="FFFFFF"/>
+          </a:effectRef>
+          <a:fontRef idx="minor">
+            <a:schemeClr val="tx1"/>
+          </a:fontRef>
+        </p:style>
+      </p:cxnSp>
+      <p:cxnSp>
+        <p:nvCxnSpPr>
+          <p:cNvPr id="83" name="Straight Arrow Connector 82"/>
+          <p:cNvCxnSpPr/>
+          <p:nvPr/>
+        </p:nvCxnSpPr>
+        <p:spPr>
+          <a:xfrm>
+            <a:off x="4933315" y="1923415"/>
+            <a:ext cx="335280" cy="0"/>
+          </a:xfrm>
+          <a:prstGeom prst="straightConnector1">
+            <a:avLst/>
+          </a:prstGeom>
+          <a:ln>
+            <a:solidFill>
+              <a:schemeClr val="tx1">
+                <a:lumMod val="65000"/>
+                <a:lumOff val="35000"/>
+              </a:schemeClr>
+            </a:solidFill>
+            <a:round/>
+            <a:headEnd type="stealth"/>
+            <a:tailEnd type="stealth"/>
+          </a:ln>
+        </p:spPr>
+        <p:style>
+          <a:lnRef idx="2">
+            <a:schemeClr val="accent1"/>
+          </a:lnRef>
+          <a:fillRef idx="0">
+            <a:srgbClr val="FFFFFF"/>
+          </a:fillRef>
+          <a:effectRef idx="0">
+            <a:srgbClr val="FFFFFF"/>
+          </a:effectRef>
+          <a:fontRef idx="minor">
+            <a:schemeClr val="tx1"/>
+          </a:fontRef>
+        </p:style>
+      </p:cxnSp>
+      <p:cxnSp>
+        <p:nvCxnSpPr>
+          <p:cNvPr id="84" name="Straight Connector 83"/>
+          <p:cNvCxnSpPr/>
+          <p:nvPr/>
+        </p:nvCxnSpPr>
+        <p:spPr>
+          <a:xfrm>
+            <a:off x="6935470" y="1923415"/>
+            <a:ext cx="0" cy="1268730"/>
+          </a:xfrm>
+          <a:prstGeom prst="line">
+            <a:avLst/>
+          </a:prstGeom>
+          <a:ln w="12700" cmpd="sng">
+            <a:solidFill>
+              <a:schemeClr val="tx1">
+                <a:lumMod val="65000"/>
+                <a:lumOff val="35000"/>
+              </a:schemeClr>
+            </a:solidFill>
+            <a:prstDash val="sysDot"/>
+          </a:ln>
+        </p:spPr>
+        <p:style>
+          <a:lnRef idx="2">
+            <a:schemeClr val="accent1"/>
+          </a:lnRef>
+          <a:fillRef idx="0">
+            <a:srgbClr val="FFFFFF"/>
+          </a:fillRef>
+          <a:effectRef idx="0">
+            <a:srgbClr val="FFFFFF"/>
+          </a:effectRef>
+          <a:fontRef idx="minor">
+            <a:schemeClr val="tx1"/>
+          </a:fontRef>
+        </p:style>
+      </p:cxnSp>
+      <p:cxnSp>
+        <p:nvCxnSpPr>
+          <p:cNvPr id="85" name="Straight Arrow Connector 84"/>
+          <p:cNvCxnSpPr/>
+          <p:nvPr/>
+        </p:nvCxnSpPr>
+        <p:spPr>
+          <a:xfrm>
+            <a:off x="6575425" y="1929130"/>
+            <a:ext cx="353060" cy="0"/>
+          </a:xfrm>
+          <a:prstGeom prst="straightConnector1">
+            <a:avLst/>
+          </a:prstGeom>
+          <a:ln>
+            <a:solidFill>
+              <a:schemeClr val="tx1">
+                <a:lumMod val="65000"/>
+                <a:lumOff val="35000"/>
+              </a:schemeClr>
+            </a:solidFill>
+            <a:round/>
+            <a:headEnd type="stealth"/>
+            <a:tailEnd type="stealth"/>
+          </a:ln>
+        </p:spPr>
+        <p:style>
+          <a:lnRef idx="2">
+            <a:schemeClr val="accent1"/>
+          </a:lnRef>
+          <a:fillRef idx="0">
+            <a:srgbClr val="FFFFFF"/>
+          </a:fillRef>
+          <a:effectRef idx="0">
+            <a:srgbClr val="FFFFFF"/>
+          </a:effectRef>
+          <a:fontRef idx="minor">
+            <a:schemeClr val="tx1"/>
+          </a:fontRef>
+        </p:style>
+      </p:cxnSp>
+      <p:sp>
+        <p:nvSpPr>
+          <p:cNvPr id="86" name="Text Box 85"/>
+          <p:cNvSpPr txBox="1"/>
+          <p:nvPr/>
+        </p:nvSpPr>
+        <p:spPr>
+          <a:xfrm>
+            <a:off x="4970145" y="1726565"/>
+            <a:ext cx="298450" cy="245110"/>
+          </a:xfrm>
+          <a:prstGeom prst="rect">
+            <a:avLst/>
+          </a:prstGeom>
+          <a:noFill/>
+        </p:spPr>
+        <p:txBody>
+          <a:bodyPr wrap="square" rtlCol="0">
+            <a:spAutoFit/>
+          </a:bodyPr>
+          <a:p>
+            <a:pPr algn="ctr"/>
+            <a:r>
+              <a:rPr lang="en-US" sz="1000">
+                <a:solidFill>
+                  <a:srgbClr val="EC9891"/>
+                </a:solidFill>
+              </a:rPr>
+              <a:t>A</a:t>
+            </a:r>
+            <a:endParaRPr lang="en-US" sz="1000">
+              <a:solidFill>
+                <a:srgbClr val="EC9891"/>
+              </a:solidFill>
+            </a:endParaRPr>
+          </a:p>
+        </p:txBody>
+      </p:sp>
+      <p:sp>
+        <p:nvSpPr>
+          <p:cNvPr id="87" name="Text Box 86"/>
+          <p:cNvSpPr txBox="1"/>
+          <p:nvPr/>
+        </p:nvSpPr>
+        <p:spPr>
+          <a:xfrm>
+            <a:off x="6602730" y="1724660"/>
+            <a:ext cx="298450" cy="245110"/>
+          </a:xfrm>
+          <a:prstGeom prst="rect">
+            <a:avLst/>
+          </a:prstGeom>
+          <a:noFill/>
+        </p:spPr>
+        <p:txBody>
+          <a:bodyPr wrap="square" rtlCol="0">
+            <a:spAutoFit/>
+          </a:bodyPr>
+          <a:p>
+            <a:pPr algn="ctr"/>
+            <a:r>
+              <a:rPr lang="en-US" sz="1000">
+                <a:solidFill>
+                  <a:srgbClr val="EC9891"/>
+                </a:solidFill>
+              </a:rPr>
+              <a:t>U</a:t>
+            </a:r>
+            <a:endParaRPr lang="en-US" sz="1000">
+              <a:solidFill>
+                <a:srgbClr val="EC9891"/>
+              </a:solidFill>
+            </a:endParaRPr>
+          </a:p>
+        </p:txBody>
+      </p:sp>
+      <p:cxnSp>
+        <p:nvCxnSpPr>
+          <p:cNvPr id="6" name="Straight Connector 5"/>
+          <p:cNvCxnSpPr/>
+          <p:nvPr/>
+        </p:nvCxnSpPr>
+        <p:spPr>
+          <a:xfrm>
+            <a:off x="5060315" y="2271395"/>
+            <a:ext cx="0" cy="506095"/>
+          </a:xfrm>
+          <a:prstGeom prst="line">
+            <a:avLst/>
+          </a:prstGeom>
+          <a:ln w="12700" cmpd="sng">
+            <a:solidFill>
+              <a:schemeClr val="tx1">
+                <a:lumMod val="65000"/>
+                <a:lumOff val="35000"/>
+              </a:schemeClr>
+            </a:solidFill>
+            <a:prstDash val="sysDot"/>
+          </a:ln>
+        </p:spPr>
+        <p:style>
+          <a:lnRef idx="2">
+            <a:schemeClr val="accent1"/>
+          </a:lnRef>
+          <a:fillRef idx="0">
+            <a:srgbClr val="FFFFFF"/>
+          </a:fillRef>
+          <a:effectRef idx="0">
+            <a:srgbClr val="FFFFFF"/>
+          </a:effectRef>
+          <a:fontRef idx="minor">
+            <a:schemeClr val="tx1"/>
+          </a:fontRef>
+        </p:style>
+      </p:cxnSp>
+      <p:cxnSp>
+        <p:nvCxnSpPr>
+          <p:cNvPr id="25" name="Straight Connector 24"/>
+          <p:cNvCxnSpPr/>
+          <p:nvPr/>
+        </p:nvCxnSpPr>
+        <p:spPr>
+          <a:xfrm>
+            <a:off x="5403850" y="2276475"/>
+            <a:ext cx="0" cy="116840"/>
+          </a:xfrm>
+          <a:prstGeom prst="line">
+            <a:avLst/>
+          </a:prstGeom>
+          <a:ln w="12700" cmpd="sng">
+            <a:solidFill>
+              <a:schemeClr val="tx1">
+                <a:lumMod val="75000"/>
+                <a:lumOff val="25000"/>
+              </a:schemeClr>
+            </a:solidFill>
+            <a:prstDash val="sysDot"/>
+          </a:ln>
+        </p:spPr>
+        <p:style>
+          <a:lnRef idx="2">
+            <a:schemeClr val="accent1"/>
+          </a:lnRef>
+          <a:fillRef idx="0">
+            <a:srgbClr val="FFFFFF"/>
+          </a:fillRef>
+          <a:effectRef idx="0">
+            <a:srgbClr val="FFFFFF"/>
+          </a:effectRef>
+          <a:fontRef idx="minor">
+            <a:schemeClr val="tx1"/>
+          </a:fontRef>
+        </p:style>
+      </p:cxnSp>
+      <p:cxnSp>
+        <p:nvCxnSpPr>
+          <p:cNvPr id="33" name="Straight Connector 32"/>
+          <p:cNvCxnSpPr/>
+          <p:nvPr/>
+        </p:nvCxnSpPr>
+        <p:spPr>
+          <a:xfrm>
+            <a:off x="6706870" y="2276475"/>
+            <a:ext cx="0" cy="375920"/>
+          </a:xfrm>
+          <a:prstGeom prst="line">
+            <a:avLst/>
+          </a:prstGeom>
+          <a:ln w="12700" cmpd="sng">
+            <a:solidFill>
+              <a:schemeClr val="tx1">
+                <a:lumMod val="75000"/>
+                <a:lumOff val="25000"/>
+              </a:schemeClr>
+            </a:solidFill>
+            <a:prstDash val="sysDot"/>
+          </a:ln>
+        </p:spPr>
+        <p:style>
+          <a:lnRef idx="2">
+            <a:schemeClr val="accent1"/>
+          </a:lnRef>
+          <a:fillRef idx="0">
+            <a:srgbClr val="FFFFFF"/>
+          </a:fillRef>
+          <a:effectRef idx="0">
+            <a:srgbClr val="FFFFFF"/>
+          </a:effectRef>
+          <a:fontRef idx="minor">
+            <a:schemeClr val="tx1"/>
+          </a:fontRef>
+        </p:style>
+      </p:cxnSp>
+      <p:cxnSp>
+        <p:nvCxnSpPr>
+          <p:cNvPr id="34" name="Straight Connector 33"/>
+          <p:cNvCxnSpPr/>
+          <p:nvPr/>
+        </p:nvCxnSpPr>
+        <p:spPr>
+          <a:xfrm>
+            <a:off x="5736590" y="2271395"/>
+            <a:ext cx="0" cy="116840"/>
+          </a:xfrm>
+          <a:prstGeom prst="line">
+            <a:avLst/>
+          </a:prstGeom>
+          <a:ln w="12700" cmpd="sng">
+            <a:solidFill>
+              <a:schemeClr val="tx1">
+                <a:lumMod val="75000"/>
+                <a:lumOff val="25000"/>
+              </a:schemeClr>
+            </a:solidFill>
+            <a:prstDash val="sysDot"/>
+          </a:ln>
+        </p:spPr>
+        <p:style>
+          <a:lnRef idx="2">
+            <a:schemeClr val="accent1"/>
+          </a:lnRef>
+          <a:fillRef idx="0">
+            <a:srgbClr val="FFFFFF"/>
+          </a:fillRef>
+          <a:effectRef idx="0">
+            <a:srgbClr val="FFFFFF"/>
+          </a:effectRef>
+          <a:fontRef idx="minor">
+            <a:schemeClr val="tx1"/>
+          </a:fontRef>
+        </p:style>
+      </p:cxnSp>
+      <p:cxnSp>
+        <p:nvCxnSpPr>
+          <p:cNvPr id="37" name="Straight Arrow Connector 36"/>
+          <p:cNvCxnSpPr/>
+          <p:nvPr/>
+        </p:nvCxnSpPr>
+        <p:spPr>
+          <a:xfrm>
+            <a:off x="5060315" y="2276475"/>
+            <a:ext cx="346710" cy="0"/>
+          </a:xfrm>
+          <a:prstGeom prst="straightConnector1">
+            <a:avLst/>
+          </a:prstGeom>
+          <a:ln>
+            <a:solidFill>
+              <a:schemeClr val="tx1">
+                <a:lumMod val="65000"/>
+                <a:lumOff val="35000"/>
+              </a:schemeClr>
+            </a:solidFill>
+            <a:round/>
+            <a:headEnd type="stealth"/>
+            <a:tailEnd type="stealth"/>
+          </a:ln>
+        </p:spPr>
+        <p:style>
+          <a:lnRef idx="2">
+            <a:schemeClr val="accent1"/>
+          </a:lnRef>
+          <a:fillRef idx="0">
+            <a:srgbClr val="FFFFFF"/>
+          </a:fillRef>
+          <a:effectRef idx="0">
+            <a:srgbClr val="FFFFFF"/>
+          </a:effectRef>
+          <a:fontRef idx="minor">
+            <a:schemeClr val="tx1"/>
+          </a:fontRef>
+        </p:style>
+      </p:cxnSp>
+      <p:sp>
+        <p:nvSpPr>
+          <p:cNvPr id="42" name="Text Box 41"/>
+          <p:cNvSpPr txBox="1"/>
+          <p:nvPr/>
+        </p:nvSpPr>
+        <p:spPr>
+          <a:xfrm>
+            <a:off x="5060315" y="2064385"/>
+            <a:ext cx="298450" cy="245110"/>
+          </a:xfrm>
+          <a:prstGeom prst="rect">
+            <a:avLst/>
+          </a:prstGeom>
+          <a:noFill/>
+        </p:spPr>
+        <p:txBody>
+          <a:bodyPr wrap="square" rtlCol="0">
+            <a:spAutoFit/>
+          </a:bodyPr>
+          <a:p>
+            <a:pPr algn="ctr"/>
+            <a:r>
+              <a:rPr lang="en-US" sz="1000">
+                <a:solidFill>
+                  <a:srgbClr val="F8A93A"/>
+                </a:solidFill>
+              </a:rPr>
+              <a:t>G</a:t>
+            </a:r>
+            <a:endParaRPr lang="en-US" sz="1000">
+              <a:solidFill>
+                <a:srgbClr val="F8A93A"/>
+              </a:solidFill>
+            </a:endParaRPr>
+          </a:p>
+        </p:txBody>
+      </p:sp>
+      <p:cxnSp>
+        <p:nvCxnSpPr>
+          <p:cNvPr id="48" name="Straight Arrow Connector 47"/>
+          <p:cNvCxnSpPr/>
+          <p:nvPr/>
+        </p:nvCxnSpPr>
+        <p:spPr>
+          <a:xfrm>
+            <a:off x="5407025" y="2276475"/>
+            <a:ext cx="330200" cy="0"/>
+          </a:xfrm>
+          <a:prstGeom prst="straightConnector1">
+            <a:avLst/>
+          </a:prstGeom>
+          <a:ln>
+            <a:solidFill>
+              <a:schemeClr val="tx1">
+                <a:lumMod val="65000"/>
+                <a:lumOff val="35000"/>
+              </a:schemeClr>
+            </a:solidFill>
+            <a:round/>
+            <a:headEnd type="stealth"/>
+            <a:tailEnd type="stealth"/>
+          </a:ln>
+        </p:spPr>
+        <p:style>
+          <a:lnRef idx="2">
+            <a:schemeClr val="accent1"/>
+          </a:lnRef>
+          <a:fillRef idx="0">
+            <a:srgbClr val="FFFFFF"/>
+          </a:fillRef>
+          <a:effectRef idx="0">
+            <a:srgbClr val="FFFFFF"/>
+          </a:effectRef>
+          <a:fontRef idx="minor">
+            <a:schemeClr val="tx1"/>
+          </a:fontRef>
+        </p:style>
+      </p:cxnSp>
+      <p:sp>
+        <p:nvSpPr>
+          <p:cNvPr id="61" name="Text Box 60"/>
+          <p:cNvSpPr txBox="1"/>
+          <p:nvPr/>
+        </p:nvSpPr>
+        <p:spPr>
+          <a:xfrm>
+            <a:off x="5645785" y="2064385"/>
+            <a:ext cx="298450" cy="245110"/>
+          </a:xfrm>
+          <a:prstGeom prst="rect">
+            <a:avLst/>
+          </a:prstGeom>
+          <a:noFill/>
+        </p:spPr>
+        <p:txBody>
+          <a:bodyPr wrap="square" rtlCol="0">
+            <a:spAutoFit/>
+          </a:bodyPr>
+          <a:p>
+            <a:pPr algn="ctr"/>
+            <a:r>
+              <a:rPr lang="en-US" sz="1000">
+                <a:solidFill>
+                  <a:srgbClr val="F8A93A"/>
+                </a:solidFill>
+              </a:rPr>
+              <a:t>C</a:t>
+            </a:r>
+            <a:endParaRPr lang="en-US" sz="1000">
+              <a:solidFill>
+                <a:srgbClr val="F8A93A"/>
+              </a:solidFill>
+            </a:endParaRPr>
+          </a:p>
+        </p:txBody>
+      </p:sp>
+      <p:cxnSp>
+        <p:nvCxnSpPr>
+          <p:cNvPr id="68" name="Straight Arrow Connector 67"/>
+          <p:cNvCxnSpPr/>
+          <p:nvPr/>
+        </p:nvCxnSpPr>
+        <p:spPr>
+          <a:xfrm>
+            <a:off x="5735320" y="2276475"/>
+            <a:ext cx="144145" cy="0"/>
+          </a:xfrm>
+          <a:prstGeom prst="straightConnector1">
+            <a:avLst/>
+          </a:prstGeom>
+          <a:ln>
+            <a:solidFill>
+              <a:schemeClr val="tx1">
+                <a:lumMod val="65000"/>
+                <a:lumOff val="35000"/>
+              </a:schemeClr>
+            </a:solidFill>
+            <a:round/>
+            <a:headEnd type="stealth"/>
+            <a:tailEnd type="stealth"/>
+          </a:ln>
+        </p:spPr>
+        <p:style>
+          <a:lnRef idx="2">
+            <a:schemeClr val="accent1"/>
+          </a:lnRef>
+          <a:fillRef idx="0">
+            <a:srgbClr val="FFFFFF"/>
+          </a:fillRef>
+          <a:effectRef idx="0">
+            <a:srgbClr val="FFFFFF"/>
+          </a:effectRef>
+          <a:fontRef idx="minor">
+            <a:schemeClr val="tx1"/>
+          </a:fontRef>
+        </p:style>
+      </p:cxnSp>
+      <p:cxnSp>
+        <p:nvCxnSpPr>
+          <p:cNvPr id="69" name="Straight Arrow Connector 68"/>
+          <p:cNvCxnSpPr/>
+          <p:nvPr/>
+        </p:nvCxnSpPr>
+        <p:spPr>
+          <a:xfrm>
+            <a:off x="5879465" y="2271395"/>
+            <a:ext cx="346710" cy="0"/>
+          </a:xfrm>
+          <a:prstGeom prst="straightConnector1">
+            <a:avLst/>
+          </a:prstGeom>
+          <a:ln>
+            <a:solidFill>
+              <a:schemeClr val="tx1">
+                <a:lumMod val="65000"/>
+                <a:lumOff val="35000"/>
+              </a:schemeClr>
+            </a:solidFill>
+            <a:round/>
+            <a:headEnd type="stealth"/>
+            <a:tailEnd type="stealth"/>
+          </a:ln>
+        </p:spPr>
+        <p:style>
+          <a:lnRef idx="2">
+            <a:schemeClr val="accent1"/>
+          </a:lnRef>
+          <a:fillRef idx="0">
+            <a:srgbClr val="FFFFFF"/>
+          </a:fillRef>
+          <a:effectRef idx="0">
+            <a:srgbClr val="FFFFFF"/>
+          </a:effectRef>
+          <a:fontRef idx="minor">
+            <a:schemeClr val="tx1"/>
+          </a:fontRef>
+        </p:style>
+      </p:cxnSp>
+      <p:sp>
+        <p:nvSpPr>
+          <p:cNvPr id="70" name="Text Box 69"/>
+          <p:cNvSpPr txBox="1"/>
+          <p:nvPr/>
+        </p:nvSpPr>
+        <p:spPr>
+          <a:xfrm>
+            <a:off x="5902960" y="2064385"/>
+            <a:ext cx="274955" cy="245110"/>
+          </a:xfrm>
+          <a:prstGeom prst="rect">
+            <a:avLst/>
+          </a:prstGeom>
+          <a:noFill/>
+        </p:spPr>
+        <p:txBody>
+          <a:bodyPr wrap="square" rtlCol="0">
+            <a:spAutoFit/>
+          </a:bodyPr>
+          <a:p>
+            <a:pPr algn="ctr"/>
+            <a:r>
+              <a:rPr lang="en-US" sz="1000">
+                <a:solidFill>
+                  <a:srgbClr val="F8A93A"/>
+                </a:solidFill>
+              </a:rPr>
+              <a:t>A</a:t>
+            </a:r>
+            <a:endParaRPr lang="en-US" sz="1000">
+              <a:solidFill>
+                <a:srgbClr val="F8A93A"/>
+              </a:solidFill>
+            </a:endParaRPr>
+          </a:p>
+        </p:txBody>
+      </p:sp>
+      <p:sp>
+        <p:nvSpPr>
+          <p:cNvPr id="71" name="Text Box 70"/>
+          <p:cNvSpPr txBox="1"/>
+          <p:nvPr/>
+        </p:nvSpPr>
+        <p:spPr>
+          <a:xfrm>
+            <a:off x="5436870" y="2064385"/>
+            <a:ext cx="298450" cy="245110"/>
+          </a:xfrm>
+          <a:prstGeom prst="rect">
+            <a:avLst/>
+          </a:prstGeom>
+          <a:noFill/>
+        </p:spPr>
+        <p:txBody>
+          <a:bodyPr wrap="square" rtlCol="0">
+            <a:spAutoFit/>
+          </a:bodyPr>
+          <a:p>
+            <a:pPr algn="ctr"/>
+            <a:r>
+              <a:rPr lang="en-US" sz="1000">
+                <a:solidFill>
+                  <a:srgbClr val="F8A93A"/>
+                </a:solidFill>
+              </a:rPr>
+              <a:t>U</a:t>
+            </a:r>
+            <a:endParaRPr lang="en-US" sz="1000">
+              <a:solidFill>
+                <a:srgbClr val="F8A93A"/>
+              </a:solidFill>
+            </a:endParaRPr>
+          </a:p>
+        </p:txBody>
+      </p:sp>
+      <p:cxnSp>
+        <p:nvCxnSpPr>
+          <p:cNvPr id="78" name="Straight Arrow Connector 77"/>
+          <p:cNvCxnSpPr/>
+          <p:nvPr/>
+        </p:nvCxnSpPr>
+        <p:spPr>
+          <a:xfrm>
+            <a:off x="6250940" y="2276475"/>
+            <a:ext cx="455930" cy="0"/>
+          </a:xfrm>
+          <a:prstGeom prst="straightConnector1">
+            <a:avLst/>
+          </a:prstGeom>
+          <a:ln>
+            <a:solidFill>
+              <a:schemeClr val="tx1">
+                <a:lumMod val="65000"/>
+                <a:lumOff val="35000"/>
+              </a:schemeClr>
+            </a:solidFill>
+            <a:round/>
+            <a:headEnd type="stealth"/>
+            <a:tailEnd type="stealth"/>
+          </a:ln>
+        </p:spPr>
+        <p:style>
+          <a:lnRef idx="2">
+            <a:schemeClr val="accent1"/>
+          </a:lnRef>
+          <a:fillRef idx="0">
+            <a:srgbClr val="FFFFFF"/>
+          </a:fillRef>
+          <a:effectRef idx="0">
+            <a:srgbClr val="FFFFFF"/>
+          </a:effectRef>
+          <a:fontRef idx="minor">
+            <a:schemeClr val="tx1"/>
+          </a:fontRef>
+        </p:style>
+      </p:cxnSp>
+      <p:sp>
+        <p:nvSpPr>
+          <p:cNvPr id="88" name="Text Box 87"/>
+          <p:cNvSpPr txBox="1"/>
+          <p:nvPr/>
+        </p:nvSpPr>
+        <p:spPr>
+          <a:xfrm>
+            <a:off x="6250940" y="2064385"/>
+            <a:ext cx="298450" cy="245110"/>
+          </a:xfrm>
+          <a:prstGeom prst="rect">
+            <a:avLst/>
+          </a:prstGeom>
+          <a:noFill/>
+        </p:spPr>
+        <p:txBody>
+          <a:bodyPr wrap="square" rtlCol="0">
+            <a:spAutoFit/>
+          </a:bodyPr>
+          <a:p>
+            <a:pPr algn="ctr"/>
+            <a:r>
+              <a:rPr lang="en-US" sz="1000">
+                <a:solidFill>
+                  <a:srgbClr val="F8A93A"/>
+                </a:solidFill>
+              </a:rPr>
+              <a:t>C</a:t>
+            </a:r>
+            <a:endParaRPr lang="en-US" sz="1000">
+              <a:solidFill>
+                <a:srgbClr val="F8A93A"/>
+              </a:solidFill>
+            </a:endParaRPr>
+          </a:p>
+        </p:txBody>
+      </p:sp>
+      <p:cxnSp>
+        <p:nvCxnSpPr>
+          <p:cNvPr id="89" name="Straight Connector 88"/>
+          <p:cNvCxnSpPr/>
+          <p:nvPr/>
+        </p:nvCxnSpPr>
+        <p:spPr>
+          <a:xfrm>
+            <a:off x="4791075" y="2058035"/>
+            <a:ext cx="0" cy="1100455"/>
+          </a:xfrm>
+          <a:prstGeom prst="line">
+            <a:avLst/>
+          </a:prstGeom>
+          <a:ln w="12700" cmpd="sng">
+            <a:solidFill>
+              <a:schemeClr val="tx1">
+                <a:lumMod val="65000"/>
+                <a:lumOff val="35000"/>
+              </a:schemeClr>
+            </a:solidFill>
+            <a:prstDash val="sysDot"/>
+          </a:ln>
+        </p:spPr>
+        <p:style>
+          <a:lnRef idx="2">
+            <a:schemeClr val="accent1"/>
+          </a:lnRef>
+          <a:fillRef idx="0">
+            <a:srgbClr val="FFFFFF"/>
+          </a:fillRef>
+          <a:effectRef idx="0">
+            <a:srgbClr val="FFFFFF"/>
+          </a:effectRef>
+          <a:fontRef idx="minor">
+            <a:schemeClr val="tx1"/>
+          </a:fontRef>
+        </p:style>
+      </p:cxnSp>
+      <p:cxnSp>
+        <p:nvCxnSpPr>
+          <p:cNvPr id="90" name="Straight Connector 89"/>
+          <p:cNvCxnSpPr/>
+          <p:nvPr/>
+        </p:nvCxnSpPr>
+        <p:spPr>
+          <a:xfrm>
+            <a:off x="5161915" y="2063115"/>
+            <a:ext cx="0" cy="755015"/>
+          </a:xfrm>
+          <a:prstGeom prst="line">
+            <a:avLst/>
+          </a:prstGeom>
+          <a:ln w="12700" cmpd="sng">
+            <a:solidFill>
+              <a:schemeClr val="tx1">
+                <a:lumMod val="65000"/>
+                <a:lumOff val="35000"/>
+              </a:schemeClr>
+            </a:solidFill>
+            <a:prstDash val="sysDot"/>
+          </a:ln>
+        </p:spPr>
+        <p:style>
+          <a:lnRef idx="2">
+            <a:schemeClr val="accent1"/>
+          </a:lnRef>
+          <a:fillRef idx="0">
+            <a:srgbClr val="FFFFFF"/>
+          </a:fillRef>
+          <a:effectRef idx="0">
+            <a:srgbClr val="FFFFFF"/>
+          </a:effectRef>
+          <a:fontRef idx="minor">
+            <a:schemeClr val="tx1"/>
+          </a:fontRef>
+        </p:style>
+      </p:cxnSp>
+      <p:cxnSp>
+        <p:nvCxnSpPr>
+          <p:cNvPr id="91" name="Straight Arrow Connector 90"/>
+          <p:cNvCxnSpPr/>
+          <p:nvPr/>
+        </p:nvCxnSpPr>
+        <p:spPr>
+          <a:xfrm>
+            <a:off x="4794885" y="2077720"/>
+            <a:ext cx="367665" cy="0"/>
+          </a:xfrm>
+          <a:prstGeom prst="straightConnector1">
+            <a:avLst/>
+          </a:prstGeom>
+          <a:ln>
+            <a:solidFill>
+              <a:schemeClr val="tx1">
+                <a:lumMod val="65000"/>
+                <a:lumOff val="35000"/>
+              </a:schemeClr>
+            </a:solidFill>
+            <a:round/>
+            <a:headEnd type="stealth"/>
+            <a:tailEnd type="stealth"/>
+          </a:ln>
+        </p:spPr>
+        <p:style>
+          <a:lnRef idx="2">
+            <a:schemeClr val="accent1"/>
+          </a:lnRef>
+          <a:fillRef idx="0">
+            <a:srgbClr val="FFFFFF"/>
+          </a:fillRef>
+          <a:effectRef idx="0">
+            <a:srgbClr val="FFFFFF"/>
+          </a:effectRef>
+          <a:fontRef idx="minor">
+            <a:schemeClr val="tx1"/>
+          </a:fontRef>
+        </p:style>
+      </p:cxnSp>
+      <p:cxnSp>
+        <p:nvCxnSpPr>
+          <p:cNvPr id="92" name="Straight Connector 91"/>
+          <p:cNvCxnSpPr/>
+          <p:nvPr/>
+        </p:nvCxnSpPr>
+        <p:spPr>
+          <a:xfrm>
+            <a:off x="5436870" y="2063115"/>
+            <a:ext cx="0" cy="638175"/>
+          </a:xfrm>
+          <a:prstGeom prst="line">
+            <a:avLst/>
+          </a:prstGeom>
+          <a:ln w="12700" cmpd="sng">
+            <a:solidFill>
+              <a:schemeClr val="tx1">
+                <a:lumMod val="65000"/>
+                <a:lumOff val="35000"/>
+              </a:schemeClr>
+            </a:solidFill>
+            <a:prstDash val="sysDot"/>
+          </a:ln>
+        </p:spPr>
+        <p:style>
+          <a:lnRef idx="2">
+            <a:schemeClr val="accent1"/>
+          </a:lnRef>
+          <a:fillRef idx="0">
+            <a:srgbClr val="FFFFFF"/>
+          </a:fillRef>
+          <a:effectRef idx="0">
+            <a:srgbClr val="FFFFFF"/>
+          </a:effectRef>
+          <a:fontRef idx="minor">
+            <a:schemeClr val="tx1"/>
+          </a:fontRef>
+        </p:style>
+      </p:cxnSp>
+      <p:cxnSp>
+        <p:nvCxnSpPr>
+          <p:cNvPr id="93" name="Straight Arrow Connector 92"/>
+          <p:cNvCxnSpPr/>
+          <p:nvPr/>
+        </p:nvCxnSpPr>
+        <p:spPr>
+          <a:xfrm>
+            <a:off x="5161915" y="2077720"/>
+            <a:ext cx="274955" cy="0"/>
+          </a:xfrm>
+          <a:prstGeom prst="straightConnector1">
+            <a:avLst/>
+          </a:prstGeom>
+          <a:ln>
+            <a:solidFill>
+              <a:schemeClr val="tx1">
+                <a:lumMod val="65000"/>
+                <a:lumOff val="35000"/>
+              </a:schemeClr>
+            </a:solidFill>
+            <a:round/>
+            <a:headEnd type="stealth"/>
+            <a:tailEnd type="stealth"/>
+          </a:ln>
+        </p:spPr>
+        <p:style>
+          <a:lnRef idx="2">
+            <a:schemeClr val="accent1"/>
+          </a:lnRef>
+          <a:fillRef idx="0">
+            <a:srgbClr val="FFFFFF"/>
+          </a:fillRef>
+          <a:effectRef idx="0">
+            <a:srgbClr val="FFFFFF"/>
+          </a:effectRef>
+          <a:fontRef idx="minor">
+            <a:schemeClr val="tx1"/>
+          </a:fontRef>
+        </p:style>
+      </p:cxnSp>
+      <p:cxnSp>
+        <p:nvCxnSpPr>
+          <p:cNvPr id="94" name="Straight Connector 93"/>
+          <p:cNvCxnSpPr/>
+          <p:nvPr/>
+        </p:nvCxnSpPr>
+        <p:spPr>
+          <a:xfrm>
+            <a:off x="5988050" y="2047875"/>
+            <a:ext cx="0" cy="228600"/>
+          </a:xfrm>
+          <a:prstGeom prst="line">
+            <a:avLst/>
+          </a:prstGeom>
+          <a:ln w="12700" cmpd="sng">
+            <a:solidFill>
+              <a:schemeClr val="tx1">
+                <a:lumMod val="65000"/>
+                <a:lumOff val="35000"/>
+              </a:schemeClr>
+            </a:solidFill>
+            <a:prstDash val="sysDot"/>
+          </a:ln>
+        </p:spPr>
+        <p:style>
+          <a:lnRef idx="2">
+            <a:schemeClr val="accent1"/>
+          </a:lnRef>
+          <a:fillRef idx="0">
+            <a:srgbClr val="FFFFFF"/>
+          </a:fillRef>
+          <a:effectRef idx="0">
+            <a:srgbClr val="FFFFFF"/>
+          </a:effectRef>
+          <a:fontRef idx="minor">
+            <a:schemeClr val="tx1"/>
+          </a:fontRef>
+        </p:style>
+      </p:cxnSp>
+      <p:cxnSp>
+        <p:nvCxnSpPr>
+          <p:cNvPr id="95" name="Straight Arrow Connector 94"/>
+          <p:cNvCxnSpPr/>
+          <p:nvPr/>
+        </p:nvCxnSpPr>
+        <p:spPr>
+          <a:xfrm>
+            <a:off x="5439410" y="2077720"/>
+            <a:ext cx="548640" cy="0"/>
+          </a:xfrm>
+          <a:prstGeom prst="straightConnector1">
+            <a:avLst/>
+          </a:prstGeom>
+          <a:ln>
+            <a:solidFill>
+              <a:schemeClr val="tx1">
+                <a:lumMod val="65000"/>
+                <a:lumOff val="35000"/>
+              </a:schemeClr>
+            </a:solidFill>
+            <a:round/>
+            <a:headEnd type="stealth"/>
+            <a:tailEnd type="stealth"/>
+          </a:ln>
+        </p:spPr>
+        <p:style>
+          <a:lnRef idx="2">
+            <a:schemeClr val="accent1"/>
+          </a:lnRef>
+          <a:fillRef idx="0">
+            <a:srgbClr val="FFFFFF"/>
+          </a:fillRef>
+          <a:effectRef idx="0">
+            <a:srgbClr val="FFFFFF"/>
+          </a:effectRef>
+          <a:fontRef idx="minor">
+            <a:schemeClr val="tx1"/>
+          </a:fontRef>
+        </p:style>
+      </p:cxnSp>
+      <p:cxnSp>
+        <p:nvCxnSpPr>
+          <p:cNvPr id="96" name="Straight Connector 95"/>
+          <p:cNvCxnSpPr/>
+          <p:nvPr/>
+        </p:nvCxnSpPr>
+        <p:spPr>
+          <a:xfrm>
+            <a:off x="6466205" y="2042795"/>
+            <a:ext cx="0" cy="598805"/>
+          </a:xfrm>
+          <a:prstGeom prst="line">
+            <a:avLst/>
+          </a:prstGeom>
+          <a:ln w="12700" cmpd="sng">
+            <a:solidFill>
+              <a:schemeClr val="tx1">
+                <a:lumMod val="65000"/>
+                <a:lumOff val="35000"/>
+              </a:schemeClr>
+            </a:solidFill>
+            <a:prstDash val="sysDot"/>
+          </a:ln>
+        </p:spPr>
+        <p:style>
+          <a:lnRef idx="2">
+            <a:schemeClr val="accent1"/>
+          </a:lnRef>
+          <a:fillRef idx="0">
+            <a:srgbClr val="FFFFFF"/>
+          </a:fillRef>
+          <a:effectRef idx="0">
+            <a:srgbClr val="FFFFFF"/>
+          </a:effectRef>
+          <a:fontRef idx="minor">
+            <a:schemeClr val="tx1"/>
+          </a:fontRef>
+        </p:style>
+      </p:cxnSp>
+      <p:cxnSp>
+        <p:nvCxnSpPr>
+          <p:cNvPr id="97" name="Straight Connector 96"/>
+          <p:cNvCxnSpPr/>
+          <p:nvPr/>
+        </p:nvCxnSpPr>
+        <p:spPr>
+          <a:xfrm>
+            <a:off x="6833870" y="2047875"/>
+            <a:ext cx="0" cy="770255"/>
+          </a:xfrm>
+          <a:prstGeom prst="line">
+            <a:avLst/>
+          </a:prstGeom>
+          <a:ln w="12700" cmpd="sng">
+            <a:solidFill>
+              <a:schemeClr val="tx1">
+                <a:lumMod val="65000"/>
+                <a:lumOff val="35000"/>
+              </a:schemeClr>
+            </a:solidFill>
+            <a:prstDash val="sysDot"/>
+          </a:ln>
+        </p:spPr>
+        <p:style>
+          <a:lnRef idx="2">
+            <a:schemeClr val="accent1"/>
+          </a:lnRef>
+          <a:fillRef idx="0">
+            <a:srgbClr val="FFFFFF"/>
+          </a:fillRef>
+          <a:effectRef idx="0">
+            <a:srgbClr val="FFFFFF"/>
+          </a:effectRef>
+          <a:fontRef idx="minor">
+            <a:schemeClr val="tx1"/>
+          </a:fontRef>
+        </p:style>
+      </p:cxnSp>
+      <p:cxnSp>
+        <p:nvCxnSpPr>
+          <p:cNvPr id="98" name="Straight Arrow Connector 97"/>
+          <p:cNvCxnSpPr/>
+          <p:nvPr/>
+        </p:nvCxnSpPr>
+        <p:spPr>
+          <a:xfrm>
+            <a:off x="5563870" y="2266315"/>
+            <a:ext cx="548640" cy="0"/>
+          </a:xfrm>
+          <a:prstGeom prst="straightConnector1">
+            <a:avLst/>
+          </a:prstGeom>
+          <a:ln>
+            <a:solidFill>
+              <a:schemeClr val="tx1">
+                <a:lumMod val="65000"/>
+                <a:lumOff val="35000"/>
+              </a:schemeClr>
+            </a:solidFill>
+            <a:round/>
+            <a:headEnd type="stealth"/>
+            <a:tailEnd type="stealth"/>
+          </a:ln>
+        </p:spPr>
+        <p:style>
+          <a:lnRef idx="2">
+            <a:schemeClr val="accent1"/>
+          </a:lnRef>
+          <a:fillRef idx="0">
+            <a:srgbClr val="FFFFFF"/>
+          </a:fillRef>
+          <a:effectRef idx="0">
+            <a:srgbClr val="FFFFFF"/>
+          </a:effectRef>
+          <a:fontRef idx="minor">
+            <a:schemeClr val="tx1"/>
+          </a:fontRef>
+        </p:style>
+      </p:cxnSp>
+      <p:cxnSp>
+        <p:nvCxnSpPr>
+          <p:cNvPr id="99" name="Straight Arrow Connector 98"/>
+          <p:cNvCxnSpPr/>
+          <p:nvPr/>
+        </p:nvCxnSpPr>
+        <p:spPr>
+          <a:xfrm>
+            <a:off x="5994400" y="2077720"/>
+            <a:ext cx="471805" cy="0"/>
+          </a:xfrm>
+          <a:prstGeom prst="straightConnector1">
+            <a:avLst/>
+          </a:prstGeom>
+          <a:ln>
+            <a:solidFill>
+              <a:schemeClr val="tx1">
+                <a:lumMod val="65000"/>
+                <a:lumOff val="35000"/>
+              </a:schemeClr>
+            </a:solidFill>
+            <a:round/>
+            <a:headEnd type="stealth"/>
+            <a:tailEnd type="stealth"/>
+          </a:ln>
+        </p:spPr>
+        <p:style>
+          <a:lnRef idx="2">
+            <a:schemeClr val="accent1"/>
+          </a:lnRef>
+          <a:fillRef idx="0">
+            <a:srgbClr val="FFFFFF"/>
+          </a:fillRef>
+          <a:effectRef idx="0">
+            <a:srgbClr val="FFFFFF"/>
+          </a:effectRef>
+          <a:fontRef idx="minor">
+            <a:schemeClr val="tx1"/>
+          </a:fontRef>
+        </p:style>
+      </p:cxnSp>
+      <p:cxnSp>
+        <p:nvCxnSpPr>
+          <p:cNvPr id="100" name="Straight Arrow Connector 99"/>
+          <p:cNvCxnSpPr/>
+          <p:nvPr/>
+        </p:nvCxnSpPr>
+        <p:spPr>
+          <a:xfrm>
+            <a:off x="6466205" y="2077720"/>
+            <a:ext cx="367665" cy="0"/>
+          </a:xfrm>
+          <a:prstGeom prst="straightConnector1">
+            <a:avLst/>
+          </a:prstGeom>
+          <a:ln>
+            <a:solidFill>
+              <a:schemeClr val="tx1">
+                <a:lumMod val="65000"/>
+                <a:lumOff val="35000"/>
+              </a:schemeClr>
+            </a:solidFill>
+            <a:round/>
+            <a:headEnd type="stealth"/>
+            <a:tailEnd type="stealth"/>
+          </a:ln>
+        </p:spPr>
+        <p:style>
+          <a:lnRef idx="2">
+            <a:schemeClr val="accent1"/>
+          </a:lnRef>
+          <a:fillRef idx="0">
+            <a:srgbClr val="FFFFFF"/>
+          </a:fillRef>
+          <a:effectRef idx="0">
+            <a:srgbClr val="FFFFFF"/>
+          </a:effectRef>
+          <a:fontRef idx="minor">
+            <a:schemeClr val="tx1"/>
+          </a:fontRef>
+        </p:style>
+      </p:cxnSp>
+      <p:sp>
+        <p:nvSpPr>
+          <p:cNvPr id="101" name="Text Box 100"/>
+          <p:cNvSpPr txBox="1"/>
+          <p:nvPr/>
+        </p:nvSpPr>
+        <p:spPr>
+          <a:xfrm>
+            <a:off x="4834890" y="1892935"/>
+            <a:ext cx="298450" cy="245110"/>
+          </a:xfrm>
+          <a:prstGeom prst="rect">
+            <a:avLst/>
+          </a:prstGeom>
+          <a:noFill/>
+        </p:spPr>
+        <p:txBody>
+          <a:bodyPr wrap="square" rtlCol="0">
+            <a:spAutoFit/>
+          </a:bodyPr>
+          <a:p>
+            <a:pPr algn="ctr"/>
+            <a:r>
+              <a:rPr lang="en-US" sz="1000">
+                <a:solidFill>
+                  <a:srgbClr val="89F664"/>
+                </a:solidFill>
+              </a:rPr>
+              <a:t>U</a:t>
+            </a:r>
+            <a:endParaRPr lang="en-US" sz="1000">
+              <a:solidFill>
+                <a:srgbClr val="89F664"/>
+              </a:solidFill>
+            </a:endParaRPr>
+          </a:p>
+        </p:txBody>
+      </p:sp>
+      <p:sp>
+        <p:nvSpPr>
+          <p:cNvPr id="102" name="Text Box 101"/>
+          <p:cNvSpPr txBox="1"/>
+          <p:nvPr/>
+        </p:nvSpPr>
+        <p:spPr>
+          <a:xfrm>
+            <a:off x="5140960" y="1888490"/>
+            <a:ext cx="298450" cy="245110"/>
+          </a:xfrm>
+          <a:prstGeom prst="rect">
+            <a:avLst/>
+          </a:prstGeom>
+          <a:noFill/>
+        </p:spPr>
+        <p:txBody>
+          <a:bodyPr wrap="square" rtlCol="0">
+            <a:spAutoFit/>
+          </a:bodyPr>
+          <a:p>
+            <a:pPr algn="ctr"/>
+            <a:r>
+              <a:rPr lang="en-US" sz="1000">
+                <a:solidFill>
+                  <a:srgbClr val="89F664"/>
+                </a:solidFill>
+              </a:rPr>
+              <a:t>G</a:t>
+            </a:r>
+            <a:endParaRPr lang="en-US" sz="1000">
+              <a:solidFill>
+                <a:srgbClr val="89F664"/>
+              </a:solidFill>
+            </a:endParaRPr>
+          </a:p>
+        </p:txBody>
+      </p:sp>
+      <p:sp>
+        <p:nvSpPr>
+          <p:cNvPr id="103" name="Text Box 102"/>
+          <p:cNvSpPr txBox="1"/>
+          <p:nvPr/>
+        </p:nvSpPr>
+        <p:spPr>
+          <a:xfrm>
+            <a:off x="5528310" y="1892935"/>
+            <a:ext cx="298450" cy="245110"/>
+          </a:xfrm>
+          <a:prstGeom prst="rect">
+            <a:avLst/>
+          </a:prstGeom>
+          <a:noFill/>
+        </p:spPr>
+        <p:txBody>
+          <a:bodyPr wrap="square" rtlCol="0">
+            <a:spAutoFit/>
+          </a:bodyPr>
+          <a:p>
+            <a:pPr algn="ctr"/>
+            <a:r>
+              <a:rPr lang="en-US" sz="1000">
+                <a:solidFill>
+                  <a:srgbClr val="89F664"/>
+                </a:solidFill>
+              </a:rPr>
+              <a:t>G</a:t>
+            </a:r>
+            <a:endParaRPr lang="en-US" sz="1000">
+              <a:solidFill>
+                <a:srgbClr val="89F664"/>
+              </a:solidFill>
+            </a:endParaRPr>
+          </a:p>
+        </p:txBody>
+      </p:sp>
+      <p:sp>
+        <p:nvSpPr>
+          <p:cNvPr id="104" name="Text Box 103"/>
+          <p:cNvSpPr txBox="1"/>
+          <p:nvPr/>
+        </p:nvSpPr>
+        <p:spPr>
+          <a:xfrm>
+            <a:off x="6080760" y="1888490"/>
+            <a:ext cx="298450" cy="245110"/>
+          </a:xfrm>
+          <a:prstGeom prst="rect">
+            <a:avLst/>
+          </a:prstGeom>
+          <a:noFill/>
+        </p:spPr>
+        <p:txBody>
+          <a:bodyPr wrap="square" rtlCol="0">
+            <a:spAutoFit/>
+          </a:bodyPr>
+          <a:p>
+            <a:pPr algn="ctr"/>
+            <a:r>
+              <a:rPr lang="en-US" sz="1000">
+                <a:solidFill>
+                  <a:srgbClr val="89F664"/>
+                </a:solidFill>
+              </a:rPr>
+              <a:t>C</a:t>
+            </a:r>
+            <a:endParaRPr lang="en-US" sz="1000">
+              <a:solidFill>
+                <a:srgbClr val="89F664"/>
+              </a:solidFill>
+            </a:endParaRPr>
+          </a:p>
+        </p:txBody>
+      </p:sp>
+      <p:sp>
+        <p:nvSpPr>
+          <p:cNvPr id="105" name="Text Box 104"/>
+          <p:cNvSpPr txBox="1"/>
+          <p:nvPr/>
+        </p:nvSpPr>
+        <p:spPr>
+          <a:xfrm>
+            <a:off x="6506210" y="1888490"/>
+            <a:ext cx="298450" cy="245110"/>
+          </a:xfrm>
+          <a:prstGeom prst="rect">
+            <a:avLst/>
+          </a:prstGeom>
+          <a:noFill/>
+        </p:spPr>
+        <p:txBody>
+          <a:bodyPr wrap="square" rtlCol="0">
+            <a:spAutoFit/>
+          </a:bodyPr>
+          <a:p>
+            <a:pPr algn="ctr"/>
+            <a:r>
+              <a:rPr lang="en-US" sz="1000">
+                <a:solidFill>
+                  <a:srgbClr val="89F664"/>
+                </a:solidFill>
+              </a:rPr>
+              <a:t>A</a:t>
+            </a:r>
+            <a:endParaRPr lang="en-US" sz="1000">
+              <a:solidFill>
+                <a:srgbClr val="89F664"/>
+              </a:solidFill>
+            </a:endParaRPr>
+          </a:p>
+        </p:txBody>
+      </p:sp>
+      <p:sp>
+        <p:nvSpPr>
+          <p:cNvPr id="106" name="Text Box 105"/>
+          <p:cNvSpPr txBox="1"/>
+          <p:nvPr/>
+        </p:nvSpPr>
+        <p:spPr>
+          <a:xfrm>
+            <a:off x="4027170" y="4269740"/>
+            <a:ext cx="4133215" cy="275590"/>
+          </a:xfrm>
+          <a:prstGeom prst="rect">
+            <a:avLst/>
+          </a:prstGeom>
+          <a:noFill/>
+        </p:spPr>
+        <p:txBody>
+          <a:bodyPr wrap="square" rtlCol="0">
+            <a:spAutoFit/>
+          </a:bodyPr>
+          <a:p>
+            <a:pPr algn="ctr"/>
+            <a:r>
+              <a:rPr lang="en-US" sz="1200">
+                <a:latin typeface="Helvetica Regular" charset="0"/>
+                <a:cs typeface="Helvetica Regular" charset="0"/>
+              </a:rPr>
+              <a:t>5. Collect ladders formed in a “layer by layer” fashion </a:t>
+            </a:r>
+            <a:endParaRPr lang="en-US" sz="1200">
+              <a:latin typeface="Helvetica Regular" charset="0"/>
+              <a:cs typeface="Helvetica Regular" charset="0"/>
+            </a:endParaRPr>
+          </a:p>
+        </p:txBody>
+      </p:sp>
+      <p:sp>
+        <p:nvSpPr>
+          <p:cNvPr id="108" name="Text Box 107"/>
+          <p:cNvSpPr txBox="1"/>
+          <p:nvPr/>
+        </p:nvSpPr>
+        <p:spPr>
+          <a:xfrm>
+            <a:off x="4732020" y="681990"/>
+            <a:ext cx="2718435" cy="275590"/>
+          </a:xfrm>
+          <a:prstGeom prst="rect">
+            <a:avLst/>
+          </a:prstGeom>
+          <a:noFill/>
+        </p:spPr>
+        <p:txBody>
+          <a:bodyPr wrap="square" rtlCol="0">
+            <a:spAutoFit/>
+          </a:bodyPr>
+          <a:p>
+            <a:pPr algn="ctr"/>
+            <a:r>
+              <a:rPr lang="en-US" sz="1200" b="1" u="sng">
+                <a:latin typeface="Helvetica Bold" charset="0"/>
+                <a:cs typeface="Helvetica Bold" charset="0"/>
+              </a:rPr>
+              <a:t>RNA Ladders Formation</a:t>
+            </a:r>
+            <a:endParaRPr lang="en-US" sz="1200" b="1" u="sng">
+              <a:latin typeface="Helvetica Bold" charset="0"/>
+              <a:cs typeface="Helvetica Bold" charset="0"/>
+            </a:endParaRPr>
+          </a:p>
+        </p:txBody>
+      </p:sp>
+      <p:cxnSp>
+        <p:nvCxnSpPr>
+          <p:cNvPr id="109" name="Straight Connector 108"/>
+          <p:cNvCxnSpPr/>
+          <p:nvPr/>
+        </p:nvCxnSpPr>
+        <p:spPr>
+          <a:xfrm>
+            <a:off x="8165465" y="3846195"/>
+            <a:ext cx="3744595" cy="0"/>
+          </a:xfrm>
+          <a:prstGeom prst="line">
+            <a:avLst/>
+          </a:prstGeom>
+          <a:ln w="12700" cmpd="sng">
+            <a:solidFill>
+              <a:schemeClr val="accent1">
+                <a:shade val="50000"/>
+              </a:schemeClr>
+            </a:solidFill>
+            <a:prstDash val="sysDot"/>
+          </a:ln>
+        </p:spPr>
+        <p:style>
+          <a:lnRef idx="2">
+            <a:schemeClr val="accent1"/>
+          </a:lnRef>
+          <a:fillRef idx="0">
+            <a:srgbClr val="FFFFFF"/>
+          </a:fillRef>
+          <a:effectRef idx="0">
+            <a:srgbClr val="FFFFFF"/>
+          </a:effectRef>
+          <a:fontRef idx="minor">
+            <a:schemeClr val="tx1"/>
+          </a:fontRef>
+        </p:style>
+      </p:cxnSp>
+      <p:sp>
+        <p:nvSpPr>
+          <p:cNvPr id="111" name="Text Box 110"/>
+          <p:cNvSpPr txBox="1"/>
+          <p:nvPr/>
+        </p:nvSpPr>
+        <p:spPr>
+          <a:xfrm>
+            <a:off x="8614410" y="681990"/>
+            <a:ext cx="2718435" cy="275590"/>
+          </a:xfrm>
+          <a:prstGeom prst="rect">
+            <a:avLst/>
+          </a:prstGeom>
+          <a:noFill/>
+        </p:spPr>
+        <p:txBody>
+          <a:bodyPr wrap="square" rtlCol="0">
+            <a:spAutoFit/>
+          </a:bodyPr>
+          <a:p>
+            <a:pPr algn="ctr"/>
+            <a:r>
+              <a:rPr lang="en-US" sz="1200" b="1" u="sng">
+                <a:latin typeface="Helvetica Bold" charset="0"/>
+                <a:cs typeface="Helvetica Bold" charset="0"/>
+              </a:rPr>
+              <a:t>Ladder Assembly</a:t>
+            </a:r>
+            <a:endParaRPr lang="en-US" sz="1200" b="1" u="sng">
+              <a:latin typeface="Helvetica Bold" charset="0"/>
+              <a:cs typeface="Helvetica Bold" charset="0"/>
+            </a:endParaRPr>
+          </a:p>
+        </p:txBody>
+      </p:sp>
+      <p:sp>
+        <p:nvSpPr>
+          <p:cNvPr id="112" name="Text Box 111"/>
+          <p:cNvSpPr txBox="1"/>
+          <p:nvPr/>
+        </p:nvSpPr>
+        <p:spPr>
+          <a:xfrm>
+            <a:off x="8156575" y="1186180"/>
+            <a:ext cx="3592830" cy="275590"/>
+          </a:xfrm>
+          <a:prstGeom prst="rect">
+            <a:avLst/>
+          </a:prstGeom>
+          <a:noFill/>
+        </p:spPr>
+        <p:txBody>
+          <a:bodyPr wrap="square" rtlCol="0">
+            <a:spAutoFit/>
+          </a:bodyPr>
+          <a:p>
+            <a:pPr algn="ctr"/>
+            <a:r>
+              <a:rPr lang="en-US" sz="1200">
+                <a:latin typeface="Helvetica Regular" charset="0"/>
+                <a:cs typeface="Helvetica Regular" charset="0"/>
+              </a:rPr>
+              <a:t>6. Different layers combined increases coverage</a:t>
+            </a:r>
+            <a:endParaRPr lang="en-US" sz="1200">
+              <a:latin typeface="Helvetica Regular" charset="0"/>
+              <a:cs typeface="Helvetica Regular" charset="0"/>
+            </a:endParaRPr>
+          </a:p>
+        </p:txBody>
+      </p:sp>
+      <p:sp>
+        <p:nvSpPr>
+          <p:cNvPr id="113" name="Text Box 112"/>
+          <p:cNvSpPr txBox="1"/>
+          <p:nvPr/>
+        </p:nvSpPr>
+        <p:spPr>
+          <a:xfrm>
+            <a:off x="8196580" y="4277995"/>
+            <a:ext cx="3592830" cy="275590"/>
+          </a:xfrm>
+          <a:prstGeom prst="rect">
+            <a:avLst/>
+          </a:prstGeom>
+          <a:noFill/>
+        </p:spPr>
+        <p:txBody>
+          <a:bodyPr wrap="square" rtlCol="0">
+            <a:spAutoFit/>
+          </a:bodyPr>
+          <a:p>
+            <a:pPr algn="ctr"/>
+            <a:r>
+              <a:rPr lang="en-US" sz="1200">
+                <a:latin typeface="Helvetica Regular" charset="0"/>
+                <a:cs typeface="Helvetica Regular" charset="0"/>
+              </a:rPr>
+              <a:t>7. 3’ and 5’ ladders cross-verifies each other</a:t>
+            </a:r>
+            <a:endParaRPr lang="en-US" sz="1200">
+              <a:latin typeface="Helvetica Regular" charset="0"/>
+              <a:cs typeface="Helvetica Regular" charset="0"/>
+            </a:endParaRPr>
+          </a:p>
+        </p:txBody>
+      </p:sp>
+      <p:cxnSp>
+        <p:nvCxnSpPr>
+          <p:cNvPr id="115" name="Straight Arrow Connector 114"/>
+          <p:cNvCxnSpPr/>
+          <p:nvPr/>
+        </p:nvCxnSpPr>
+        <p:spPr>
+          <a:xfrm flipV="1">
+            <a:off x="4732020" y="4849495"/>
+            <a:ext cx="0" cy="1473200"/>
+          </a:xfrm>
+          <a:prstGeom prst="straightConnector1">
+            <a:avLst/>
+          </a:prstGeom>
+          <a:ln w="38100">
+            <a:solidFill>
+              <a:schemeClr val="tx1"/>
+            </a:solidFill>
+            <a:tailEnd type="stealth"/>
+          </a:ln>
+        </p:spPr>
+        <p:style>
+          <a:lnRef idx="2">
+            <a:schemeClr val="accent1"/>
+          </a:lnRef>
+          <a:fillRef idx="0">
+            <a:srgbClr val="FFFFFF"/>
+          </a:fillRef>
+          <a:effectRef idx="0">
+            <a:srgbClr val="FFFFFF"/>
+          </a:effectRef>
+          <a:fontRef idx="minor">
+            <a:schemeClr val="tx1"/>
+          </a:fontRef>
+        </p:style>
+      </p:cxnSp>
+      <p:cxnSp>
+        <p:nvCxnSpPr>
+          <p:cNvPr id="116" name="Straight Arrow Connector 115"/>
+          <p:cNvCxnSpPr/>
+          <p:nvPr/>
+        </p:nvCxnSpPr>
+        <p:spPr>
+          <a:xfrm>
+            <a:off x="4751705" y="6308090"/>
+            <a:ext cx="2279650" cy="9525"/>
+          </a:xfrm>
+          <a:prstGeom prst="straightConnector1">
+            <a:avLst/>
+          </a:prstGeom>
+          <a:ln w="38100">
+            <a:solidFill>
+              <a:schemeClr val="tx1"/>
+            </a:solidFill>
+            <a:tailEnd type="stealth"/>
+          </a:ln>
+        </p:spPr>
+        <p:style>
+          <a:lnRef idx="2">
+            <a:schemeClr val="accent1"/>
+          </a:lnRef>
+          <a:fillRef idx="0">
+            <a:srgbClr val="FFFFFF"/>
+          </a:fillRef>
+          <a:effectRef idx="0">
+            <a:srgbClr val="FFFFFF"/>
+          </a:effectRef>
+          <a:fontRef idx="minor">
+            <a:schemeClr val="tx1"/>
+          </a:fontRef>
+        </p:style>
+      </p:cxnSp>
+      <p:sp>
+        <p:nvSpPr>
+          <p:cNvPr id="118" name="Text Box 117"/>
+          <p:cNvSpPr txBox="1"/>
+          <p:nvPr/>
+        </p:nvSpPr>
+        <p:spPr>
+          <a:xfrm>
+            <a:off x="6955155" y="6101080"/>
+            <a:ext cx="601980" cy="275590"/>
+          </a:xfrm>
+          <a:prstGeom prst="rect">
+            <a:avLst/>
+          </a:prstGeom>
+          <a:noFill/>
+        </p:spPr>
+        <p:txBody>
+          <a:bodyPr wrap="square" rtlCol="0">
+            <a:spAutoFit/>
+          </a:bodyPr>
+          <a:p>
+            <a:r>
+              <a:rPr lang="en-US" sz="1200">
+                <a:latin typeface="Helvetica Regular" charset="0"/>
+                <a:cs typeface="Helvetica Regular" charset="0"/>
+              </a:rPr>
+              <a:t>Mass</a:t>
+            </a:r>
+            <a:endParaRPr lang="en-US" sz="1200">
+              <a:latin typeface="Helvetica Regular" charset="0"/>
+              <a:cs typeface="Helvetica Regular" charset="0"/>
+            </a:endParaRPr>
+          </a:p>
+        </p:txBody>
+      </p:sp>
+      <p:pic>
+        <p:nvPicPr>
+          <p:cNvPr id="120" name="Picture 119" descr="Screenshot 2025-04-08 at 9.30.38 AM"/>
+          <p:cNvPicPr>
+            <a:picLocks noChangeAspect="1"/>
+          </p:cNvPicPr>
+          <p:nvPr/>
+        </p:nvPicPr>
+        <p:blipFill>
+          <a:blip r:embed="rId5"/>
+          <a:stretch>
+            <a:fillRect/>
+          </a:stretch>
+        </p:blipFill>
+        <p:spPr>
+          <a:xfrm>
+            <a:off x="4751705" y="4954905"/>
+            <a:ext cx="2184400" cy="1353185"/>
+          </a:xfrm>
+          <a:prstGeom prst="rect">
+            <a:avLst/>
+          </a:prstGeom>
+        </p:spPr>
+      </p:pic>
+      <p:pic>
+        <p:nvPicPr>
+          <p:cNvPr id="121" name="Picture 120" descr="Screenshot 2025-04-08 at 9.31.11 AM"/>
+          <p:cNvPicPr>
+            <a:picLocks noChangeAspect="1"/>
+          </p:cNvPicPr>
+          <p:nvPr/>
+        </p:nvPicPr>
+        <p:blipFill>
+          <a:blip r:embed="rId6"/>
+          <a:stretch>
+            <a:fillRect/>
+          </a:stretch>
+        </p:blipFill>
+        <p:spPr>
+          <a:xfrm>
+            <a:off x="7065645" y="5353050"/>
+            <a:ext cx="351155" cy="366395"/>
+          </a:xfrm>
+          <a:prstGeom prst="rect">
+            <a:avLst/>
+          </a:prstGeom>
+        </p:spPr>
+      </p:pic>
+      <p:sp>
+        <p:nvSpPr>
+          <p:cNvPr id="122" name="Text Box 121"/>
+          <p:cNvSpPr txBox="1"/>
+          <p:nvPr/>
+        </p:nvSpPr>
+        <p:spPr>
+          <a:xfrm>
+            <a:off x="4933315" y="5442585"/>
+            <a:ext cx="298450" cy="245110"/>
+          </a:xfrm>
+          <a:prstGeom prst="rect">
+            <a:avLst/>
+          </a:prstGeom>
+          <a:noFill/>
+        </p:spPr>
+        <p:txBody>
+          <a:bodyPr wrap="square" rtlCol="0">
+            <a:spAutoFit/>
+          </a:bodyPr>
+          <a:p>
+            <a:pPr algn="ctr"/>
+            <a:r>
+              <a:rPr lang="en-US" sz="1000">
+                <a:solidFill>
+                  <a:srgbClr val="FF0000"/>
+                </a:solidFill>
+              </a:rPr>
+              <a:t>A</a:t>
+            </a:r>
+            <a:endParaRPr lang="en-US" sz="1000">
+              <a:solidFill>
+                <a:srgbClr val="FF0000"/>
+              </a:solidFill>
+            </a:endParaRPr>
+          </a:p>
+        </p:txBody>
+      </p:sp>
+      <p:sp>
+        <p:nvSpPr>
+          <p:cNvPr id="123" name="Text Box 122"/>
+          <p:cNvSpPr txBox="1"/>
+          <p:nvPr/>
+        </p:nvSpPr>
+        <p:spPr>
+          <a:xfrm>
+            <a:off x="5231765" y="4933950"/>
+            <a:ext cx="298450" cy="245110"/>
+          </a:xfrm>
+          <a:prstGeom prst="rect">
+            <a:avLst/>
+          </a:prstGeom>
+          <a:noFill/>
+        </p:spPr>
+        <p:txBody>
+          <a:bodyPr wrap="square" rtlCol="0">
+            <a:spAutoFit/>
+          </a:bodyPr>
+          <a:p>
+            <a:pPr algn="ctr"/>
+            <a:r>
+              <a:rPr lang="en-US" sz="1000">
+                <a:solidFill>
+                  <a:srgbClr val="FF0000"/>
+                </a:solidFill>
+              </a:rPr>
+              <a:t>C</a:t>
+            </a:r>
+            <a:endParaRPr lang="en-US" sz="1000">
+              <a:solidFill>
+                <a:srgbClr val="FF0000"/>
+              </a:solidFill>
+            </a:endParaRPr>
+          </a:p>
+        </p:txBody>
+      </p:sp>
+      <p:sp>
+        <p:nvSpPr>
+          <p:cNvPr id="124" name="Text Box 123"/>
+          <p:cNvSpPr txBox="1"/>
+          <p:nvPr/>
+        </p:nvSpPr>
+        <p:spPr>
+          <a:xfrm>
+            <a:off x="5767070" y="5057140"/>
+            <a:ext cx="248920" cy="245110"/>
+          </a:xfrm>
+          <a:prstGeom prst="rect">
+            <a:avLst/>
+          </a:prstGeom>
+          <a:noFill/>
+        </p:spPr>
+        <p:txBody>
+          <a:bodyPr wrap="square" rtlCol="0">
+            <a:spAutoFit/>
+          </a:bodyPr>
+          <a:p>
+            <a:pPr algn="ctr"/>
+            <a:r>
+              <a:rPr lang="en-US" sz="1000">
+                <a:solidFill>
+                  <a:srgbClr val="FF0000"/>
+                </a:solidFill>
+              </a:rPr>
+              <a:t>G</a:t>
+            </a:r>
+            <a:endParaRPr lang="en-US" sz="1000">
+              <a:solidFill>
+                <a:srgbClr val="FF0000"/>
+              </a:solidFill>
+            </a:endParaRPr>
+          </a:p>
+        </p:txBody>
+      </p:sp>
+      <p:sp>
+        <p:nvSpPr>
+          <p:cNvPr id="125" name="Text Box 124"/>
+          <p:cNvSpPr txBox="1"/>
+          <p:nvPr/>
+        </p:nvSpPr>
+        <p:spPr>
+          <a:xfrm>
+            <a:off x="6130290" y="5611495"/>
+            <a:ext cx="248920" cy="245110"/>
+          </a:xfrm>
+          <a:prstGeom prst="rect">
+            <a:avLst/>
+          </a:prstGeom>
+          <a:noFill/>
+        </p:spPr>
+        <p:txBody>
+          <a:bodyPr wrap="square" rtlCol="0">
+            <a:spAutoFit/>
+          </a:bodyPr>
+          <a:p>
+            <a:pPr algn="ctr"/>
+            <a:r>
+              <a:rPr lang="en-US" sz="1000">
+                <a:solidFill>
+                  <a:srgbClr val="FF0000"/>
+                </a:solidFill>
+              </a:rPr>
+              <a:t>G</a:t>
+            </a:r>
+            <a:endParaRPr lang="en-US" sz="1000">
+              <a:solidFill>
+                <a:srgbClr val="FF0000"/>
+              </a:solidFill>
+            </a:endParaRPr>
+          </a:p>
+        </p:txBody>
+      </p:sp>
+      <p:sp>
+        <p:nvSpPr>
+          <p:cNvPr id="126" name="Text Box 125"/>
+          <p:cNvSpPr txBox="1"/>
+          <p:nvPr/>
+        </p:nvSpPr>
+        <p:spPr>
+          <a:xfrm>
+            <a:off x="6535420" y="5931535"/>
+            <a:ext cx="298450" cy="245110"/>
+          </a:xfrm>
+          <a:prstGeom prst="rect">
+            <a:avLst/>
+          </a:prstGeom>
+          <a:noFill/>
+        </p:spPr>
+        <p:txBody>
+          <a:bodyPr wrap="square" rtlCol="0">
+            <a:spAutoFit/>
+          </a:bodyPr>
+          <a:p>
+            <a:pPr algn="ctr"/>
+            <a:r>
+              <a:rPr lang="en-US" sz="1000">
+                <a:solidFill>
+                  <a:srgbClr val="FF0000"/>
+                </a:solidFill>
+              </a:rPr>
+              <a:t>U</a:t>
+            </a:r>
+            <a:endParaRPr lang="en-US" sz="1000">
+              <a:solidFill>
+                <a:srgbClr val="FF0000"/>
+              </a:solidFill>
+            </a:endParaRPr>
+          </a:p>
+        </p:txBody>
+      </p:sp>
+      <p:sp>
+        <p:nvSpPr>
+          <p:cNvPr id="127" name="Text Box 126"/>
+          <p:cNvSpPr txBox="1"/>
+          <p:nvPr/>
+        </p:nvSpPr>
+        <p:spPr>
+          <a:xfrm>
+            <a:off x="4864100" y="5987415"/>
+            <a:ext cx="298450" cy="245110"/>
+          </a:xfrm>
+          <a:prstGeom prst="rect">
+            <a:avLst/>
+          </a:prstGeom>
+          <a:noFill/>
+        </p:spPr>
+        <p:txBody>
+          <a:bodyPr wrap="square" rtlCol="0">
+            <a:spAutoFit/>
+          </a:bodyPr>
+          <a:p>
+            <a:pPr algn="ctr"/>
+            <a:r>
+              <a:rPr lang="en-US" sz="1000">
+                <a:solidFill>
+                  <a:srgbClr val="89F664"/>
+                </a:solidFill>
+              </a:rPr>
+              <a:t>U</a:t>
+            </a:r>
+            <a:endParaRPr lang="en-US" sz="1000">
+              <a:solidFill>
+                <a:srgbClr val="89F664"/>
+              </a:solidFill>
+            </a:endParaRPr>
+          </a:p>
+        </p:txBody>
+      </p:sp>
+      <p:sp>
+        <p:nvSpPr>
+          <p:cNvPr id="128" name="Text Box 127"/>
+          <p:cNvSpPr txBox="1"/>
+          <p:nvPr/>
+        </p:nvSpPr>
+        <p:spPr>
+          <a:xfrm>
+            <a:off x="5161915" y="5855970"/>
+            <a:ext cx="298450" cy="245110"/>
+          </a:xfrm>
+          <a:prstGeom prst="rect">
+            <a:avLst/>
+          </a:prstGeom>
+          <a:noFill/>
+        </p:spPr>
+        <p:txBody>
+          <a:bodyPr wrap="square" rtlCol="0">
+            <a:spAutoFit/>
+          </a:bodyPr>
+          <a:p>
+            <a:pPr algn="ctr"/>
+            <a:r>
+              <a:rPr lang="en-US" sz="1000">
+                <a:solidFill>
+                  <a:srgbClr val="89F664"/>
+                </a:solidFill>
+              </a:rPr>
+              <a:t>G</a:t>
+            </a:r>
+            <a:endParaRPr lang="en-US" sz="1000">
+              <a:solidFill>
+                <a:srgbClr val="89F664"/>
+              </a:solidFill>
+            </a:endParaRPr>
+          </a:p>
+        </p:txBody>
+      </p:sp>
+      <p:sp>
+        <p:nvSpPr>
+          <p:cNvPr id="129" name="Text Box 128"/>
+          <p:cNvSpPr txBox="1"/>
+          <p:nvPr/>
+        </p:nvSpPr>
+        <p:spPr>
+          <a:xfrm>
+            <a:off x="5563870" y="5514340"/>
+            <a:ext cx="298450" cy="245110"/>
+          </a:xfrm>
+          <a:prstGeom prst="rect">
+            <a:avLst/>
+          </a:prstGeom>
+          <a:noFill/>
+        </p:spPr>
+        <p:txBody>
+          <a:bodyPr wrap="square" rtlCol="0">
+            <a:spAutoFit/>
+          </a:bodyPr>
+          <a:p>
+            <a:pPr algn="ctr"/>
+            <a:r>
+              <a:rPr lang="en-US" sz="1000">
+                <a:solidFill>
+                  <a:srgbClr val="89F664"/>
+                </a:solidFill>
+              </a:rPr>
+              <a:t>G</a:t>
+            </a:r>
+            <a:endParaRPr lang="en-US" sz="1000">
+              <a:solidFill>
+                <a:srgbClr val="89F664"/>
+              </a:solidFill>
+            </a:endParaRPr>
+          </a:p>
+        </p:txBody>
+      </p:sp>
+      <p:sp>
+        <p:nvSpPr>
+          <p:cNvPr id="130" name="Text Box 129"/>
+          <p:cNvSpPr txBox="1"/>
+          <p:nvPr/>
+        </p:nvSpPr>
+        <p:spPr>
+          <a:xfrm>
+            <a:off x="6080760" y="5353050"/>
+            <a:ext cx="298450" cy="245110"/>
+          </a:xfrm>
+          <a:prstGeom prst="rect">
+            <a:avLst/>
+          </a:prstGeom>
+          <a:noFill/>
+        </p:spPr>
+        <p:txBody>
+          <a:bodyPr wrap="square" rtlCol="0">
+            <a:spAutoFit/>
+          </a:bodyPr>
+          <a:p>
+            <a:pPr algn="ctr"/>
+            <a:r>
+              <a:rPr lang="en-US" sz="1000">
+                <a:solidFill>
+                  <a:srgbClr val="89F664"/>
+                </a:solidFill>
+              </a:rPr>
+              <a:t>C</a:t>
+            </a:r>
+            <a:endParaRPr lang="en-US" sz="1000">
+              <a:solidFill>
+                <a:srgbClr val="89F664"/>
+              </a:solidFill>
+            </a:endParaRPr>
+          </a:p>
+        </p:txBody>
+      </p:sp>
+      <p:sp>
+        <p:nvSpPr>
+          <p:cNvPr id="131" name="Text Box 130"/>
+          <p:cNvSpPr txBox="1"/>
+          <p:nvPr/>
+        </p:nvSpPr>
+        <p:spPr>
+          <a:xfrm>
+            <a:off x="6408420" y="5759450"/>
+            <a:ext cx="298450" cy="245110"/>
+          </a:xfrm>
+          <a:prstGeom prst="rect">
+            <a:avLst/>
+          </a:prstGeom>
+          <a:noFill/>
+        </p:spPr>
+        <p:txBody>
+          <a:bodyPr wrap="square" rtlCol="0">
+            <a:spAutoFit/>
+          </a:bodyPr>
+          <a:p>
+            <a:pPr algn="ctr"/>
+            <a:r>
+              <a:rPr lang="en-US" sz="1000">
+                <a:solidFill>
+                  <a:srgbClr val="89F664"/>
+                </a:solidFill>
+              </a:rPr>
+              <a:t>A</a:t>
+            </a:r>
+            <a:endParaRPr lang="en-US" sz="1000">
+              <a:solidFill>
+                <a:srgbClr val="89F664"/>
+              </a:solidFill>
+            </a:endParaRPr>
+          </a:p>
+        </p:txBody>
+      </p:sp>
+      <p:sp>
+        <p:nvSpPr>
+          <p:cNvPr id="132" name="Text Box 131"/>
+          <p:cNvSpPr txBox="1"/>
+          <p:nvPr/>
+        </p:nvSpPr>
+        <p:spPr>
+          <a:xfrm>
+            <a:off x="5103495" y="5598160"/>
+            <a:ext cx="298450" cy="245110"/>
+          </a:xfrm>
+          <a:prstGeom prst="rect">
+            <a:avLst/>
+          </a:prstGeom>
+          <a:noFill/>
+        </p:spPr>
+        <p:txBody>
+          <a:bodyPr wrap="square" rtlCol="0">
+            <a:spAutoFit/>
+          </a:bodyPr>
+          <a:p>
+            <a:pPr algn="ctr"/>
+            <a:r>
+              <a:rPr lang="en-US" sz="1000">
+                <a:solidFill>
+                  <a:srgbClr val="F8A93A"/>
+                </a:solidFill>
+              </a:rPr>
+              <a:t>G</a:t>
+            </a:r>
+            <a:endParaRPr lang="en-US" sz="1000">
+              <a:solidFill>
+                <a:srgbClr val="F8A93A"/>
+              </a:solidFill>
+            </a:endParaRPr>
+          </a:p>
+        </p:txBody>
+      </p:sp>
+      <p:sp>
+        <p:nvSpPr>
+          <p:cNvPr id="133" name="Text Box 132"/>
+          <p:cNvSpPr txBox="1"/>
+          <p:nvPr/>
+        </p:nvSpPr>
+        <p:spPr>
+          <a:xfrm>
+            <a:off x="5403850" y="5271770"/>
+            <a:ext cx="298450" cy="245110"/>
+          </a:xfrm>
+          <a:prstGeom prst="rect">
+            <a:avLst/>
+          </a:prstGeom>
+          <a:noFill/>
+        </p:spPr>
+        <p:txBody>
+          <a:bodyPr wrap="square" rtlCol="0">
+            <a:spAutoFit/>
+          </a:bodyPr>
+          <a:p>
+            <a:pPr algn="ctr"/>
+            <a:r>
+              <a:rPr lang="en-US" sz="1000">
+                <a:solidFill>
+                  <a:srgbClr val="F8A93A"/>
+                </a:solidFill>
+              </a:rPr>
+              <a:t>U</a:t>
+            </a:r>
+            <a:endParaRPr lang="en-US" sz="1000">
+              <a:solidFill>
+                <a:srgbClr val="F8A93A"/>
+              </a:solidFill>
+            </a:endParaRPr>
+          </a:p>
+        </p:txBody>
+      </p:sp>
+      <p:sp>
+        <p:nvSpPr>
+          <p:cNvPr id="134" name="Text Box 133"/>
+          <p:cNvSpPr txBox="1"/>
+          <p:nvPr/>
+        </p:nvSpPr>
+        <p:spPr>
+          <a:xfrm>
+            <a:off x="5604510" y="5197475"/>
+            <a:ext cx="298450" cy="245110"/>
+          </a:xfrm>
+          <a:prstGeom prst="rect">
+            <a:avLst/>
+          </a:prstGeom>
+          <a:noFill/>
+        </p:spPr>
+        <p:txBody>
+          <a:bodyPr wrap="square" rtlCol="0">
+            <a:spAutoFit/>
+          </a:bodyPr>
+          <a:p>
+            <a:pPr algn="ctr"/>
+            <a:r>
+              <a:rPr lang="en-US" sz="1000">
+                <a:solidFill>
+                  <a:srgbClr val="F8A93A"/>
+                </a:solidFill>
+              </a:rPr>
+              <a:t>C</a:t>
+            </a:r>
+            <a:endParaRPr lang="en-US" sz="1000">
+              <a:solidFill>
+                <a:srgbClr val="F8A93A"/>
+              </a:solidFill>
+            </a:endParaRPr>
+          </a:p>
+        </p:txBody>
+      </p:sp>
+      <p:sp>
+        <p:nvSpPr>
+          <p:cNvPr id="135" name="Text Box 134"/>
+          <p:cNvSpPr txBox="1"/>
+          <p:nvPr/>
+        </p:nvSpPr>
+        <p:spPr>
+          <a:xfrm>
+            <a:off x="5902960" y="5166995"/>
+            <a:ext cx="274955" cy="245110"/>
+          </a:xfrm>
+          <a:prstGeom prst="rect">
+            <a:avLst/>
+          </a:prstGeom>
+          <a:noFill/>
+        </p:spPr>
+        <p:txBody>
+          <a:bodyPr wrap="square" rtlCol="0">
+            <a:spAutoFit/>
+          </a:bodyPr>
+          <a:p>
+            <a:pPr algn="ctr"/>
+            <a:r>
+              <a:rPr lang="en-US" sz="1000">
+                <a:solidFill>
+                  <a:srgbClr val="F8A93A"/>
+                </a:solidFill>
+              </a:rPr>
+              <a:t>A</a:t>
+            </a:r>
+            <a:endParaRPr lang="en-US" sz="1000">
+              <a:solidFill>
+                <a:srgbClr val="F8A93A"/>
+              </a:solidFill>
+            </a:endParaRPr>
+          </a:p>
+        </p:txBody>
+      </p:sp>
+      <p:sp>
+        <p:nvSpPr>
+          <p:cNvPr id="136" name="Text Box 135"/>
+          <p:cNvSpPr txBox="1"/>
+          <p:nvPr/>
+        </p:nvSpPr>
+        <p:spPr>
+          <a:xfrm>
+            <a:off x="6304280" y="5366385"/>
+            <a:ext cx="298450" cy="245110"/>
+          </a:xfrm>
+          <a:prstGeom prst="rect">
+            <a:avLst/>
+          </a:prstGeom>
+          <a:noFill/>
+        </p:spPr>
+        <p:txBody>
+          <a:bodyPr wrap="square" rtlCol="0">
+            <a:spAutoFit/>
+          </a:bodyPr>
+          <a:p>
+            <a:pPr algn="ctr"/>
+            <a:r>
+              <a:rPr lang="en-US" sz="1000">
+                <a:solidFill>
+                  <a:srgbClr val="F8A93A"/>
+                </a:solidFill>
+              </a:rPr>
+              <a:t>C</a:t>
+            </a:r>
+            <a:endParaRPr lang="en-US" sz="1000">
+              <a:solidFill>
+                <a:srgbClr val="F8A93A"/>
+              </a:solidFill>
+            </a:endParaRPr>
+          </a:p>
+        </p:txBody>
+      </p:sp>
+      <p:sp>
+        <p:nvSpPr>
+          <p:cNvPr id="137" name="Text Box 136"/>
+          <p:cNvSpPr txBox="1"/>
+          <p:nvPr/>
+        </p:nvSpPr>
+        <p:spPr>
+          <a:xfrm>
+            <a:off x="8196580" y="2689225"/>
+            <a:ext cx="1073150" cy="213995"/>
+          </a:xfrm>
+          <a:prstGeom prst="rect">
+            <a:avLst/>
+          </a:prstGeom>
+          <a:noFill/>
+        </p:spPr>
+        <p:txBody>
+          <a:bodyPr wrap="square" rtlCol="0">
+            <a:spAutoFit/>
+          </a:bodyPr>
+          <a:p>
+            <a:r>
+              <a:rPr lang="en-US" sz="800">
+                <a:latin typeface="Helvetica Regular" charset="0"/>
+                <a:cs typeface="Helvetica Regular" charset="0"/>
+              </a:rPr>
+              <a:t>Sodium Adducted:</a:t>
+            </a:r>
+            <a:endParaRPr lang="en-US" sz="800">
+              <a:latin typeface="Helvetica Regular" charset="0"/>
+              <a:cs typeface="Helvetica Regular" charset="0"/>
+            </a:endParaRPr>
+          </a:p>
+        </p:txBody>
+      </p:sp>
+      <p:sp>
+        <p:nvSpPr>
+          <p:cNvPr id="143" name="Rectangles 142"/>
+          <p:cNvSpPr/>
+          <p:nvPr/>
+        </p:nvSpPr>
+        <p:spPr>
+          <a:xfrm>
+            <a:off x="9987280" y="2777490"/>
+            <a:ext cx="186690" cy="76200"/>
+          </a:xfrm>
+          <a:prstGeom prst="rect">
+            <a:avLst/>
+          </a:prstGeom>
+          <a:solidFill>
+            <a:srgbClr val="FAE066"/>
+          </a:solidFill>
+          <a:ln w="6350">
+            <a:solidFill>
+              <a:schemeClr val="tx1"/>
+            </a:solidFill>
+          </a:ln>
+        </p:spPr>
+        <p:style>
+          <a:lnRef idx="2">
+            <a:schemeClr val="accent1">
+              <a:lumMod val="75000"/>
+            </a:schemeClr>
+          </a:lnRef>
+          <a:fillRef idx="1">
+            <a:schemeClr val="accent1"/>
+          </a:fillRef>
+          <a:effectRef idx="0">
+            <a:srgbClr val="FFFFFF"/>
+          </a:effectRef>
+          <a:fontRef idx="minor">
+            <a:schemeClr val="lt1"/>
+          </a:fontRef>
+        </p:style>
+        <p:txBody>
+          <a:bodyPr rtlCol="0" anchor="ctr"/>
+          <a:p>
+            <a:pPr algn="ctr"/>
+            <a:endParaRPr lang="en-US" b="1">
+              <a:latin typeface="Arial Bold" panose="020B0604020202090204" charset="0"/>
+              <a:cs typeface="Arial Bold" panose="020B0604020202090204" charset="0"/>
+            </a:endParaRPr>
+          </a:p>
+        </p:txBody>
+      </p:sp>
+      <p:cxnSp>
+        <p:nvCxnSpPr>
+          <p:cNvPr id="145" name="Straight Connector 144"/>
+          <p:cNvCxnSpPr/>
+          <p:nvPr/>
+        </p:nvCxnSpPr>
+        <p:spPr>
+          <a:xfrm>
+            <a:off x="10173970" y="2815590"/>
+            <a:ext cx="72390" cy="0"/>
+          </a:xfrm>
+          <a:prstGeom prst="line">
+            <a:avLst/>
+          </a:prstGeom>
+          <a:ln>
+            <a:solidFill>
+              <a:schemeClr val="tx1"/>
+            </a:solidFill>
+          </a:ln>
+        </p:spPr>
+        <p:style>
+          <a:lnRef idx="2">
+            <a:schemeClr val="accent1"/>
+          </a:lnRef>
+          <a:fillRef idx="0">
+            <a:srgbClr val="FFFFFF"/>
+          </a:fillRef>
+          <a:effectRef idx="0">
+            <a:srgbClr val="FFFFFF"/>
+          </a:effectRef>
+          <a:fontRef idx="minor">
+            <a:schemeClr val="tx1"/>
+          </a:fontRef>
+        </p:style>
+      </p:cxnSp>
+      <p:sp>
+        <p:nvSpPr>
+          <p:cNvPr id="146" name="Rectangles 145"/>
+          <p:cNvSpPr/>
+          <p:nvPr/>
+        </p:nvSpPr>
+        <p:spPr>
+          <a:xfrm>
+            <a:off x="10246360" y="2777490"/>
+            <a:ext cx="186690" cy="76200"/>
+          </a:xfrm>
+          <a:prstGeom prst="rect">
+            <a:avLst/>
+          </a:prstGeom>
+          <a:solidFill>
+            <a:srgbClr val="FAE066"/>
+          </a:solidFill>
+          <a:ln w="6350">
+            <a:solidFill>
+              <a:schemeClr val="tx1"/>
+            </a:solidFill>
+          </a:ln>
+        </p:spPr>
+        <p:style>
+          <a:lnRef idx="2">
+            <a:schemeClr val="accent1">
+              <a:lumMod val="75000"/>
+            </a:schemeClr>
+          </a:lnRef>
+          <a:fillRef idx="1">
+            <a:schemeClr val="accent1"/>
+          </a:fillRef>
+          <a:effectRef idx="0">
+            <a:srgbClr val="FFFFFF"/>
+          </a:effectRef>
+          <a:fontRef idx="minor">
+            <a:schemeClr val="lt1"/>
+          </a:fontRef>
+        </p:style>
+        <p:txBody>
+          <a:bodyPr rtlCol="0" anchor="ctr"/>
+          <a:p>
+            <a:pPr algn="ctr"/>
+            <a:endParaRPr lang="en-US" b="1">
+              <a:latin typeface="Arial Bold" panose="020B0604020202090204" charset="0"/>
+              <a:cs typeface="Arial Bold" panose="020B0604020202090204" charset="0"/>
+            </a:endParaRPr>
+          </a:p>
+        </p:txBody>
+      </p:sp>
+      <p:sp>
+        <p:nvSpPr>
+          <p:cNvPr id="147" name="Rectangles 146"/>
+          <p:cNvSpPr/>
+          <p:nvPr/>
+        </p:nvSpPr>
+        <p:spPr>
+          <a:xfrm>
+            <a:off x="10505440" y="2777490"/>
+            <a:ext cx="186690" cy="76200"/>
+          </a:xfrm>
+          <a:prstGeom prst="rect">
+            <a:avLst/>
+          </a:prstGeom>
+          <a:solidFill>
+            <a:srgbClr val="FAE066"/>
+          </a:solidFill>
+          <a:ln w="6350">
+            <a:solidFill>
+              <a:schemeClr val="tx1"/>
+            </a:solidFill>
+          </a:ln>
+        </p:spPr>
+        <p:style>
+          <a:lnRef idx="2">
+            <a:schemeClr val="accent1">
+              <a:lumMod val="75000"/>
+            </a:schemeClr>
+          </a:lnRef>
+          <a:fillRef idx="1">
+            <a:schemeClr val="accent1"/>
+          </a:fillRef>
+          <a:effectRef idx="0">
+            <a:srgbClr val="FFFFFF"/>
+          </a:effectRef>
+          <a:fontRef idx="minor">
+            <a:schemeClr val="lt1"/>
+          </a:fontRef>
+        </p:style>
+        <p:txBody>
+          <a:bodyPr rtlCol="0" anchor="ctr"/>
+          <a:p>
+            <a:pPr algn="ctr"/>
+            <a:endParaRPr lang="en-US" b="1">
+              <a:latin typeface="Arial Bold" panose="020B0604020202090204" charset="0"/>
+              <a:cs typeface="Arial Bold" panose="020B0604020202090204" charset="0"/>
+            </a:endParaRPr>
+          </a:p>
+        </p:txBody>
+      </p:sp>
+      <p:cxnSp>
+        <p:nvCxnSpPr>
+          <p:cNvPr id="148" name="Straight Connector 147"/>
+          <p:cNvCxnSpPr>
+            <a:stCxn id="146" idx="3"/>
+            <a:endCxn id="147" idx="1"/>
+          </p:cNvCxnSpPr>
+          <p:nvPr/>
+        </p:nvCxnSpPr>
+        <p:spPr>
+          <a:xfrm>
+            <a:off x="10433050" y="2815590"/>
+            <a:ext cx="72390" cy="0"/>
+          </a:xfrm>
+          <a:prstGeom prst="line">
+            <a:avLst/>
+          </a:prstGeom>
+          <a:ln>
+            <a:solidFill>
+              <a:schemeClr val="tx1"/>
+            </a:solidFill>
+          </a:ln>
+        </p:spPr>
+        <p:style>
+          <a:lnRef idx="2">
+            <a:schemeClr val="accent1"/>
+          </a:lnRef>
+          <a:fillRef idx="0">
+            <a:srgbClr val="FFFFFF"/>
+          </a:fillRef>
+          <a:effectRef idx="0">
+            <a:srgbClr val="FFFFFF"/>
+          </a:effectRef>
+          <a:fontRef idx="minor">
+            <a:schemeClr val="tx1"/>
+          </a:fontRef>
+        </p:style>
+      </p:cxnSp>
+      <p:cxnSp>
+        <p:nvCxnSpPr>
+          <p:cNvPr id="149" name="Straight Connector 148"/>
+          <p:cNvCxnSpPr/>
+          <p:nvPr/>
+        </p:nvCxnSpPr>
+        <p:spPr>
+          <a:xfrm>
+            <a:off x="10692130" y="2815590"/>
+            <a:ext cx="72390" cy="0"/>
+          </a:xfrm>
+          <a:prstGeom prst="line">
+            <a:avLst/>
+          </a:prstGeom>
+          <a:ln>
+            <a:solidFill>
+              <a:schemeClr val="tx1"/>
+            </a:solidFill>
+          </a:ln>
+        </p:spPr>
+        <p:style>
+          <a:lnRef idx="2">
+            <a:schemeClr val="accent1"/>
+          </a:lnRef>
+          <a:fillRef idx="0">
+            <a:srgbClr val="FFFFFF"/>
+          </a:fillRef>
+          <a:effectRef idx="0">
+            <a:srgbClr val="FFFFFF"/>
+          </a:effectRef>
+          <a:fontRef idx="minor">
+            <a:schemeClr val="tx1"/>
+          </a:fontRef>
+        </p:style>
+      </p:cxnSp>
+      <p:sp>
+        <p:nvSpPr>
+          <p:cNvPr id="150" name="Rectangles 149"/>
+          <p:cNvSpPr/>
+          <p:nvPr/>
+        </p:nvSpPr>
+        <p:spPr>
+          <a:xfrm>
+            <a:off x="10764520" y="2777490"/>
+            <a:ext cx="186690" cy="76200"/>
+          </a:xfrm>
+          <a:prstGeom prst="rect">
+            <a:avLst/>
+          </a:prstGeom>
+          <a:solidFill>
+            <a:srgbClr val="FAE066"/>
+          </a:solidFill>
+          <a:ln w="6350">
+            <a:solidFill>
+              <a:schemeClr val="tx1"/>
+            </a:solidFill>
+          </a:ln>
+        </p:spPr>
+        <p:style>
+          <a:lnRef idx="2">
+            <a:schemeClr val="accent1">
+              <a:lumMod val="75000"/>
+            </a:schemeClr>
+          </a:lnRef>
+          <a:fillRef idx="1">
+            <a:schemeClr val="accent1"/>
+          </a:fillRef>
+          <a:effectRef idx="0">
+            <a:srgbClr val="FFFFFF"/>
+          </a:effectRef>
+          <a:fontRef idx="minor">
+            <a:schemeClr val="lt1"/>
+          </a:fontRef>
+        </p:style>
+        <p:txBody>
+          <a:bodyPr rtlCol="0" anchor="ctr"/>
+          <a:p>
+            <a:pPr algn="ctr"/>
+            <a:endParaRPr lang="en-US" b="1">
+              <a:latin typeface="Arial Bold" panose="020B0604020202090204" charset="0"/>
+              <a:cs typeface="Arial Bold" panose="020B0604020202090204" charset="0"/>
+            </a:endParaRPr>
+          </a:p>
+        </p:txBody>
+      </p:sp>
+      <p:sp>
+        <p:nvSpPr>
+          <p:cNvPr id="151" name="Rectangles 150"/>
+          <p:cNvSpPr/>
+          <p:nvPr/>
+        </p:nvSpPr>
+        <p:spPr>
+          <a:xfrm>
+            <a:off x="11023600" y="2777490"/>
+            <a:ext cx="186690" cy="76200"/>
+          </a:xfrm>
+          <a:prstGeom prst="rect">
+            <a:avLst/>
+          </a:prstGeom>
+          <a:solidFill>
+            <a:srgbClr val="FAE066"/>
+          </a:solidFill>
+          <a:ln w="6350">
+            <a:solidFill>
+              <a:schemeClr val="tx1"/>
+            </a:solidFill>
+          </a:ln>
+        </p:spPr>
+        <p:style>
+          <a:lnRef idx="2">
+            <a:schemeClr val="accent1">
+              <a:lumMod val="75000"/>
+            </a:schemeClr>
+          </a:lnRef>
+          <a:fillRef idx="1">
+            <a:schemeClr val="accent1"/>
+          </a:fillRef>
+          <a:effectRef idx="0">
+            <a:srgbClr val="FFFFFF"/>
+          </a:effectRef>
+          <a:fontRef idx="minor">
+            <a:schemeClr val="lt1"/>
+          </a:fontRef>
+        </p:style>
+        <p:txBody>
+          <a:bodyPr rtlCol="0" anchor="ctr"/>
+          <a:p>
+            <a:pPr algn="ctr"/>
+            <a:endParaRPr lang="en-US" b="1">
+              <a:latin typeface="Arial Bold" panose="020B0604020202090204" charset="0"/>
+              <a:cs typeface="Arial Bold" panose="020B0604020202090204" charset="0"/>
+            </a:endParaRPr>
+          </a:p>
+        </p:txBody>
+      </p:sp>
+      <p:cxnSp>
+        <p:nvCxnSpPr>
+          <p:cNvPr id="152" name="Straight Connector 151"/>
+          <p:cNvCxnSpPr>
+            <a:stCxn id="150" idx="3"/>
+            <a:endCxn id="151" idx="1"/>
+          </p:cNvCxnSpPr>
+          <p:nvPr/>
+        </p:nvCxnSpPr>
+        <p:spPr>
+          <a:xfrm>
+            <a:off x="10951210" y="2815590"/>
+            <a:ext cx="72390" cy="0"/>
+          </a:xfrm>
+          <a:prstGeom prst="line">
+            <a:avLst/>
+          </a:prstGeom>
+          <a:ln>
+            <a:solidFill>
+              <a:schemeClr val="tx1"/>
+            </a:solidFill>
+          </a:ln>
+        </p:spPr>
+        <p:style>
+          <a:lnRef idx="2">
+            <a:schemeClr val="accent1"/>
+          </a:lnRef>
+          <a:fillRef idx="0">
+            <a:srgbClr val="FFFFFF"/>
+          </a:fillRef>
+          <a:effectRef idx="0">
+            <a:srgbClr val="FFFFFF"/>
+          </a:effectRef>
+          <a:fontRef idx="minor">
+            <a:schemeClr val="tx1"/>
+          </a:fontRef>
+        </p:style>
+      </p:cxnSp>
+      <p:sp>
+        <p:nvSpPr>
+          <p:cNvPr id="153" name="Rectangles 152"/>
+          <p:cNvSpPr/>
+          <p:nvPr/>
+        </p:nvSpPr>
+        <p:spPr>
+          <a:xfrm>
+            <a:off x="9210040" y="2001520"/>
+            <a:ext cx="186690" cy="76200"/>
+          </a:xfrm>
+          <a:prstGeom prst="rect">
+            <a:avLst/>
+          </a:prstGeom>
+          <a:solidFill>
+            <a:srgbClr val="EE7C7A"/>
+          </a:solidFill>
+          <a:ln w="6350">
+            <a:solidFill>
+              <a:schemeClr val="tx1"/>
+            </a:solidFill>
+          </a:ln>
+        </p:spPr>
+        <p:style>
+          <a:lnRef idx="2">
+            <a:schemeClr val="accent1">
+              <a:lumMod val="75000"/>
+            </a:schemeClr>
+          </a:lnRef>
+          <a:fillRef idx="1">
+            <a:schemeClr val="accent1"/>
+          </a:fillRef>
+          <a:effectRef idx="0">
+            <a:srgbClr val="FFFFFF"/>
+          </a:effectRef>
+          <a:fontRef idx="minor">
+            <a:schemeClr val="lt1"/>
+          </a:fontRef>
+        </p:style>
+        <p:txBody>
+          <a:bodyPr rtlCol="0" anchor="ctr"/>
+          <a:p>
+            <a:pPr algn="ctr"/>
+            <a:endParaRPr lang="en-US" b="1">
+              <a:latin typeface="Arial Bold" panose="020B0604020202090204" charset="0"/>
+              <a:cs typeface="Arial Bold" panose="020B0604020202090204" charset="0"/>
+            </a:endParaRPr>
+          </a:p>
+        </p:txBody>
+      </p:sp>
+      <p:cxnSp>
+        <p:nvCxnSpPr>
+          <p:cNvPr id="154" name="Straight Connector 153"/>
+          <p:cNvCxnSpPr/>
+          <p:nvPr/>
+        </p:nvCxnSpPr>
+        <p:spPr>
+          <a:xfrm>
+            <a:off x="9396730" y="2039620"/>
+            <a:ext cx="72390" cy="0"/>
+          </a:xfrm>
+          <a:prstGeom prst="line">
+            <a:avLst/>
+          </a:prstGeom>
+          <a:ln>
+            <a:solidFill>
+              <a:schemeClr val="tx1"/>
+            </a:solidFill>
+          </a:ln>
+        </p:spPr>
+        <p:style>
+          <a:lnRef idx="2">
+            <a:schemeClr val="accent1"/>
+          </a:lnRef>
+          <a:fillRef idx="0">
+            <a:srgbClr val="FFFFFF"/>
+          </a:fillRef>
+          <a:effectRef idx="0">
+            <a:srgbClr val="FFFFFF"/>
+          </a:effectRef>
+          <a:fontRef idx="minor">
+            <a:schemeClr val="tx1"/>
+          </a:fontRef>
+        </p:style>
+      </p:cxnSp>
+      <p:sp>
+        <p:nvSpPr>
+          <p:cNvPr id="155" name="Rectangles 154"/>
+          <p:cNvSpPr/>
+          <p:nvPr/>
+        </p:nvSpPr>
+        <p:spPr>
+          <a:xfrm>
+            <a:off x="9469120" y="2001520"/>
+            <a:ext cx="186690" cy="76200"/>
+          </a:xfrm>
+          <a:prstGeom prst="rect">
+            <a:avLst/>
+          </a:prstGeom>
+          <a:solidFill>
+            <a:srgbClr val="EE7C7A"/>
+          </a:solidFill>
+          <a:ln w="6350">
+            <a:solidFill>
+              <a:schemeClr val="tx1"/>
+            </a:solidFill>
+          </a:ln>
+        </p:spPr>
+        <p:style>
+          <a:lnRef idx="2">
+            <a:schemeClr val="accent1">
+              <a:lumMod val="75000"/>
+            </a:schemeClr>
+          </a:lnRef>
+          <a:fillRef idx="1">
+            <a:schemeClr val="accent1"/>
+          </a:fillRef>
+          <a:effectRef idx="0">
+            <a:srgbClr val="FFFFFF"/>
+          </a:effectRef>
+          <a:fontRef idx="minor">
+            <a:schemeClr val="lt1"/>
+          </a:fontRef>
+        </p:style>
+        <p:txBody>
+          <a:bodyPr rtlCol="0" anchor="ctr"/>
+          <a:p>
+            <a:pPr algn="ctr"/>
+            <a:endParaRPr lang="en-US" b="1">
+              <a:latin typeface="Arial Bold" panose="020B0604020202090204" charset="0"/>
+              <a:cs typeface="Arial Bold" panose="020B0604020202090204" charset="0"/>
+            </a:endParaRPr>
+          </a:p>
+        </p:txBody>
+      </p:sp>
+      <p:sp>
+        <p:nvSpPr>
+          <p:cNvPr id="157" name="Rectangles 156"/>
+          <p:cNvSpPr/>
+          <p:nvPr/>
+        </p:nvSpPr>
+        <p:spPr>
+          <a:xfrm>
+            <a:off x="9728200" y="2001520"/>
+            <a:ext cx="186690" cy="76200"/>
+          </a:xfrm>
+          <a:prstGeom prst="rect">
+            <a:avLst/>
+          </a:prstGeom>
+          <a:solidFill>
+            <a:srgbClr val="EE7C7A"/>
+          </a:solidFill>
+          <a:ln w="6350">
+            <a:solidFill>
+              <a:schemeClr val="tx1"/>
+            </a:solidFill>
+          </a:ln>
+        </p:spPr>
+        <p:style>
+          <a:lnRef idx="2">
+            <a:schemeClr val="accent1">
+              <a:lumMod val="75000"/>
+            </a:schemeClr>
+          </a:lnRef>
+          <a:fillRef idx="1">
+            <a:schemeClr val="accent1"/>
+          </a:fillRef>
+          <a:effectRef idx="0">
+            <a:srgbClr val="FFFFFF"/>
+          </a:effectRef>
+          <a:fontRef idx="minor">
+            <a:schemeClr val="lt1"/>
+          </a:fontRef>
+        </p:style>
+        <p:txBody>
+          <a:bodyPr rtlCol="0" anchor="ctr"/>
+          <a:p>
+            <a:pPr algn="ctr"/>
+            <a:endParaRPr lang="en-US" b="1">
+              <a:latin typeface="Arial Bold" panose="020B0604020202090204" charset="0"/>
+              <a:cs typeface="Arial Bold" panose="020B0604020202090204" charset="0"/>
+            </a:endParaRPr>
+          </a:p>
+        </p:txBody>
+      </p:sp>
+      <p:cxnSp>
+        <p:nvCxnSpPr>
+          <p:cNvPr id="158" name="Straight Connector 157"/>
+          <p:cNvCxnSpPr>
+            <a:stCxn id="155" idx="3"/>
+            <a:endCxn id="157" idx="1"/>
+          </p:cNvCxnSpPr>
+          <p:nvPr/>
+        </p:nvCxnSpPr>
+        <p:spPr>
+          <a:xfrm>
+            <a:off x="9655810" y="2039620"/>
+            <a:ext cx="72390" cy="0"/>
+          </a:xfrm>
+          <a:prstGeom prst="line">
+            <a:avLst/>
+          </a:prstGeom>
+          <a:ln>
+            <a:solidFill>
+              <a:schemeClr val="tx1"/>
+            </a:solidFill>
+          </a:ln>
+        </p:spPr>
+        <p:style>
+          <a:lnRef idx="2">
+            <a:schemeClr val="accent1"/>
+          </a:lnRef>
+          <a:fillRef idx="0">
+            <a:srgbClr val="FFFFFF"/>
+          </a:fillRef>
+          <a:effectRef idx="0">
+            <a:srgbClr val="FFFFFF"/>
+          </a:effectRef>
+          <a:fontRef idx="minor">
+            <a:schemeClr val="tx1"/>
+          </a:fontRef>
+        </p:style>
+      </p:cxnSp>
+      <p:cxnSp>
+        <p:nvCxnSpPr>
+          <p:cNvPr id="159" name="Straight Connector 158"/>
+          <p:cNvCxnSpPr/>
+          <p:nvPr/>
+        </p:nvCxnSpPr>
+        <p:spPr>
+          <a:xfrm>
+            <a:off x="9914890" y="2039620"/>
+            <a:ext cx="72390" cy="0"/>
+          </a:xfrm>
+          <a:prstGeom prst="line">
+            <a:avLst/>
+          </a:prstGeom>
+          <a:ln>
+            <a:solidFill>
+              <a:schemeClr val="tx1"/>
+            </a:solidFill>
+          </a:ln>
+        </p:spPr>
+        <p:style>
+          <a:lnRef idx="2">
+            <a:schemeClr val="accent1"/>
+          </a:lnRef>
+          <a:fillRef idx="0">
+            <a:srgbClr val="FFFFFF"/>
+          </a:fillRef>
+          <a:effectRef idx="0">
+            <a:srgbClr val="FFFFFF"/>
+          </a:effectRef>
+          <a:fontRef idx="minor">
+            <a:schemeClr val="tx1"/>
+          </a:fontRef>
+        </p:style>
+      </p:cxnSp>
+      <p:sp>
+        <p:nvSpPr>
+          <p:cNvPr id="160" name="Rectangles 159"/>
+          <p:cNvSpPr/>
+          <p:nvPr/>
+        </p:nvSpPr>
+        <p:spPr>
+          <a:xfrm>
+            <a:off x="9987280" y="2001520"/>
+            <a:ext cx="186690" cy="76200"/>
+          </a:xfrm>
+          <a:prstGeom prst="rect">
+            <a:avLst/>
+          </a:prstGeom>
+          <a:solidFill>
+            <a:srgbClr val="EE7C7A"/>
+          </a:solidFill>
+          <a:ln w="6350">
+            <a:solidFill>
+              <a:schemeClr val="tx1"/>
+            </a:solidFill>
+          </a:ln>
+        </p:spPr>
+        <p:style>
+          <a:lnRef idx="2">
+            <a:schemeClr val="accent1">
+              <a:lumMod val="75000"/>
+            </a:schemeClr>
+          </a:lnRef>
+          <a:fillRef idx="1">
+            <a:schemeClr val="accent1"/>
+          </a:fillRef>
+          <a:effectRef idx="0">
+            <a:srgbClr val="FFFFFF"/>
+          </a:effectRef>
+          <a:fontRef idx="minor">
+            <a:schemeClr val="lt1"/>
+          </a:fontRef>
+        </p:style>
+        <p:txBody>
+          <a:bodyPr rtlCol="0" anchor="ctr"/>
+          <a:p>
+            <a:pPr algn="ctr"/>
+            <a:endParaRPr lang="en-US" b="1">
+              <a:latin typeface="Arial Bold" panose="020B0604020202090204" charset="0"/>
+              <a:cs typeface="Arial Bold" panose="020B0604020202090204" charset="0"/>
+            </a:endParaRPr>
+          </a:p>
+        </p:txBody>
+      </p:sp>
+      <p:sp>
+        <p:nvSpPr>
+          <p:cNvPr id="161" name="Rectangles 160"/>
+          <p:cNvSpPr/>
+          <p:nvPr/>
+        </p:nvSpPr>
+        <p:spPr>
+          <a:xfrm>
+            <a:off x="10246360" y="2001520"/>
+            <a:ext cx="186690" cy="76200"/>
+          </a:xfrm>
+          <a:prstGeom prst="rect">
+            <a:avLst/>
+          </a:prstGeom>
+          <a:solidFill>
+            <a:srgbClr val="EE7C7A"/>
+          </a:solidFill>
+          <a:ln w="6350">
+            <a:solidFill>
+              <a:schemeClr val="tx1"/>
+            </a:solidFill>
+          </a:ln>
+        </p:spPr>
+        <p:style>
+          <a:lnRef idx="2">
+            <a:schemeClr val="accent1">
+              <a:lumMod val="75000"/>
+            </a:schemeClr>
+          </a:lnRef>
+          <a:fillRef idx="1">
+            <a:schemeClr val="accent1"/>
+          </a:fillRef>
+          <a:effectRef idx="0">
+            <a:srgbClr val="FFFFFF"/>
+          </a:effectRef>
+          <a:fontRef idx="minor">
+            <a:schemeClr val="lt1"/>
+          </a:fontRef>
+        </p:style>
+        <p:txBody>
+          <a:bodyPr rtlCol="0" anchor="ctr"/>
+          <a:p>
+            <a:pPr algn="ctr"/>
+            <a:endParaRPr lang="en-US" b="1">
+              <a:latin typeface="Arial Bold" panose="020B0604020202090204" charset="0"/>
+              <a:cs typeface="Arial Bold" panose="020B0604020202090204" charset="0"/>
+            </a:endParaRPr>
+          </a:p>
+        </p:txBody>
+      </p:sp>
+      <p:cxnSp>
+        <p:nvCxnSpPr>
+          <p:cNvPr id="162" name="Straight Connector 161"/>
+          <p:cNvCxnSpPr>
+            <a:stCxn id="160" idx="3"/>
+            <a:endCxn id="161" idx="1"/>
+          </p:cNvCxnSpPr>
+          <p:nvPr/>
+        </p:nvCxnSpPr>
+        <p:spPr>
+          <a:xfrm>
+            <a:off x="10173970" y="2039620"/>
+            <a:ext cx="72390" cy="0"/>
+          </a:xfrm>
+          <a:prstGeom prst="line">
+            <a:avLst/>
+          </a:prstGeom>
+          <a:ln>
+            <a:solidFill>
+              <a:schemeClr val="tx1"/>
+            </a:solidFill>
+          </a:ln>
+        </p:spPr>
+        <p:style>
+          <a:lnRef idx="2">
+            <a:schemeClr val="accent1"/>
+          </a:lnRef>
+          <a:fillRef idx="0">
+            <a:srgbClr val="FFFFFF"/>
+          </a:fillRef>
+          <a:effectRef idx="0">
+            <a:srgbClr val="FFFFFF"/>
+          </a:effectRef>
+          <a:fontRef idx="minor">
+            <a:schemeClr val="tx1"/>
+          </a:fontRef>
+        </p:style>
+      </p:cxnSp>
+      <p:sp>
+        <p:nvSpPr>
+          <p:cNvPr id="163" name="Text Box 162"/>
+          <p:cNvSpPr txBox="1"/>
+          <p:nvPr/>
+        </p:nvSpPr>
+        <p:spPr>
+          <a:xfrm>
+            <a:off x="8196580" y="1919605"/>
+            <a:ext cx="1073150" cy="213995"/>
+          </a:xfrm>
+          <a:prstGeom prst="rect">
+            <a:avLst/>
+          </a:prstGeom>
+          <a:noFill/>
+        </p:spPr>
+        <p:txBody>
+          <a:bodyPr wrap="square" rtlCol="0">
+            <a:spAutoFit/>
+          </a:bodyPr>
+          <a:p>
+            <a:r>
+              <a:rPr lang="en-US" sz="800">
+                <a:latin typeface="Helvetica Regular" charset="0"/>
+                <a:cs typeface="Helvetica Regular" charset="0"/>
+              </a:rPr>
+              <a:t>Native:</a:t>
+            </a:r>
+            <a:endParaRPr lang="en-US" sz="800">
+              <a:latin typeface="Helvetica Regular" charset="0"/>
+              <a:cs typeface="Helvetica Regular" charset="0"/>
+            </a:endParaRPr>
+          </a:p>
+        </p:txBody>
+      </p:sp>
+      <p:cxnSp>
+        <p:nvCxnSpPr>
+          <p:cNvPr id="164" name="Straight Arrow Connector 163"/>
+          <p:cNvCxnSpPr>
+            <a:stCxn id="160" idx="2"/>
+            <a:endCxn id="143" idx="0"/>
+          </p:cNvCxnSpPr>
+          <p:nvPr/>
+        </p:nvCxnSpPr>
+        <p:spPr>
+          <a:xfrm>
+            <a:off x="10080625" y="2077720"/>
+            <a:ext cx="0" cy="699770"/>
+          </a:xfrm>
+          <a:prstGeom prst="straightConnector1">
+            <a:avLst/>
+          </a:prstGeom>
+          <a:ln>
+            <a:solidFill>
+              <a:schemeClr val="tx1">
+                <a:lumMod val="50000"/>
+                <a:lumOff val="50000"/>
+              </a:schemeClr>
+            </a:solidFill>
+            <a:prstDash val="dash"/>
+            <a:headEnd type="stealth"/>
+            <a:tailEnd type="stealth"/>
+          </a:ln>
+        </p:spPr>
+        <p:style>
+          <a:lnRef idx="2">
+            <a:schemeClr val="accent1"/>
+          </a:lnRef>
+          <a:fillRef idx="0">
+            <a:srgbClr val="FFFFFF"/>
+          </a:fillRef>
+          <a:effectRef idx="0">
+            <a:srgbClr val="FFFFFF"/>
+          </a:effectRef>
+          <a:fontRef idx="minor">
+            <a:schemeClr val="tx1"/>
+          </a:fontRef>
+        </p:style>
+      </p:cxnSp>
+      <p:cxnSp>
+        <p:nvCxnSpPr>
+          <p:cNvPr id="165" name="Straight Arrow Connector 164"/>
+          <p:cNvCxnSpPr>
+            <a:stCxn id="146" idx="0"/>
+            <a:endCxn id="161" idx="2"/>
+          </p:cNvCxnSpPr>
+          <p:nvPr/>
+        </p:nvCxnSpPr>
+        <p:spPr>
+          <a:xfrm flipV="1">
+            <a:off x="10339705" y="2077720"/>
+            <a:ext cx="0" cy="699770"/>
+          </a:xfrm>
+          <a:prstGeom prst="straightConnector1">
+            <a:avLst/>
+          </a:prstGeom>
+          <a:ln>
+            <a:solidFill>
+              <a:schemeClr val="tx1">
+                <a:lumMod val="50000"/>
+                <a:lumOff val="50000"/>
+              </a:schemeClr>
+            </a:solidFill>
+            <a:prstDash val="dash"/>
+            <a:headEnd type="stealth"/>
+            <a:tailEnd type="stealth"/>
+          </a:ln>
+        </p:spPr>
+        <p:style>
+          <a:lnRef idx="2">
+            <a:schemeClr val="accent1"/>
+          </a:lnRef>
+          <a:fillRef idx="0">
+            <a:srgbClr val="FFFFFF"/>
+          </a:fillRef>
+          <a:effectRef idx="0">
+            <a:srgbClr val="FFFFFF"/>
+          </a:effectRef>
+          <a:fontRef idx="minor">
+            <a:schemeClr val="tx1"/>
+          </a:fontRef>
+        </p:style>
+      </p:cxnSp>
+      <p:sp>
+        <p:nvSpPr>
+          <p:cNvPr id="167" name="Text Box 166"/>
+          <p:cNvSpPr txBox="1"/>
+          <p:nvPr/>
+        </p:nvSpPr>
+        <p:spPr>
+          <a:xfrm>
+            <a:off x="10330180" y="2148205"/>
+            <a:ext cx="693420" cy="553085"/>
+          </a:xfrm>
+          <a:prstGeom prst="rect">
+            <a:avLst/>
+          </a:prstGeom>
+          <a:noFill/>
+        </p:spPr>
+        <p:txBody>
+          <a:bodyPr wrap="square" rtlCol="0">
+            <a:spAutoFit/>
+          </a:bodyPr>
+          <a:p>
+            <a:r>
+              <a:rPr lang="en-US" sz="1000">
+                <a:latin typeface="Helvetica Regular" charset="0"/>
+                <a:cs typeface="Helvetica Regular" charset="0"/>
+              </a:rPr>
+              <a:t>Overlap confirms identity </a:t>
+            </a:r>
+            <a:endParaRPr lang="en-US" sz="1000">
+              <a:latin typeface="Helvetica Regular" charset="0"/>
+              <a:cs typeface="Helvetica Regular" charset="0"/>
+            </a:endParaRPr>
+          </a:p>
+        </p:txBody>
+      </p:sp>
+      <p:sp>
+        <p:nvSpPr>
+          <p:cNvPr id="168" name="Text Box 167"/>
+          <p:cNvSpPr txBox="1"/>
+          <p:nvPr/>
+        </p:nvSpPr>
+        <p:spPr>
+          <a:xfrm>
+            <a:off x="9210040" y="1756410"/>
+            <a:ext cx="186690" cy="245110"/>
+          </a:xfrm>
+          <a:prstGeom prst="rect">
+            <a:avLst/>
+          </a:prstGeom>
+          <a:noFill/>
+        </p:spPr>
+        <p:txBody>
+          <a:bodyPr wrap="square" rtlCol="0">
+            <a:spAutoFit/>
+          </a:bodyPr>
+          <a:p>
+            <a:pPr algn="ctr"/>
+            <a:r>
+              <a:rPr lang="en-US" sz="1000"/>
+              <a:t>A</a:t>
+            </a:r>
+            <a:endParaRPr lang="en-US" sz="1000"/>
+          </a:p>
+        </p:txBody>
+      </p:sp>
+      <p:sp>
+        <p:nvSpPr>
+          <p:cNvPr id="182" name="Text Box 181"/>
+          <p:cNvSpPr txBox="1"/>
+          <p:nvPr/>
+        </p:nvSpPr>
+        <p:spPr>
+          <a:xfrm>
+            <a:off x="10764520" y="2853690"/>
+            <a:ext cx="186690" cy="245110"/>
+          </a:xfrm>
+          <a:prstGeom prst="rect">
+            <a:avLst/>
+          </a:prstGeom>
+          <a:noFill/>
+        </p:spPr>
+        <p:txBody>
+          <a:bodyPr wrap="square" rtlCol="0">
+            <a:spAutoFit/>
+          </a:bodyPr>
+          <a:p>
+            <a:pPr algn="ctr"/>
+            <a:r>
+              <a:rPr lang="en-US" sz="1000"/>
+              <a:t>A</a:t>
+            </a:r>
+            <a:endParaRPr lang="en-US" sz="1000"/>
+          </a:p>
+        </p:txBody>
+      </p:sp>
+      <p:sp>
+        <p:nvSpPr>
+          <p:cNvPr id="184" name="Text Box 183"/>
+          <p:cNvSpPr txBox="1"/>
+          <p:nvPr/>
+        </p:nvSpPr>
+        <p:spPr>
+          <a:xfrm>
+            <a:off x="9469120" y="1756410"/>
+            <a:ext cx="186690" cy="245110"/>
+          </a:xfrm>
+          <a:prstGeom prst="rect">
+            <a:avLst/>
+          </a:prstGeom>
+          <a:noFill/>
+        </p:spPr>
+        <p:txBody>
+          <a:bodyPr wrap="square" rtlCol="0">
+            <a:spAutoFit/>
+          </a:bodyPr>
+          <a:p>
+            <a:pPr algn="ctr"/>
+            <a:r>
+              <a:rPr lang="en-US" sz="1000"/>
+              <a:t>C</a:t>
+            </a:r>
+            <a:endParaRPr lang="en-US" sz="1000"/>
+          </a:p>
+        </p:txBody>
+      </p:sp>
+      <p:sp>
+        <p:nvSpPr>
+          <p:cNvPr id="185" name="Text Box 184"/>
+          <p:cNvSpPr txBox="1"/>
+          <p:nvPr/>
+        </p:nvSpPr>
+        <p:spPr>
+          <a:xfrm>
+            <a:off x="10505440" y="2853690"/>
+            <a:ext cx="186690" cy="245110"/>
+          </a:xfrm>
+          <a:prstGeom prst="rect">
+            <a:avLst/>
+          </a:prstGeom>
+          <a:noFill/>
+        </p:spPr>
+        <p:txBody>
+          <a:bodyPr wrap="square" rtlCol="0">
+            <a:spAutoFit/>
+          </a:bodyPr>
+          <a:p>
+            <a:pPr algn="ctr"/>
+            <a:r>
+              <a:rPr lang="en-US" sz="1000"/>
+              <a:t>C</a:t>
+            </a:r>
+            <a:endParaRPr lang="en-US" sz="1000"/>
+          </a:p>
+        </p:txBody>
+      </p:sp>
+      <p:sp>
+        <p:nvSpPr>
+          <p:cNvPr id="186" name="Text Box 185"/>
+          <p:cNvSpPr txBox="1"/>
+          <p:nvPr/>
+        </p:nvSpPr>
+        <p:spPr>
+          <a:xfrm>
+            <a:off x="11023600" y="2853690"/>
+            <a:ext cx="186690" cy="245110"/>
+          </a:xfrm>
+          <a:prstGeom prst="rect">
+            <a:avLst/>
+          </a:prstGeom>
+          <a:noFill/>
+        </p:spPr>
+        <p:txBody>
+          <a:bodyPr wrap="square" rtlCol="0">
+            <a:spAutoFit/>
+          </a:bodyPr>
+          <a:p>
+            <a:pPr algn="ctr"/>
+            <a:r>
+              <a:rPr lang="en-US" sz="1000"/>
+              <a:t>C</a:t>
+            </a:r>
+            <a:endParaRPr lang="en-US" sz="1000"/>
+          </a:p>
+        </p:txBody>
+      </p:sp>
+      <p:sp>
+        <p:nvSpPr>
+          <p:cNvPr id="188" name="Text Box 187"/>
+          <p:cNvSpPr txBox="1"/>
+          <p:nvPr/>
+        </p:nvSpPr>
+        <p:spPr>
+          <a:xfrm>
+            <a:off x="9728200" y="1756410"/>
+            <a:ext cx="186690" cy="245110"/>
+          </a:xfrm>
+          <a:prstGeom prst="rect">
+            <a:avLst/>
+          </a:prstGeom>
+          <a:noFill/>
+        </p:spPr>
+        <p:txBody>
+          <a:bodyPr wrap="square" rtlCol="0">
+            <a:spAutoFit/>
+          </a:bodyPr>
+          <a:p>
+            <a:pPr algn="ctr"/>
+            <a:r>
+              <a:rPr lang="en-US" sz="1000"/>
+              <a:t>G</a:t>
+            </a:r>
+            <a:endParaRPr lang="en-US" sz="1000"/>
+          </a:p>
+        </p:txBody>
+      </p:sp>
+      <p:sp>
+        <p:nvSpPr>
+          <p:cNvPr id="189" name="Text Box 188"/>
+          <p:cNvSpPr txBox="1"/>
+          <p:nvPr/>
+        </p:nvSpPr>
+        <p:spPr>
+          <a:xfrm>
+            <a:off x="9987280" y="1756410"/>
+            <a:ext cx="186690" cy="245110"/>
+          </a:xfrm>
+          <a:prstGeom prst="rect">
+            <a:avLst/>
+          </a:prstGeom>
+          <a:noFill/>
+        </p:spPr>
+        <p:txBody>
+          <a:bodyPr wrap="square" rtlCol="0">
+            <a:spAutoFit/>
+          </a:bodyPr>
+          <a:p>
+            <a:pPr algn="ctr"/>
+            <a:r>
+              <a:rPr lang="en-US" sz="1000"/>
+              <a:t>G</a:t>
+            </a:r>
+            <a:endParaRPr lang="en-US" sz="1000"/>
+          </a:p>
+        </p:txBody>
+      </p:sp>
+      <p:sp>
+        <p:nvSpPr>
+          <p:cNvPr id="190" name="Text Box 189"/>
+          <p:cNvSpPr txBox="1"/>
+          <p:nvPr/>
+        </p:nvSpPr>
+        <p:spPr>
+          <a:xfrm>
+            <a:off x="10246360" y="1756410"/>
+            <a:ext cx="186690" cy="245110"/>
+          </a:xfrm>
+          <a:prstGeom prst="rect">
+            <a:avLst/>
+          </a:prstGeom>
+          <a:noFill/>
+        </p:spPr>
+        <p:txBody>
+          <a:bodyPr wrap="square" rtlCol="0">
+            <a:spAutoFit/>
+          </a:bodyPr>
+          <a:p>
+            <a:pPr algn="ctr"/>
+            <a:r>
+              <a:rPr lang="en-US" sz="1000"/>
+              <a:t>U</a:t>
+            </a:r>
+            <a:endParaRPr lang="en-US" sz="1000"/>
+          </a:p>
+        </p:txBody>
+      </p:sp>
+      <p:sp>
+        <p:nvSpPr>
+          <p:cNvPr id="191" name="Text Box 190"/>
+          <p:cNvSpPr txBox="1"/>
+          <p:nvPr/>
+        </p:nvSpPr>
+        <p:spPr>
+          <a:xfrm>
+            <a:off x="9987280" y="2853690"/>
+            <a:ext cx="186690" cy="245110"/>
+          </a:xfrm>
+          <a:prstGeom prst="rect">
+            <a:avLst/>
+          </a:prstGeom>
+          <a:noFill/>
+        </p:spPr>
+        <p:txBody>
+          <a:bodyPr wrap="square" rtlCol="0">
+            <a:spAutoFit/>
+          </a:bodyPr>
+          <a:p>
+            <a:pPr algn="ctr"/>
+            <a:r>
+              <a:rPr lang="en-US" sz="1000"/>
+              <a:t>G</a:t>
+            </a:r>
+            <a:endParaRPr lang="en-US" sz="1000"/>
+          </a:p>
+        </p:txBody>
+      </p:sp>
+      <p:sp>
+        <p:nvSpPr>
+          <p:cNvPr id="192" name="Text Box 191"/>
+          <p:cNvSpPr txBox="1"/>
+          <p:nvPr/>
+        </p:nvSpPr>
+        <p:spPr>
+          <a:xfrm>
+            <a:off x="10246360" y="2849880"/>
+            <a:ext cx="186690" cy="245110"/>
+          </a:xfrm>
+          <a:prstGeom prst="rect">
+            <a:avLst/>
+          </a:prstGeom>
+          <a:noFill/>
+        </p:spPr>
+        <p:txBody>
+          <a:bodyPr wrap="square" rtlCol="0">
+            <a:spAutoFit/>
+          </a:bodyPr>
+          <a:p>
+            <a:pPr algn="ctr"/>
+            <a:r>
+              <a:rPr lang="en-US" sz="1000"/>
+              <a:t>U</a:t>
+            </a:r>
+            <a:endParaRPr lang="en-US" sz="1000"/>
+          </a:p>
+        </p:txBody>
+      </p:sp>
+      <p:sp>
+        <p:nvSpPr>
+          <p:cNvPr id="194" name="Text Box 193"/>
+          <p:cNvSpPr txBox="1"/>
+          <p:nvPr/>
+        </p:nvSpPr>
+        <p:spPr>
+          <a:xfrm>
+            <a:off x="8247380" y="4983480"/>
+            <a:ext cx="1073150" cy="213995"/>
+          </a:xfrm>
+          <a:prstGeom prst="rect">
+            <a:avLst/>
+          </a:prstGeom>
+          <a:noFill/>
+        </p:spPr>
+        <p:txBody>
+          <a:bodyPr wrap="square" rtlCol="0">
+            <a:spAutoFit/>
+          </a:bodyPr>
+          <a:p>
+            <a:r>
+              <a:rPr lang="en-US" sz="800">
+                <a:latin typeface="Helvetica Regular" charset="0"/>
+                <a:cs typeface="Helvetica Regular" charset="0"/>
+              </a:rPr>
+              <a:t>3’ Ladder:</a:t>
+            </a:r>
+            <a:endParaRPr lang="en-US" sz="800">
+              <a:latin typeface="Helvetica Regular" charset="0"/>
+              <a:cs typeface="Helvetica Regular" charset="0"/>
+            </a:endParaRPr>
+          </a:p>
+        </p:txBody>
+      </p:sp>
+      <p:sp>
+        <p:nvSpPr>
+          <p:cNvPr id="195" name="Rectangles 194"/>
+          <p:cNvSpPr/>
+          <p:nvPr/>
+        </p:nvSpPr>
+        <p:spPr>
+          <a:xfrm>
+            <a:off x="9210040" y="5896610"/>
+            <a:ext cx="186690" cy="76200"/>
+          </a:xfrm>
+          <a:prstGeom prst="rect">
+            <a:avLst/>
+          </a:prstGeom>
+          <a:solidFill>
+            <a:srgbClr val="89F664"/>
+          </a:solidFill>
+          <a:ln w="6350">
+            <a:solidFill>
+              <a:schemeClr val="tx1"/>
+            </a:solidFill>
+          </a:ln>
+        </p:spPr>
+        <p:style>
+          <a:lnRef idx="2">
+            <a:schemeClr val="accent1">
+              <a:lumMod val="75000"/>
+            </a:schemeClr>
+          </a:lnRef>
+          <a:fillRef idx="1">
+            <a:schemeClr val="accent1"/>
+          </a:fillRef>
+          <a:effectRef idx="0">
+            <a:srgbClr val="FFFFFF"/>
+          </a:effectRef>
+          <a:fontRef idx="minor">
+            <a:schemeClr val="lt1"/>
+          </a:fontRef>
+        </p:style>
+        <p:txBody>
+          <a:bodyPr rtlCol="0" anchor="ctr"/>
+          <a:p>
+            <a:pPr algn="ctr"/>
+            <a:endParaRPr lang="en-US" b="1">
+              <a:latin typeface="Arial Bold" panose="020B0604020202090204" charset="0"/>
+              <a:cs typeface="Arial Bold" panose="020B0604020202090204" charset="0"/>
+            </a:endParaRPr>
+          </a:p>
+        </p:txBody>
+      </p:sp>
+      <p:cxnSp>
+        <p:nvCxnSpPr>
+          <p:cNvPr id="196" name="Straight Connector 195"/>
+          <p:cNvCxnSpPr/>
+          <p:nvPr/>
+        </p:nvCxnSpPr>
+        <p:spPr>
+          <a:xfrm>
+            <a:off x="9396730" y="5934710"/>
+            <a:ext cx="72390" cy="0"/>
+          </a:xfrm>
+          <a:prstGeom prst="line">
+            <a:avLst/>
+          </a:prstGeom>
+          <a:ln>
+            <a:solidFill>
+              <a:schemeClr val="tx1"/>
+            </a:solidFill>
+          </a:ln>
+        </p:spPr>
+        <p:style>
+          <a:lnRef idx="2">
+            <a:schemeClr val="accent1"/>
+          </a:lnRef>
+          <a:fillRef idx="0">
+            <a:srgbClr val="FFFFFF"/>
+          </a:fillRef>
+          <a:effectRef idx="0">
+            <a:srgbClr val="FFFFFF"/>
+          </a:effectRef>
+          <a:fontRef idx="minor">
+            <a:schemeClr val="tx1"/>
+          </a:fontRef>
+        </p:style>
+      </p:cxnSp>
+      <p:sp>
+        <p:nvSpPr>
+          <p:cNvPr id="197" name="Rectangles 196"/>
+          <p:cNvSpPr/>
+          <p:nvPr/>
+        </p:nvSpPr>
+        <p:spPr>
+          <a:xfrm>
+            <a:off x="9469120" y="5896610"/>
+            <a:ext cx="186690" cy="76200"/>
+          </a:xfrm>
+          <a:prstGeom prst="rect">
+            <a:avLst/>
+          </a:prstGeom>
+          <a:solidFill>
+            <a:srgbClr val="89F664"/>
+          </a:solidFill>
+          <a:ln w="6350">
+            <a:solidFill>
+              <a:schemeClr val="tx1"/>
+            </a:solidFill>
+          </a:ln>
+        </p:spPr>
+        <p:style>
+          <a:lnRef idx="2">
+            <a:schemeClr val="accent1">
+              <a:lumMod val="75000"/>
+            </a:schemeClr>
+          </a:lnRef>
+          <a:fillRef idx="1">
+            <a:schemeClr val="accent1"/>
+          </a:fillRef>
+          <a:effectRef idx="0">
+            <a:srgbClr val="FFFFFF"/>
+          </a:effectRef>
+          <a:fontRef idx="minor">
+            <a:schemeClr val="lt1"/>
+          </a:fontRef>
+        </p:style>
+        <p:txBody>
+          <a:bodyPr rtlCol="0" anchor="ctr"/>
+          <a:p>
+            <a:pPr algn="ctr"/>
+            <a:endParaRPr lang="en-US" b="1">
+              <a:latin typeface="Arial Bold" panose="020B0604020202090204" charset="0"/>
+              <a:cs typeface="Arial Bold" panose="020B0604020202090204" charset="0"/>
+            </a:endParaRPr>
+          </a:p>
+        </p:txBody>
+      </p:sp>
+      <p:sp>
+        <p:nvSpPr>
+          <p:cNvPr id="198" name="Rectangles 197"/>
+          <p:cNvSpPr/>
+          <p:nvPr/>
+        </p:nvSpPr>
+        <p:spPr>
+          <a:xfrm>
+            <a:off x="9728200" y="5896610"/>
+            <a:ext cx="186690" cy="76200"/>
+          </a:xfrm>
+          <a:prstGeom prst="rect">
+            <a:avLst/>
+          </a:prstGeom>
+          <a:solidFill>
+            <a:srgbClr val="89F664"/>
+          </a:solidFill>
+          <a:ln w="6350">
+            <a:solidFill>
+              <a:schemeClr val="tx1"/>
+            </a:solidFill>
+          </a:ln>
+        </p:spPr>
+        <p:style>
+          <a:lnRef idx="2">
+            <a:schemeClr val="accent1">
+              <a:lumMod val="75000"/>
+            </a:schemeClr>
+          </a:lnRef>
+          <a:fillRef idx="1">
+            <a:schemeClr val="accent1"/>
+          </a:fillRef>
+          <a:effectRef idx="0">
+            <a:srgbClr val="FFFFFF"/>
+          </a:effectRef>
+          <a:fontRef idx="minor">
+            <a:schemeClr val="lt1"/>
+          </a:fontRef>
+        </p:style>
+        <p:txBody>
+          <a:bodyPr rtlCol="0" anchor="ctr"/>
+          <a:p>
+            <a:pPr algn="ctr"/>
+            <a:endParaRPr lang="en-US" b="1">
+              <a:latin typeface="Arial Bold" panose="020B0604020202090204" charset="0"/>
+              <a:cs typeface="Arial Bold" panose="020B0604020202090204" charset="0"/>
+            </a:endParaRPr>
+          </a:p>
+        </p:txBody>
+      </p:sp>
+      <p:cxnSp>
+        <p:nvCxnSpPr>
+          <p:cNvPr id="199" name="Straight Connector 198"/>
+          <p:cNvCxnSpPr>
+            <a:stCxn id="197" idx="3"/>
+            <a:endCxn id="198" idx="1"/>
+          </p:cNvCxnSpPr>
+          <p:nvPr/>
+        </p:nvCxnSpPr>
+        <p:spPr>
+          <a:xfrm>
+            <a:off x="9655810" y="5934710"/>
+            <a:ext cx="72390" cy="0"/>
+          </a:xfrm>
+          <a:prstGeom prst="line">
+            <a:avLst/>
+          </a:prstGeom>
+          <a:ln>
+            <a:solidFill>
+              <a:schemeClr val="tx1"/>
+            </a:solidFill>
+          </a:ln>
+        </p:spPr>
+        <p:style>
+          <a:lnRef idx="2">
+            <a:schemeClr val="accent1"/>
+          </a:lnRef>
+          <a:fillRef idx="0">
+            <a:srgbClr val="FFFFFF"/>
+          </a:fillRef>
+          <a:effectRef idx="0">
+            <a:srgbClr val="FFFFFF"/>
+          </a:effectRef>
+          <a:fontRef idx="minor">
+            <a:schemeClr val="tx1"/>
+          </a:fontRef>
+        </p:style>
+      </p:cxnSp>
+      <p:cxnSp>
+        <p:nvCxnSpPr>
+          <p:cNvPr id="200" name="Straight Connector 199"/>
+          <p:cNvCxnSpPr/>
+          <p:nvPr/>
+        </p:nvCxnSpPr>
+        <p:spPr>
+          <a:xfrm>
+            <a:off x="9914890" y="5934710"/>
+            <a:ext cx="72390" cy="0"/>
+          </a:xfrm>
+          <a:prstGeom prst="line">
+            <a:avLst/>
+          </a:prstGeom>
+          <a:ln>
+            <a:solidFill>
+              <a:schemeClr val="tx1"/>
+            </a:solidFill>
+          </a:ln>
+        </p:spPr>
+        <p:style>
+          <a:lnRef idx="2">
+            <a:schemeClr val="accent1"/>
+          </a:lnRef>
+          <a:fillRef idx="0">
+            <a:srgbClr val="FFFFFF"/>
+          </a:fillRef>
+          <a:effectRef idx="0">
+            <a:srgbClr val="FFFFFF"/>
+          </a:effectRef>
+          <a:fontRef idx="minor">
+            <a:schemeClr val="tx1"/>
+          </a:fontRef>
+        </p:style>
+      </p:cxnSp>
+      <p:sp>
+        <p:nvSpPr>
+          <p:cNvPr id="201" name="Rectangles 200"/>
+          <p:cNvSpPr/>
+          <p:nvPr/>
+        </p:nvSpPr>
+        <p:spPr>
+          <a:xfrm>
+            <a:off x="9987280" y="5896610"/>
+            <a:ext cx="186690" cy="76200"/>
+          </a:xfrm>
+          <a:prstGeom prst="rect">
+            <a:avLst/>
+          </a:prstGeom>
+          <a:solidFill>
+            <a:srgbClr val="89F664"/>
+          </a:solidFill>
+          <a:ln w="6350">
+            <a:solidFill>
+              <a:schemeClr val="tx1"/>
+            </a:solidFill>
+          </a:ln>
+        </p:spPr>
+        <p:style>
+          <a:lnRef idx="2">
+            <a:schemeClr val="accent1">
+              <a:lumMod val="75000"/>
+            </a:schemeClr>
+          </a:lnRef>
+          <a:fillRef idx="1">
+            <a:schemeClr val="accent1"/>
+          </a:fillRef>
+          <a:effectRef idx="0">
+            <a:srgbClr val="FFFFFF"/>
+          </a:effectRef>
+          <a:fontRef idx="minor">
+            <a:schemeClr val="lt1"/>
+          </a:fontRef>
+        </p:style>
+        <p:txBody>
+          <a:bodyPr rtlCol="0" anchor="ctr"/>
+          <a:p>
+            <a:pPr algn="ctr"/>
+            <a:endParaRPr lang="en-US" b="1">
+              <a:latin typeface="Arial Bold" panose="020B0604020202090204" charset="0"/>
+              <a:cs typeface="Arial Bold" panose="020B0604020202090204" charset="0"/>
+            </a:endParaRPr>
+          </a:p>
+        </p:txBody>
+      </p:sp>
+      <p:sp>
+        <p:nvSpPr>
+          <p:cNvPr id="204" name="Rectangles 203"/>
+          <p:cNvSpPr/>
+          <p:nvPr/>
+        </p:nvSpPr>
+        <p:spPr>
+          <a:xfrm>
+            <a:off x="10246360" y="5896610"/>
+            <a:ext cx="186690" cy="76200"/>
+          </a:xfrm>
+          <a:prstGeom prst="rect">
+            <a:avLst/>
+          </a:prstGeom>
+          <a:solidFill>
+            <a:srgbClr val="89F664"/>
+          </a:solidFill>
+          <a:ln w="6350">
+            <a:solidFill>
+              <a:schemeClr val="tx1"/>
+            </a:solidFill>
+          </a:ln>
+        </p:spPr>
+        <p:style>
+          <a:lnRef idx="2">
+            <a:schemeClr val="accent1">
+              <a:lumMod val="75000"/>
+            </a:schemeClr>
+          </a:lnRef>
+          <a:fillRef idx="1">
+            <a:schemeClr val="accent1"/>
+          </a:fillRef>
+          <a:effectRef idx="0">
+            <a:srgbClr val="FFFFFF"/>
+          </a:effectRef>
+          <a:fontRef idx="minor">
+            <a:schemeClr val="lt1"/>
+          </a:fontRef>
+        </p:style>
+        <p:txBody>
+          <a:bodyPr rtlCol="0" anchor="ctr"/>
+          <a:p>
+            <a:pPr algn="ctr"/>
+            <a:endParaRPr lang="en-US" b="1">
+              <a:latin typeface="Arial Bold" panose="020B0604020202090204" charset="0"/>
+              <a:cs typeface="Arial Bold" panose="020B0604020202090204" charset="0"/>
+            </a:endParaRPr>
+          </a:p>
+        </p:txBody>
+      </p:sp>
+      <p:cxnSp>
+        <p:nvCxnSpPr>
+          <p:cNvPr id="211" name="Straight Connector 210"/>
+          <p:cNvCxnSpPr>
+            <a:stCxn id="201" idx="3"/>
+            <a:endCxn id="204" idx="1"/>
+          </p:cNvCxnSpPr>
+          <p:nvPr/>
+        </p:nvCxnSpPr>
+        <p:spPr>
+          <a:xfrm>
+            <a:off x="10173970" y="5934710"/>
+            <a:ext cx="72390" cy="0"/>
+          </a:xfrm>
+          <a:prstGeom prst="line">
+            <a:avLst/>
+          </a:prstGeom>
+          <a:ln>
+            <a:solidFill>
+              <a:schemeClr val="tx1"/>
+            </a:solidFill>
+          </a:ln>
+        </p:spPr>
+        <p:style>
+          <a:lnRef idx="2">
+            <a:schemeClr val="accent1"/>
+          </a:lnRef>
+          <a:fillRef idx="0">
+            <a:srgbClr val="FFFFFF"/>
+          </a:fillRef>
+          <a:effectRef idx="0">
+            <a:srgbClr val="FFFFFF"/>
+          </a:effectRef>
+          <a:fontRef idx="minor">
+            <a:schemeClr val="tx1"/>
+          </a:fontRef>
+        </p:style>
+      </p:cxnSp>
+      <p:sp>
+        <p:nvSpPr>
+          <p:cNvPr id="212" name="Rectangles 211"/>
+          <p:cNvSpPr/>
+          <p:nvPr/>
+        </p:nvSpPr>
+        <p:spPr>
+          <a:xfrm>
+            <a:off x="9210040" y="5082540"/>
+            <a:ext cx="186690" cy="76200"/>
+          </a:xfrm>
+          <a:prstGeom prst="rect">
+            <a:avLst/>
+          </a:prstGeom>
+          <a:solidFill>
+            <a:srgbClr val="EE7C7A"/>
+          </a:solidFill>
+          <a:ln w="6350">
+            <a:solidFill>
+              <a:schemeClr val="tx1"/>
+            </a:solidFill>
+          </a:ln>
+        </p:spPr>
+        <p:style>
+          <a:lnRef idx="2">
+            <a:schemeClr val="accent1">
+              <a:lumMod val="75000"/>
+            </a:schemeClr>
+          </a:lnRef>
+          <a:fillRef idx="1">
+            <a:schemeClr val="accent1"/>
+          </a:fillRef>
+          <a:effectRef idx="0">
+            <a:srgbClr val="FFFFFF"/>
+          </a:effectRef>
+          <a:fontRef idx="minor">
+            <a:schemeClr val="lt1"/>
+          </a:fontRef>
+        </p:style>
+        <p:txBody>
+          <a:bodyPr rtlCol="0" anchor="ctr"/>
+          <a:p>
+            <a:pPr algn="ctr"/>
+            <a:endParaRPr lang="en-US" b="1">
+              <a:latin typeface="Arial Bold" panose="020B0604020202090204" charset="0"/>
+              <a:cs typeface="Arial Bold" panose="020B0604020202090204" charset="0"/>
+            </a:endParaRPr>
+          </a:p>
+        </p:txBody>
+      </p:sp>
+      <p:cxnSp>
+        <p:nvCxnSpPr>
+          <p:cNvPr id="213" name="Straight Connector 212"/>
+          <p:cNvCxnSpPr/>
+          <p:nvPr/>
+        </p:nvCxnSpPr>
+        <p:spPr>
+          <a:xfrm>
+            <a:off x="9396730" y="5120640"/>
+            <a:ext cx="72390" cy="0"/>
+          </a:xfrm>
+          <a:prstGeom prst="line">
+            <a:avLst/>
+          </a:prstGeom>
+          <a:ln>
+            <a:solidFill>
+              <a:schemeClr val="tx1"/>
+            </a:solidFill>
+          </a:ln>
+        </p:spPr>
+        <p:style>
+          <a:lnRef idx="2">
+            <a:schemeClr val="accent1"/>
+          </a:lnRef>
+          <a:fillRef idx="0">
+            <a:srgbClr val="FFFFFF"/>
+          </a:fillRef>
+          <a:effectRef idx="0">
+            <a:srgbClr val="FFFFFF"/>
+          </a:effectRef>
+          <a:fontRef idx="minor">
+            <a:schemeClr val="tx1"/>
+          </a:fontRef>
+        </p:style>
+      </p:cxnSp>
+      <p:sp>
+        <p:nvSpPr>
+          <p:cNvPr id="214" name="Rectangles 213"/>
+          <p:cNvSpPr/>
+          <p:nvPr/>
+        </p:nvSpPr>
+        <p:spPr>
+          <a:xfrm>
+            <a:off x="9469120" y="5082540"/>
+            <a:ext cx="186690" cy="76200"/>
+          </a:xfrm>
+          <a:prstGeom prst="rect">
+            <a:avLst/>
+          </a:prstGeom>
+          <a:solidFill>
+            <a:srgbClr val="EE7C7A"/>
+          </a:solidFill>
+          <a:ln w="6350">
+            <a:solidFill>
+              <a:schemeClr val="tx1"/>
+            </a:solidFill>
+          </a:ln>
+        </p:spPr>
+        <p:style>
+          <a:lnRef idx="2">
+            <a:schemeClr val="accent1">
+              <a:lumMod val="75000"/>
+            </a:schemeClr>
+          </a:lnRef>
+          <a:fillRef idx="1">
+            <a:schemeClr val="accent1"/>
+          </a:fillRef>
+          <a:effectRef idx="0">
+            <a:srgbClr val="FFFFFF"/>
+          </a:effectRef>
+          <a:fontRef idx="minor">
+            <a:schemeClr val="lt1"/>
+          </a:fontRef>
+        </p:style>
+        <p:txBody>
+          <a:bodyPr rtlCol="0" anchor="ctr"/>
+          <a:p>
+            <a:pPr algn="ctr"/>
+            <a:endParaRPr lang="en-US" b="1">
+              <a:latin typeface="Arial Bold" panose="020B0604020202090204" charset="0"/>
+              <a:cs typeface="Arial Bold" panose="020B0604020202090204" charset="0"/>
+            </a:endParaRPr>
+          </a:p>
+        </p:txBody>
+      </p:sp>
+      <p:sp>
+        <p:nvSpPr>
+          <p:cNvPr id="215" name="Rectangles 214"/>
+          <p:cNvSpPr/>
+          <p:nvPr/>
+        </p:nvSpPr>
+        <p:spPr>
+          <a:xfrm>
+            <a:off x="9728200" y="5082540"/>
+            <a:ext cx="186690" cy="76200"/>
+          </a:xfrm>
+          <a:prstGeom prst="rect">
+            <a:avLst/>
+          </a:prstGeom>
+          <a:solidFill>
+            <a:srgbClr val="EE7C7A"/>
+          </a:solidFill>
+          <a:ln w="6350">
+            <a:solidFill>
+              <a:schemeClr val="tx1"/>
+            </a:solidFill>
+          </a:ln>
+        </p:spPr>
+        <p:style>
+          <a:lnRef idx="2">
+            <a:schemeClr val="accent1">
+              <a:lumMod val="75000"/>
+            </a:schemeClr>
+          </a:lnRef>
+          <a:fillRef idx="1">
+            <a:schemeClr val="accent1"/>
+          </a:fillRef>
+          <a:effectRef idx="0">
+            <a:srgbClr val="FFFFFF"/>
+          </a:effectRef>
+          <a:fontRef idx="minor">
+            <a:schemeClr val="lt1"/>
+          </a:fontRef>
+        </p:style>
+        <p:txBody>
+          <a:bodyPr rtlCol="0" anchor="ctr"/>
+          <a:p>
+            <a:pPr algn="ctr"/>
+            <a:endParaRPr lang="en-US" b="1">
+              <a:latin typeface="Arial Bold" panose="020B0604020202090204" charset="0"/>
+              <a:cs typeface="Arial Bold" panose="020B0604020202090204" charset="0"/>
+            </a:endParaRPr>
+          </a:p>
+        </p:txBody>
+      </p:sp>
+      <p:cxnSp>
+        <p:nvCxnSpPr>
+          <p:cNvPr id="216" name="Straight Connector 215"/>
+          <p:cNvCxnSpPr>
+            <a:stCxn id="214" idx="3"/>
+            <a:endCxn id="215" idx="1"/>
+          </p:cNvCxnSpPr>
+          <p:nvPr/>
+        </p:nvCxnSpPr>
+        <p:spPr>
+          <a:xfrm>
+            <a:off x="9655810" y="5120640"/>
+            <a:ext cx="72390" cy="0"/>
+          </a:xfrm>
+          <a:prstGeom prst="line">
+            <a:avLst/>
+          </a:prstGeom>
+          <a:ln>
+            <a:solidFill>
+              <a:schemeClr val="tx1"/>
+            </a:solidFill>
+          </a:ln>
+        </p:spPr>
+        <p:style>
+          <a:lnRef idx="2">
+            <a:schemeClr val="accent1"/>
+          </a:lnRef>
+          <a:fillRef idx="0">
+            <a:srgbClr val="FFFFFF"/>
+          </a:fillRef>
+          <a:effectRef idx="0">
+            <a:srgbClr val="FFFFFF"/>
+          </a:effectRef>
+          <a:fontRef idx="minor">
+            <a:schemeClr val="tx1"/>
+          </a:fontRef>
+        </p:style>
+      </p:cxnSp>
+      <p:cxnSp>
+        <p:nvCxnSpPr>
+          <p:cNvPr id="217" name="Straight Connector 216"/>
+          <p:cNvCxnSpPr/>
+          <p:nvPr/>
+        </p:nvCxnSpPr>
+        <p:spPr>
+          <a:xfrm>
+            <a:off x="9914890" y="5120640"/>
+            <a:ext cx="72390" cy="0"/>
+          </a:xfrm>
+          <a:prstGeom prst="line">
+            <a:avLst/>
+          </a:prstGeom>
+          <a:ln>
+            <a:solidFill>
+              <a:schemeClr val="tx1"/>
+            </a:solidFill>
+          </a:ln>
+        </p:spPr>
+        <p:style>
+          <a:lnRef idx="2">
+            <a:schemeClr val="accent1"/>
+          </a:lnRef>
+          <a:fillRef idx="0">
+            <a:srgbClr val="FFFFFF"/>
+          </a:fillRef>
+          <a:effectRef idx="0">
+            <a:srgbClr val="FFFFFF"/>
+          </a:effectRef>
+          <a:fontRef idx="minor">
+            <a:schemeClr val="tx1"/>
+          </a:fontRef>
+        </p:style>
+      </p:cxnSp>
+      <p:sp>
+        <p:nvSpPr>
+          <p:cNvPr id="218" name="Rectangles 217"/>
+          <p:cNvSpPr/>
+          <p:nvPr/>
+        </p:nvSpPr>
+        <p:spPr>
+          <a:xfrm>
+            <a:off x="9987280" y="5082540"/>
+            <a:ext cx="186690" cy="76200"/>
+          </a:xfrm>
+          <a:prstGeom prst="rect">
+            <a:avLst/>
+          </a:prstGeom>
+          <a:solidFill>
+            <a:srgbClr val="EE7C7A"/>
+          </a:solidFill>
+          <a:ln w="6350">
+            <a:solidFill>
+              <a:schemeClr val="tx1"/>
+            </a:solidFill>
+          </a:ln>
+        </p:spPr>
+        <p:style>
+          <a:lnRef idx="2">
+            <a:schemeClr val="accent1">
+              <a:lumMod val="75000"/>
+            </a:schemeClr>
+          </a:lnRef>
+          <a:fillRef idx="1">
+            <a:schemeClr val="accent1"/>
+          </a:fillRef>
+          <a:effectRef idx="0">
+            <a:srgbClr val="FFFFFF"/>
+          </a:effectRef>
+          <a:fontRef idx="minor">
+            <a:schemeClr val="lt1"/>
+          </a:fontRef>
+        </p:style>
+        <p:txBody>
+          <a:bodyPr rtlCol="0" anchor="ctr"/>
+          <a:p>
+            <a:pPr algn="ctr"/>
+            <a:endParaRPr lang="en-US" b="1">
+              <a:latin typeface="Arial Bold" panose="020B0604020202090204" charset="0"/>
+              <a:cs typeface="Arial Bold" panose="020B0604020202090204" charset="0"/>
+            </a:endParaRPr>
+          </a:p>
+        </p:txBody>
+      </p:sp>
+      <p:sp>
+        <p:nvSpPr>
+          <p:cNvPr id="219" name="Rectangles 218"/>
+          <p:cNvSpPr/>
+          <p:nvPr/>
+        </p:nvSpPr>
+        <p:spPr>
+          <a:xfrm>
+            <a:off x="10246360" y="5082540"/>
+            <a:ext cx="186690" cy="76200"/>
+          </a:xfrm>
+          <a:prstGeom prst="rect">
+            <a:avLst/>
+          </a:prstGeom>
+          <a:solidFill>
+            <a:srgbClr val="EE7C7A"/>
+          </a:solidFill>
+          <a:ln w="6350">
+            <a:solidFill>
+              <a:schemeClr val="tx1"/>
+            </a:solidFill>
+          </a:ln>
+        </p:spPr>
+        <p:style>
+          <a:lnRef idx="2">
+            <a:schemeClr val="accent1">
+              <a:lumMod val="75000"/>
+            </a:schemeClr>
+          </a:lnRef>
+          <a:fillRef idx="1">
+            <a:schemeClr val="accent1"/>
+          </a:fillRef>
+          <a:effectRef idx="0">
+            <a:srgbClr val="FFFFFF"/>
+          </a:effectRef>
+          <a:fontRef idx="minor">
+            <a:schemeClr val="lt1"/>
+          </a:fontRef>
+        </p:style>
+        <p:txBody>
+          <a:bodyPr rtlCol="0" anchor="ctr"/>
+          <a:p>
+            <a:pPr algn="ctr"/>
+            <a:endParaRPr lang="en-US" b="1">
+              <a:latin typeface="Arial Bold" panose="020B0604020202090204" charset="0"/>
+              <a:cs typeface="Arial Bold" panose="020B0604020202090204" charset="0"/>
+            </a:endParaRPr>
+          </a:p>
+        </p:txBody>
+      </p:sp>
+      <p:cxnSp>
+        <p:nvCxnSpPr>
+          <p:cNvPr id="220" name="Straight Connector 219"/>
+          <p:cNvCxnSpPr>
+            <a:stCxn id="218" idx="3"/>
+            <a:endCxn id="219" idx="1"/>
+          </p:cNvCxnSpPr>
+          <p:nvPr/>
+        </p:nvCxnSpPr>
+        <p:spPr>
+          <a:xfrm>
+            <a:off x="10173970" y="5120640"/>
+            <a:ext cx="72390" cy="0"/>
+          </a:xfrm>
+          <a:prstGeom prst="line">
+            <a:avLst/>
+          </a:prstGeom>
+          <a:ln>
+            <a:solidFill>
+              <a:schemeClr val="tx1"/>
+            </a:solidFill>
+          </a:ln>
+        </p:spPr>
+        <p:style>
+          <a:lnRef idx="2">
+            <a:schemeClr val="accent1"/>
+          </a:lnRef>
+          <a:fillRef idx="0">
+            <a:srgbClr val="FFFFFF"/>
+          </a:fillRef>
+          <a:effectRef idx="0">
+            <a:srgbClr val="FFFFFF"/>
+          </a:effectRef>
+          <a:fontRef idx="minor">
+            <a:schemeClr val="tx1"/>
+          </a:fontRef>
+        </p:style>
+      </p:cxnSp>
+      <p:cxnSp>
+        <p:nvCxnSpPr>
+          <p:cNvPr id="221" name="Straight Arrow Connector 220"/>
+          <p:cNvCxnSpPr>
+            <a:stCxn id="218" idx="2"/>
+            <a:endCxn id="197" idx="0"/>
+          </p:cNvCxnSpPr>
+          <p:nvPr/>
+        </p:nvCxnSpPr>
+        <p:spPr>
+          <a:xfrm flipH="1">
+            <a:off x="9562465" y="5158740"/>
+            <a:ext cx="518160" cy="737870"/>
+          </a:xfrm>
+          <a:prstGeom prst="straightConnector1">
+            <a:avLst/>
+          </a:prstGeom>
+          <a:ln>
+            <a:solidFill>
+              <a:schemeClr val="tx1">
+                <a:lumMod val="50000"/>
+                <a:lumOff val="50000"/>
+              </a:schemeClr>
+            </a:solidFill>
+            <a:prstDash val="dash"/>
+            <a:headEnd type="stealth"/>
+            <a:tailEnd type="stealth"/>
+          </a:ln>
+        </p:spPr>
+        <p:style>
+          <a:lnRef idx="2">
+            <a:schemeClr val="accent1"/>
+          </a:lnRef>
+          <a:fillRef idx="0">
+            <a:srgbClr val="FFFFFF"/>
+          </a:fillRef>
+          <a:effectRef idx="0">
+            <a:srgbClr val="FFFFFF"/>
+          </a:effectRef>
+          <a:fontRef idx="minor">
+            <a:schemeClr val="tx1"/>
+          </a:fontRef>
+        </p:style>
+      </p:cxnSp>
+      <p:cxnSp>
+        <p:nvCxnSpPr>
+          <p:cNvPr id="222" name="Straight Arrow Connector 221"/>
+          <p:cNvCxnSpPr>
+            <a:stCxn id="195" idx="0"/>
+            <a:endCxn id="219" idx="2"/>
+          </p:cNvCxnSpPr>
+          <p:nvPr/>
+        </p:nvCxnSpPr>
+        <p:spPr>
+          <a:xfrm flipV="1">
+            <a:off x="9303385" y="5158740"/>
+            <a:ext cx="1036320" cy="737870"/>
+          </a:xfrm>
+          <a:prstGeom prst="straightConnector1">
+            <a:avLst/>
+          </a:prstGeom>
+          <a:ln>
+            <a:solidFill>
+              <a:schemeClr val="tx1">
+                <a:lumMod val="50000"/>
+                <a:lumOff val="50000"/>
+              </a:schemeClr>
+            </a:solidFill>
+            <a:prstDash val="dash"/>
+            <a:headEnd type="stealth"/>
+            <a:tailEnd type="stealth"/>
+          </a:ln>
+        </p:spPr>
+        <p:style>
+          <a:lnRef idx="2">
+            <a:schemeClr val="accent1"/>
+          </a:lnRef>
+          <a:fillRef idx="0">
+            <a:srgbClr val="FFFFFF"/>
+          </a:fillRef>
+          <a:effectRef idx="0">
+            <a:srgbClr val="FFFFFF"/>
+          </a:effectRef>
+          <a:fontRef idx="minor">
+            <a:schemeClr val="tx1"/>
+          </a:fontRef>
+        </p:style>
+      </p:cxnSp>
+      <p:sp>
+        <p:nvSpPr>
+          <p:cNvPr id="224" name="Text Box 223"/>
+          <p:cNvSpPr txBox="1"/>
+          <p:nvPr/>
+        </p:nvSpPr>
+        <p:spPr>
+          <a:xfrm>
+            <a:off x="9210040" y="4837430"/>
+            <a:ext cx="186690" cy="245110"/>
+          </a:xfrm>
+          <a:prstGeom prst="rect">
+            <a:avLst/>
+          </a:prstGeom>
+          <a:noFill/>
+        </p:spPr>
+        <p:txBody>
+          <a:bodyPr wrap="square" rtlCol="0">
+            <a:spAutoFit/>
+          </a:bodyPr>
+          <a:p>
+            <a:pPr algn="ctr"/>
+            <a:r>
+              <a:rPr lang="en-US" sz="1000"/>
+              <a:t>A</a:t>
+            </a:r>
+            <a:endParaRPr lang="en-US" sz="1000"/>
+          </a:p>
+        </p:txBody>
+      </p:sp>
+      <p:sp>
+        <p:nvSpPr>
+          <p:cNvPr id="225" name="Text Box 224"/>
+          <p:cNvSpPr txBox="1"/>
+          <p:nvPr/>
+        </p:nvSpPr>
+        <p:spPr>
+          <a:xfrm>
+            <a:off x="9987280" y="5972810"/>
+            <a:ext cx="186690" cy="245110"/>
+          </a:xfrm>
+          <a:prstGeom prst="rect">
+            <a:avLst/>
+          </a:prstGeom>
+          <a:noFill/>
+        </p:spPr>
+        <p:txBody>
+          <a:bodyPr wrap="square" rtlCol="0">
+            <a:spAutoFit/>
+          </a:bodyPr>
+          <a:p>
+            <a:pPr algn="ctr"/>
+            <a:r>
+              <a:rPr lang="en-US" sz="1000"/>
+              <a:t>C</a:t>
+            </a:r>
+            <a:endParaRPr lang="en-US" sz="1000"/>
+          </a:p>
+        </p:txBody>
+      </p:sp>
+      <p:sp>
+        <p:nvSpPr>
+          <p:cNvPr id="226" name="Text Box 225"/>
+          <p:cNvSpPr txBox="1"/>
+          <p:nvPr/>
+        </p:nvSpPr>
+        <p:spPr>
+          <a:xfrm>
+            <a:off x="9469120" y="4837430"/>
+            <a:ext cx="186690" cy="245110"/>
+          </a:xfrm>
+          <a:prstGeom prst="rect">
+            <a:avLst/>
+          </a:prstGeom>
+          <a:noFill/>
+        </p:spPr>
+        <p:txBody>
+          <a:bodyPr wrap="square" rtlCol="0">
+            <a:spAutoFit/>
+          </a:bodyPr>
+          <a:p>
+            <a:pPr algn="ctr"/>
+            <a:r>
+              <a:rPr lang="en-US" sz="1000"/>
+              <a:t>C</a:t>
+            </a:r>
+            <a:endParaRPr lang="en-US" sz="1000"/>
+          </a:p>
+        </p:txBody>
+      </p:sp>
+      <p:sp>
+        <p:nvSpPr>
+          <p:cNvPr id="227" name="Text Box 226"/>
+          <p:cNvSpPr txBox="1"/>
+          <p:nvPr/>
+        </p:nvSpPr>
+        <p:spPr>
+          <a:xfrm>
+            <a:off x="9728200" y="5972810"/>
+            <a:ext cx="186690" cy="245110"/>
+          </a:xfrm>
+          <a:prstGeom prst="rect">
+            <a:avLst/>
+          </a:prstGeom>
+          <a:noFill/>
+        </p:spPr>
+        <p:txBody>
+          <a:bodyPr wrap="square" rtlCol="0">
+            <a:spAutoFit/>
+          </a:bodyPr>
+          <a:p>
+            <a:pPr algn="ctr"/>
+            <a:r>
+              <a:rPr lang="en-US" sz="1000"/>
+              <a:t>G</a:t>
+            </a:r>
+            <a:endParaRPr lang="en-US" sz="1000"/>
+          </a:p>
+        </p:txBody>
+      </p:sp>
+      <p:sp>
+        <p:nvSpPr>
+          <p:cNvPr id="228" name="Text Box 227"/>
+          <p:cNvSpPr txBox="1"/>
+          <p:nvPr/>
+        </p:nvSpPr>
+        <p:spPr>
+          <a:xfrm>
+            <a:off x="10246360" y="5972810"/>
+            <a:ext cx="186690" cy="245110"/>
+          </a:xfrm>
+          <a:prstGeom prst="rect">
+            <a:avLst/>
+          </a:prstGeom>
+          <a:noFill/>
+        </p:spPr>
+        <p:txBody>
+          <a:bodyPr wrap="square" rtlCol="0">
+            <a:spAutoFit/>
+          </a:bodyPr>
+          <a:p>
+            <a:pPr algn="ctr"/>
+            <a:r>
+              <a:rPr lang="en-US" sz="1000"/>
+              <a:t>A</a:t>
+            </a:r>
+            <a:endParaRPr lang="en-US" sz="1000"/>
+          </a:p>
+        </p:txBody>
+      </p:sp>
+      <p:sp>
+        <p:nvSpPr>
+          <p:cNvPr id="229" name="Text Box 228"/>
+          <p:cNvSpPr txBox="1"/>
+          <p:nvPr/>
+        </p:nvSpPr>
+        <p:spPr>
+          <a:xfrm>
+            <a:off x="9728200" y="4837430"/>
+            <a:ext cx="186690" cy="245110"/>
+          </a:xfrm>
+          <a:prstGeom prst="rect">
+            <a:avLst/>
+          </a:prstGeom>
+          <a:noFill/>
+        </p:spPr>
+        <p:txBody>
+          <a:bodyPr wrap="square" rtlCol="0">
+            <a:spAutoFit/>
+          </a:bodyPr>
+          <a:p>
+            <a:pPr algn="ctr"/>
+            <a:r>
+              <a:rPr lang="en-US" sz="1000"/>
+              <a:t>G</a:t>
+            </a:r>
+            <a:endParaRPr lang="en-US" sz="1000"/>
+          </a:p>
+        </p:txBody>
+      </p:sp>
+      <p:sp>
+        <p:nvSpPr>
+          <p:cNvPr id="230" name="Text Box 229"/>
+          <p:cNvSpPr txBox="1"/>
+          <p:nvPr/>
+        </p:nvSpPr>
+        <p:spPr>
+          <a:xfrm>
+            <a:off x="9987280" y="4837430"/>
+            <a:ext cx="186690" cy="245110"/>
+          </a:xfrm>
+          <a:prstGeom prst="rect">
+            <a:avLst/>
+          </a:prstGeom>
+          <a:noFill/>
+        </p:spPr>
+        <p:txBody>
+          <a:bodyPr wrap="square" rtlCol="0">
+            <a:spAutoFit/>
+          </a:bodyPr>
+          <a:p>
+            <a:pPr algn="ctr"/>
+            <a:r>
+              <a:rPr lang="en-US" sz="1000"/>
+              <a:t>G</a:t>
+            </a:r>
+            <a:endParaRPr lang="en-US" sz="1000"/>
+          </a:p>
+        </p:txBody>
+      </p:sp>
+      <p:sp>
+        <p:nvSpPr>
+          <p:cNvPr id="231" name="Text Box 230"/>
+          <p:cNvSpPr txBox="1"/>
+          <p:nvPr/>
+        </p:nvSpPr>
+        <p:spPr>
+          <a:xfrm>
+            <a:off x="10246360" y="4837430"/>
+            <a:ext cx="186690" cy="245110"/>
+          </a:xfrm>
+          <a:prstGeom prst="rect">
+            <a:avLst/>
+          </a:prstGeom>
+          <a:noFill/>
+        </p:spPr>
+        <p:txBody>
+          <a:bodyPr wrap="square" rtlCol="0">
+            <a:spAutoFit/>
+          </a:bodyPr>
+          <a:p>
+            <a:pPr algn="ctr"/>
+            <a:r>
+              <a:rPr lang="en-US" sz="1000"/>
+              <a:t>U</a:t>
+            </a:r>
+            <a:endParaRPr lang="en-US" sz="1000"/>
+          </a:p>
+        </p:txBody>
+      </p:sp>
+      <p:sp>
+        <p:nvSpPr>
+          <p:cNvPr id="232" name="Text Box 231"/>
+          <p:cNvSpPr txBox="1"/>
+          <p:nvPr/>
+        </p:nvSpPr>
+        <p:spPr>
+          <a:xfrm>
+            <a:off x="9210040" y="5972810"/>
+            <a:ext cx="186690" cy="245110"/>
+          </a:xfrm>
+          <a:prstGeom prst="rect">
+            <a:avLst/>
+          </a:prstGeom>
+          <a:noFill/>
+        </p:spPr>
+        <p:txBody>
+          <a:bodyPr wrap="square" rtlCol="0">
+            <a:spAutoFit/>
+          </a:bodyPr>
+          <a:p>
+            <a:pPr algn="ctr"/>
+            <a:r>
+              <a:rPr lang="en-US" sz="1000"/>
+              <a:t>U</a:t>
+            </a:r>
+            <a:endParaRPr lang="en-US" sz="1000"/>
+          </a:p>
+        </p:txBody>
+      </p:sp>
+      <p:sp>
+        <p:nvSpPr>
+          <p:cNvPr id="233" name="Text Box 232"/>
+          <p:cNvSpPr txBox="1"/>
+          <p:nvPr/>
+        </p:nvSpPr>
+        <p:spPr>
+          <a:xfrm>
+            <a:off x="9469120" y="5969000"/>
+            <a:ext cx="186690" cy="245110"/>
+          </a:xfrm>
+          <a:prstGeom prst="rect">
+            <a:avLst/>
+          </a:prstGeom>
+          <a:noFill/>
+        </p:spPr>
+        <p:txBody>
+          <a:bodyPr wrap="square" rtlCol="0">
+            <a:spAutoFit/>
+          </a:bodyPr>
+          <a:p>
+            <a:pPr algn="ctr"/>
+            <a:r>
+              <a:rPr lang="en-US" sz="1000"/>
+              <a:t>G</a:t>
+            </a:r>
+            <a:endParaRPr lang="en-US" sz="1000"/>
+          </a:p>
+        </p:txBody>
+      </p:sp>
+      <p:cxnSp>
+        <p:nvCxnSpPr>
+          <p:cNvPr id="235" name="Straight Arrow Connector 234"/>
+          <p:cNvCxnSpPr>
+            <a:stCxn id="215" idx="2"/>
+            <a:endCxn id="198" idx="0"/>
+          </p:cNvCxnSpPr>
+          <p:nvPr/>
+        </p:nvCxnSpPr>
+        <p:spPr>
+          <a:xfrm>
+            <a:off x="9821545" y="5158740"/>
+            <a:ext cx="0" cy="737870"/>
+          </a:xfrm>
+          <a:prstGeom prst="straightConnector1">
+            <a:avLst/>
+          </a:prstGeom>
+          <a:ln>
+            <a:solidFill>
+              <a:schemeClr val="tx1">
+                <a:lumMod val="50000"/>
+                <a:lumOff val="50000"/>
+              </a:schemeClr>
+            </a:solidFill>
+            <a:prstDash val="dash"/>
+            <a:headEnd type="stealth"/>
+            <a:tailEnd type="stealth"/>
+          </a:ln>
+        </p:spPr>
+        <p:style>
+          <a:lnRef idx="2">
+            <a:schemeClr val="accent1"/>
+          </a:lnRef>
+          <a:fillRef idx="0">
+            <a:srgbClr val="FFFFFF"/>
+          </a:fillRef>
+          <a:effectRef idx="0">
+            <a:srgbClr val="FFFFFF"/>
+          </a:effectRef>
+          <a:fontRef idx="minor">
+            <a:schemeClr val="tx1"/>
+          </a:fontRef>
+        </p:style>
+      </p:cxnSp>
+      <p:cxnSp>
+        <p:nvCxnSpPr>
+          <p:cNvPr id="236" name="Straight Arrow Connector 235"/>
+          <p:cNvCxnSpPr>
+            <a:stCxn id="214" idx="2"/>
+            <a:endCxn id="201" idx="0"/>
+          </p:cNvCxnSpPr>
+          <p:nvPr/>
+        </p:nvCxnSpPr>
+        <p:spPr>
+          <a:xfrm>
+            <a:off x="9562465" y="5158740"/>
+            <a:ext cx="518160" cy="737870"/>
+          </a:xfrm>
+          <a:prstGeom prst="straightConnector1">
+            <a:avLst/>
+          </a:prstGeom>
+          <a:ln>
+            <a:solidFill>
+              <a:schemeClr val="tx1">
+                <a:lumMod val="50000"/>
+                <a:lumOff val="50000"/>
+              </a:schemeClr>
+            </a:solidFill>
+            <a:prstDash val="dash"/>
+            <a:headEnd type="stealth"/>
+            <a:tailEnd type="stealth"/>
+          </a:ln>
+        </p:spPr>
+        <p:style>
+          <a:lnRef idx="2">
+            <a:schemeClr val="accent1"/>
+          </a:lnRef>
+          <a:fillRef idx="0">
+            <a:srgbClr val="FFFFFF"/>
+          </a:fillRef>
+          <a:effectRef idx="0">
+            <a:srgbClr val="FFFFFF"/>
+          </a:effectRef>
+          <a:fontRef idx="minor">
+            <a:schemeClr val="tx1"/>
+          </a:fontRef>
+        </p:style>
+      </p:cxnSp>
+      <p:cxnSp>
+        <p:nvCxnSpPr>
+          <p:cNvPr id="237" name="Straight Arrow Connector 236"/>
+          <p:cNvCxnSpPr>
+            <a:stCxn id="204" idx="0"/>
+            <a:endCxn id="212" idx="2"/>
+          </p:cNvCxnSpPr>
+          <p:nvPr/>
+        </p:nvCxnSpPr>
+        <p:spPr>
+          <a:xfrm flipH="1" flipV="1">
+            <a:off x="9303385" y="5158740"/>
+            <a:ext cx="1036320" cy="737870"/>
+          </a:xfrm>
+          <a:prstGeom prst="straightConnector1">
+            <a:avLst/>
+          </a:prstGeom>
+          <a:ln>
+            <a:solidFill>
+              <a:schemeClr val="tx1">
+                <a:lumMod val="50000"/>
+                <a:lumOff val="50000"/>
+              </a:schemeClr>
+            </a:solidFill>
+            <a:prstDash val="dash"/>
+            <a:headEnd type="stealth"/>
+            <a:tailEnd type="stealth"/>
+          </a:ln>
+        </p:spPr>
+        <p:style>
+          <a:lnRef idx="2">
+            <a:schemeClr val="accent1"/>
+          </a:lnRef>
+          <a:fillRef idx="0">
+            <a:srgbClr val="FFFFFF"/>
+          </a:fillRef>
+          <a:effectRef idx="0">
+            <a:srgbClr val="FFFFFF"/>
+          </a:effectRef>
+          <a:fontRef idx="minor">
+            <a:schemeClr val="tx1"/>
+          </a:fontRef>
+        </p:style>
+      </p:cxnSp>
+      <p:sp>
+        <p:nvSpPr>
+          <p:cNvPr id="238" name="Text Box 237"/>
+          <p:cNvSpPr txBox="1"/>
+          <p:nvPr/>
+        </p:nvSpPr>
+        <p:spPr>
+          <a:xfrm>
+            <a:off x="10505440" y="5206365"/>
+            <a:ext cx="1283335" cy="553085"/>
+          </a:xfrm>
+          <a:prstGeom prst="rect">
+            <a:avLst/>
+          </a:prstGeom>
+          <a:noFill/>
+        </p:spPr>
+        <p:txBody>
+          <a:bodyPr wrap="square" rtlCol="0">
+            <a:spAutoFit/>
+          </a:bodyPr>
+          <a:p>
+            <a:r>
+              <a:rPr lang="en-US" sz="1000">
+                <a:latin typeface="Helvetica Regular" charset="0"/>
+                <a:cs typeface="Helvetica Regular" charset="0"/>
+              </a:rPr>
+              <a:t>Cross-verification</a:t>
+            </a:r>
+            <a:endParaRPr lang="en-US" sz="1000">
+              <a:latin typeface="Helvetica Regular" charset="0"/>
+              <a:cs typeface="Helvetica Regular" charset="0"/>
+            </a:endParaRPr>
+          </a:p>
+          <a:p>
+            <a:r>
+              <a:rPr lang="en-US" sz="1000">
+                <a:latin typeface="Helvetica Regular" charset="0"/>
+                <a:cs typeface="Helvetica Regular" charset="0"/>
+              </a:rPr>
+              <a:t>increases</a:t>
+            </a:r>
+            <a:endParaRPr lang="en-US" sz="1000">
+              <a:latin typeface="Helvetica Regular" charset="0"/>
+              <a:cs typeface="Helvetica Regular" charset="0"/>
+            </a:endParaRPr>
+          </a:p>
+          <a:p>
+            <a:r>
+              <a:rPr lang="en-US" sz="1000">
+                <a:latin typeface="Helvetica Regular" charset="0"/>
+                <a:cs typeface="Helvetica Regular" charset="0"/>
+              </a:rPr>
+              <a:t>level of confidence  </a:t>
+            </a:r>
+            <a:endParaRPr lang="en-US" sz="1000">
+              <a:latin typeface="Helvetica Regular" charset="0"/>
+              <a:cs typeface="Helvetica Regular" charset="0"/>
+            </a:endParaRPr>
+          </a:p>
+        </p:txBody>
+      </p:sp>
+      <p:sp>
+        <p:nvSpPr>
+          <p:cNvPr id="239" name="Text Box 238"/>
+          <p:cNvSpPr txBox="1"/>
+          <p:nvPr/>
+        </p:nvSpPr>
+        <p:spPr>
+          <a:xfrm>
+            <a:off x="8247380" y="5790565"/>
+            <a:ext cx="1073150" cy="213995"/>
+          </a:xfrm>
+          <a:prstGeom prst="rect">
+            <a:avLst/>
+          </a:prstGeom>
+          <a:noFill/>
+        </p:spPr>
+        <p:txBody>
+          <a:bodyPr wrap="square" rtlCol="0">
+            <a:spAutoFit/>
+          </a:bodyPr>
+          <a:p>
+            <a:r>
+              <a:rPr lang="en-US" sz="800">
+                <a:latin typeface="Helvetica Regular" charset="0"/>
+                <a:cs typeface="Helvetica Regular" charset="0"/>
+              </a:rPr>
+              <a:t>5’ Ladder:</a:t>
+            </a:r>
+            <a:endParaRPr lang="en-US" sz="800">
+              <a:latin typeface="Helvetica Regular" charset="0"/>
+              <a:cs typeface="Helvetica Regular" charset="0"/>
+            </a:endParaRPr>
+          </a:p>
+        </p:txBody>
+      </p:sp>
+      <p:sp>
+        <p:nvSpPr>
+          <p:cNvPr id="3" name="Text Box 2"/>
+          <p:cNvSpPr txBox="1"/>
+          <p:nvPr/>
+        </p:nvSpPr>
+        <p:spPr>
+          <a:xfrm>
+            <a:off x="274955" y="3094990"/>
+            <a:ext cx="800735" cy="275590"/>
+          </a:xfrm>
+          <a:prstGeom prst="rect">
+            <a:avLst/>
+          </a:prstGeom>
+          <a:noFill/>
+        </p:spPr>
+        <p:txBody>
+          <a:bodyPr wrap="square" rtlCol="0">
+            <a:spAutoFit/>
+          </a:bodyPr>
+          <a:p>
+            <a:r>
+              <a:rPr lang="en-US" sz="1200">
+                <a:latin typeface="Helvetica Regular" charset="0"/>
+                <a:cs typeface="Helvetica Regular" charset="0"/>
+              </a:rPr>
+              <a:t>Intensity</a:t>
+            </a:r>
+            <a:endParaRPr lang="en-US" sz="1200">
+              <a:latin typeface="Helvetica Regular" charset="0"/>
+              <a:cs typeface="Helvetica Regular" charset="0"/>
+            </a:endParaRPr>
+          </a:p>
+        </p:txBody>
+      </p:sp>
+      <p:sp>
+        <p:nvSpPr>
+          <p:cNvPr id="11" name="Text Box 10"/>
+          <p:cNvSpPr txBox="1"/>
+          <p:nvPr/>
+        </p:nvSpPr>
+        <p:spPr>
+          <a:xfrm>
+            <a:off x="274955" y="5179060"/>
+            <a:ext cx="800735" cy="275590"/>
+          </a:xfrm>
+          <a:prstGeom prst="rect">
+            <a:avLst/>
+          </a:prstGeom>
+          <a:noFill/>
+        </p:spPr>
+        <p:txBody>
+          <a:bodyPr wrap="square" rtlCol="0">
+            <a:spAutoFit/>
+          </a:bodyPr>
+          <a:p>
+            <a:r>
+              <a:rPr lang="en-US" sz="1200">
+                <a:latin typeface="Helvetica Regular" charset="0"/>
+                <a:cs typeface="Helvetica Regular" charset="0"/>
+              </a:rPr>
+              <a:t>Intensity</a:t>
+            </a:r>
+            <a:endParaRPr lang="en-US" sz="1200">
+              <a:latin typeface="Helvetica Regular" charset="0"/>
+              <a:cs typeface="Helvetica Regular" charset="0"/>
+            </a:endParaRPr>
+          </a:p>
+        </p:txBody>
+      </p:sp>
+      <p:sp>
+        <p:nvSpPr>
+          <p:cNvPr id="26" name="Text Box 25"/>
+          <p:cNvSpPr txBox="1"/>
+          <p:nvPr/>
+        </p:nvSpPr>
+        <p:spPr>
+          <a:xfrm>
+            <a:off x="4027170" y="1802130"/>
+            <a:ext cx="800735" cy="275590"/>
+          </a:xfrm>
+          <a:prstGeom prst="rect">
+            <a:avLst/>
+          </a:prstGeom>
+          <a:noFill/>
+        </p:spPr>
+        <p:txBody>
+          <a:bodyPr wrap="square" rtlCol="0">
+            <a:spAutoFit/>
+          </a:bodyPr>
+          <a:p>
+            <a:r>
+              <a:rPr lang="en-US" sz="1200">
+                <a:latin typeface="Helvetica Regular" charset="0"/>
+                <a:cs typeface="Helvetica Regular" charset="0"/>
+              </a:rPr>
+              <a:t>Intensity</a:t>
+            </a:r>
+            <a:endParaRPr lang="en-US" sz="1200">
+              <a:latin typeface="Helvetica Regular" charset="0"/>
+              <a:cs typeface="Helvetica Regular" charset="0"/>
+            </a:endParaRPr>
+          </a:p>
+        </p:txBody>
+      </p:sp>
+      <p:sp>
+        <p:nvSpPr>
+          <p:cNvPr id="107" name="Text Box 106"/>
+          <p:cNvSpPr txBox="1"/>
+          <p:nvPr/>
+        </p:nvSpPr>
+        <p:spPr>
+          <a:xfrm>
+            <a:off x="4039235" y="4849495"/>
+            <a:ext cx="800735" cy="275590"/>
+          </a:xfrm>
+          <a:prstGeom prst="rect">
+            <a:avLst/>
+          </a:prstGeom>
+          <a:noFill/>
+        </p:spPr>
+        <p:txBody>
+          <a:bodyPr wrap="square" rtlCol="0">
+            <a:spAutoFit/>
+          </a:bodyPr>
+          <a:p>
+            <a:r>
+              <a:rPr lang="en-US" sz="1200">
+                <a:latin typeface="Helvetica Regular" charset="0"/>
+                <a:cs typeface="Helvetica Regular" charset="0"/>
+              </a:rPr>
+              <a:t>Intensity</a:t>
+            </a:r>
+            <a:endParaRPr lang="en-US" sz="1200">
+              <a:latin typeface="Helvetica Regular" charset="0"/>
+              <a:cs typeface="Helvetica Regular" charset="0"/>
+            </a:endParaRPr>
           </a:p>
         </p:txBody>
       </p:sp>
@@ -12484,83 +21110,203 @@
       <p:grpSpPr/>
       <p:sp>
         <p:nvSpPr>
-          <p:cNvPr id="2" name="Title 1"/>
-          <p:cNvSpPr>
-            <a:spLocks noGrp="1"/>
-          </p:cNvSpPr>
-          <p:nvPr>
-            <p:ph type="title"/>
-          </p:nvPr>
-        </p:nvSpPr>
-        <p:spPr/>
-        <p:txBody>
-          <a:bodyPr/>
-          <a:p>
-            <a:r>
-              <a:rPr lang="en-US"/>
-              <a:t>Steps</a:t>
-            </a:r>
-            <a:endParaRPr lang="en-US"/>
-          </a:p>
-        </p:txBody>
-      </p:sp>
-      <p:sp>
-        <p:nvSpPr>
-          <p:cNvPr id="3" name="Content Placeholder 2"/>
-          <p:cNvSpPr>
-            <a:spLocks noGrp="1"/>
-          </p:cNvSpPr>
-          <p:nvPr>
-            <p:ph idx="1"/>
-          </p:nvPr>
-        </p:nvSpPr>
-        <p:spPr/>
-        <p:txBody>
-          <a:bodyPr/>
-          <a:p>
-            <a:r>
-              <a:rPr lang="en-US"/>
-              <a:t>1. find three real RNAs, plot them in 2D plots.</a:t>
-            </a:r>
-            <a:endParaRPr lang="en-US"/>
-          </a:p>
-          <a:p>
-            <a:r>
-              <a:rPr lang="en-US"/>
-              <a:t>2. Draw an intact sample plot accordingly</a:t>
-            </a:r>
-            <a:endParaRPr lang="en-US"/>
-          </a:p>
-          <a:p>
-            <a:r>
-              <a:rPr lang="en-US"/>
-              <a:t>3. build a bar plot for the most abundant RNA sequence</a:t>
-            </a:r>
-            <a:endParaRPr lang="en-US"/>
-          </a:p>
-          <a:p>
-            <a:r>
-              <a:rPr lang="en-US"/>
-              <a:t>4. ladder assembly in PPT.</a:t>
-            </a:r>
-            <a:endParaRPr lang="en-US"/>
-          </a:p>
-          <a:p>
-            <a:r>
-              <a:rPr lang="en-US"/>
-              <a:t>5. Draw an intact sample with only low intensity RNAs remaining.</a:t>
-            </a:r>
-            <a:endParaRPr lang="en-US"/>
-          </a:p>
-          <a:p>
-            <a:r>
-              <a:rPr lang="en-US"/>
-              <a:t>6. Produce sequence output.</a:t>
-            </a:r>
-            <a:endParaRPr lang="en-US"/>
-          </a:p>
-          <a:p>
-            <a:endParaRPr lang="en-US"/>
+          <p:cNvPr id="9" name="Text Box 8"/>
+          <p:cNvSpPr txBox="1"/>
+          <p:nvPr/>
+        </p:nvSpPr>
+        <p:spPr>
+          <a:xfrm>
+            <a:off x="591185" y="681355"/>
+            <a:ext cx="2718435" cy="275590"/>
+          </a:xfrm>
+          <a:prstGeom prst="rect">
+            <a:avLst/>
+          </a:prstGeom>
+          <a:noFill/>
+        </p:spPr>
+        <p:txBody>
+          <a:bodyPr wrap="square" rtlCol="0">
+            <a:spAutoFit/>
+          </a:bodyPr>
+          <a:p>
+            <a:pPr algn="ctr"/>
+            <a:r>
+              <a:rPr lang="en-US" sz="1200" u="sng">
+                <a:latin typeface="Helvetica Regular" charset="0"/>
+                <a:cs typeface="Helvetica Regular" charset="0"/>
+              </a:rPr>
+              <a:t>Base Calling</a:t>
+            </a:r>
+            <a:endParaRPr lang="en-US" sz="1200" u="sng">
+              <a:latin typeface="Helvetica Regular" charset="0"/>
+              <a:cs typeface="Helvetica Regular" charset="0"/>
+            </a:endParaRPr>
+          </a:p>
+        </p:txBody>
+      </p:sp>
+      <p:pic>
+        <p:nvPicPr>
+          <p:cNvPr id="4" name="Picture 3" descr="Screenshot 2025-04-01 at 1.36.31 PM"/>
+          <p:cNvPicPr>
+            <a:picLocks noChangeAspect="1"/>
+          </p:cNvPicPr>
+          <p:nvPr/>
+        </p:nvPicPr>
+        <p:blipFill>
+          <a:blip r:embed="rId1"/>
+          <a:stretch>
+            <a:fillRect/>
+          </a:stretch>
+        </p:blipFill>
+        <p:spPr>
+          <a:xfrm>
+            <a:off x="972820" y="1292225"/>
+            <a:ext cx="2156460" cy="1358900"/>
+          </a:xfrm>
+          <a:prstGeom prst="rect">
+            <a:avLst/>
+          </a:prstGeom>
+        </p:spPr>
+      </p:pic>
+      <p:cxnSp>
+        <p:nvCxnSpPr>
+          <p:cNvPr id="5" name="Straight Arrow Connector 4"/>
+          <p:cNvCxnSpPr/>
+          <p:nvPr/>
+        </p:nvCxnSpPr>
+        <p:spPr>
+          <a:xfrm flipV="1">
+            <a:off x="972820" y="1216025"/>
+            <a:ext cx="0" cy="1473200"/>
+          </a:xfrm>
+          <a:prstGeom prst="straightConnector1">
+            <a:avLst/>
+          </a:prstGeom>
+          <a:ln w="38100">
+            <a:solidFill>
+              <a:schemeClr val="tx1"/>
+            </a:solidFill>
+            <a:tailEnd type="stealth"/>
+          </a:ln>
+        </p:spPr>
+        <p:style>
+          <a:lnRef idx="2">
+            <a:schemeClr val="accent1"/>
+          </a:lnRef>
+          <a:fillRef idx="0">
+            <a:srgbClr val="FFFFFF"/>
+          </a:fillRef>
+          <a:effectRef idx="0">
+            <a:srgbClr val="FFFFFF"/>
+          </a:effectRef>
+          <a:fontRef idx="minor">
+            <a:schemeClr val="tx1"/>
+          </a:fontRef>
+        </p:style>
+      </p:cxnSp>
+      <p:cxnSp>
+        <p:nvCxnSpPr>
+          <p:cNvPr id="6" name="Straight Arrow Connector 5"/>
+          <p:cNvCxnSpPr/>
+          <p:nvPr/>
+        </p:nvCxnSpPr>
+        <p:spPr>
+          <a:xfrm>
+            <a:off x="992505" y="2674620"/>
+            <a:ext cx="2279650" cy="9525"/>
+          </a:xfrm>
+          <a:prstGeom prst="straightConnector1">
+            <a:avLst/>
+          </a:prstGeom>
+          <a:ln w="38100">
+            <a:solidFill>
+              <a:schemeClr val="tx1"/>
+            </a:solidFill>
+            <a:tailEnd type="stealth"/>
+          </a:ln>
+        </p:spPr>
+        <p:style>
+          <a:lnRef idx="2">
+            <a:schemeClr val="accent1"/>
+          </a:lnRef>
+          <a:fillRef idx="0">
+            <a:srgbClr val="FFFFFF"/>
+          </a:fillRef>
+          <a:effectRef idx="0">
+            <a:srgbClr val="FFFFFF"/>
+          </a:effectRef>
+          <a:fontRef idx="minor">
+            <a:schemeClr val="tx1"/>
+          </a:fontRef>
+        </p:style>
+      </p:cxnSp>
+      <p:sp>
+        <p:nvSpPr>
+          <p:cNvPr id="7" name="Text Box 6"/>
+          <p:cNvSpPr txBox="1"/>
+          <p:nvPr/>
+        </p:nvSpPr>
+        <p:spPr>
+          <a:xfrm>
+            <a:off x="676910" y="1203960"/>
+            <a:ext cx="398780" cy="275590"/>
+          </a:xfrm>
+          <a:prstGeom prst="rect">
+            <a:avLst/>
+          </a:prstGeom>
+          <a:noFill/>
+        </p:spPr>
+        <p:txBody>
+          <a:bodyPr wrap="square" rtlCol="0">
+            <a:spAutoFit/>
+          </a:bodyPr>
+          <a:p>
+            <a:r>
+              <a:rPr lang="en-US" sz="1200">
+                <a:latin typeface="Helvetica Regular" charset="0"/>
+                <a:cs typeface="Helvetica Regular" charset="0"/>
+              </a:rPr>
+              <a:t>SI</a:t>
+            </a:r>
+            <a:endParaRPr lang="en-US" sz="1200">
+              <a:latin typeface="Helvetica Regular" charset="0"/>
+              <a:cs typeface="Helvetica Regular" charset="0"/>
+            </a:endParaRPr>
+          </a:p>
+        </p:txBody>
+      </p:sp>
+      <p:sp>
+        <p:nvSpPr>
+          <p:cNvPr id="8" name="Text Box 7"/>
+          <p:cNvSpPr txBox="1"/>
+          <p:nvPr/>
+        </p:nvSpPr>
+        <p:spPr>
+          <a:xfrm>
+            <a:off x="3195955" y="2467610"/>
+            <a:ext cx="601980" cy="275590"/>
+          </a:xfrm>
+          <a:prstGeom prst="rect">
+            <a:avLst/>
+          </a:prstGeom>
+          <a:noFill/>
+        </p:spPr>
+        <p:txBody>
+          <a:bodyPr wrap="square" rtlCol="0">
+            <a:spAutoFit/>
+          </a:bodyPr>
+          <a:p>
+            <a:r>
+              <a:rPr lang="en-US" sz="1200">
+                <a:latin typeface="Helvetica Regular" charset="0"/>
+                <a:cs typeface="Helvetica Regular" charset="0"/>
+              </a:rPr>
+              <a:t>Mass</a:t>
+            </a:r>
+            <a:endParaRPr lang="en-US" sz="1200">
+              <a:latin typeface="Helvetica Regular" charset="0"/>
+              <a:cs typeface="Helvetica Regular" charset="0"/>
+            </a:endParaRPr>
           </a:p>
         </p:txBody>
       </p:sp>
@@ -12573,6 +21319,169 @@
 </file>
 
 <file path=ppt/slides/slide6.xml><?xml version="1.0" encoding="utf-8"?>
+<p:sld xmlns:a="http://schemas.openxmlformats.org/drawingml/2006/main" xmlns:r="http://schemas.openxmlformats.org/officeDocument/2006/relationships" xmlns:p="http://schemas.openxmlformats.org/presentationml/2006/main">
+  <p:cSld>
+    <p:spTree>
+      <p:nvGrpSpPr>
+        <p:cNvPr id="1" name=""/>
+        <p:cNvGrpSpPr/>
+        <p:nvPr/>
+      </p:nvGrpSpPr>
+      <p:grpSpPr/>
+      <p:sp>
+        <p:nvSpPr>
+          <p:cNvPr id="2" name="Title 1"/>
+          <p:cNvSpPr>
+            <a:spLocks noGrp="1"/>
+          </p:cNvSpPr>
+          <p:nvPr>
+            <p:ph type="ctrTitle"/>
+          </p:nvPr>
+        </p:nvSpPr>
+        <p:spPr/>
+        <p:txBody>
+          <a:bodyPr>
+            <a:normAutofit fontScale="90000"/>
+          </a:bodyPr>
+          <a:p>
+            <a:r>
+              <a:rPr lang="en-US"/>
+              <a:t>Figure 1 new version 0227</a:t>
+            </a:r>
+            <a:br>
+              <a:rPr lang="en-US"/>
+            </a:br>
+            <a:endParaRPr lang="en-US"/>
+          </a:p>
+        </p:txBody>
+      </p:sp>
+      <p:sp>
+        <p:nvSpPr>
+          <p:cNvPr id="3" name="Subtitle 2"/>
+          <p:cNvSpPr>
+            <a:spLocks noGrp="1"/>
+          </p:cNvSpPr>
+          <p:nvPr>
+            <p:ph type="subTitle" idx="1"/>
+          </p:nvPr>
+        </p:nvSpPr>
+        <p:spPr/>
+        <p:txBody>
+          <a:bodyPr/>
+          <a:p>
+            <a:endParaRPr lang="en-US"/>
+          </a:p>
+        </p:txBody>
+      </p:sp>
+    </p:spTree>
+  </p:cSld>
+  <p:clrMapOvr>
+    <a:masterClrMapping/>
+  </p:clrMapOvr>
+</p:sld>
+</file>
+
+<file path=ppt/slides/slide7.xml><?xml version="1.0" encoding="utf-8"?>
+<p:sld xmlns:a="http://schemas.openxmlformats.org/drawingml/2006/main" xmlns:r="http://schemas.openxmlformats.org/officeDocument/2006/relationships" xmlns:p="http://schemas.openxmlformats.org/presentationml/2006/main">
+  <p:cSld>
+    <p:spTree>
+      <p:nvGrpSpPr>
+        <p:cNvPr id="1" name=""/>
+        <p:cNvGrpSpPr/>
+        <p:nvPr/>
+      </p:nvGrpSpPr>
+      <p:grpSpPr/>
+      <p:sp>
+        <p:nvSpPr>
+          <p:cNvPr id="2" name="Title 1"/>
+          <p:cNvSpPr>
+            <a:spLocks noGrp="1"/>
+          </p:cNvSpPr>
+          <p:nvPr>
+            <p:ph type="title"/>
+          </p:nvPr>
+        </p:nvSpPr>
+        <p:spPr/>
+        <p:txBody>
+          <a:bodyPr/>
+          <a:p>
+            <a:r>
+              <a:rPr lang="en-US"/>
+              <a:t>Steps</a:t>
+            </a:r>
+            <a:endParaRPr lang="en-US"/>
+          </a:p>
+        </p:txBody>
+      </p:sp>
+      <p:sp>
+        <p:nvSpPr>
+          <p:cNvPr id="3" name="Content Placeholder 2"/>
+          <p:cNvSpPr>
+            <a:spLocks noGrp="1"/>
+          </p:cNvSpPr>
+          <p:nvPr>
+            <p:ph idx="1"/>
+          </p:nvPr>
+        </p:nvSpPr>
+        <p:spPr/>
+        <p:txBody>
+          <a:bodyPr/>
+          <a:p>
+            <a:r>
+              <a:rPr lang="en-US"/>
+              <a:t>1. find three real RNAs, plot them in 2D plots.</a:t>
+            </a:r>
+            <a:endParaRPr lang="en-US"/>
+          </a:p>
+          <a:p>
+            <a:r>
+              <a:rPr lang="en-US"/>
+              <a:t>2. Draw an intact sample plot accordingly</a:t>
+            </a:r>
+            <a:endParaRPr lang="en-US"/>
+          </a:p>
+          <a:p>
+            <a:r>
+              <a:rPr lang="en-US"/>
+              <a:t>3. build a bar plot for the most abundant RNA sequence</a:t>
+            </a:r>
+            <a:endParaRPr lang="en-US"/>
+          </a:p>
+          <a:p>
+            <a:r>
+              <a:rPr lang="en-US"/>
+              <a:t>4. ladder assembly in PPT.</a:t>
+            </a:r>
+            <a:endParaRPr lang="en-US"/>
+          </a:p>
+          <a:p>
+            <a:r>
+              <a:rPr lang="en-US"/>
+              <a:t>5. Draw an intact sample with only low intensity RNAs remaining.</a:t>
+            </a:r>
+            <a:endParaRPr lang="en-US"/>
+          </a:p>
+          <a:p>
+            <a:r>
+              <a:rPr lang="en-US"/>
+              <a:t>6. Produce sequence output.</a:t>
+            </a:r>
+            <a:endParaRPr lang="en-US"/>
+          </a:p>
+          <a:p>
+            <a:endParaRPr lang="en-US"/>
+          </a:p>
+        </p:txBody>
+      </p:sp>
+    </p:spTree>
+  </p:cSld>
+  <p:clrMapOvr>
+    <a:masterClrMapping/>
+  </p:clrMapOvr>
+</p:sld>
+</file>
+
+<file path=ppt/slides/slide8.xml><?xml version="1.0" encoding="utf-8"?>
 <p:sld xmlns:a="http://schemas.openxmlformats.org/drawingml/2006/main" xmlns:r="http://schemas.openxmlformats.org/officeDocument/2006/relationships" xmlns:p="http://schemas.openxmlformats.org/presentationml/2006/main">
   <p:cSld>
     <p:spTree>
@@ -19831,7 +28740,7 @@
 </p:sld>
 </file>
 
-<file path=ppt/slides/slide7.xml><?xml version="1.0" encoding="utf-8"?>
+<file path=ppt/slides/slide9.xml><?xml version="1.0" encoding="utf-8"?>
 <p:sld xmlns:a="http://schemas.openxmlformats.org/drawingml/2006/main" xmlns:r="http://schemas.openxmlformats.org/officeDocument/2006/relationships" xmlns:p="http://schemas.openxmlformats.org/presentationml/2006/main">
   <p:cSld>
     <p:spTree>

--- a/Data/sgRNA/Figure1/Figure 1 new version 0227.pptx
+++ b/Data/sgRNA/Figure1/Figure 1 new version 0227.pptx
@@ -21302,6 +21302,258 @@
                 <a:cs typeface="Helvetica Regular" charset="0"/>
               </a:rPr>
               <a:t>Mass</a:t>
+            </a:r>
+            <a:endParaRPr lang="en-US" sz="1200">
+              <a:latin typeface="Helvetica Regular" charset="0"/>
+              <a:cs typeface="Helvetica Regular" charset="0"/>
+            </a:endParaRPr>
+          </a:p>
+        </p:txBody>
+      </p:sp>
+      <p:sp>
+        <p:nvSpPr>
+          <p:cNvPr id="3" name="Oval 2"/>
+          <p:cNvSpPr/>
+          <p:nvPr/>
+        </p:nvSpPr>
+        <p:spPr>
+          <a:xfrm>
+            <a:off x="5665470" y="506095"/>
+            <a:ext cx="278765" cy="278765"/>
+          </a:xfrm>
+          <a:prstGeom prst="ellipse">
+            <a:avLst/>
+          </a:prstGeom>
+          <a:solidFill>
+            <a:schemeClr val="accent1"/>
+          </a:solidFill>
+          <a:ln w="12700" cmpd="sng">
+            <a:solidFill>
+              <a:schemeClr val="tx1"/>
+            </a:solidFill>
+            <a:prstDash val="solid"/>
+          </a:ln>
+        </p:spPr>
+        <p:style>
+          <a:lnRef idx="2">
+            <a:schemeClr val="accent1">
+              <a:lumMod val="75000"/>
+            </a:schemeClr>
+          </a:lnRef>
+          <a:fillRef idx="1">
+            <a:schemeClr val="accent1"/>
+          </a:fillRef>
+          <a:effectRef idx="0">
+            <a:srgbClr val="FFFFFF"/>
+          </a:effectRef>
+          <a:fontRef idx="minor">
+            <a:schemeClr val="lt1"/>
+          </a:fontRef>
+        </p:style>
+        <p:txBody>
+          <a:bodyPr rtlCol="0" anchor="ctr"/>
+          <a:p>
+            <a:pPr algn="ctr"/>
+            <a:endParaRPr lang="en-US" b="1">
+              <a:latin typeface="Arial Bold" panose="020B0604020202090204" charset="0"/>
+              <a:cs typeface="Arial Bold" panose="020B0604020202090204" charset="0"/>
+            </a:endParaRPr>
+          </a:p>
+        </p:txBody>
+      </p:sp>
+      <p:sp>
+        <p:nvSpPr>
+          <p:cNvPr id="10" name="Oval 9"/>
+          <p:cNvSpPr/>
+          <p:nvPr/>
+        </p:nvSpPr>
+        <p:spPr>
+          <a:xfrm>
+            <a:off x="5665470" y="925195"/>
+            <a:ext cx="278765" cy="278765"/>
+          </a:xfrm>
+          <a:prstGeom prst="ellipse">
+            <a:avLst/>
+          </a:prstGeom>
+          <a:solidFill>
+            <a:schemeClr val="accent4"/>
+          </a:solidFill>
+          <a:ln w="12700" cmpd="sng">
+            <a:solidFill>
+              <a:schemeClr val="tx1"/>
+            </a:solidFill>
+            <a:prstDash val="solid"/>
+          </a:ln>
+        </p:spPr>
+        <p:style>
+          <a:lnRef idx="2">
+            <a:schemeClr val="accent1">
+              <a:lumMod val="75000"/>
+            </a:schemeClr>
+          </a:lnRef>
+          <a:fillRef idx="1">
+            <a:schemeClr val="accent1"/>
+          </a:fillRef>
+          <a:effectRef idx="0">
+            <a:srgbClr val="FFFFFF"/>
+          </a:effectRef>
+          <a:fontRef idx="minor">
+            <a:schemeClr val="lt1"/>
+          </a:fontRef>
+        </p:style>
+        <p:txBody>
+          <a:bodyPr rtlCol="0" anchor="ctr"/>
+          <a:p>
+            <a:pPr algn="ctr"/>
+            <a:endParaRPr lang="en-US"/>
+          </a:p>
+        </p:txBody>
+      </p:sp>
+      <p:sp>
+        <p:nvSpPr>
+          <p:cNvPr id="96" name="Oval 95"/>
+          <p:cNvSpPr/>
+          <p:nvPr/>
+        </p:nvSpPr>
+        <p:spPr>
+          <a:xfrm>
+            <a:off x="5664835" y="1344295"/>
+            <a:ext cx="279400" cy="278765"/>
+          </a:xfrm>
+          <a:prstGeom prst="ellipse">
+            <a:avLst/>
+          </a:prstGeom>
+          <a:solidFill>
+            <a:schemeClr val="accent6"/>
+          </a:solidFill>
+          <a:ln w="12700" cmpd="sng">
+            <a:solidFill>
+              <a:schemeClr val="tx1"/>
+            </a:solidFill>
+            <a:prstDash val="solid"/>
+          </a:ln>
+        </p:spPr>
+        <p:style>
+          <a:lnRef idx="2">
+            <a:schemeClr val="accent1">
+              <a:lumMod val="75000"/>
+            </a:schemeClr>
+          </a:lnRef>
+          <a:fillRef idx="1">
+            <a:schemeClr val="accent1"/>
+          </a:fillRef>
+          <a:effectRef idx="0">
+            <a:srgbClr val="FFFFFF"/>
+          </a:effectRef>
+          <a:fontRef idx="minor">
+            <a:schemeClr val="lt1"/>
+          </a:fontRef>
+        </p:style>
+        <p:txBody>
+          <a:bodyPr rtlCol="0" anchor="ctr"/>
+          <a:p>
+            <a:pPr algn="ctr"/>
+            <a:endParaRPr lang="en-US"/>
+          </a:p>
+        </p:txBody>
+      </p:sp>
+      <p:sp>
+        <p:nvSpPr>
+          <p:cNvPr id="11" name="Text Box 10"/>
+          <p:cNvSpPr txBox="1"/>
+          <p:nvPr/>
+        </p:nvSpPr>
+        <p:spPr>
+          <a:xfrm>
+            <a:off x="5944235" y="514985"/>
+            <a:ext cx="4064000" cy="275590"/>
+          </a:xfrm>
+          <a:prstGeom prst="rect">
+            <a:avLst/>
+          </a:prstGeom>
+          <a:noFill/>
+        </p:spPr>
+        <p:txBody>
+          <a:bodyPr wrap="square" rtlCol="0">
+            <a:spAutoFit/>
+          </a:bodyPr>
+          <a:p>
+            <a:r>
+              <a:rPr lang="en-US" sz="1200">
+                <a:latin typeface="Helvetica Regular" charset="0"/>
+                <a:cs typeface="Helvetica Regular" charset="0"/>
+              </a:rPr>
+              <a:t>: Sequence covered by 5’ only</a:t>
+            </a:r>
+            <a:endParaRPr lang="en-US" sz="1200">
+              <a:latin typeface="Helvetica Regular" charset="0"/>
+              <a:cs typeface="Helvetica Regular" charset="0"/>
+            </a:endParaRPr>
+          </a:p>
+        </p:txBody>
+      </p:sp>
+      <p:sp>
+        <p:nvSpPr>
+          <p:cNvPr id="12" name="Text Box 11"/>
+          <p:cNvSpPr txBox="1"/>
+          <p:nvPr/>
+        </p:nvSpPr>
+        <p:spPr>
+          <a:xfrm>
+            <a:off x="5944235" y="947420"/>
+            <a:ext cx="4064000" cy="275590"/>
+          </a:xfrm>
+          <a:prstGeom prst="rect">
+            <a:avLst/>
+          </a:prstGeom>
+          <a:noFill/>
+        </p:spPr>
+        <p:txBody>
+          <a:bodyPr wrap="square" rtlCol="0">
+            <a:spAutoFit/>
+          </a:bodyPr>
+          <a:p>
+            <a:r>
+              <a:rPr lang="en-US" sz="1200">
+                <a:latin typeface="Helvetica Regular" charset="0"/>
+                <a:cs typeface="Helvetica Regular" charset="0"/>
+              </a:rPr>
+              <a:t>: Sequence covered by both 3’ and 5’</a:t>
+            </a:r>
+            <a:endParaRPr lang="en-US" sz="1200">
+              <a:latin typeface="Helvetica Regular" charset="0"/>
+              <a:cs typeface="Helvetica Regular" charset="0"/>
+            </a:endParaRPr>
+          </a:p>
+        </p:txBody>
+      </p:sp>
+      <p:sp>
+        <p:nvSpPr>
+          <p:cNvPr id="13" name="Text Box 12"/>
+          <p:cNvSpPr txBox="1"/>
+          <p:nvPr/>
+        </p:nvSpPr>
+        <p:spPr>
+          <a:xfrm>
+            <a:off x="5944235" y="1379855"/>
+            <a:ext cx="4064000" cy="275590"/>
+          </a:xfrm>
+          <a:prstGeom prst="rect">
+            <a:avLst/>
+          </a:prstGeom>
+          <a:noFill/>
+        </p:spPr>
+        <p:txBody>
+          <a:bodyPr wrap="square" rtlCol="0">
+            <a:spAutoFit/>
+          </a:bodyPr>
+          <a:p>
+            <a:r>
+              <a:rPr lang="en-US" sz="1200">
+                <a:latin typeface="Helvetica Regular" charset="0"/>
+                <a:cs typeface="Helvetica Regular" charset="0"/>
+              </a:rPr>
+              <a:t>: Sequence covered by 3’ only</a:t>
             </a:r>
             <a:endParaRPr lang="en-US" sz="1200">
               <a:latin typeface="Helvetica Regular" charset="0"/>
